--- a/ppt/04.二分类-文本输入.pptx
+++ b/ppt/04.二分类-文本输入.pptx
@@ -5,12 +5,17 @@
     <p:sldMasterId id="2147483648" r:id="rId1"/>
   </p:sldMasterIdLst>
   <p:notesMasterIdLst>
-    <p:notesMasterId r:id="rId5"/>
+    <p:notesMasterId r:id="rId10"/>
   </p:notesMasterIdLst>
   <p:sldIdLst>
     <p:sldId id="256" r:id="rId2"/>
     <p:sldId id="257" r:id="rId3"/>
-    <p:sldId id="303" r:id="rId4"/>
+    <p:sldId id="313" r:id="rId4"/>
+    <p:sldId id="314" r:id="rId5"/>
+    <p:sldId id="316" r:id="rId6"/>
+    <p:sldId id="315" r:id="rId7"/>
+    <p:sldId id="317" r:id="rId8"/>
+    <p:sldId id="303" r:id="rId9"/>
   </p:sldIdLst>
   <p:sldSz cx="12192000" cy="6858000"/>
   <p:notesSz cx="6858000" cy="9144000"/>
@@ -199,7 +204,7 @@
           <a:p>
             <a:fld id="{DACACA31-A8D1-C749-B637-11AA2950D448}" type="datetimeFigureOut">
               <a:rPr lang="en-US" smtClean="0"/>
-              <a:t>3/15/24</a:t>
+              <a:t>3/18/24</a:t>
             </a:fld>
             <a:endParaRPr lang="en-US"/>
           </a:p>
@@ -603,7 +608,7 @@
           <a:p>
             <a:fld id="{96C716C6-330E-FB4E-98B0-A511746D665E}" type="datetimeFigureOut">
               <a:rPr lang="en-US" smtClean="0"/>
-              <a:t>3/15/24</a:t>
+              <a:t>3/18/24</a:t>
             </a:fld>
             <a:endParaRPr lang="en-US"/>
           </a:p>
@@ -879,7 +884,7 @@
           <a:p>
             <a:fld id="{96C716C6-330E-FB4E-98B0-A511746D665E}" type="datetimeFigureOut">
               <a:rPr lang="en-US" smtClean="0"/>
-              <a:t>3/15/24</a:t>
+              <a:t>3/18/24</a:t>
             </a:fld>
             <a:endParaRPr lang="en-US"/>
           </a:p>
@@ -1071,7 +1076,7 @@
           <a:p>
             <a:fld id="{96C716C6-330E-FB4E-98B0-A511746D665E}" type="datetimeFigureOut">
               <a:rPr lang="en-US" smtClean="0"/>
-              <a:t>3/15/24</a:t>
+              <a:t>3/18/24</a:t>
             </a:fld>
             <a:endParaRPr lang="en-US"/>
           </a:p>
@@ -1273,7 +1278,7 @@
           <a:p>
             <a:fld id="{96C716C6-330E-FB4E-98B0-A511746D665E}" type="datetimeFigureOut">
               <a:rPr lang="en-US" smtClean="0"/>
-              <a:t>3/15/24</a:t>
+              <a:t>3/18/24</a:t>
             </a:fld>
             <a:endParaRPr lang="en-US"/>
           </a:p>
@@ -1465,7 +1470,7 @@
           <a:p>
             <a:fld id="{96C716C6-330E-FB4E-98B0-A511746D665E}" type="datetimeFigureOut">
               <a:rPr lang="en-US" smtClean="0"/>
-              <a:t>3/15/24</a:t>
+              <a:t>3/18/24</a:t>
             </a:fld>
             <a:endParaRPr lang="en-US"/>
           </a:p>
@@ -1713,7 +1718,7 @@
           <a:p>
             <a:fld id="{96C716C6-330E-FB4E-98B0-A511746D665E}" type="datetimeFigureOut">
               <a:rPr lang="en-US" smtClean="0"/>
-              <a:t>3/15/24</a:t>
+              <a:t>3/18/24</a:t>
             </a:fld>
             <a:endParaRPr lang="en-US"/>
           </a:p>
@@ -1977,7 +1982,7 @@
           <a:p>
             <a:fld id="{96C716C6-330E-FB4E-98B0-A511746D665E}" type="datetimeFigureOut">
               <a:rPr lang="en-US" smtClean="0"/>
-              <a:t>3/15/24</a:t>
+              <a:t>3/18/24</a:t>
             </a:fld>
             <a:endParaRPr lang="en-US"/>
           </a:p>
@@ -2230,7 +2235,7 @@
           <a:p>
             <a:fld id="{96C716C6-330E-FB4E-98B0-A511746D665E}" type="datetimeFigureOut">
               <a:rPr lang="en-US" smtClean="0"/>
-              <a:t>3/15/24</a:t>
+              <a:t>3/18/24</a:t>
             </a:fld>
             <a:endParaRPr lang="en-US"/>
           </a:p>
@@ -2618,7 +2623,7 @@
           <a:p>
             <a:fld id="{96C716C6-330E-FB4E-98B0-A511746D665E}" type="datetimeFigureOut">
               <a:rPr lang="en-US" smtClean="0"/>
-              <a:t>3/15/24</a:t>
+              <a:t>3/18/24</a:t>
             </a:fld>
             <a:endParaRPr lang="en-US"/>
           </a:p>
@@ -2759,7 +2764,7 @@
           <a:p>
             <a:fld id="{96C716C6-330E-FB4E-98B0-A511746D665E}" type="datetimeFigureOut">
               <a:rPr lang="en-US" smtClean="0"/>
-              <a:t>3/15/24</a:t>
+              <a:t>3/18/24</a:t>
             </a:fld>
             <a:endParaRPr lang="en-US"/>
           </a:p>
@@ -2878,7 +2883,7 @@
           <a:p>
             <a:fld id="{96C716C6-330E-FB4E-98B0-A511746D665E}" type="datetimeFigureOut">
               <a:rPr lang="en-US" smtClean="0"/>
-              <a:t>3/15/24</a:t>
+              <a:t>3/18/24</a:t>
             </a:fld>
             <a:endParaRPr lang="en-US"/>
           </a:p>
@@ -3177,7 +3182,7 @@
           <a:p>
             <a:fld id="{96C716C6-330E-FB4E-98B0-A511746D665E}" type="datetimeFigureOut">
               <a:rPr lang="en-US" smtClean="0"/>
-              <a:t>3/15/24</a:t>
+              <a:t>3/18/24</a:t>
             </a:fld>
             <a:endParaRPr lang="en-US"/>
           </a:p>
@@ -3882,46 +3887,6 @@
             </a:endParaRPr>
           </a:p>
           <a:p>
-            <a:pPr algn="l"/>
-            <a:r>
-              <a:rPr lang="zh-CN" altLang="en-US" sz="1800" dirty="0">
-                <a:solidFill>
-                  <a:schemeClr val="bg1">
-                    <a:lumMod val="50000"/>
-                  </a:schemeClr>
-                </a:solidFill>
-                <a:latin typeface="Kaiti TC" panose="02010600040101010101" pitchFamily="2" charset="-120"/>
-                <a:ea typeface="Kaiti TC" panose="02010600040101010101" pitchFamily="2" charset="-120"/>
-                <a:cs typeface="Chalkboard" charset="0"/>
-              </a:rPr>
-              <a:t>　　竹外桃花三两枝，春江水暖鸭先知。</a:t>
-            </a:r>
-            <a:endParaRPr lang="en-US" altLang="zh-CN" sz="1800" dirty="0">
-              <a:solidFill>
-                <a:schemeClr val="bg1">
-                  <a:lumMod val="50000"/>
-                </a:schemeClr>
-              </a:solidFill>
-              <a:latin typeface="Kaiti TC" panose="02010600040101010101" pitchFamily="2" charset="-120"/>
-              <a:ea typeface="Kaiti TC" panose="02010600040101010101" pitchFamily="2" charset="-120"/>
-              <a:cs typeface="Chalkboard" charset="0"/>
-            </a:endParaRPr>
-          </a:p>
-          <a:p>
-            <a:pPr algn="l"/>
-            <a:r>
-              <a:rPr lang="zh-CN" altLang="en-US" sz="1800" dirty="0">
-                <a:solidFill>
-                  <a:schemeClr val="bg1">
-                    <a:lumMod val="50000"/>
-                  </a:schemeClr>
-                </a:solidFill>
-                <a:latin typeface="Kaiti TC" panose="02010600040101010101" pitchFamily="2" charset="-120"/>
-                <a:ea typeface="Kaiti TC" panose="02010600040101010101" pitchFamily="2" charset="-120"/>
-                <a:cs typeface="Chalkboard" charset="0"/>
-              </a:rPr>
-              <a:t>　　　　　　　　　　　　　　　　　　　　　　　　　</a:t>
-            </a:r>
             <a:r>
               <a:rPr lang="en-US" altLang="zh-CN" sz="1800" dirty="0">
                 <a:solidFill>
@@ -3946,7 +3911,7 @@
                 <a:ea typeface="Kaiti TC" panose="02010600040101010101" pitchFamily="2" charset="-120"/>
                 <a:cs typeface="Chalkboard" charset="0"/>
               </a:rPr>
-              <a:t>苏轼</a:t>
+              <a:t>文本作为输入的二分类 </a:t>
             </a:r>
             <a:r>
               <a:rPr lang="en-US" altLang="zh-CN" sz="1800" dirty="0">
@@ -3959,33 +3924,7 @@
                 <a:ea typeface="Kaiti TC" panose="02010600040101010101" pitchFamily="2" charset="-120"/>
                 <a:cs typeface="Chalkboard" charset="0"/>
               </a:rPr>
-              <a:t>《</a:t>
-            </a:r>
-            <a:r>
-              <a:rPr lang="zh-CN" altLang="en-US" sz="1800" dirty="0">
-                <a:solidFill>
-                  <a:schemeClr val="bg1">
-                    <a:lumMod val="50000"/>
-                  </a:schemeClr>
-                </a:solidFill>
-                <a:latin typeface="Kaiti TC" panose="02010600040101010101" pitchFamily="2" charset="-120"/>
-                <a:ea typeface="Kaiti TC" panose="02010600040101010101" pitchFamily="2" charset="-120"/>
-                <a:cs typeface="Chalkboard" charset="0"/>
-              </a:rPr>
-              <a:t>惠崇春江晚景</a:t>
-            </a:r>
-            <a:r>
-              <a:rPr lang="en-US" altLang="zh-CN" sz="1800" dirty="0">
-                <a:solidFill>
-                  <a:schemeClr val="bg1">
-                    <a:lumMod val="50000"/>
-                  </a:schemeClr>
-                </a:solidFill>
-                <a:latin typeface="Kaiti TC" panose="02010600040101010101" pitchFamily="2" charset="-120"/>
-                <a:ea typeface="Kaiti TC" panose="02010600040101010101" pitchFamily="2" charset="-120"/>
-                <a:cs typeface="Chalkboard" charset="0"/>
-              </a:rPr>
-              <a:t>》</a:t>
+              <a:t>Textualized</a:t>
             </a:r>
             <a:endParaRPr lang="en-US" sz="1800" dirty="0">
               <a:solidFill>
@@ -4077,7 +4016,7 @@
           <a:lstStyle/>
           <a:p>
             <a:r>
-              <a:rPr lang="zh-CN" altLang="en-US" b="1">
+              <a:rPr lang="zh-CN" altLang="en-US" b="1" dirty="0">
                 <a:solidFill>
                   <a:schemeClr val="accent2">
                     <a:lumMod val="75000"/>
@@ -4087,7 +4026,7 @@
                 <a:ea typeface="Chalkboard" charset="0"/>
                 <a:cs typeface="Chalkboard" charset="0"/>
               </a:rPr>
-              <a:t>对比案例</a:t>
+              <a:t>文本特征</a:t>
             </a:r>
             <a:endParaRPr lang="en-US" altLang="zh-CN" b="1" dirty="0">
               <a:solidFill>
@@ -4102,7 +4041,7 @@
           </a:p>
           <a:p>
             <a:r>
-              <a:rPr lang="zh-CN" altLang="en-US" dirty="0">
+              <a:rPr lang="en-US" altLang="zh-CN">
                 <a:solidFill>
                   <a:schemeClr val="bg2">
                     <a:lumMod val="25000"/>
@@ -4112,7 +4051,7 @@
                 <a:ea typeface="Chalkboard" charset="0"/>
                 <a:cs typeface="Chalkboard" charset="0"/>
               </a:rPr>
-              <a:t>关于编码器</a:t>
+              <a:t>NLP</a:t>
             </a:r>
             <a:endParaRPr lang="en-US" altLang="zh-CN" dirty="0">
               <a:solidFill>
@@ -4137,7 +4076,7 @@
                 <a:ea typeface="Chalkboard" charset="0"/>
                 <a:cs typeface="Chalkboard" charset="0"/>
               </a:rPr>
-              <a:t>案例分析：特征处理</a:t>
+              <a:t>案例分析：文件规划</a:t>
             </a:r>
             <a:r>
               <a:rPr lang="zh-CN" altLang="en-US" b="1" dirty="0">
@@ -4175,6 +4114,2184 @@
 </file>
 
 <file path=ppt/slides/slide3.xml><?xml version="1.0" encoding="utf-8"?>
+<p:sld xmlns:a="http://schemas.openxmlformats.org/drawingml/2006/main" xmlns:r="http://schemas.openxmlformats.org/officeDocument/2006/relationships" xmlns:p="http://schemas.openxmlformats.org/presentationml/2006/main">
+  <p:cSld>
+    <p:spTree>
+      <p:nvGrpSpPr>
+        <p:cNvPr id="1" name=""/>
+        <p:cNvGrpSpPr/>
+        <p:nvPr/>
+      </p:nvGrpSpPr>
+      <p:grpSpPr>
+        <a:xfrm>
+          <a:off x="0" y="0"/>
+          <a:ext cx="0" cy="0"/>
+          <a:chOff x="0" y="0"/>
+          <a:chExt cx="0" cy="0"/>
+        </a:xfrm>
+      </p:grpSpPr>
+      <p:sp>
+        <p:nvSpPr>
+          <p:cNvPr id="6" name="Title 5"/>
+          <p:cNvSpPr>
+            <a:spLocks noGrp="1"/>
+          </p:cNvSpPr>
+          <p:nvPr>
+            <p:ph type="title"/>
+          </p:nvPr>
+        </p:nvSpPr>
+        <p:spPr>
+          <a:xfrm>
+            <a:off x="838200" y="193964"/>
+            <a:ext cx="10515600" cy="1153574"/>
+          </a:xfrm>
+        </p:spPr>
+        <p:txBody>
+          <a:bodyPr>
+            <a:normAutofit/>
+          </a:bodyPr>
+          <a:lstStyle/>
+          <a:p>
+            <a:pPr>
+              <a:lnSpc>
+                <a:spcPct val="150000"/>
+              </a:lnSpc>
+            </a:pPr>
+            <a:r>
+              <a:rPr lang="zh-CN" altLang="en-US" sz="2400" b="1" dirty="0">
+                <a:latin typeface="Microsoft YaHei" panose="020B0503020204020204" pitchFamily="34" charset="-122"/>
+                <a:ea typeface="Microsoft YaHei" panose="020B0503020204020204" pitchFamily="34" charset="-122"/>
+              </a:rPr>
+              <a:t>文本特征</a:t>
+            </a:r>
+            <a:br>
+              <a:rPr lang="en-US" altLang="zh-CN" sz="1800" dirty="0">
+                <a:solidFill>
+                  <a:schemeClr val="bg1">
+                    <a:lumMod val="50000"/>
+                  </a:schemeClr>
+                </a:solidFill>
+              </a:rPr>
+            </a:br>
+            <a:r>
+              <a:rPr lang="en-US" altLang="zh-CN" sz="1800" dirty="0">
+                <a:solidFill>
+                  <a:srgbClr val="0070C0"/>
+                </a:solidFill>
+                <a:latin typeface="Pristina" panose="020F0502020204030204" pitchFamily="34" charset="0"/>
+              </a:rPr>
+              <a:t>Data</a:t>
+            </a:r>
+            <a:r>
+              <a:rPr lang="zh-CN" altLang="en-US" sz="1800" dirty="0">
+                <a:solidFill>
+                  <a:srgbClr val="0070C0"/>
+                </a:solidFill>
+                <a:latin typeface="Pristina" panose="020F0502020204030204" pitchFamily="34" charset="0"/>
+              </a:rPr>
+              <a:t> </a:t>
+            </a:r>
+            <a:r>
+              <a:rPr lang="en-US" altLang="zh-CN" sz="1800" dirty="0">
+                <a:solidFill>
+                  <a:srgbClr val="0070C0"/>
+                </a:solidFill>
+                <a:latin typeface="Pristina" panose="020F0502020204030204" pitchFamily="34" charset="0"/>
+              </a:rPr>
+              <a:t>Input</a:t>
+            </a:r>
+            <a:endParaRPr lang="en-US" sz="1800" dirty="0">
+              <a:solidFill>
+                <a:srgbClr val="0070C0"/>
+              </a:solidFill>
+              <a:latin typeface="Pristina" panose="020F0502020204030204" pitchFamily="34" charset="0"/>
+              <a:cs typeface="Pristina" panose="020F0502020204030204" pitchFamily="34" charset="0"/>
+            </a:endParaRPr>
+          </a:p>
+        </p:txBody>
+      </p:sp>
+      <p:sp>
+        <p:nvSpPr>
+          <p:cNvPr id="7" name="Content Placeholder 6"/>
+          <p:cNvSpPr>
+            <a:spLocks noGrp="1"/>
+          </p:cNvSpPr>
+          <p:nvPr>
+            <p:ph idx="1"/>
+          </p:nvPr>
+        </p:nvSpPr>
+        <p:spPr>
+          <a:xfrm>
+            <a:off x="838200" y="1472665"/>
+            <a:ext cx="10515600" cy="4704298"/>
+          </a:xfrm>
+        </p:spPr>
+        <p:txBody>
+          <a:bodyPr>
+            <a:normAutofit/>
+          </a:bodyPr>
+          <a:lstStyle/>
+          <a:p>
+            <a:pPr>
+              <a:lnSpc>
+                <a:spcPct val="150000"/>
+              </a:lnSpc>
+            </a:pPr>
+            <a:r>
+              <a:rPr lang="zh-CN" altLang="en-US" sz="2000" dirty="0">
+                <a:solidFill>
+                  <a:schemeClr val="bg2">
+                    <a:lumMod val="25000"/>
+                  </a:schemeClr>
+                </a:solidFill>
+              </a:rPr>
+              <a:t>输入格式</a:t>
+            </a:r>
+            <a:br>
+              <a:rPr lang="en-US" altLang="zh-CN" sz="2000" dirty="0">
+                <a:solidFill>
+                  <a:schemeClr val="bg2">
+                    <a:lumMod val="25000"/>
+                  </a:schemeClr>
+                </a:solidFill>
+              </a:rPr>
+            </a:br>
+            <a:r>
+              <a:rPr lang="zh-CN" altLang="en-US" sz="1800" dirty="0">
+                <a:solidFill>
+                  <a:schemeClr val="bg2">
+                    <a:lumMod val="25000"/>
+                  </a:schemeClr>
+                </a:solidFill>
+              </a:rPr>
+              <a:t>文本输入在实际考试过程中，有两种常见的输入格式：</a:t>
+            </a:r>
+            <a:endParaRPr lang="en-US" altLang="zh-CN" sz="1800" dirty="0">
+              <a:solidFill>
+                <a:schemeClr val="bg2">
+                  <a:lumMod val="25000"/>
+                </a:schemeClr>
+              </a:solidFill>
+            </a:endParaRPr>
+          </a:p>
+          <a:p>
+            <a:pPr lvl="1">
+              <a:lnSpc>
+                <a:spcPct val="150000"/>
+              </a:lnSpc>
+            </a:pPr>
+            <a:r>
+              <a:rPr lang="zh-CN" altLang="en-US" sz="1600" dirty="0">
+                <a:solidFill>
+                  <a:schemeClr val="accent2"/>
+                </a:solidFill>
+              </a:rPr>
+              <a:t>纯文本格式</a:t>
+            </a:r>
+            <a:r>
+              <a:rPr lang="zh-CN" altLang="en-US" sz="1600" dirty="0">
+                <a:solidFill>
+                  <a:schemeClr val="bg2">
+                    <a:lumMod val="25000"/>
+                  </a:schemeClr>
+                </a:solidFill>
+              </a:rPr>
+              <a:t>：</a:t>
+            </a:r>
+            <a:br>
+              <a:rPr lang="en-US" altLang="zh-CN" sz="1600" dirty="0">
+                <a:solidFill>
+                  <a:schemeClr val="bg2">
+                    <a:lumMod val="25000"/>
+                  </a:schemeClr>
+                </a:solidFill>
+              </a:rPr>
+            </a:br>
+            <a:r>
+              <a:rPr lang="zh-CN" altLang="en-US" sz="1600" dirty="0">
+                <a:solidFill>
+                  <a:schemeClr val="bg2">
+                    <a:lumMod val="25000"/>
+                  </a:schemeClr>
+                </a:solidFill>
+              </a:rPr>
+              <a:t>直接以单列文本文件的方式存储数据，训练数据只包含文本特征列和目标列。</a:t>
+            </a:r>
+            <a:endParaRPr lang="en-US" altLang="zh-CN" sz="1600" dirty="0">
+              <a:solidFill>
+                <a:schemeClr val="bg2">
+                  <a:lumMod val="25000"/>
+                </a:schemeClr>
+              </a:solidFill>
+            </a:endParaRPr>
+          </a:p>
+          <a:p>
+            <a:pPr lvl="1">
+              <a:lnSpc>
+                <a:spcPct val="150000"/>
+              </a:lnSpc>
+            </a:pPr>
+            <a:r>
+              <a:rPr lang="zh-CN" altLang="en-US" sz="1600" dirty="0">
+                <a:solidFill>
+                  <a:schemeClr val="accent2"/>
+                </a:solidFill>
+              </a:rPr>
+              <a:t>列文本格式</a:t>
+            </a:r>
+            <a:r>
+              <a:rPr lang="zh-CN" altLang="en-US" sz="1600" dirty="0"/>
+              <a:t>：</a:t>
+            </a:r>
+            <a:br>
+              <a:rPr lang="en-US" altLang="zh-CN" sz="1600" dirty="0"/>
+            </a:br>
+            <a:r>
+              <a:rPr lang="zh-CN" altLang="en-US" sz="1600" dirty="0"/>
+              <a:t>文本特征是整个二维表（</a:t>
+            </a:r>
+            <a:r>
+              <a:rPr lang="en-US" altLang="zh-CN" sz="1600" dirty="0"/>
+              <a:t>Excel</a:t>
+            </a:r>
+            <a:r>
+              <a:rPr lang="zh-CN" altLang="en-US" sz="1600" dirty="0"/>
+              <a:t>）中的某一列或某几列，而这些列和之前特征中的数值特征列（</a:t>
+            </a:r>
+            <a:r>
+              <a:rPr lang="en-US" altLang="zh-CN" sz="1600" dirty="0" err="1">
+                <a:solidFill>
+                  <a:srgbClr val="0070C0"/>
+                </a:solidFill>
+              </a:rPr>
+              <a:t>numerical_features</a:t>
+            </a:r>
+            <a:r>
+              <a:rPr lang="zh-CN" altLang="en-US" sz="1600" dirty="0"/>
+              <a:t>）和类别特征列（</a:t>
+            </a:r>
+            <a:r>
+              <a:rPr lang="en-US" altLang="zh-CN" sz="1600" dirty="0" err="1">
+                <a:solidFill>
+                  <a:srgbClr val="0070C0"/>
+                </a:solidFill>
+              </a:rPr>
+              <a:t>categorical_features</a:t>
+            </a:r>
+            <a:r>
+              <a:rPr lang="zh-CN" altLang="en-US" sz="1600" dirty="0"/>
+              <a:t>）共存。</a:t>
+            </a:r>
+            <a:endParaRPr lang="en-US" altLang="zh-CN" sz="1600" dirty="0"/>
+          </a:p>
+        </p:txBody>
+      </p:sp>
+      <p:sp>
+        <p:nvSpPr>
+          <p:cNvPr id="5" name="Content Placeholder 6">
+            <a:extLst>
+              <a:ext uri="{FF2B5EF4-FFF2-40B4-BE49-F238E27FC236}">
+                <a16:creationId xmlns:a16="http://schemas.microsoft.com/office/drawing/2014/main" id="{5B912217-D3EA-7142-89E0-BA2CB0D6F175}"/>
+              </a:ext>
+            </a:extLst>
+          </p:cNvPr>
+          <p:cNvSpPr txBox="1">
+            <a:spLocks/>
+          </p:cNvSpPr>
+          <p:nvPr/>
+        </p:nvSpPr>
+        <p:spPr>
+          <a:xfrm>
+            <a:off x="6843386" y="2956141"/>
+            <a:ext cx="4662814" cy="1728593"/>
+          </a:xfrm>
+          <a:prstGeom prst="rect">
+            <a:avLst/>
+          </a:prstGeom>
+        </p:spPr>
+        <p:txBody>
+          <a:bodyPr vert="horz" lIns="91440" tIns="45720" rIns="91440" bIns="45720" rtlCol="0">
+            <a:normAutofit/>
+          </a:bodyPr>
+          <a:lstStyle>
+            <a:lvl1pPr marL="228600" indent="-228600" algn="l" defTabSz="914400" rtl="0" eaLnBrk="1" latinLnBrk="0" hangingPunct="1">
+              <a:lnSpc>
+                <a:spcPct val="90000"/>
+              </a:lnSpc>
+              <a:spcBef>
+                <a:spcPts val="1000"/>
+              </a:spcBef>
+              <a:buFont typeface="Arial"/>
+              <a:buChar char="•"/>
+              <a:defRPr sz="2800" kern="1200">
+                <a:solidFill>
+                  <a:schemeClr val="tx1"/>
+                </a:solidFill>
+                <a:latin typeface="Chalkboard" charset="0"/>
+                <a:ea typeface="Chalkboard" charset="0"/>
+                <a:cs typeface="Chalkboard" charset="0"/>
+              </a:defRPr>
+            </a:lvl1pPr>
+            <a:lvl2pPr marL="685800" indent="-228600" algn="l" defTabSz="914400" rtl="0" eaLnBrk="1" latinLnBrk="0" hangingPunct="1">
+              <a:lnSpc>
+                <a:spcPct val="90000"/>
+              </a:lnSpc>
+              <a:spcBef>
+                <a:spcPts val="500"/>
+              </a:spcBef>
+              <a:buFont typeface="Arial"/>
+              <a:buChar char="•"/>
+              <a:defRPr sz="2400" kern="1200">
+                <a:solidFill>
+                  <a:schemeClr val="tx1"/>
+                </a:solidFill>
+                <a:latin typeface="Chalkboard" charset="0"/>
+                <a:ea typeface="Chalkboard" charset="0"/>
+                <a:cs typeface="Chalkboard" charset="0"/>
+              </a:defRPr>
+            </a:lvl2pPr>
+            <a:lvl3pPr marL="1143000" indent="-228600" algn="l" defTabSz="914400" rtl="0" eaLnBrk="1" latinLnBrk="0" hangingPunct="1">
+              <a:lnSpc>
+                <a:spcPct val="90000"/>
+              </a:lnSpc>
+              <a:spcBef>
+                <a:spcPts val="500"/>
+              </a:spcBef>
+              <a:buFont typeface="Arial"/>
+              <a:buChar char="•"/>
+              <a:defRPr sz="2000" kern="1200">
+                <a:solidFill>
+                  <a:schemeClr val="tx1"/>
+                </a:solidFill>
+                <a:latin typeface="Chalkboard" charset="0"/>
+                <a:ea typeface="Chalkboard" charset="0"/>
+                <a:cs typeface="Chalkboard" charset="0"/>
+              </a:defRPr>
+            </a:lvl3pPr>
+            <a:lvl4pPr marL="1600200" indent="-228600" algn="l" defTabSz="914400" rtl="0" eaLnBrk="1" latinLnBrk="0" hangingPunct="1">
+              <a:lnSpc>
+                <a:spcPct val="90000"/>
+              </a:lnSpc>
+              <a:spcBef>
+                <a:spcPts val="500"/>
+              </a:spcBef>
+              <a:buFont typeface="Arial"/>
+              <a:buChar char="•"/>
+              <a:defRPr sz="1800" kern="1200">
+                <a:solidFill>
+                  <a:schemeClr val="tx1"/>
+                </a:solidFill>
+                <a:latin typeface="Chalkboard" charset="0"/>
+                <a:ea typeface="Chalkboard" charset="0"/>
+                <a:cs typeface="Chalkboard" charset="0"/>
+              </a:defRPr>
+            </a:lvl4pPr>
+            <a:lvl5pPr marL="2057400" indent="-228600" algn="l" defTabSz="914400" rtl="0" eaLnBrk="1" latinLnBrk="0" hangingPunct="1">
+              <a:lnSpc>
+                <a:spcPct val="90000"/>
+              </a:lnSpc>
+              <a:spcBef>
+                <a:spcPts val="500"/>
+              </a:spcBef>
+              <a:buFont typeface="Arial"/>
+              <a:buChar char="•"/>
+              <a:defRPr sz="1800" kern="1200">
+                <a:solidFill>
+                  <a:schemeClr val="tx1"/>
+                </a:solidFill>
+                <a:latin typeface="Chalkboard" charset="0"/>
+                <a:ea typeface="Chalkboard" charset="0"/>
+                <a:cs typeface="Chalkboard" charset="0"/>
+              </a:defRPr>
+            </a:lvl5pPr>
+            <a:lvl6pPr marL="2514600" indent="-228600" algn="l" defTabSz="914400" rtl="0" eaLnBrk="1" latinLnBrk="0" hangingPunct="1">
+              <a:lnSpc>
+                <a:spcPct val="90000"/>
+              </a:lnSpc>
+              <a:spcBef>
+                <a:spcPts val="500"/>
+              </a:spcBef>
+              <a:buFont typeface="Arial"/>
+              <a:buChar char="•"/>
+              <a:defRPr sz="1800" kern="1200">
+                <a:solidFill>
+                  <a:schemeClr val="tx1"/>
+                </a:solidFill>
+                <a:latin typeface="+mn-lt"/>
+                <a:ea typeface="+mn-ea"/>
+                <a:cs typeface="+mn-cs"/>
+              </a:defRPr>
+            </a:lvl6pPr>
+            <a:lvl7pPr marL="2971800" indent="-228600" algn="l" defTabSz="914400" rtl="0" eaLnBrk="1" latinLnBrk="0" hangingPunct="1">
+              <a:lnSpc>
+                <a:spcPct val="90000"/>
+              </a:lnSpc>
+              <a:spcBef>
+                <a:spcPts val="500"/>
+              </a:spcBef>
+              <a:buFont typeface="Arial"/>
+              <a:buChar char="•"/>
+              <a:defRPr sz="1800" kern="1200">
+                <a:solidFill>
+                  <a:schemeClr val="tx1"/>
+                </a:solidFill>
+                <a:latin typeface="+mn-lt"/>
+                <a:ea typeface="+mn-ea"/>
+                <a:cs typeface="+mn-cs"/>
+              </a:defRPr>
+            </a:lvl7pPr>
+            <a:lvl8pPr marL="3429000" indent="-228600" algn="l" defTabSz="914400" rtl="0" eaLnBrk="1" latinLnBrk="0" hangingPunct="1">
+              <a:lnSpc>
+                <a:spcPct val="90000"/>
+              </a:lnSpc>
+              <a:spcBef>
+                <a:spcPts val="500"/>
+              </a:spcBef>
+              <a:buFont typeface="Arial"/>
+              <a:buChar char="•"/>
+              <a:defRPr sz="1800" kern="1200">
+                <a:solidFill>
+                  <a:schemeClr val="tx1"/>
+                </a:solidFill>
+                <a:latin typeface="+mn-lt"/>
+                <a:ea typeface="+mn-ea"/>
+                <a:cs typeface="+mn-cs"/>
+              </a:defRPr>
+            </a:lvl8pPr>
+            <a:lvl9pPr marL="3886200" indent="-228600" algn="l" defTabSz="914400" rtl="0" eaLnBrk="1" latinLnBrk="0" hangingPunct="1">
+              <a:lnSpc>
+                <a:spcPct val="90000"/>
+              </a:lnSpc>
+              <a:spcBef>
+                <a:spcPts val="500"/>
+              </a:spcBef>
+              <a:buFont typeface="Arial"/>
+              <a:buChar char="•"/>
+              <a:defRPr sz="1800" kern="1200">
+                <a:solidFill>
+                  <a:schemeClr val="tx1"/>
+                </a:solidFill>
+                <a:latin typeface="+mn-lt"/>
+                <a:ea typeface="+mn-ea"/>
+                <a:cs typeface="+mn-cs"/>
+              </a:defRPr>
+            </a:lvl9pPr>
+          </a:lstStyle>
+          <a:p>
+            <a:pPr marL="0" indent="0">
+              <a:lnSpc>
+                <a:spcPct val="100000"/>
+              </a:lnSpc>
+              <a:buNone/>
+            </a:pPr>
+            <a:endParaRPr lang="en-US" altLang="zh-CN" sz="2000" dirty="0">
+              <a:solidFill>
+                <a:srgbClr val="C00000"/>
+              </a:solidFill>
+            </a:endParaRPr>
+          </a:p>
+        </p:txBody>
+      </p:sp>
+    </p:spTree>
+    <p:extLst>
+      <p:ext uri="{BB962C8B-B14F-4D97-AF65-F5344CB8AC3E}">
+        <p14:creationId xmlns:p14="http://schemas.microsoft.com/office/powerpoint/2010/main" val="331938184"/>
+      </p:ext>
+    </p:extLst>
+  </p:cSld>
+  <p:clrMapOvr>
+    <a:masterClrMapping/>
+  </p:clrMapOvr>
+</p:sld>
+</file>
+
+<file path=ppt/slides/slide4.xml><?xml version="1.0" encoding="utf-8"?>
+<p:sld xmlns:a="http://schemas.openxmlformats.org/drawingml/2006/main" xmlns:r="http://schemas.openxmlformats.org/officeDocument/2006/relationships" xmlns:p="http://schemas.openxmlformats.org/presentationml/2006/main">
+  <p:cSld>
+    <p:spTree>
+      <p:nvGrpSpPr>
+        <p:cNvPr id="1" name=""/>
+        <p:cNvGrpSpPr/>
+        <p:nvPr/>
+      </p:nvGrpSpPr>
+      <p:grpSpPr>
+        <a:xfrm>
+          <a:off x="0" y="0"/>
+          <a:ext cx="0" cy="0"/>
+          <a:chOff x="0" y="0"/>
+          <a:chExt cx="0" cy="0"/>
+        </a:xfrm>
+      </p:grpSpPr>
+      <p:sp>
+        <p:nvSpPr>
+          <p:cNvPr id="6" name="Title 5"/>
+          <p:cNvSpPr>
+            <a:spLocks noGrp="1"/>
+          </p:cNvSpPr>
+          <p:nvPr>
+            <p:ph type="title"/>
+          </p:nvPr>
+        </p:nvSpPr>
+        <p:spPr>
+          <a:xfrm>
+            <a:off x="838200" y="193964"/>
+            <a:ext cx="10515600" cy="1153574"/>
+          </a:xfrm>
+        </p:spPr>
+        <p:txBody>
+          <a:bodyPr>
+            <a:normAutofit/>
+          </a:bodyPr>
+          <a:lstStyle/>
+          <a:p>
+            <a:pPr>
+              <a:lnSpc>
+                <a:spcPct val="150000"/>
+              </a:lnSpc>
+            </a:pPr>
+            <a:r>
+              <a:rPr lang="zh-CN" altLang="en-US" sz="2400" b="1" dirty="0">
+                <a:latin typeface="Microsoft YaHei" panose="020B0503020204020204" pitchFamily="34" charset="-122"/>
+                <a:ea typeface="Microsoft YaHei" panose="020B0503020204020204" pitchFamily="34" charset="-122"/>
+              </a:rPr>
+              <a:t>文本特征</a:t>
+            </a:r>
+            <a:br>
+              <a:rPr lang="en-US" altLang="zh-CN" sz="1800" dirty="0">
+                <a:solidFill>
+                  <a:schemeClr val="bg1">
+                    <a:lumMod val="50000"/>
+                  </a:schemeClr>
+                </a:solidFill>
+              </a:rPr>
+            </a:br>
+            <a:r>
+              <a:rPr lang="en-US" altLang="zh-CN" sz="1800" dirty="0">
+                <a:solidFill>
+                  <a:srgbClr val="0070C0"/>
+                </a:solidFill>
+                <a:latin typeface="Pristina" panose="020F0502020204030204" pitchFamily="34" charset="0"/>
+              </a:rPr>
+              <a:t>Text</a:t>
+            </a:r>
+            <a:r>
+              <a:rPr lang="zh-CN" altLang="en-US" sz="1800" dirty="0">
+                <a:solidFill>
+                  <a:srgbClr val="0070C0"/>
+                </a:solidFill>
+                <a:latin typeface="Pristina" panose="020F0502020204030204" pitchFamily="34" charset="0"/>
+              </a:rPr>
+              <a:t> </a:t>
+            </a:r>
+            <a:r>
+              <a:rPr lang="en-US" altLang="zh-CN" sz="1800" dirty="0">
+                <a:solidFill>
+                  <a:srgbClr val="0070C0"/>
+                </a:solidFill>
+                <a:latin typeface="Pristina" panose="020F0502020204030204" pitchFamily="34" charset="0"/>
+              </a:rPr>
+              <a:t>Objective</a:t>
+            </a:r>
+            <a:endParaRPr lang="en-US" sz="1800" dirty="0">
+              <a:solidFill>
+                <a:srgbClr val="0070C0"/>
+              </a:solidFill>
+              <a:latin typeface="Pristina" panose="020F0502020204030204" pitchFamily="34" charset="0"/>
+              <a:cs typeface="Pristina" panose="020F0502020204030204" pitchFamily="34" charset="0"/>
+            </a:endParaRPr>
+          </a:p>
+        </p:txBody>
+      </p:sp>
+      <p:sp>
+        <p:nvSpPr>
+          <p:cNvPr id="7" name="Content Placeholder 6"/>
+          <p:cNvSpPr>
+            <a:spLocks noGrp="1"/>
+          </p:cNvSpPr>
+          <p:nvPr>
+            <p:ph idx="1"/>
+          </p:nvPr>
+        </p:nvSpPr>
+        <p:spPr>
+          <a:xfrm>
+            <a:off x="838200" y="1472665"/>
+            <a:ext cx="10515600" cy="4704298"/>
+          </a:xfrm>
+        </p:spPr>
+        <p:txBody>
+          <a:bodyPr>
+            <a:normAutofit/>
+          </a:bodyPr>
+          <a:lstStyle/>
+          <a:p>
+            <a:pPr>
+              <a:lnSpc>
+                <a:spcPct val="150000"/>
+              </a:lnSpc>
+            </a:pPr>
+            <a:r>
+              <a:rPr lang="zh-CN" altLang="en-US" sz="2000" dirty="0">
+                <a:solidFill>
+                  <a:schemeClr val="bg2">
+                    <a:lumMod val="25000"/>
+                  </a:schemeClr>
+                </a:solidFill>
+              </a:rPr>
+              <a:t>关于 </a:t>
+            </a:r>
+            <a:r>
+              <a:rPr lang="en-US" altLang="zh-CN" sz="2000" dirty="0">
+                <a:solidFill>
+                  <a:schemeClr val="bg2">
+                    <a:lumMod val="25000"/>
+                  </a:schemeClr>
+                </a:solidFill>
+              </a:rPr>
+              <a:t>embedding</a:t>
+            </a:r>
+            <a:br>
+              <a:rPr lang="en-US" altLang="zh-CN" sz="2000" dirty="0">
+                <a:solidFill>
+                  <a:schemeClr val="bg2">
+                    <a:lumMod val="25000"/>
+                  </a:schemeClr>
+                </a:solidFill>
+              </a:rPr>
+            </a:br>
+            <a:r>
+              <a:rPr lang="zh-CN" altLang="en-US" sz="1800" dirty="0"/>
+              <a:t>文本处理的最终基础是生成的结果是 </a:t>
+            </a:r>
+            <a:r>
+              <a:rPr lang="en-US" altLang="zh-CN" sz="1800" dirty="0">
+                <a:solidFill>
+                  <a:schemeClr val="accent2"/>
+                </a:solidFill>
+              </a:rPr>
+              <a:t>embedding</a:t>
+            </a:r>
+            <a:r>
+              <a:rPr lang="zh-CN" altLang="en-US" sz="1800" dirty="0">
+                <a:solidFill>
+                  <a:schemeClr val="accent2"/>
+                </a:solidFill>
+              </a:rPr>
+              <a:t> 数据矩阵</a:t>
+            </a:r>
+            <a:r>
+              <a:rPr lang="zh-CN" altLang="en-US" sz="1800" dirty="0"/>
+              <a:t>，此矩阵是将词汇、句子、文档转换成数值形式的向量，让计算机可以处理，这些向量捕捉了词汇的语义信息，通常是高维空间中的低维度表示，它的核心目的是让计算机可以识别和利用语言中的模式，如：</a:t>
+            </a:r>
+            <a:r>
+              <a:rPr lang="zh-CN" altLang="en-US" sz="1800" dirty="0">
+                <a:solidFill>
+                  <a:schemeClr val="accent2"/>
+                </a:solidFill>
+              </a:rPr>
+              <a:t>词义相似性、语法结构</a:t>
+            </a:r>
+            <a:r>
+              <a:rPr lang="zh-CN" altLang="en-US" sz="1800" dirty="0"/>
+              <a:t>。</a:t>
+            </a:r>
+            <a:endParaRPr lang="en-US" altLang="zh-CN" sz="1800" dirty="0"/>
+          </a:p>
+          <a:p>
+            <a:pPr>
+              <a:lnSpc>
+                <a:spcPct val="150000"/>
+              </a:lnSpc>
+            </a:pPr>
+            <a:r>
+              <a:rPr lang="en-US" altLang="zh-CN" sz="2000" dirty="0"/>
+              <a:t>Word2Vec</a:t>
+            </a:r>
+            <a:r>
+              <a:rPr lang="zh-CN" altLang="en-US" sz="2000" dirty="0"/>
+              <a:t>（考试推荐）和</a:t>
+            </a:r>
+            <a:r>
+              <a:rPr lang="en-US" altLang="zh-CN" sz="2000" dirty="0" err="1"/>
+              <a:t>GloVe</a:t>
+            </a:r>
+            <a:endParaRPr lang="en-US" altLang="zh-CN" sz="1600" dirty="0"/>
+          </a:p>
+          <a:p>
+            <a:pPr marL="0" indent="0">
+              <a:lnSpc>
+                <a:spcPct val="150000"/>
+              </a:lnSpc>
+              <a:buNone/>
+            </a:pPr>
+            <a:endParaRPr lang="en-US" altLang="zh-CN" sz="1800" dirty="0"/>
+          </a:p>
+          <a:p>
+            <a:pPr marL="0" indent="0">
+              <a:lnSpc>
+                <a:spcPct val="150000"/>
+              </a:lnSpc>
+              <a:buNone/>
+            </a:pPr>
+            <a:endParaRPr lang="en-US" altLang="zh-CN" sz="1800" dirty="0"/>
+          </a:p>
+          <a:p>
+            <a:pPr marL="0" indent="0">
+              <a:lnSpc>
+                <a:spcPct val="150000"/>
+              </a:lnSpc>
+              <a:buNone/>
+            </a:pPr>
+            <a:endParaRPr lang="en-US" altLang="zh-CN" sz="1800" dirty="0"/>
+          </a:p>
+          <a:p>
+            <a:pPr marL="0" indent="0">
+              <a:lnSpc>
+                <a:spcPct val="150000"/>
+              </a:lnSpc>
+              <a:buNone/>
+            </a:pPr>
+            <a:r>
+              <a:rPr lang="en-US" altLang="zh-CN" sz="1800" dirty="0"/>
+              <a:t>embedding</a:t>
+            </a:r>
+            <a:r>
+              <a:rPr lang="zh-CN" altLang="en-US" sz="1800" dirty="0"/>
+              <a:t> 数据矩阵中的特征数值表示可以直接和</a:t>
+            </a:r>
+            <a:r>
+              <a:rPr lang="zh-CN" altLang="en-US" sz="1800" dirty="0">
+                <a:solidFill>
+                  <a:schemeClr val="accent2"/>
+                </a:solidFill>
+              </a:rPr>
+              <a:t>数值特征、类别特征</a:t>
+            </a:r>
+            <a:r>
+              <a:rPr lang="zh-CN" altLang="en-US" sz="1800" dirty="0"/>
+              <a:t>处理之后的标准化输入合并计算！</a:t>
+            </a:r>
+            <a:endParaRPr lang="en-US" altLang="zh-CN" sz="1800" dirty="0"/>
+          </a:p>
+        </p:txBody>
+      </p:sp>
+      <p:sp>
+        <p:nvSpPr>
+          <p:cNvPr id="5" name="Content Placeholder 6">
+            <a:extLst>
+              <a:ext uri="{FF2B5EF4-FFF2-40B4-BE49-F238E27FC236}">
+                <a16:creationId xmlns:a16="http://schemas.microsoft.com/office/drawing/2014/main" id="{5B912217-D3EA-7142-89E0-BA2CB0D6F175}"/>
+              </a:ext>
+            </a:extLst>
+          </p:cNvPr>
+          <p:cNvSpPr txBox="1">
+            <a:spLocks/>
+          </p:cNvSpPr>
+          <p:nvPr/>
+        </p:nvSpPr>
+        <p:spPr>
+          <a:xfrm>
+            <a:off x="6843386" y="2956141"/>
+            <a:ext cx="4662814" cy="1728593"/>
+          </a:xfrm>
+          <a:prstGeom prst="rect">
+            <a:avLst/>
+          </a:prstGeom>
+        </p:spPr>
+        <p:txBody>
+          <a:bodyPr vert="horz" lIns="91440" tIns="45720" rIns="91440" bIns="45720" rtlCol="0">
+            <a:normAutofit/>
+          </a:bodyPr>
+          <a:lstStyle>
+            <a:lvl1pPr marL="228600" indent="-228600" algn="l" defTabSz="914400" rtl="0" eaLnBrk="1" latinLnBrk="0" hangingPunct="1">
+              <a:lnSpc>
+                <a:spcPct val="90000"/>
+              </a:lnSpc>
+              <a:spcBef>
+                <a:spcPts val="1000"/>
+              </a:spcBef>
+              <a:buFont typeface="Arial"/>
+              <a:buChar char="•"/>
+              <a:defRPr sz="2800" kern="1200">
+                <a:solidFill>
+                  <a:schemeClr val="tx1"/>
+                </a:solidFill>
+                <a:latin typeface="Chalkboard" charset="0"/>
+                <a:ea typeface="Chalkboard" charset="0"/>
+                <a:cs typeface="Chalkboard" charset="0"/>
+              </a:defRPr>
+            </a:lvl1pPr>
+            <a:lvl2pPr marL="685800" indent="-228600" algn="l" defTabSz="914400" rtl="0" eaLnBrk="1" latinLnBrk="0" hangingPunct="1">
+              <a:lnSpc>
+                <a:spcPct val="90000"/>
+              </a:lnSpc>
+              <a:spcBef>
+                <a:spcPts val="500"/>
+              </a:spcBef>
+              <a:buFont typeface="Arial"/>
+              <a:buChar char="•"/>
+              <a:defRPr sz="2400" kern="1200">
+                <a:solidFill>
+                  <a:schemeClr val="tx1"/>
+                </a:solidFill>
+                <a:latin typeface="Chalkboard" charset="0"/>
+                <a:ea typeface="Chalkboard" charset="0"/>
+                <a:cs typeface="Chalkboard" charset="0"/>
+              </a:defRPr>
+            </a:lvl2pPr>
+            <a:lvl3pPr marL="1143000" indent="-228600" algn="l" defTabSz="914400" rtl="0" eaLnBrk="1" latinLnBrk="0" hangingPunct="1">
+              <a:lnSpc>
+                <a:spcPct val="90000"/>
+              </a:lnSpc>
+              <a:spcBef>
+                <a:spcPts val="500"/>
+              </a:spcBef>
+              <a:buFont typeface="Arial"/>
+              <a:buChar char="•"/>
+              <a:defRPr sz="2000" kern="1200">
+                <a:solidFill>
+                  <a:schemeClr val="tx1"/>
+                </a:solidFill>
+                <a:latin typeface="Chalkboard" charset="0"/>
+                <a:ea typeface="Chalkboard" charset="0"/>
+                <a:cs typeface="Chalkboard" charset="0"/>
+              </a:defRPr>
+            </a:lvl3pPr>
+            <a:lvl4pPr marL="1600200" indent="-228600" algn="l" defTabSz="914400" rtl="0" eaLnBrk="1" latinLnBrk="0" hangingPunct="1">
+              <a:lnSpc>
+                <a:spcPct val="90000"/>
+              </a:lnSpc>
+              <a:spcBef>
+                <a:spcPts val="500"/>
+              </a:spcBef>
+              <a:buFont typeface="Arial"/>
+              <a:buChar char="•"/>
+              <a:defRPr sz="1800" kern="1200">
+                <a:solidFill>
+                  <a:schemeClr val="tx1"/>
+                </a:solidFill>
+                <a:latin typeface="Chalkboard" charset="0"/>
+                <a:ea typeface="Chalkboard" charset="0"/>
+                <a:cs typeface="Chalkboard" charset="0"/>
+              </a:defRPr>
+            </a:lvl4pPr>
+            <a:lvl5pPr marL="2057400" indent="-228600" algn="l" defTabSz="914400" rtl="0" eaLnBrk="1" latinLnBrk="0" hangingPunct="1">
+              <a:lnSpc>
+                <a:spcPct val="90000"/>
+              </a:lnSpc>
+              <a:spcBef>
+                <a:spcPts val="500"/>
+              </a:spcBef>
+              <a:buFont typeface="Arial"/>
+              <a:buChar char="•"/>
+              <a:defRPr sz="1800" kern="1200">
+                <a:solidFill>
+                  <a:schemeClr val="tx1"/>
+                </a:solidFill>
+                <a:latin typeface="Chalkboard" charset="0"/>
+                <a:ea typeface="Chalkboard" charset="0"/>
+                <a:cs typeface="Chalkboard" charset="0"/>
+              </a:defRPr>
+            </a:lvl5pPr>
+            <a:lvl6pPr marL="2514600" indent="-228600" algn="l" defTabSz="914400" rtl="0" eaLnBrk="1" latinLnBrk="0" hangingPunct="1">
+              <a:lnSpc>
+                <a:spcPct val="90000"/>
+              </a:lnSpc>
+              <a:spcBef>
+                <a:spcPts val="500"/>
+              </a:spcBef>
+              <a:buFont typeface="Arial"/>
+              <a:buChar char="•"/>
+              <a:defRPr sz="1800" kern="1200">
+                <a:solidFill>
+                  <a:schemeClr val="tx1"/>
+                </a:solidFill>
+                <a:latin typeface="+mn-lt"/>
+                <a:ea typeface="+mn-ea"/>
+                <a:cs typeface="+mn-cs"/>
+              </a:defRPr>
+            </a:lvl6pPr>
+            <a:lvl7pPr marL="2971800" indent="-228600" algn="l" defTabSz="914400" rtl="0" eaLnBrk="1" latinLnBrk="0" hangingPunct="1">
+              <a:lnSpc>
+                <a:spcPct val="90000"/>
+              </a:lnSpc>
+              <a:spcBef>
+                <a:spcPts val="500"/>
+              </a:spcBef>
+              <a:buFont typeface="Arial"/>
+              <a:buChar char="•"/>
+              <a:defRPr sz="1800" kern="1200">
+                <a:solidFill>
+                  <a:schemeClr val="tx1"/>
+                </a:solidFill>
+                <a:latin typeface="+mn-lt"/>
+                <a:ea typeface="+mn-ea"/>
+                <a:cs typeface="+mn-cs"/>
+              </a:defRPr>
+            </a:lvl7pPr>
+            <a:lvl8pPr marL="3429000" indent="-228600" algn="l" defTabSz="914400" rtl="0" eaLnBrk="1" latinLnBrk="0" hangingPunct="1">
+              <a:lnSpc>
+                <a:spcPct val="90000"/>
+              </a:lnSpc>
+              <a:spcBef>
+                <a:spcPts val="500"/>
+              </a:spcBef>
+              <a:buFont typeface="Arial"/>
+              <a:buChar char="•"/>
+              <a:defRPr sz="1800" kern="1200">
+                <a:solidFill>
+                  <a:schemeClr val="tx1"/>
+                </a:solidFill>
+                <a:latin typeface="+mn-lt"/>
+                <a:ea typeface="+mn-ea"/>
+                <a:cs typeface="+mn-cs"/>
+              </a:defRPr>
+            </a:lvl8pPr>
+            <a:lvl9pPr marL="3886200" indent="-228600" algn="l" defTabSz="914400" rtl="0" eaLnBrk="1" latinLnBrk="0" hangingPunct="1">
+              <a:lnSpc>
+                <a:spcPct val="90000"/>
+              </a:lnSpc>
+              <a:spcBef>
+                <a:spcPts val="500"/>
+              </a:spcBef>
+              <a:buFont typeface="Arial"/>
+              <a:buChar char="•"/>
+              <a:defRPr sz="1800" kern="1200">
+                <a:solidFill>
+                  <a:schemeClr val="tx1"/>
+                </a:solidFill>
+                <a:latin typeface="+mn-lt"/>
+                <a:ea typeface="+mn-ea"/>
+                <a:cs typeface="+mn-cs"/>
+              </a:defRPr>
+            </a:lvl9pPr>
+          </a:lstStyle>
+          <a:p>
+            <a:pPr marL="0" indent="0">
+              <a:lnSpc>
+                <a:spcPct val="100000"/>
+              </a:lnSpc>
+              <a:buNone/>
+            </a:pPr>
+            <a:endParaRPr lang="en-US" altLang="zh-CN" sz="2000" dirty="0">
+              <a:solidFill>
+                <a:srgbClr val="C00000"/>
+              </a:solidFill>
+            </a:endParaRPr>
+          </a:p>
+        </p:txBody>
+      </p:sp>
+      <p:pic>
+        <p:nvPicPr>
+          <p:cNvPr id="2" name="Picture 1">
+            <a:extLst>
+              <a:ext uri="{FF2B5EF4-FFF2-40B4-BE49-F238E27FC236}">
+                <a16:creationId xmlns:a16="http://schemas.microsoft.com/office/drawing/2014/main" id="{21F9F5D8-A046-CF95-1B14-954496C0BA8C}"/>
+              </a:ext>
+            </a:extLst>
+          </p:cNvPr>
+          <p:cNvPicPr>
+            <a:picLocks noChangeAspect="1"/>
+          </p:cNvPicPr>
+          <p:nvPr/>
+        </p:nvPicPr>
+        <p:blipFill>
+          <a:blip r:embed="rId2"/>
+          <a:stretch>
+            <a:fillRect/>
+          </a:stretch>
+        </p:blipFill>
+        <p:spPr>
+          <a:xfrm>
+            <a:off x="1966828" y="3821549"/>
+            <a:ext cx="8258343" cy="1563786"/>
+          </a:xfrm>
+          <a:prstGeom prst="rect">
+            <a:avLst/>
+          </a:prstGeom>
+        </p:spPr>
+      </p:pic>
+    </p:spTree>
+    <p:extLst>
+      <p:ext uri="{BB962C8B-B14F-4D97-AF65-F5344CB8AC3E}">
+        <p14:creationId xmlns:p14="http://schemas.microsoft.com/office/powerpoint/2010/main" val="1251764158"/>
+      </p:ext>
+    </p:extLst>
+  </p:cSld>
+  <p:clrMapOvr>
+    <a:masterClrMapping/>
+  </p:clrMapOvr>
+</p:sld>
+</file>
+
+<file path=ppt/slides/slide5.xml><?xml version="1.0" encoding="utf-8"?>
+<p:sld xmlns:a="http://schemas.openxmlformats.org/drawingml/2006/main" xmlns:r="http://schemas.openxmlformats.org/officeDocument/2006/relationships" xmlns:p="http://schemas.openxmlformats.org/presentationml/2006/main">
+  <p:cSld>
+    <p:spTree>
+      <p:nvGrpSpPr>
+        <p:cNvPr id="1" name=""/>
+        <p:cNvGrpSpPr/>
+        <p:nvPr/>
+      </p:nvGrpSpPr>
+      <p:grpSpPr>
+        <a:xfrm>
+          <a:off x="0" y="0"/>
+          <a:ext cx="0" cy="0"/>
+          <a:chOff x="0" y="0"/>
+          <a:chExt cx="0" cy="0"/>
+        </a:xfrm>
+      </p:grpSpPr>
+      <p:sp>
+        <p:nvSpPr>
+          <p:cNvPr id="6" name="Title 5"/>
+          <p:cNvSpPr>
+            <a:spLocks noGrp="1"/>
+          </p:cNvSpPr>
+          <p:nvPr>
+            <p:ph type="title"/>
+          </p:nvPr>
+        </p:nvSpPr>
+        <p:spPr>
+          <a:xfrm>
+            <a:off x="838200" y="193964"/>
+            <a:ext cx="10515600" cy="1153574"/>
+          </a:xfrm>
+        </p:spPr>
+        <p:txBody>
+          <a:bodyPr>
+            <a:normAutofit/>
+          </a:bodyPr>
+          <a:lstStyle/>
+          <a:p>
+            <a:pPr>
+              <a:lnSpc>
+                <a:spcPct val="150000"/>
+              </a:lnSpc>
+            </a:pPr>
+            <a:r>
+              <a:rPr lang="zh-CN" altLang="en-US" sz="2400" b="1" dirty="0">
+                <a:latin typeface="Microsoft YaHei" panose="020B0503020204020204" pitchFamily="34" charset="-122"/>
+                <a:ea typeface="Microsoft YaHei" panose="020B0503020204020204" pitchFamily="34" charset="-122"/>
+              </a:rPr>
+              <a:t>文本特征</a:t>
+            </a:r>
+            <a:br>
+              <a:rPr lang="en-US" altLang="zh-CN" sz="1800" dirty="0">
+                <a:solidFill>
+                  <a:schemeClr val="bg1">
+                    <a:lumMod val="50000"/>
+                  </a:schemeClr>
+                </a:solidFill>
+              </a:rPr>
+            </a:br>
+            <a:r>
+              <a:rPr lang="en-US" altLang="zh-CN" sz="1800" dirty="0">
+                <a:solidFill>
+                  <a:srgbClr val="0070C0"/>
+                </a:solidFill>
+                <a:latin typeface="Pristina" panose="020F0502020204030204" pitchFamily="34" charset="0"/>
+              </a:rPr>
+              <a:t>Complete</a:t>
+            </a:r>
+            <a:r>
+              <a:rPr lang="zh-CN" altLang="en-US" sz="1800" dirty="0">
+                <a:solidFill>
+                  <a:srgbClr val="0070C0"/>
+                </a:solidFill>
+                <a:latin typeface="Pristina" panose="020F0502020204030204" pitchFamily="34" charset="0"/>
+              </a:rPr>
+              <a:t> </a:t>
+            </a:r>
+            <a:r>
+              <a:rPr lang="en-US" altLang="zh-CN" sz="1800" dirty="0">
+                <a:solidFill>
+                  <a:srgbClr val="0070C0"/>
+                </a:solidFill>
+                <a:latin typeface="Pristina" panose="020F0502020204030204" pitchFamily="34" charset="0"/>
+              </a:rPr>
+              <a:t>Workflow</a:t>
+            </a:r>
+            <a:endParaRPr lang="en-US" sz="1800" dirty="0">
+              <a:solidFill>
+                <a:srgbClr val="0070C0"/>
+              </a:solidFill>
+              <a:latin typeface="Pristina" panose="020F0502020204030204" pitchFamily="34" charset="0"/>
+              <a:cs typeface="Pristina" panose="020F0502020204030204" pitchFamily="34" charset="0"/>
+            </a:endParaRPr>
+          </a:p>
+        </p:txBody>
+      </p:sp>
+      <p:sp>
+        <p:nvSpPr>
+          <p:cNvPr id="7" name="Content Placeholder 6"/>
+          <p:cNvSpPr>
+            <a:spLocks noGrp="1"/>
+          </p:cNvSpPr>
+          <p:nvPr>
+            <p:ph idx="1"/>
+          </p:nvPr>
+        </p:nvSpPr>
+        <p:spPr>
+          <a:xfrm>
+            <a:off x="838200" y="1472665"/>
+            <a:ext cx="10515600" cy="4704298"/>
+          </a:xfrm>
+        </p:spPr>
+        <p:txBody>
+          <a:bodyPr>
+            <a:normAutofit/>
+          </a:bodyPr>
+          <a:lstStyle/>
+          <a:p>
+            <a:pPr>
+              <a:lnSpc>
+                <a:spcPct val="150000"/>
+              </a:lnSpc>
+            </a:pPr>
+            <a:r>
+              <a:rPr lang="zh-CN" altLang="en-US" sz="2000" dirty="0">
+                <a:solidFill>
+                  <a:schemeClr val="bg2">
+                    <a:lumMod val="25000"/>
+                  </a:schemeClr>
+                </a:solidFill>
+              </a:rPr>
+              <a:t>文本预处理</a:t>
+            </a:r>
+            <a:br>
+              <a:rPr lang="en-US" altLang="zh-CN" sz="2000" dirty="0">
+                <a:solidFill>
+                  <a:schemeClr val="bg2">
+                    <a:lumMod val="25000"/>
+                  </a:schemeClr>
+                </a:solidFill>
+              </a:rPr>
+            </a:br>
+            <a:endParaRPr lang="en-US" altLang="zh-CN" sz="1800" dirty="0"/>
+          </a:p>
+        </p:txBody>
+      </p:sp>
+      <p:sp>
+        <p:nvSpPr>
+          <p:cNvPr id="5" name="Content Placeholder 6">
+            <a:extLst>
+              <a:ext uri="{FF2B5EF4-FFF2-40B4-BE49-F238E27FC236}">
+                <a16:creationId xmlns:a16="http://schemas.microsoft.com/office/drawing/2014/main" id="{5B912217-D3EA-7142-89E0-BA2CB0D6F175}"/>
+              </a:ext>
+            </a:extLst>
+          </p:cNvPr>
+          <p:cNvSpPr txBox="1">
+            <a:spLocks/>
+          </p:cNvSpPr>
+          <p:nvPr/>
+        </p:nvSpPr>
+        <p:spPr>
+          <a:xfrm>
+            <a:off x="6843386" y="2956141"/>
+            <a:ext cx="4662814" cy="1728593"/>
+          </a:xfrm>
+          <a:prstGeom prst="rect">
+            <a:avLst/>
+          </a:prstGeom>
+        </p:spPr>
+        <p:txBody>
+          <a:bodyPr vert="horz" lIns="91440" tIns="45720" rIns="91440" bIns="45720" rtlCol="0">
+            <a:normAutofit/>
+          </a:bodyPr>
+          <a:lstStyle>
+            <a:lvl1pPr marL="228600" indent="-228600" algn="l" defTabSz="914400" rtl="0" eaLnBrk="1" latinLnBrk="0" hangingPunct="1">
+              <a:lnSpc>
+                <a:spcPct val="90000"/>
+              </a:lnSpc>
+              <a:spcBef>
+                <a:spcPts val="1000"/>
+              </a:spcBef>
+              <a:buFont typeface="Arial"/>
+              <a:buChar char="•"/>
+              <a:defRPr sz="2800" kern="1200">
+                <a:solidFill>
+                  <a:schemeClr val="tx1"/>
+                </a:solidFill>
+                <a:latin typeface="Chalkboard" charset="0"/>
+                <a:ea typeface="Chalkboard" charset="0"/>
+                <a:cs typeface="Chalkboard" charset="0"/>
+              </a:defRPr>
+            </a:lvl1pPr>
+            <a:lvl2pPr marL="685800" indent="-228600" algn="l" defTabSz="914400" rtl="0" eaLnBrk="1" latinLnBrk="0" hangingPunct="1">
+              <a:lnSpc>
+                <a:spcPct val="90000"/>
+              </a:lnSpc>
+              <a:spcBef>
+                <a:spcPts val="500"/>
+              </a:spcBef>
+              <a:buFont typeface="Arial"/>
+              <a:buChar char="•"/>
+              <a:defRPr sz="2400" kern="1200">
+                <a:solidFill>
+                  <a:schemeClr val="tx1"/>
+                </a:solidFill>
+                <a:latin typeface="Chalkboard" charset="0"/>
+                <a:ea typeface="Chalkboard" charset="0"/>
+                <a:cs typeface="Chalkboard" charset="0"/>
+              </a:defRPr>
+            </a:lvl2pPr>
+            <a:lvl3pPr marL="1143000" indent="-228600" algn="l" defTabSz="914400" rtl="0" eaLnBrk="1" latinLnBrk="0" hangingPunct="1">
+              <a:lnSpc>
+                <a:spcPct val="90000"/>
+              </a:lnSpc>
+              <a:spcBef>
+                <a:spcPts val="500"/>
+              </a:spcBef>
+              <a:buFont typeface="Arial"/>
+              <a:buChar char="•"/>
+              <a:defRPr sz="2000" kern="1200">
+                <a:solidFill>
+                  <a:schemeClr val="tx1"/>
+                </a:solidFill>
+                <a:latin typeface="Chalkboard" charset="0"/>
+                <a:ea typeface="Chalkboard" charset="0"/>
+                <a:cs typeface="Chalkboard" charset="0"/>
+              </a:defRPr>
+            </a:lvl3pPr>
+            <a:lvl4pPr marL="1600200" indent="-228600" algn="l" defTabSz="914400" rtl="0" eaLnBrk="1" latinLnBrk="0" hangingPunct="1">
+              <a:lnSpc>
+                <a:spcPct val="90000"/>
+              </a:lnSpc>
+              <a:spcBef>
+                <a:spcPts val="500"/>
+              </a:spcBef>
+              <a:buFont typeface="Arial"/>
+              <a:buChar char="•"/>
+              <a:defRPr sz="1800" kern="1200">
+                <a:solidFill>
+                  <a:schemeClr val="tx1"/>
+                </a:solidFill>
+                <a:latin typeface="Chalkboard" charset="0"/>
+                <a:ea typeface="Chalkboard" charset="0"/>
+                <a:cs typeface="Chalkboard" charset="0"/>
+              </a:defRPr>
+            </a:lvl4pPr>
+            <a:lvl5pPr marL="2057400" indent="-228600" algn="l" defTabSz="914400" rtl="0" eaLnBrk="1" latinLnBrk="0" hangingPunct="1">
+              <a:lnSpc>
+                <a:spcPct val="90000"/>
+              </a:lnSpc>
+              <a:spcBef>
+                <a:spcPts val="500"/>
+              </a:spcBef>
+              <a:buFont typeface="Arial"/>
+              <a:buChar char="•"/>
+              <a:defRPr sz="1800" kern="1200">
+                <a:solidFill>
+                  <a:schemeClr val="tx1"/>
+                </a:solidFill>
+                <a:latin typeface="Chalkboard" charset="0"/>
+                <a:ea typeface="Chalkboard" charset="0"/>
+                <a:cs typeface="Chalkboard" charset="0"/>
+              </a:defRPr>
+            </a:lvl5pPr>
+            <a:lvl6pPr marL="2514600" indent="-228600" algn="l" defTabSz="914400" rtl="0" eaLnBrk="1" latinLnBrk="0" hangingPunct="1">
+              <a:lnSpc>
+                <a:spcPct val="90000"/>
+              </a:lnSpc>
+              <a:spcBef>
+                <a:spcPts val="500"/>
+              </a:spcBef>
+              <a:buFont typeface="Arial"/>
+              <a:buChar char="•"/>
+              <a:defRPr sz="1800" kern="1200">
+                <a:solidFill>
+                  <a:schemeClr val="tx1"/>
+                </a:solidFill>
+                <a:latin typeface="+mn-lt"/>
+                <a:ea typeface="+mn-ea"/>
+                <a:cs typeface="+mn-cs"/>
+              </a:defRPr>
+            </a:lvl6pPr>
+            <a:lvl7pPr marL="2971800" indent="-228600" algn="l" defTabSz="914400" rtl="0" eaLnBrk="1" latinLnBrk="0" hangingPunct="1">
+              <a:lnSpc>
+                <a:spcPct val="90000"/>
+              </a:lnSpc>
+              <a:spcBef>
+                <a:spcPts val="500"/>
+              </a:spcBef>
+              <a:buFont typeface="Arial"/>
+              <a:buChar char="•"/>
+              <a:defRPr sz="1800" kern="1200">
+                <a:solidFill>
+                  <a:schemeClr val="tx1"/>
+                </a:solidFill>
+                <a:latin typeface="+mn-lt"/>
+                <a:ea typeface="+mn-ea"/>
+                <a:cs typeface="+mn-cs"/>
+              </a:defRPr>
+            </a:lvl7pPr>
+            <a:lvl8pPr marL="3429000" indent="-228600" algn="l" defTabSz="914400" rtl="0" eaLnBrk="1" latinLnBrk="0" hangingPunct="1">
+              <a:lnSpc>
+                <a:spcPct val="90000"/>
+              </a:lnSpc>
+              <a:spcBef>
+                <a:spcPts val="500"/>
+              </a:spcBef>
+              <a:buFont typeface="Arial"/>
+              <a:buChar char="•"/>
+              <a:defRPr sz="1800" kern="1200">
+                <a:solidFill>
+                  <a:schemeClr val="tx1"/>
+                </a:solidFill>
+                <a:latin typeface="+mn-lt"/>
+                <a:ea typeface="+mn-ea"/>
+                <a:cs typeface="+mn-cs"/>
+              </a:defRPr>
+            </a:lvl8pPr>
+            <a:lvl9pPr marL="3886200" indent="-228600" algn="l" defTabSz="914400" rtl="0" eaLnBrk="1" latinLnBrk="0" hangingPunct="1">
+              <a:lnSpc>
+                <a:spcPct val="90000"/>
+              </a:lnSpc>
+              <a:spcBef>
+                <a:spcPts val="500"/>
+              </a:spcBef>
+              <a:buFont typeface="Arial"/>
+              <a:buChar char="•"/>
+              <a:defRPr sz="1800" kern="1200">
+                <a:solidFill>
+                  <a:schemeClr val="tx1"/>
+                </a:solidFill>
+                <a:latin typeface="+mn-lt"/>
+                <a:ea typeface="+mn-ea"/>
+                <a:cs typeface="+mn-cs"/>
+              </a:defRPr>
+            </a:lvl9pPr>
+          </a:lstStyle>
+          <a:p>
+            <a:pPr marL="0" indent="0">
+              <a:lnSpc>
+                <a:spcPct val="100000"/>
+              </a:lnSpc>
+              <a:buNone/>
+            </a:pPr>
+            <a:endParaRPr lang="en-US" altLang="zh-CN" sz="2000" dirty="0">
+              <a:solidFill>
+                <a:srgbClr val="C00000"/>
+              </a:solidFill>
+            </a:endParaRPr>
+          </a:p>
+        </p:txBody>
+      </p:sp>
+      <p:pic>
+        <p:nvPicPr>
+          <p:cNvPr id="3" name="Picture 2">
+            <a:extLst>
+              <a:ext uri="{FF2B5EF4-FFF2-40B4-BE49-F238E27FC236}">
+                <a16:creationId xmlns:a16="http://schemas.microsoft.com/office/drawing/2014/main" id="{26168DFA-CE5A-144C-A5CE-3F52BB55CCA5}"/>
+              </a:ext>
+            </a:extLst>
+          </p:cNvPr>
+          <p:cNvPicPr>
+            <a:picLocks noChangeAspect="1"/>
+          </p:cNvPicPr>
+          <p:nvPr/>
+        </p:nvPicPr>
+        <p:blipFill>
+          <a:blip r:embed="rId2"/>
+          <a:stretch>
+            <a:fillRect/>
+          </a:stretch>
+        </p:blipFill>
+        <p:spPr>
+          <a:xfrm>
+            <a:off x="1931248" y="2089730"/>
+            <a:ext cx="8329503" cy="3850467"/>
+          </a:xfrm>
+          <a:prstGeom prst="rect">
+            <a:avLst/>
+          </a:prstGeom>
+        </p:spPr>
+      </p:pic>
+    </p:spTree>
+    <p:extLst>
+      <p:ext uri="{BB962C8B-B14F-4D97-AF65-F5344CB8AC3E}">
+        <p14:creationId xmlns:p14="http://schemas.microsoft.com/office/powerpoint/2010/main" val="2988358327"/>
+      </p:ext>
+    </p:extLst>
+  </p:cSld>
+  <p:clrMapOvr>
+    <a:masterClrMapping/>
+  </p:clrMapOvr>
+</p:sld>
+</file>
+
+<file path=ppt/slides/slide6.xml><?xml version="1.0" encoding="utf-8"?>
+<p:sld xmlns:a="http://schemas.openxmlformats.org/drawingml/2006/main" xmlns:r="http://schemas.openxmlformats.org/officeDocument/2006/relationships" xmlns:p="http://schemas.openxmlformats.org/presentationml/2006/main">
+  <p:cSld>
+    <p:spTree>
+      <p:nvGrpSpPr>
+        <p:cNvPr id="1" name=""/>
+        <p:cNvGrpSpPr/>
+        <p:nvPr/>
+      </p:nvGrpSpPr>
+      <p:grpSpPr>
+        <a:xfrm>
+          <a:off x="0" y="0"/>
+          <a:ext cx="0" cy="0"/>
+          <a:chOff x="0" y="0"/>
+          <a:chExt cx="0" cy="0"/>
+        </a:xfrm>
+      </p:grpSpPr>
+      <p:sp>
+        <p:nvSpPr>
+          <p:cNvPr id="6" name="Title 5"/>
+          <p:cNvSpPr>
+            <a:spLocks noGrp="1"/>
+          </p:cNvSpPr>
+          <p:nvPr>
+            <p:ph type="title"/>
+          </p:nvPr>
+        </p:nvSpPr>
+        <p:spPr>
+          <a:xfrm>
+            <a:off x="838200" y="193964"/>
+            <a:ext cx="10515600" cy="1153574"/>
+          </a:xfrm>
+        </p:spPr>
+        <p:txBody>
+          <a:bodyPr>
+            <a:normAutofit/>
+          </a:bodyPr>
+          <a:lstStyle/>
+          <a:p>
+            <a:pPr>
+              <a:lnSpc>
+                <a:spcPct val="150000"/>
+              </a:lnSpc>
+            </a:pPr>
+            <a:r>
+              <a:rPr lang="zh-CN" altLang="en-US" sz="2400" b="1" dirty="0">
+                <a:latin typeface="Microsoft YaHei" panose="020B0503020204020204" pitchFamily="34" charset="-122"/>
+                <a:ea typeface="Microsoft YaHei" panose="020B0503020204020204" pitchFamily="34" charset="-122"/>
+              </a:rPr>
+              <a:t>文本特征</a:t>
+            </a:r>
+            <a:br>
+              <a:rPr lang="en-US" altLang="zh-CN" sz="1800" dirty="0">
+                <a:solidFill>
+                  <a:schemeClr val="bg1">
+                    <a:lumMod val="50000"/>
+                  </a:schemeClr>
+                </a:solidFill>
+              </a:rPr>
+            </a:br>
+            <a:r>
+              <a:rPr lang="en-US" altLang="zh-CN" sz="1800" dirty="0">
+                <a:solidFill>
+                  <a:srgbClr val="0070C0"/>
+                </a:solidFill>
+                <a:latin typeface="Pristina" panose="020F0502020204030204" pitchFamily="34" charset="0"/>
+              </a:rPr>
+              <a:t>Complete</a:t>
+            </a:r>
+            <a:r>
+              <a:rPr lang="zh-CN" altLang="en-US" sz="1800" dirty="0">
+                <a:solidFill>
+                  <a:srgbClr val="0070C0"/>
+                </a:solidFill>
+                <a:latin typeface="Pristina" panose="020F0502020204030204" pitchFamily="34" charset="0"/>
+              </a:rPr>
+              <a:t> </a:t>
+            </a:r>
+            <a:r>
+              <a:rPr lang="en-US" altLang="zh-CN" sz="1800" dirty="0">
+                <a:solidFill>
+                  <a:srgbClr val="0070C0"/>
+                </a:solidFill>
+                <a:latin typeface="Pristina" panose="020F0502020204030204" pitchFamily="34" charset="0"/>
+              </a:rPr>
+              <a:t>Workflow</a:t>
+            </a:r>
+            <a:endParaRPr lang="en-US" sz="1800" dirty="0">
+              <a:solidFill>
+                <a:srgbClr val="0070C0"/>
+              </a:solidFill>
+              <a:latin typeface="Pristina" panose="020F0502020204030204" pitchFamily="34" charset="0"/>
+              <a:cs typeface="Pristina" panose="020F0502020204030204" pitchFamily="34" charset="0"/>
+            </a:endParaRPr>
+          </a:p>
+        </p:txBody>
+      </p:sp>
+      <p:sp>
+        <p:nvSpPr>
+          <p:cNvPr id="7" name="Content Placeholder 6"/>
+          <p:cNvSpPr>
+            <a:spLocks noGrp="1"/>
+          </p:cNvSpPr>
+          <p:nvPr>
+            <p:ph idx="1"/>
+          </p:nvPr>
+        </p:nvSpPr>
+        <p:spPr>
+          <a:xfrm>
+            <a:off x="838200" y="1472665"/>
+            <a:ext cx="10515600" cy="4704298"/>
+          </a:xfrm>
+        </p:spPr>
+        <p:txBody>
+          <a:bodyPr>
+            <a:normAutofit/>
+          </a:bodyPr>
+          <a:lstStyle/>
+          <a:p>
+            <a:pPr>
+              <a:lnSpc>
+                <a:spcPct val="150000"/>
+              </a:lnSpc>
+            </a:pPr>
+            <a:r>
+              <a:rPr lang="zh-CN" altLang="en-US" sz="2000" dirty="0">
+                <a:solidFill>
+                  <a:schemeClr val="bg2">
+                    <a:lumMod val="25000"/>
+                  </a:schemeClr>
+                </a:solidFill>
+              </a:rPr>
+              <a:t>文本特征处理</a:t>
+            </a:r>
+            <a:br>
+              <a:rPr lang="en-US" altLang="zh-CN" sz="2000" dirty="0">
+                <a:solidFill>
+                  <a:schemeClr val="bg2">
+                    <a:lumMod val="25000"/>
+                  </a:schemeClr>
+                </a:solidFill>
+              </a:rPr>
+            </a:br>
+            <a:endParaRPr lang="en-US" altLang="zh-CN" sz="1800" dirty="0"/>
+          </a:p>
+        </p:txBody>
+      </p:sp>
+      <p:sp>
+        <p:nvSpPr>
+          <p:cNvPr id="5" name="Content Placeholder 6">
+            <a:extLst>
+              <a:ext uri="{FF2B5EF4-FFF2-40B4-BE49-F238E27FC236}">
+                <a16:creationId xmlns:a16="http://schemas.microsoft.com/office/drawing/2014/main" id="{5B912217-D3EA-7142-89E0-BA2CB0D6F175}"/>
+              </a:ext>
+            </a:extLst>
+          </p:cNvPr>
+          <p:cNvSpPr txBox="1">
+            <a:spLocks/>
+          </p:cNvSpPr>
+          <p:nvPr/>
+        </p:nvSpPr>
+        <p:spPr>
+          <a:xfrm>
+            <a:off x="6843386" y="2956141"/>
+            <a:ext cx="4662814" cy="1728593"/>
+          </a:xfrm>
+          <a:prstGeom prst="rect">
+            <a:avLst/>
+          </a:prstGeom>
+        </p:spPr>
+        <p:txBody>
+          <a:bodyPr vert="horz" lIns="91440" tIns="45720" rIns="91440" bIns="45720" rtlCol="0">
+            <a:normAutofit/>
+          </a:bodyPr>
+          <a:lstStyle>
+            <a:lvl1pPr marL="228600" indent="-228600" algn="l" defTabSz="914400" rtl="0" eaLnBrk="1" latinLnBrk="0" hangingPunct="1">
+              <a:lnSpc>
+                <a:spcPct val="90000"/>
+              </a:lnSpc>
+              <a:spcBef>
+                <a:spcPts val="1000"/>
+              </a:spcBef>
+              <a:buFont typeface="Arial"/>
+              <a:buChar char="•"/>
+              <a:defRPr sz="2800" kern="1200">
+                <a:solidFill>
+                  <a:schemeClr val="tx1"/>
+                </a:solidFill>
+                <a:latin typeface="Chalkboard" charset="0"/>
+                <a:ea typeface="Chalkboard" charset="0"/>
+                <a:cs typeface="Chalkboard" charset="0"/>
+              </a:defRPr>
+            </a:lvl1pPr>
+            <a:lvl2pPr marL="685800" indent="-228600" algn="l" defTabSz="914400" rtl="0" eaLnBrk="1" latinLnBrk="0" hangingPunct="1">
+              <a:lnSpc>
+                <a:spcPct val="90000"/>
+              </a:lnSpc>
+              <a:spcBef>
+                <a:spcPts val="500"/>
+              </a:spcBef>
+              <a:buFont typeface="Arial"/>
+              <a:buChar char="•"/>
+              <a:defRPr sz="2400" kern="1200">
+                <a:solidFill>
+                  <a:schemeClr val="tx1"/>
+                </a:solidFill>
+                <a:latin typeface="Chalkboard" charset="0"/>
+                <a:ea typeface="Chalkboard" charset="0"/>
+                <a:cs typeface="Chalkboard" charset="0"/>
+              </a:defRPr>
+            </a:lvl2pPr>
+            <a:lvl3pPr marL="1143000" indent="-228600" algn="l" defTabSz="914400" rtl="0" eaLnBrk="1" latinLnBrk="0" hangingPunct="1">
+              <a:lnSpc>
+                <a:spcPct val="90000"/>
+              </a:lnSpc>
+              <a:spcBef>
+                <a:spcPts val="500"/>
+              </a:spcBef>
+              <a:buFont typeface="Arial"/>
+              <a:buChar char="•"/>
+              <a:defRPr sz="2000" kern="1200">
+                <a:solidFill>
+                  <a:schemeClr val="tx1"/>
+                </a:solidFill>
+                <a:latin typeface="Chalkboard" charset="0"/>
+                <a:ea typeface="Chalkboard" charset="0"/>
+                <a:cs typeface="Chalkboard" charset="0"/>
+              </a:defRPr>
+            </a:lvl3pPr>
+            <a:lvl4pPr marL="1600200" indent="-228600" algn="l" defTabSz="914400" rtl="0" eaLnBrk="1" latinLnBrk="0" hangingPunct="1">
+              <a:lnSpc>
+                <a:spcPct val="90000"/>
+              </a:lnSpc>
+              <a:spcBef>
+                <a:spcPts val="500"/>
+              </a:spcBef>
+              <a:buFont typeface="Arial"/>
+              <a:buChar char="•"/>
+              <a:defRPr sz="1800" kern="1200">
+                <a:solidFill>
+                  <a:schemeClr val="tx1"/>
+                </a:solidFill>
+                <a:latin typeface="Chalkboard" charset="0"/>
+                <a:ea typeface="Chalkboard" charset="0"/>
+                <a:cs typeface="Chalkboard" charset="0"/>
+              </a:defRPr>
+            </a:lvl4pPr>
+            <a:lvl5pPr marL="2057400" indent="-228600" algn="l" defTabSz="914400" rtl="0" eaLnBrk="1" latinLnBrk="0" hangingPunct="1">
+              <a:lnSpc>
+                <a:spcPct val="90000"/>
+              </a:lnSpc>
+              <a:spcBef>
+                <a:spcPts val="500"/>
+              </a:spcBef>
+              <a:buFont typeface="Arial"/>
+              <a:buChar char="•"/>
+              <a:defRPr sz="1800" kern="1200">
+                <a:solidFill>
+                  <a:schemeClr val="tx1"/>
+                </a:solidFill>
+                <a:latin typeface="Chalkboard" charset="0"/>
+                <a:ea typeface="Chalkboard" charset="0"/>
+                <a:cs typeface="Chalkboard" charset="0"/>
+              </a:defRPr>
+            </a:lvl5pPr>
+            <a:lvl6pPr marL="2514600" indent="-228600" algn="l" defTabSz="914400" rtl="0" eaLnBrk="1" latinLnBrk="0" hangingPunct="1">
+              <a:lnSpc>
+                <a:spcPct val="90000"/>
+              </a:lnSpc>
+              <a:spcBef>
+                <a:spcPts val="500"/>
+              </a:spcBef>
+              <a:buFont typeface="Arial"/>
+              <a:buChar char="•"/>
+              <a:defRPr sz="1800" kern="1200">
+                <a:solidFill>
+                  <a:schemeClr val="tx1"/>
+                </a:solidFill>
+                <a:latin typeface="+mn-lt"/>
+                <a:ea typeface="+mn-ea"/>
+                <a:cs typeface="+mn-cs"/>
+              </a:defRPr>
+            </a:lvl6pPr>
+            <a:lvl7pPr marL="2971800" indent="-228600" algn="l" defTabSz="914400" rtl="0" eaLnBrk="1" latinLnBrk="0" hangingPunct="1">
+              <a:lnSpc>
+                <a:spcPct val="90000"/>
+              </a:lnSpc>
+              <a:spcBef>
+                <a:spcPts val="500"/>
+              </a:spcBef>
+              <a:buFont typeface="Arial"/>
+              <a:buChar char="•"/>
+              <a:defRPr sz="1800" kern="1200">
+                <a:solidFill>
+                  <a:schemeClr val="tx1"/>
+                </a:solidFill>
+                <a:latin typeface="+mn-lt"/>
+                <a:ea typeface="+mn-ea"/>
+                <a:cs typeface="+mn-cs"/>
+              </a:defRPr>
+            </a:lvl7pPr>
+            <a:lvl8pPr marL="3429000" indent="-228600" algn="l" defTabSz="914400" rtl="0" eaLnBrk="1" latinLnBrk="0" hangingPunct="1">
+              <a:lnSpc>
+                <a:spcPct val="90000"/>
+              </a:lnSpc>
+              <a:spcBef>
+                <a:spcPts val="500"/>
+              </a:spcBef>
+              <a:buFont typeface="Arial"/>
+              <a:buChar char="•"/>
+              <a:defRPr sz="1800" kern="1200">
+                <a:solidFill>
+                  <a:schemeClr val="tx1"/>
+                </a:solidFill>
+                <a:latin typeface="+mn-lt"/>
+                <a:ea typeface="+mn-ea"/>
+                <a:cs typeface="+mn-cs"/>
+              </a:defRPr>
+            </a:lvl8pPr>
+            <a:lvl9pPr marL="3886200" indent="-228600" algn="l" defTabSz="914400" rtl="0" eaLnBrk="1" latinLnBrk="0" hangingPunct="1">
+              <a:lnSpc>
+                <a:spcPct val="90000"/>
+              </a:lnSpc>
+              <a:spcBef>
+                <a:spcPts val="500"/>
+              </a:spcBef>
+              <a:buFont typeface="Arial"/>
+              <a:buChar char="•"/>
+              <a:defRPr sz="1800" kern="1200">
+                <a:solidFill>
+                  <a:schemeClr val="tx1"/>
+                </a:solidFill>
+                <a:latin typeface="+mn-lt"/>
+                <a:ea typeface="+mn-ea"/>
+                <a:cs typeface="+mn-cs"/>
+              </a:defRPr>
+            </a:lvl9pPr>
+          </a:lstStyle>
+          <a:p>
+            <a:pPr marL="0" indent="0">
+              <a:lnSpc>
+                <a:spcPct val="100000"/>
+              </a:lnSpc>
+              <a:buNone/>
+            </a:pPr>
+            <a:endParaRPr lang="en-US" altLang="zh-CN" sz="2000" dirty="0">
+              <a:solidFill>
+                <a:srgbClr val="C00000"/>
+              </a:solidFill>
+            </a:endParaRPr>
+          </a:p>
+        </p:txBody>
+      </p:sp>
+      <p:pic>
+        <p:nvPicPr>
+          <p:cNvPr id="12" name="Picture 11">
+            <a:extLst>
+              <a:ext uri="{FF2B5EF4-FFF2-40B4-BE49-F238E27FC236}">
+                <a16:creationId xmlns:a16="http://schemas.microsoft.com/office/drawing/2014/main" id="{1AF882A8-0958-EE98-4F24-325F31841C95}"/>
+              </a:ext>
+            </a:extLst>
+          </p:cNvPr>
+          <p:cNvPicPr>
+            <a:picLocks noChangeAspect="1"/>
+          </p:cNvPicPr>
+          <p:nvPr/>
+        </p:nvPicPr>
+        <p:blipFill>
+          <a:blip r:embed="rId2"/>
+          <a:stretch>
+            <a:fillRect/>
+          </a:stretch>
+        </p:blipFill>
+        <p:spPr>
+          <a:xfrm>
+            <a:off x="1935211" y="2120564"/>
+            <a:ext cx="8321577" cy="3692407"/>
+          </a:xfrm>
+          <a:prstGeom prst="rect">
+            <a:avLst/>
+          </a:prstGeom>
+        </p:spPr>
+      </p:pic>
+    </p:spTree>
+    <p:extLst>
+      <p:ext uri="{BB962C8B-B14F-4D97-AF65-F5344CB8AC3E}">
+        <p14:creationId xmlns:p14="http://schemas.microsoft.com/office/powerpoint/2010/main" val="3204593549"/>
+      </p:ext>
+    </p:extLst>
+  </p:cSld>
+  <p:clrMapOvr>
+    <a:masterClrMapping/>
+  </p:clrMapOvr>
+</p:sld>
+</file>
+
+<file path=ppt/slides/slide7.xml><?xml version="1.0" encoding="utf-8"?>
+<p:sld xmlns:a="http://schemas.openxmlformats.org/drawingml/2006/main" xmlns:r="http://schemas.openxmlformats.org/officeDocument/2006/relationships" xmlns:p="http://schemas.openxmlformats.org/presentationml/2006/main">
+  <p:cSld>
+    <p:spTree>
+      <p:nvGrpSpPr>
+        <p:cNvPr id="1" name=""/>
+        <p:cNvGrpSpPr/>
+        <p:nvPr/>
+      </p:nvGrpSpPr>
+      <p:grpSpPr>
+        <a:xfrm>
+          <a:off x="0" y="0"/>
+          <a:ext cx="0" cy="0"/>
+          <a:chOff x="0" y="0"/>
+          <a:chExt cx="0" cy="0"/>
+        </a:xfrm>
+      </p:grpSpPr>
+      <p:sp>
+        <p:nvSpPr>
+          <p:cNvPr id="6" name="Title 5"/>
+          <p:cNvSpPr>
+            <a:spLocks noGrp="1"/>
+          </p:cNvSpPr>
+          <p:nvPr>
+            <p:ph type="title"/>
+          </p:nvPr>
+        </p:nvSpPr>
+        <p:spPr>
+          <a:xfrm>
+            <a:off x="838200" y="193964"/>
+            <a:ext cx="10515600" cy="1153574"/>
+          </a:xfrm>
+        </p:spPr>
+        <p:txBody>
+          <a:bodyPr>
+            <a:normAutofit/>
+          </a:bodyPr>
+          <a:lstStyle/>
+          <a:p>
+            <a:pPr>
+              <a:lnSpc>
+                <a:spcPct val="150000"/>
+              </a:lnSpc>
+            </a:pPr>
+            <a:r>
+              <a:rPr lang="zh-CN" altLang="en-US" sz="2400" b="1" dirty="0">
+                <a:latin typeface="Microsoft YaHei" panose="020B0503020204020204" pitchFamily="34" charset="-122"/>
+                <a:ea typeface="Microsoft YaHei" panose="020B0503020204020204" pitchFamily="34" charset="-122"/>
+              </a:rPr>
+              <a:t>文本特征</a:t>
+            </a:r>
+            <a:br>
+              <a:rPr lang="en-US" altLang="zh-CN" sz="1800" dirty="0">
+                <a:solidFill>
+                  <a:schemeClr val="bg1">
+                    <a:lumMod val="50000"/>
+                  </a:schemeClr>
+                </a:solidFill>
+              </a:rPr>
+            </a:br>
+            <a:r>
+              <a:rPr lang="en-US" altLang="zh-CN" sz="1800" dirty="0">
+                <a:solidFill>
+                  <a:srgbClr val="0070C0"/>
+                </a:solidFill>
+                <a:latin typeface="Pristina" panose="020F0502020204030204" pitchFamily="34" charset="0"/>
+              </a:rPr>
+              <a:t>Complete</a:t>
+            </a:r>
+            <a:r>
+              <a:rPr lang="zh-CN" altLang="en-US" sz="1800" dirty="0">
+                <a:solidFill>
+                  <a:srgbClr val="0070C0"/>
+                </a:solidFill>
+                <a:latin typeface="Pristina" panose="020F0502020204030204" pitchFamily="34" charset="0"/>
+              </a:rPr>
+              <a:t> </a:t>
+            </a:r>
+            <a:r>
+              <a:rPr lang="en-US" altLang="zh-CN" sz="1800" dirty="0">
+                <a:solidFill>
+                  <a:srgbClr val="0070C0"/>
+                </a:solidFill>
+                <a:latin typeface="Pristina" panose="020F0502020204030204" pitchFamily="34" charset="0"/>
+              </a:rPr>
+              <a:t>Workflow</a:t>
+            </a:r>
+            <a:endParaRPr lang="en-US" sz="1800" dirty="0">
+              <a:solidFill>
+                <a:srgbClr val="0070C0"/>
+              </a:solidFill>
+              <a:latin typeface="Pristina" panose="020F0502020204030204" pitchFamily="34" charset="0"/>
+              <a:cs typeface="Pristina" panose="020F0502020204030204" pitchFamily="34" charset="0"/>
+            </a:endParaRPr>
+          </a:p>
+        </p:txBody>
+      </p:sp>
+      <p:sp>
+        <p:nvSpPr>
+          <p:cNvPr id="7" name="Content Placeholder 6"/>
+          <p:cNvSpPr>
+            <a:spLocks noGrp="1"/>
+          </p:cNvSpPr>
+          <p:nvPr>
+            <p:ph idx="1"/>
+          </p:nvPr>
+        </p:nvSpPr>
+        <p:spPr>
+          <a:xfrm>
+            <a:off x="838200" y="1472665"/>
+            <a:ext cx="10515600" cy="4704298"/>
+          </a:xfrm>
+        </p:spPr>
+        <p:txBody>
+          <a:bodyPr>
+            <a:normAutofit/>
+          </a:bodyPr>
+          <a:lstStyle/>
+          <a:p>
+            <a:pPr>
+              <a:lnSpc>
+                <a:spcPct val="150000"/>
+              </a:lnSpc>
+            </a:pPr>
+            <a:r>
+              <a:rPr lang="en-US" altLang="zh-CN" sz="2000" dirty="0">
+                <a:solidFill>
+                  <a:schemeClr val="bg2">
+                    <a:lumMod val="25000"/>
+                  </a:schemeClr>
+                </a:solidFill>
+              </a:rPr>
+              <a:t>Word2Vec</a:t>
+            </a:r>
+            <a:r>
+              <a:rPr lang="zh-CN" altLang="en-US" sz="2000" dirty="0">
+                <a:solidFill>
+                  <a:schemeClr val="bg2">
+                    <a:lumMod val="25000"/>
+                  </a:schemeClr>
+                </a:solidFill>
+              </a:rPr>
+              <a:t> 输出</a:t>
+            </a:r>
+            <a:br>
+              <a:rPr lang="en-US" altLang="zh-CN" sz="2000" dirty="0">
+                <a:solidFill>
+                  <a:schemeClr val="bg2">
+                    <a:lumMod val="25000"/>
+                  </a:schemeClr>
+                </a:solidFill>
+              </a:rPr>
+            </a:br>
+            <a:endParaRPr lang="en-US" altLang="zh-CN" sz="1800" dirty="0"/>
+          </a:p>
+        </p:txBody>
+      </p:sp>
+      <p:sp>
+        <p:nvSpPr>
+          <p:cNvPr id="5" name="Content Placeholder 6">
+            <a:extLst>
+              <a:ext uri="{FF2B5EF4-FFF2-40B4-BE49-F238E27FC236}">
+                <a16:creationId xmlns:a16="http://schemas.microsoft.com/office/drawing/2014/main" id="{5B912217-D3EA-7142-89E0-BA2CB0D6F175}"/>
+              </a:ext>
+            </a:extLst>
+          </p:cNvPr>
+          <p:cNvSpPr txBox="1">
+            <a:spLocks/>
+          </p:cNvSpPr>
+          <p:nvPr/>
+        </p:nvSpPr>
+        <p:spPr>
+          <a:xfrm>
+            <a:off x="6843386" y="2956141"/>
+            <a:ext cx="4662814" cy="1728593"/>
+          </a:xfrm>
+          <a:prstGeom prst="rect">
+            <a:avLst/>
+          </a:prstGeom>
+        </p:spPr>
+        <p:txBody>
+          <a:bodyPr vert="horz" lIns="91440" tIns="45720" rIns="91440" bIns="45720" rtlCol="0">
+            <a:normAutofit/>
+          </a:bodyPr>
+          <a:lstStyle>
+            <a:lvl1pPr marL="228600" indent="-228600" algn="l" defTabSz="914400" rtl="0" eaLnBrk="1" latinLnBrk="0" hangingPunct="1">
+              <a:lnSpc>
+                <a:spcPct val="90000"/>
+              </a:lnSpc>
+              <a:spcBef>
+                <a:spcPts val="1000"/>
+              </a:spcBef>
+              <a:buFont typeface="Arial"/>
+              <a:buChar char="•"/>
+              <a:defRPr sz="2800" kern="1200">
+                <a:solidFill>
+                  <a:schemeClr val="tx1"/>
+                </a:solidFill>
+                <a:latin typeface="Chalkboard" charset="0"/>
+                <a:ea typeface="Chalkboard" charset="0"/>
+                <a:cs typeface="Chalkboard" charset="0"/>
+              </a:defRPr>
+            </a:lvl1pPr>
+            <a:lvl2pPr marL="685800" indent="-228600" algn="l" defTabSz="914400" rtl="0" eaLnBrk="1" latinLnBrk="0" hangingPunct="1">
+              <a:lnSpc>
+                <a:spcPct val="90000"/>
+              </a:lnSpc>
+              <a:spcBef>
+                <a:spcPts val="500"/>
+              </a:spcBef>
+              <a:buFont typeface="Arial"/>
+              <a:buChar char="•"/>
+              <a:defRPr sz="2400" kern="1200">
+                <a:solidFill>
+                  <a:schemeClr val="tx1"/>
+                </a:solidFill>
+                <a:latin typeface="Chalkboard" charset="0"/>
+                <a:ea typeface="Chalkboard" charset="0"/>
+                <a:cs typeface="Chalkboard" charset="0"/>
+              </a:defRPr>
+            </a:lvl2pPr>
+            <a:lvl3pPr marL="1143000" indent="-228600" algn="l" defTabSz="914400" rtl="0" eaLnBrk="1" latinLnBrk="0" hangingPunct="1">
+              <a:lnSpc>
+                <a:spcPct val="90000"/>
+              </a:lnSpc>
+              <a:spcBef>
+                <a:spcPts val="500"/>
+              </a:spcBef>
+              <a:buFont typeface="Arial"/>
+              <a:buChar char="•"/>
+              <a:defRPr sz="2000" kern="1200">
+                <a:solidFill>
+                  <a:schemeClr val="tx1"/>
+                </a:solidFill>
+                <a:latin typeface="Chalkboard" charset="0"/>
+                <a:ea typeface="Chalkboard" charset="0"/>
+                <a:cs typeface="Chalkboard" charset="0"/>
+              </a:defRPr>
+            </a:lvl3pPr>
+            <a:lvl4pPr marL="1600200" indent="-228600" algn="l" defTabSz="914400" rtl="0" eaLnBrk="1" latinLnBrk="0" hangingPunct="1">
+              <a:lnSpc>
+                <a:spcPct val="90000"/>
+              </a:lnSpc>
+              <a:spcBef>
+                <a:spcPts val="500"/>
+              </a:spcBef>
+              <a:buFont typeface="Arial"/>
+              <a:buChar char="•"/>
+              <a:defRPr sz="1800" kern="1200">
+                <a:solidFill>
+                  <a:schemeClr val="tx1"/>
+                </a:solidFill>
+                <a:latin typeface="Chalkboard" charset="0"/>
+                <a:ea typeface="Chalkboard" charset="0"/>
+                <a:cs typeface="Chalkboard" charset="0"/>
+              </a:defRPr>
+            </a:lvl4pPr>
+            <a:lvl5pPr marL="2057400" indent="-228600" algn="l" defTabSz="914400" rtl="0" eaLnBrk="1" latinLnBrk="0" hangingPunct="1">
+              <a:lnSpc>
+                <a:spcPct val="90000"/>
+              </a:lnSpc>
+              <a:spcBef>
+                <a:spcPts val="500"/>
+              </a:spcBef>
+              <a:buFont typeface="Arial"/>
+              <a:buChar char="•"/>
+              <a:defRPr sz="1800" kern="1200">
+                <a:solidFill>
+                  <a:schemeClr val="tx1"/>
+                </a:solidFill>
+                <a:latin typeface="Chalkboard" charset="0"/>
+                <a:ea typeface="Chalkboard" charset="0"/>
+                <a:cs typeface="Chalkboard" charset="0"/>
+              </a:defRPr>
+            </a:lvl5pPr>
+            <a:lvl6pPr marL="2514600" indent="-228600" algn="l" defTabSz="914400" rtl="0" eaLnBrk="1" latinLnBrk="0" hangingPunct="1">
+              <a:lnSpc>
+                <a:spcPct val="90000"/>
+              </a:lnSpc>
+              <a:spcBef>
+                <a:spcPts val="500"/>
+              </a:spcBef>
+              <a:buFont typeface="Arial"/>
+              <a:buChar char="•"/>
+              <a:defRPr sz="1800" kern="1200">
+                <a:solidFill>
+                  <a:schemeClr val="tx1"/>
+                </a:solidFill>
+                <a:latin typeface="+mn-lt"/>
+                <a:ea typeface="+mn-ea"/>
+                <a:cs typeface="+mn-cs"/>
+              </a:defRPr>
+            </a:lvl6pPr>
+            <a:lvl7pPr marL="2971800" indent="-228600" algn="l" defTabSz="914400" rtl="0" eaLnBrk="1" latinLnBrk="0" hangingPunct="1">
+              <a:lnSpc>
+                <a:spcPct val="90000"/>
+              </a:lnSpc>
+              <a:spcBef>
+                <a:spcPts val="500"/>
+              </a:spcBef>
+              <a:buFont typeface="Arial"/>
+              <a:buChar char="•"/>
+              <a:defRPr sz="1800" kern="1200">
+                <a:solidFill>
+                  <a:schemeClr val="tx1"/>
+                </a:solidFill>
+                <a:latin typeface="+mn-lt"/>
+                <a:ea typeface="+mn-ea"/>
+                <a:cs typeface="+mn-cs"/>
+              </a:defRPr>
+            </a:lvl7pPr>
+            <a:lvl8pPr marL="3429000" indent="-228600" algn="l" defTabSz="914400" rtl="0" eaLnBrk="1" latinLnBrk="0" hangingPunct="1">
+              <a:lnSpc>
+                <a:spcPct val="90000"/>
+              </a:lnSpc>
+              <a:spcBef>
+                <a:spcPts val="500"/>
+              </a:spcBef>
+              <a:buFont typeface="Arial"/>
+              <a:buChar char="•"/>
+              <a:defRPr sz="1800" kern="1200">
+                <a:solidFill>
+                  <a:schemeClr val="tx1"/>
+                </a:solidFill>
+                <a:latin typeface="+mn-lt"/>
+                <a:ea typeface="+mn-ea"/>
+                <a:cs typeface="+mn-cs"/>
+              </a:defRPr>
+            </a:lvl8pPr>
+            <a:lvl9pPr marL="3886200" indent="-228600" algn="l" defTabSz="914400" rtl="0" eaLnBrk="1" latinLnBrk="0" hangingPunct="1">
+              <a:lnSpc>
+                <a:spcPct val="90000"/>
+              </a:lnSpc>
+              <a:spcBef>
+                <a:spcPts val="500"/>
+              </a:spcBef>
+              <a:buFont typeface="Arial"/>
+              <a:buChar char="•"/>
+              <a:defRPr sz="1800" kern="1200">
+                <a:solidFill>
+                  <a:schemeClr val="tx1"/>
+                </a:solidFill>
+                <a:latin typeface="+mn-lt"/>
+                <a:ea typeface="+mn-ea"/>
+                <a:cs typeface="+mn-cs"/>
+              </a:defRPr>
+            </a:lvl9pPr>
+          </a:lstStyle>
+          <a:p>
+            <a:pPr marL="0" indent="0">
+              <a:lnSpc>
+                <a:spcPct val="100000"/>
+              </a:lnSpc>
+              <a:buNone/>
+            </a:pPr>
+            <a:endParaRPr lang="en-US" altLang="zh-CN" sz="2000" dirty="0">
+              <a:solidFill>
+                <a:srgbClr val="C00000"/>
+              </a:solidFill>
+            </a:endParaRPr>
+          </a:p>
+        </p:txBody>
+      </p:sp>
+    </p:spTree>
+    <p:extLst>
+      <p:ext uri="{BB962C8B-B14F-4D97-AF65-F5344CB8AC3E}">
+        <p14:creationId xmlns:p14="http://schemas.microsoft.com/office/powerpoint/2010/main" val="898476114"/>
+      </p:ext>
+    </p:extLst>
+  </p:cSld>
+  <p:clrMapOvr>
+    <a:masterClrMapping/>
+  </p:clrMapOvr>
+</p:sld>
+</file>
+
+<file path=ppt/slides/slide8.xml><?xml version="1.0" encoding="utf-8"?>
 <p:sld xmlns:a="http://schemas.openxmlformats.org/drawingml/2006/main" xmlns:r="http://schemas.openxmlformats.org/officeDocument/2006/relationships" xmlns:p="http://schemas.openxmlformats.org/presentationml/2006/main">
   <p:cSld>
     <p:spTree>

--- a/ppt/04.二分类-文本输入.pptx
+++ b/ppt/04.二分类-文本输入.pptx
@@ -5,7 +5,7 @@
     <p:sldMasterId id="2147483648" r:id="rId1"/>
   </p:sldMasterIdLst>
   <p:notesMasterIdLst>
-    <p:notesMasterId r:id="rId10"/>
+    <p:notesMasterId r:id="rId12"/>
   </p:notesMasterIdLst>
   <p:sldIdLst>
     <p:sldId id="256" r:id="rId2"/>
@@ -15,7 +15,9 @@
     <p:sldId id="316" r:id="rId6"/>
     <p:sldId id="315" r:id="rId7"/>
     <p:sldId id="317" r:id="rId8"/>
-    <p:sldId id="303" r:id="rId9"/>
+    <p:sldId id="318" r:id="rId9"/>
+    <p:sldId id="319" r:id="rId10"/>
+    <p:sldId id="303" r:id="rId11"/>
   </p:sldIdLst>
   <p:sldSz cx="12192000" cy="6858000"/>
   <p:notesSz cx="6858000" cy="9144000"/>
@@ -3952,6 +3954,107 @@
 </p:sld>
 </file>
 
+<file path=ppt/slides/slide10.xml><?xml version="1.0" encoding="utf-8"?>
+<p:sld xmlns:a="http://schemas.openxmlformats.org/drawingml/2006/main" xmlns:r="http://schemas.openxmlformats.org/officeDocument/2006/relationships" xmlns:p="http://schemas.openxmlformats.org/presentationml/2006/main">
+  <p:cSld>
+    <p:spTree>
+      <p:nvGrpSpPr>
+        <p:cNvPr id="1" name=""/>
+        <p:cNvGrpSpPr/>
+        <p:nvPr/>
+      </p:nvGrpSpPr>
+      <p:grpSpPr>
+        <a:xfrm>
+          <a:off x="0" y="0"/>
+          <a:ext cx="0" cy="0"/>
+          <a:chOff x="0" y="0"/>
+          <a:chExt cx="0" cy="0"/>
+        </a:xfrm>
+      </p:grpSpPr>
+      <p:sp>
+        <p:nvSpPr>
+          <p:cNvPr id="6" name="Title 5"/>
+          <p:cNvSpPr>
+            <a:spLocks noGrp="1"/>
+          </p:cNvSpPr>
+          <p:nvPr>
+            <p:ph type="title"/>
+          </p:nvPr>
+        </p:nvSpPr>
+        <p:spPr>
+          <a:xfrm>
+            <a:off x="838200" y="2489760"/>
+            <a:ext cx="10515600" cy="1325563"/>
+          </a:xfrm>
+        </p:spPr>
+        <p:txBody>
+          <a:bodyPr>
+            <a:normAutofit/>
+          </a:bodyPr>
+          <a:lstStyle/>
+          <a:p>
+            <a:pPr algn="ctr"/>
+            <a:r>
+              <a:rPr lang="en-US" altLang="zh-CN" sz="8000" dirty="0">
+                <a:latin typeface="Chalkboard" charset="0"/>
+                <a:ea typeface="Chalkboard" charset="0"/>
+                <a:cs typeface="Chalkboard" charset="0"/>
+              </a:rPr>
+              <a:t>Q</a:t>
+            </a:r>
+            <a:r>
+              <a:rPr lang="zh-CN" altLang="en-US" sz="8000" dirty="0">
+                <a:latin typeface="Chalkboard" charset="0"/>
+                <a:ea typeface="Chalkboard" charset="0"/>
+                <a:cs typeface="Chalkboard" charset="0"/>
+              </a:rPr>
+              <a:t> </a:t>
+            </a:r>
+            <a:r>
+              <a:rPr lang="en-US" altLang="zh-CN" sz="8000" dirty="0">
+                <a:latin typeface="Chalkboard" charset="0"/>
+                <a:ea typeface="Chalkboard" charset="0"/>
+                <a:cs typeface="Chalkboard" charset="0"/>
+              </a:rPr>
+              <a:t>&amp;</a:t>
+            </a:r>
+            <a:r>
+              <a:rPr lang="zh-CN" altLang="en-US" sz="8000" dirty="0">
+                <a:latin typeface="Chalkboard" charset="0"/>
+                <a:ea typeface="Chalkboard" charset="0"/>
+                <a:cs typeface="Chalkboard" charset="0"/>
+              </a:rPr>
+              <a:t> </a:t>
+            </a:r>
+            <a:r>
+              <a:rPr lang="en-US" altLang="zh-CN" sz="8000" dirty="0">
+                <a:latin typeface="Chalkboard" charset="0"/>
+                <a:ea typeface="Chalkboard" charset="0"/>
+                <a:cs typeface="Chalkboard" charset="0"/>
+              </a:rPr>
+              <a:t>A</a:t>
+            </a:r>
+            <a:endParaRPr lang="en-US" sz="8000" dirty="0">
+              <a:latin typeface="Chalkboard" charset="0"/>
+              <a:ea typeface="Chalkboard" charset="0"/>
+              <a:cs typeface="Chalkboard" charset="0"/>
+            </a:endParaRPr>
+          </a:p>
+        </p:txBody>
+      </p:sp>
+    </p:spTree>
+    <p:extLst>
+      <p:ext uri="{BB962C8B-B14F-4D97-AF65-F5344CB8AC3E}">
+        <p14:creationId xmlns:p14="http://schemas.microsoft.com/office/powerpoint/2010/main" val="662552141"/>
+      </p:ext>
+    </p:extLst>
+  </p:cSld>
+  <p:clrMapOvr>
+    <a:masterClrMapping/>
+  </p:clrMapOvr>
+</p:sld>
+</file>
+
 <file path=ppt/slides/slide2.xml><?xml version="1.0" encoding="utf-8"?>
 <p:sld xmlns:a="http://schemas.openxmlformats.org/drawingml/2006/main" xmlns:r="http://schemas.openxmlformats.org/officeDocument/2006/relationships" xmlns:p="http://schemas.openxmlformats.org/presentationml/2006/main">
   <p:cSld>
@@ -4041,7 +4144,7 @@
           </a:p>
           <a:p>
             <a:r>
-              <a:rPr lang="en-US" altLang="zh-CN">
+              <a:rPr lang="en-US" altLang="zh-CN" dirty="0">
                 <a:solidFill>
                   <a:schemeClr val="bg2">
                     <a:lumMod val="25000"/>
@@ -4052,6 +4155,19 @@
                 <a:cs typeface="Chalkboard" charset="0"/>
               </a:rPr>
               <a:t>NLP</a:t>
+            </a:r>
+            <a:r>
+              <a:rPr lang="zh-CN" altLang="en-US">
+                <a:solidFill>
+                  <a:schemeClr val="bg2">
+                    <a:lumMod val="25000"/>
+                  </a:schemeClr>
+                </a:solidFill>
+                <a:latin typeface="Chalkboard" charset="0"/>
+                <a:ea typeface="Chalkboard" charset="0"/>
+                <a:cs typeface="Chalkboard" charset="0"/>
+              </a:rPr>
+              <a:t>预处理</a:t>
             </a:r>
             <a:endParaRPr lang="en-US" altLang="zh-CN" dirty="0">
               <a:solidFill>
@@ -5982,7 +6098,7 @@
                 </a:solidFill>
                 <a:latin typeface="Pristina" panose="020F0502020204030204" pitchFamily="34" charset="0"/>
               </a:rPr>
-              <a:t>Complete</a:t>
+              <a:t>Embedding</a:t>
             </a:r>
             <a:r>
               <a:rPr lang="zh-CN" altLang="en-US" sz="1800" dirty="0">
@@ -6000,7 +6116,7 @@
                 </a:solidFill>
                 <a:latin typeface="Pristina" panose="020F0502020204030204" pitchFamily="34" charset="0"/>
               </a:rPr>
-              <a:t>Workflow</a:t>
+              <a:t>Deeply</a:t>
             </a:r>
             <a:endParaRPr lang="en-US" sz="1800" dirty="0">
               <a:solidFill>
@@ -6047,28 +6163,322 @@
                   </a:schemeClr>
                 </a:solidFill>
               </a:rPr>
-              <a:t>Word2Vec</a:t>
-            </a:r>
-            <a:r>
-              <a:rPr lang="zh-CN" altLang="en-US" sz="2000" dirty="0">
+              <a:t>Embedding</a:t>
+            </a:r>
+            <a:br>
+              <a:rPr lang="en-US" altLang="zh-CN" sz="2000" dirty="0">
                 <a:solidFill>
                   <a:schemeClr val="bg2">
                     <a:lumMod val="25000"/>
                   </a:schemeClr>
                 </a:solidFill>
               </a:rPr>
-              <a:t> 输出</a:t>
-            </a:r>
-            <a:br>
-              <a:rPr lang="en-US" altLang="zh-CN" sz="2000" dirty="0">
+            </a:br>
+            <a:r>
+              <a:rPr lang="en-US" altLang="zh-CN" sz="1800" dirty="0">
                 <a:solidFill>
                   <a:schemeClr val="bg2">
                     <a:lumMod val="25000"/>
                   </a:schemeClr>
                 </a:solidFill>
               </a:rPr>
+              <a:t>NLP</a:t>
+            </a:r>
+            <a:r>
+              <a:rPr lang="zh-CN" altLang="en-US" sz="1800" dirty="0">
+                <a:solidFill>
+                  <a:schemeClr val="bg2">
+                    <a:lumMod val="25000"/>
+                  </a:schemeClr>
+                </a:solidFill>
+              </a:rPr>
+              <a:t>处理中，</a:t>
+            </a:r>
+            <a:r>
+              <a:rPr lang="en-US" altLang="zh-CN" sz="1800" dirty="0">
+                <a:solidFill>
+                  <a:schemeClr val="bg2">
+                    <a:lumMod val="25000"/>
+                  </a:schemeClr>
+                </a:solidFill>
+              </a:rPr>
+              <a:t>embedding</a:t>
+            </a:r>
+            <a:r>
+              <a:rPr lang="zh-CN" altLang="en-US" sz="1800" dirty="0">
+                <a:solidFill>
+                  <a:schemeClr val="bg2">
+                    <a:lumMod val="25000"/>
+                  </a:schemeClr>
+                </a:solidFill>
+              </a:rPr>
+              <a:t> 是一种重要的表示技术，它将词汇、短语、文本单位映射到连续的向量空间中，这些向量捕捉了词汇的语义，让计算机可以处理自然语言。</a:t>
+            </a:r>
+            <a:endParaRPr lang="en-US" altLang="zh-CN" sz="1800" dirty="0">
+              <a:solidFill>
+                <a:schemeClr val="bg2">
+                  <a:lumMod val="25000"/>
+                </a:schemeClr>
+              </a:solidFill>
+            </a:endParaRPr>
+          </a:p>
+          <a:p>
+            <a:pPr>
+              <a:lnSpc>
+                <a:spcPct val="150000"/>
+              </a:lnSpc>
+            </a:pPr>
+            <a:r>
+              <a:rPr lang="en-US" altLang="zh-CN" sz="2000" dirty="0">
+                <a:solidFill>
+                  <a:schemeClr val="bg2">
+                    <a:lumMod val="25000"/>
+                  </a:schemeClr>
+                </a:solidFill>
+              </a:rPr>
+              <a:t>Embedding</a:t>
+            </a:r>
+            <a:r>
+              <a:rPr lang="zh-CN" altLang="en-US" sz="2000" dirty="0">
+                <a:solidFill>
+                  <a:schemeClr val="bg2">
+                    <a:lumMod val="25000"/>
+                  </a:schemeClr>
+                </a:solidFill>
+              </a:rPr>
+              <a:t> 分类</a:t>
+            </a:r>
+            <a:br>
+              <a:rPr lang="en-US" altLang="zh-CN" sz="1800" dirty="0">
+                <a:solidFill>
+                  <a:schemeClr val="bg2">
+                    <a:lumMod val="25000"/>
+                  </a:schemeClr>
+                </a:solidFill>
+              </a:rPr>
             </a:br>
-            <a:endParaRPr lang="en-US" altLang="zh-CN" sz="1800" dirty="0"/>
+            <a:r>
+              <a:rPr lang="zh-CN" altLang="en-US" sz="1800" dirty="0">
+                <a:solidFill>
+                  <a:schemeClr val="bg2">
+                    <a:lumMod val="25000"/>
+                  </a:schemeClr>
+                </a:solidFill>
+              </a:rPr>
+              <a:t>词嵌入 </a:t>
+            </a:r>
+            <a:r>
+              <a:rPr lang="en-US" altLang="zh-CN" sz="1800" dirty="0">
+                <a:solidFill>
+                  <a:schemeClr val="bg2">
+                    <a:lumMod val="25000"/>
+                  </a:schemeClr>
+                </a:solidFill>
+              </a:rPr>
+              <a:t>Word</a:t>
+            </a:r>
+            <a:r>
+              <a:rPr lang="zh-CN" altLang="en-US" sz="1800" dirty="0">
+                <a:solidFill>
+                  <a:schemeClr val="bg2">
+                    <a:lumMod val="25000"/>
+                  </a:schemeClr>
+                </a:solidFill>
+              </a:rPr>
+              <a:t> </a:t>
+            </a:r>
+            <a:r>
+              <a:rPr lang="en-US" altLang="zh-CN" sz="1800" dirty="0">
+                <a:solidFill>
+                  <a:schemeClr val="bg2">
+                    <a:lumMod val="25000"/>
+                  </a:schemeClr>
+                </a:solidFill>
+              </a:rPr>
+              <a:t>Embedding</a:t>
+            </a:r>
+            <a:r>
+              <a:rPr lang="zh-CN" altLang="en-US" sz="1800" dirty="0">
+                <a:solidFill>
+                  <a:schemeClr val="bg2">
+                    <a:lumMod val="25000"/>
+                  </a:schemeClr>
+                </a:solidFill>
+              </a:rPr>
+              <a:t>：</a:t>
+            </a:r>
+            <a:r>
+              <a:rPr lang="en-US" altLang="zh-CN" sz="1800" dirty="0">
+                <a:solidFill>
+                  <a:schemeClr val="accent2"/>
+                </a:solidFill>
+              </a:rPr>
+              <a:t>Word2Vec</a:t>
+            </a:r>
+            <a:r>
+              <a:rPr lang="zh-CN" altLang="en-US" sz="1800" dirty="0">
+                <a:solidFill>
+                  <a:schemeClr val="accent2"/>
+                </a:solidFill>
+              </a:rPr>
+              <a:t>、</a:t>
+            </a:r>
+            <a:r>
+              <a:rPr lang="en-US" altLang="zh-CN" sz="1800" dirty="0" err="1">
+                <a:solidFill>
+                  <a:schemeClr val="accent2"/>
+                </a:solidFill>
+              </a:rPr>
+              <a:t>GloVe</a:t>
+            </a:r>
+            <a:r>
+              <a:rPr lang="zh-CN" altLang="en-US" sz="1800" dirty="0">
+                <a:solidFill>
+                  <a:schemeClr val="accent2"/>
+                </a:solidFill>
+              </a:rPr>
+              <a:t>、</a:t>
+            </a:r>
+            <a:r>
+              <a:rPr lang="en-US" altLang="zh-CN" sz="1800" dirty="0" err="1">
+                <a:solidFill>
+                  <a:schemeClr val="accent2"/>
+                </a:solidFill>
+              </a:rPr>
+              <a:t>FastText</a:t>
+            </a:r>
+            <a:br>
+              <a:rPr lang="en-US" altLang="zh-CN" sz="1800" dirty="0">
+                <a:solidFill>
+                  <a:schemeClr val="bg2">
+                    <a:lumMod val="25000"/>
+                  </a:schemeClr>
+                </a:solidFill>
+              </a:rPr>
+            </a:br>
+            <a:r>
+              <a:rPr lang="zh-CN" altLang="en-US" sz="1800" dirty="0">
+                <a:solidFill>
+                  <a:schemeClr val="bg2">
+                    <a:lumMod val="25000"/>
+                  </a:schemeClr>
+                </a:solidFill>
+              </a:rPr>
+              <a:t>句嵌入 </a:t>
+            </a:r>
+            <a:r>
+              <a:rPr lang="en-US" altLang="zh-CN" sz="1800" dirty="0">
+                <a:solidFill>
+                  <a:schemeClr val="bg2">
+                    <a:lumMod val="25000"/>
+                  </a:schemeClr>
+                </a:solidFill>
+              </a:rPr>
+              <a:t>Sentence</a:t>
+            </a:r>
+            <a:r>
+              <a:rPr lang="zh-CN" altLang="en-US" sz="1800" dirty="0">
+                <a:solidFill>
+                  <a:schemeClr val="bg2">
+                    <a:lumMod val="25000"/>
+                  </a:schemeClr>
+                </a:solidFill>
+              </a:rPr>
+              <a:t> </a:t>
+            </a:r>
+            <a:r>
+              <a:rPr lang="en-US" altLang="zh-CN" sz="1800" dirty="0">
+                <a:solidFill>
+                  <a:schemeClr val="bg2">
+                    <a:lumMod val="25000"/>
+                  </a:schemeClr>
+                </a:solidFill>
+              </a:rPr>
+              <a:t>Embedding</a:t>
+            </a:r>
+            <a:r>
+              <a:rPr lang="zh-CN" altLang="en-US" sz="1800" dirty="0">
+                <a:solidFill>
+                  <a:schemeClr val="bg2">
+                    <a:lumMod val="25000"/>
+                  </a:schemeClr>
+                </a:solidFill>
+              </a:rPr>
+              <a:t>：</a:t>
+            </a:r>
+            <a:r>
+              <a:rPr lang="en-US" altLang="zh-CN" sz="1800" dirty="0">
+                <a:solidFill>
+                  <a:schemeClr val="accent2"/>
+                </a:solidFill>
+              </a:rPr>
+              <a:t>BERT</a:t>
+            </a:r>
+            <a:r>
+              <a:rPr lang="zh-CN" altLang="en-US" sz="1800" dirty="0">
+                <a:solidFill>
+                  <a:schemeClr val="accent2"/>
+                </a:solidFill>
+              </a:rPr>
+              <a:t>、</a:t>
+            </a:r>
+            <a:r>
+              <a:rPr lang="en-US" altLang="zh-CN" sz="1800" dirty="0">
+                <a:solidFill>
+                  <a:schemeClr val="accent2"/>
+                </a:solidFill>
+              </a:rPr>
+              <a:t>GPT</a:t>
+            </a:r>
+            <a:br>
+              <a:rPr lang="en-US" altLang="zh-CN" sz="1800" dirty="0">
+                <a:solidFill>
+                  <a:schemeClr val="bg2">
+                    <a:lumMod val="25000"/>
+                  </a:schemeClr>
+                </a:solidFill>
+              </a:rPr>
+            </a:br>
+            <a:r>
+              <a:rPr lang="zh-CN" altLang="en-US" sz="1800" dirty="0">
+                <a:solidFill>
+                  <a:schemeClr val="bg2">
+                    <a:lumMod val="25000"/>
+                  </a:schemeClr>
+                </a:solidFill>
+              </a:rPr>
+              <a:t>上下文嵌入 </a:t>
+            </a:r>
+            <a:r>
+              <a:rPr lang="en-US" altLang="zh-CN" sz="1800" dirty="0">
+                <a:solidFill>
+                  <a:schemeClr val="bg2">
+                    <a:lumMod val="25000"/>
+                  </a:schemeClr>
+                </a:solidFill>
+              </a:rPr>
+              <a:t>Context</a:t>
+            </a:r>
+            <a:r>
+              <a:rPr lang="zh-CN" altLang="en-US" sz="1800" dirty="0">
+                <a:solidFill>
+                  <a:schemeClr val="bg2">
+                    <a:lumMod val="25000"/>
+                  </a:schemeClr>
+                </a:solidFill>
+              </a:rPr>
+              <a:t> </a:t>
+            </a:r>
+            <a:r>
+              <a:rPr lang="en-US" altLang="zh-CN" sz="1800" dirty="0">
+                <a:solidFill>
+                  <a:schemeClr val="bg2">
+                    <a:lumMod val="25000"/>
+                  </a:schemeClr>
+                </a:solidFill>
+              </a:rPr>
+              <a:t>Embedding</a:t>
+            </a:r>
           </a:p>
         </p:txBody>
       </p:sp>
@@ -6281,7 +6691,7 @@
     </p:spTree>
     <p:extLst>
       <p:ext uri="{BB962C8B-B14F-4D97-AF65-F5344CB8AC3E}">
-        <p14:creationId xmlns:p14="http://schemas.microsoft.com/office/powerpoint/2010/main" val="898476114"/>
+        <p14:creationId xmlns:p14="http://schemas.microsoft.com/office/powerpoint/2010/main" val="3241764577"/>
       </p:ext>
     </p:extLst>
   </p:cSld>
@@ -6320,8 +6730,8 @@
         </p:nvSpPr>
         <p:spPr>
           <a:xfrm>
-            <a:off x="838200" y="2489760"/>
-            <a:ext cx="10515600" cy="1325563"/>
+            <a:off x="838200" y="193964"/>
+            <a:ext cx="10515600" cy="1153574"/>
           </a:xfrm>
         </p:spPr>
         <p:txBody>
@@ -6330,48 +6740,600 @@
           </a:bodyPr>
           <a:lstStyle/>
           <a:p>
-            <a:pPr algn="ctr"/>
-            <a:r>
-              <a:rPr lang="en-US" altLang="zh-CN" sz="8000" dirty="0">
+            <a:pPr>
+              <a:lnSpc>
+                <a:spcPct val="150000"/>
+              </a:lnSpc>
+            </a:pPr>
+            <a:r>
+              <a:rPr lang="zh-CN" altLang="en-US" sz="2400" b="1" dirty="0">
+                <a:latin typeface="Microsoft YaHei" panose="020B0503020204020204" pitchFamily="34" charset="-122"/>
+                <a:ea typeface="Microsoft YaHei" panose="020B0503020204020204" pitchFamily="34" charset="-122"/>
+              </a:rPr>
+              <a:t>文本特征</a:t>
+            </a:r>
+            <a:br>
+              <a:rPr lang="en-US" altLang="zh-CN" sz="1800" dirty="0">
+                <a:solidFill>
+                  <a:schemeClr val="bg1">
+                    <a:lumMod val="50000"/>
+                  </a:schemeClr>
+                </a:solidFill>
+              </a:rPr>
+            </a:br>
+            <a:r>
+              <a:rPr lang="en-US" altLang="zh-CN" sz="1800" dirty="0">
+                <a:solidFill>
+                  <a:srgbClr val="0070C0"/>
+                </a:solidFill>
+                <a:latin typeface="Pristina" panose="020F0502020204030204" pitchFamily="34" charset="0"/>
+              </a:rPr>
+              <a:t>Embedding</a:t>
+            </a:r>
+            <a:r>
+              <a:rPr lang="zh-CN" altLang="en-US" sz="1800" dirty="0">
+                <a:solidFill>
+                  <a:srgbClr val="0070C0"/>
+                </a:solidFill>
+                <a:latin typeface="Pristina" panose="020F0502020204030204" pitchFamily="34" charset="0"/>
+              </a:rPr>
+              <a:t> </a:t>
+            </a:r>
+            <a:r>
+              <a:rPr lang="en-US" altLang="zh-CN" sz="1800" dirty="0">
+                <a:solidFill>
+                  <a:srgbClr val="0070C0"/>
+                </a:solidFill>
+                <a:latin typeface="Pristina" panose="020F0502020204030204" pitchFamily="34" charset="0"/>
+              </a:rPr>
+              <a:t>Usage</a:t>
+            </a:r>
+            <a:endParaRPr lang="en-US" sz="1800" dirty="0">
+              <a:solidFill>
+                <a:srgbClr val="0070C0"/>
+              </a:solidFill>
+              <a:latin typeface="Pristina" panose="020F0502020204030204" pitchFamily="34" charset="0"/>
+              <a:cs typeface="Pristina" panose="020F0502020204030204" pitchFamily="34" charset="0"/>
+            </a:endParaRPr>
+          </a:p>
+        </p:txBody>
+      </p:sp>
+      <p:sp>
+        <p:nvSpPr>
+          <p:cNvPr id="7" name="Content Placeholder 6"/>
+          <p:cNvSpPr>
+            <a:spLocks noGrp="1"/>
+          </p:cNvSpPr>
+          <p:nvPr>
+            <p:ph idx="1"/>
+          </p:nvPr>
+        </p:nvSpPr>
+        <p:spPr>
+          <a:xfrm>
+            <a:off x="838200" y="1472665"/>
+            <a:ext cx="10515600" cy="4704298"/>
+          </a:xfrm>
+        </p:spPr>
+        <p:txBody>
+          <a:bodyPr>
+            <a:normAutofit/>
+          </a:bodyPr>
+          <a:lstStyle/>
+          <a:p>
+            <a:pPr>
+              <a:lnSpc>
+                <a:spcPct val="150000"/>
+              </a:lnSpc>
+            </a:pPr>
+            <a:r>
+              <a:rPr lang="en-US" altLang="zh-CN" sz="2000" dirty="0">
+                <a:solidFill>
+                  <a:schemeClr val="bg2">
+                    <a:lumMod val="25000"/>
+                  </a:schemeClr>
+                </a:solidFill>
+              </a:rPr>
+              <a:t>Embedding</a:t>
+            </a:r>
+            <a:r>
+              <a:rPr lang="zh-CN" altLang="en-US" sz="2000" dirty="0">
+                <a:solidFill>
+                  <a:schemeClr val="bg2">
+                    <a:lumMod val="25000"/>
+                  </a:schemeClr>
+                </a:solidFill>
+              </a:rPr>
+              <a:t> 应用场景</a:t>
+            </a:r>
+            <a:endParaRPr lang="en-US" altLang="zh-CN" sz="2000" dirty="0">
+              <a:solidFill>
+                <a:schemeClr val="bg2">
+                  <a:lumMod val="25000"/>
+                </a:schemeClr>
+              </a:solidFill>
+            </a:endParaRPr>
+          </a:p>
+          <a:p>
+            <a:pPr lvl="1">
+              <a:lnSpc>
+                <a:spcPct val="150000"/>
+              </a:lnSpc>
+            </a:pPr>
+            <a:r>
+              <a:rPr lang="zh-CN" altLang="en-US" sz="1800" dirty="0">
+                <a:solidFill>
+                  <a:schemeClr val="accent2"/>
+                </a:solidFill>
+              </a:rPr>
+              <a:t>语义相似度</a:t>
+            </a:r>
+            <a:r>
+              <a:rPr lang="zh-CN" altLang="en-US" sz="1800" dirty="0">
+                <a:solidFill>
+                  <a:schemeClr val="bg2">
+                    <a:lumMod val="25000"/>
+                  </a:schemeClr>
+                </a:solidFill>
+              </a:rPr>
+              <a:t>：通过计算词向量之间的举例来评估词语的语义相似度。</a:t>
+            </a:r>
+            <a:endParaRPr lang="en-US" altLang="zh-CN" sz="1800" dirty="0">
+              <a:solidFill>
+                <a:schemeClr val="bg2">
+                  <a:lumMod val="25000"/>
+                </a:schemeClr>
+              </a:solidFill>
+            </a:endParaRPr>
+          </a:p>
+          <a:p>
+            <a:pPr lvl="1">
+              <a:lnSpc>
+                <a:spcPct val="150000"/>
+              </a:lnSpc>
+            </a:pPr>
+            <a:r>
+              <a:rPr lang="zh-CN" altLang="en-US" sz="1800" dirty="0">
+                <a:solidFill>
+                  <a:schemeClr val="accent2"/>
+                </a:solidFill>
+              </a:rPr>
+              <a:t>文本分类</a:t>
+            </a:r>
+            <a:r>
+              <a:rPr lang="zh-CN" altLang="en-US" sz="1800" dirty="0">
+                <a:solidFill>
+                  <a:schemeClr val="bg2">
+                    <a:lumMod val="25000"/>
+                  </a:schemeClr>
+                </a:solidFill>
+              </a:rPr>
+              <a:t>：使用向量作为特征来对文本进行分类。</a:t>
+            </a:r>
+            <a:endParaRPr lang="en-US" altLang="zh-CN" sz="1800" dirty="0">
+              <a:solidFill>
+                <a:schemeClr val="bg2">
+                  <a:lumMod val="25000"/>
+                </a:schemeClr>
+              </a:solidFill>
+            </a:endParaRPr>
+          </a:p>
+          <a:p>
+            <a:pPr lvl="1">
+              <a:lnSpc>
+                <a:spcPct val="150000"/>
+              </a:lnSpc>
+            </a:pPr>
+            <a:r>
+              <a:rPr lang="zh-CN" altLang="en-US" sz="1800" dirty="0">
+                <a:solidFill>
+                  <a:schemeClr val="accent2"/>
+                </a:solidFill>
+              </a:rPr>
+              <a:t>信息检索</a:t>
+            </a:r>
+            <a:r>
+              <a:rPr lang="zh-CN" altLang="en-US" sz="1800" dirty="0">
+                <a:solidFill>
+                  <a:schemeClr val="bg2">
+                    <a:lumMod val="25000"/>
+                  </a:schemeClr>
+                </a:solidFill>
+              </a:rPr>
+              <a:t>：在向量空间中对查询和文档进行匹配，提高检索的准确性。</a:t>
+            </a:r>
+            <a:endParaRPr lang="en-US" altLang="zh-CN" sz="1800" dirty="0">
+              <a:solidFill>
+                <a:schemeClr val="bg2">
+                  <a:lumMod val="25000"/>
+                </a:schemeClr>
+              </a:solidFill>
+            </a:endParaRPr>
+          </a:p>
+          <a:p>
+            <a:pPr lvl="1">
+              <a:lnSpc>
+                <a:spcPct val="150000"/>
+              </a:lnSpc>
+            </a:pPr>
+            <a:r>
+              <a:rPr lang="zh-CN" altLang="en-US" sz="1800" dirty="0">
+                <a:solidFill>
+                  <a:schemeClr val="accent2"/>
+                </a:solidFill>
+              </a:rPr>
+              <a:t>机器翻译</a:t>
+            </a:r>
+            <a:r>
+              <a:rPr lang="zh-CN" altLang="en-US" sz="1800" dirty="0">
+                <a:solidFill>
+                  <a:schemeClr val="bg2">
+                    <a:lumMod val="25000"/>
+                  </a:schemeClr>
+                </a:solidFill>
+              </a:rPr>
+              <a:t>：通过词嵌入来理解和翻译不同语言之间的文本。</a:t>
+            </a:r>
+            <a:endParaRPr lang="en-US" altLang="zh-CN" sz="1800" dirty="0">
+              <a:solidFill>
+                <a:schemeClr val="bg2">
+                  <a:lumMod val="25000"/>
+                </a:schemeClr>
+              </a:solidFill>
+            </a:endParaRPr>
+          </a:p>
+          <a:p>
+            <a:pPr>
+              <a:lnSpc>
+                <a:spcPct val="150000"/>
+              </a:lnSpc>
+            </a:pPr>
+            <a:r>
+              <a:rPr lang="en-US" altLang="zh-CN" sz="2200" dirty="0">
+                <a:solidFill>
+                  <a:schemeClr val="bg2">
+                    <a:lumMod val="25000"/>
+                  </a:schemeClr>
+                </a:solidFill>
+              </a:rPr>
+              <a:t>Embedding</a:t>
+            </a:r>
+            <a:r>
+              <a:rPr lang="zh-CN" altLang="en-US" sz="2200" dirty="0">
+                <a:solidFill>
+                  <a:schemeClr val="bg2">
+                    <a:lumMod val="25000"/>
+                  </a:schemeClr>
+                </a:solidFill>
+              </a:rPr>
+              <a:t> 解读</a:t>
+            </a:r>
+            <a:br>
+              <a:rPr lang="en-US" altLang="zh-CN" sz="1800" dirty="0">
+                <a:solidFill>
+                  <a:schemeClr val="bg2">
+                    <a:lumMod val="25000"/>
+                  </a:schemeClr>
+                </a:solidFill>
+              </a:rPr>
+            </a:br>
+            <a:r>
+              <a:rPr lang="zh-CN" altLang="en-US" sz="1800" dirty="0">
+                <a:solidFill>
+                  <a:schemeClr val="bg2">
+                    <a:lumMod val="25000"/>
+                  </a:schemeClr>
+                </a:solidFill>
+              </a:rPr>
+              <a:t>若想要解读 </a:t>
+            </a:r>
+            <a:r>
+              <a:rPr lang="en-US" altLang="zh-CN" sz="1800" dirty="0">
+                <a:solidFill>
+                  <a:schemeClr val="bg2">
+                    <a:lumMod val="25000"/>
+                  </a:schemeClr>
+                </a:solidFill>
+              </a:rPr>
+              <a:t>Embedding</a:t>
+            </a:r>
+            <a:r>
+              <a:rPr lang="zh-CN" altLang="en-US" sz="1800" dirty="0">
+                <a:solidFill>
+                  <a:schemeClr val="bg2">
+                    <a:lumMod val="25000"/>
+                  </a:schemeClr>
+                </a:solidFill>
+              </a:rPr>
+              <a:t> 从以下几个维度思考：</a:t>
+            </a:r>
+            <a:r>
+              <a:rPr lang="zh-CN" altLang="en-US" sz="1800" dirty="0">
+                <a:solidFill>
+                  <a:srgbClr val="0070C0"/>
+                </a:solidFill>
+              </a:rPr>
+              <a:t>向量表示、降维和升维、语义关系、自学习特性、应用范围</a:t>
+            </a:r>
+            <a:r>
+              <a:rPr lang="zh-CN" altLang="en-US" sz="1800" dirty="0">
+                <a:solidFill>
+                  <a:schemeClr val="bg2">
+                    <a:lumMod val="25000"/>
+                  </a:schemeClr>
+                </a:solidFill>
+              </a:rPr>
+              <a:t>。</a:t>
+            </a:r>
+            <a:endParaRPr lang="en-US" altLang="zh-CN" sz="2200" dirty="0">
+              <a:solidFill>
+                <a:schemeClr val="bg2">
+                  <a:lumMod val="25000"/>
+                </a:schemeClr>
+              </a:solidFill>
+            </a:endParaRPr>
+          </a:p>
+        </p:txBody>
+      </p:sp>
+      <p:sp>
+        <p:nvSpPr>
+          <p:cNvPr id="5" name="Content Placeholder 6">
+            <a:extLst>
+              <a:ext uri="{FF2B5EF4-FFF2-40B4-BE49-F238E27FC236}">
+                <a16:creationId xmlns:a16="http://schemas.microsoft.com/office/drawing/2014/main" id="{5B912217-D3EA-7142-89E0-BA2CB0D6F175}"/>
+              </a:ext>
+            </a:extLst>
+          </p:cNvPr>
+          <p:cNvSpPr txBox="1">
+            <a:spLocks/>
+          </p:cNvSpPr>
+          <p:nvPr/>
+        </p:nvSpPr>
+        <p:spPr>
+          <a:xfrm>
+            <a:off x="6843386" y="2956141"/>
+            <a:ext cx="4662814" cy="1728593"/>
+          </a:xfrm>
+          <a:prstGeom prst="rect">
+            <a:avLst/>
+          </a:prstGeom>
+        </p:spPr>
+        <p:txBody>
+          <a:bodyPr vert="horz" lIns="91440" tIns="45720" rIns="91440" bIns="45720" rtlCol="0">
+            <a:normAutofit/>
+          </a:bodyPr>
+          <a:lstStyle>
+            <a:lvl1pPr marL="228600" indent="-228600" algn="l" defTabSz="914400" rtl="0" eaLnBrk="1" latinLnBrk="0" hangingPunct="1">
+              <a:lnSpc>
+                <a:spcPct val="90000"/>
+              </a:lnSpc>
+              <a:spcBef>
+                <a:spcPts val="1000"/>
+              </a:spcBef>
+              <a:buFont typeface="Arial"/>
+              <a:buChar char="•"/>
+              <a:defRPr sz="2800" kern="1200">
+                <a:solidFill>
+                  <a:schemeClr val="tx1"/>
+                </a:solidFill>
                 <a:latin typeface="Chalkboard" charset="0"/>
                 <a:ea typeface="Chalkboard" charset="0"/>
                 <a:cs typeface="Chalkboard" charset="0"/>
-              </a:rPr>
-              <a:t>Q</a:t>
-            </a:r>
-            <a:r>
-              <a:rPr lang="zh-CN" altLang="en-US" sz="8000" dirty="0">
+              </a:defRPr>
+            </a:lvl1pPr>
+            <a:lvl2pPr marL="685800" indent="-228600" algn="l" defTabSz="914400" rtl="0" eaLnBrk="1" latinLnBrk="0" hangingPunct="1">
+              <a:lnSpc>
+                <a:spcPct val="90000"/>
+              </a:lnSpc>
+              <a:spcBef>
+                <a:spcPts val="500"/>
+              </a:spcBef>
+              <a:buFont typeface="Arial"/>
+              <a:buChar char="•"/>
+              <a:defRPr sz="2400" kern="1200">
+                <a:solidFill>
+                  <a:schemeClr val="tx1"/>
+                </a:solidFill>
                 <a:latin typeface="Chalkboard" charset="0"/>
                 <a:ea typeface="Chalkboard" charset="0"/>
                 <a:cs typeface="Chalkboard" charset="0"/>
-              </a:rPr>
-              <a:t> </a:t>
-            </a:r>
-            <a:r>
-              <a:rPr lang="en-US" altLang="zh-CN" sz="8000" dirty="0">
+              </a:defRPr>
+            </a:lvl2pPr>
+            <a:lvl3pPr marL="1143000" indent="-228600" algn="l" defTabSz="914400" rtl="0" eaLnBrk="1" latinLnBrk="0" hangingPunct="1">
+              <a:lnSpc>
+                <a:spcPct val="90000"/>
+              </a:lnSpc>
+              <a:spcBef>
+                <a:spcPts val="500"/>
+              </a:spcBef>
+              <a:buFont typeface="Arial"/>
+              <a:buChar char="•"/>
+              <a:defRPr sz="2000" kern="1200">
+                <a:solidFill>
+                  <a:schemeClr val="tx1"/>
+                </a:solidFill>
                 <a:latin typeface="Chalkboard" charset="0"/>
                 <a:ea typeface="Chalkboard" charset="0"/>
                 <a:cs typeface="Chalkboard" charset="0"/>
-              </a:rPr>
-              <a:t>&amp;</a:t>
-            </a:r>
-            <a:r>
-              <a:rPr lang="zh-CN" altLang="en-US" sz="8000" dirty="0">
+              </a:defRPr>
+            </a:lvl3pPr>
+            <a:lvl4pPr marL="1600200" indent="-228600" algn="l" defTabSz="914400" rtl="0" eaLnBrk="1" latinLnBrk="0" hangingPunct="1">
+              <a:lnSpc>
+                <a:spcPct val="90000"/>
+              </a:lnSpc>
+              <a:spcBef>
+                <a:spcPts val="500"/>
+              </a:spcBef>
+              <a:buFont typeface="Arial"/>
+              <a:buChar char="•"/>
+              <a:defRPr sz="1800" kern="1200">
+                <a:solidFill>
+                  <a:schemeClr val="tx1"/>
+                </a:solidFill>
                 <a:latin typeface="Chalkboard" charset="0"/>
                 <a:ea typeface="Chalkboard" charset="0"/>
                 <a:cs typeface="Chalkboard" charset="0"/>
-              </a:rPr>
-              <a:t> </a:t>
-            </a:r>
-            <a:r>
-              <a:rPr lang="en-US" altLang="zh-CN" sz="8000" dirty="0">
+              </a:defRPr>
+            </a:lvl4pPr>
+            <a:lvl5pPr marL="2057400" indent="-228600" algn="l" defTabSz="914400" rtl="0" eaLnBrk="1" latinLnBrk="0" hangingPunct="1">
+              <a:lnSpc>
+                <a:spcPct val="90000"/>
+              </a:lnSpc>
+              <a:spcBef>
+                <a:spcPts val="500"/>
+              </a:spcBef>
+              <a:buFont typeface="Arial"/>
+              <a:buChar char="•"/>
+              <a:defRPr sz="1800" kern="1200">
+                <a:solidFill>
+                  <a:schemeClr val="tx1"/>
+                </a:solidFill>
                 <a:latin typeface="Chalkboard" charset="0"/>
                 <a:ea typeface="Chalkboard" charset="0"/>
                 <a:cs typeface="Chalkboard" charset="0"/>
-              </a:rPr>
-              <a:t>A</a:t>
-            </a:r>
-            <a:endParaRPr lang="en-US" sz="8000" dirty="0">
+              </a:defRPr>
+            </a:lvl5pPr>
+            <a:lvl6pPr marL="2514600" indent="-228600" algn="l" defTabSz="914400" rtl="0" eaLnBrk="1" latinLnBrk="0" hangingPunct="1">
+              <a:lnSpc>
+                <a:spcPct val="90000"/>
+              </a:lnSpc>
+              <a:spcBef>
+                <a:spcPts val="500"/>
+              </a:spcBef>
+              <a:buFont typeface="Arial"/>
+              <a:buChar char="•"/>
+              <a:defRPr sz="1800" kern="1200">
+                <a:solidFill>
+                  <a:schemeClr val="tx1"/>
+                </a:solidFill>
+                <a:latin typeface="+mn-lt"/>
+                <a:ea typeface="+mn-ea"/>
+                <a:cs typeface="+mn-cs"/>
+              </a:defRPr>
+            </a:lvl6pPr>
+            <a:lvl7pPr marL="2971800" indent="-228600" algn="l" defTabSz="914400" rtl="0" eaLnBrk="1" latinLnBrk="0" hangingPunct="1">
+              <a:lnSpc>
+                <a:spcPct val="90000"/>
+              </a:lnSpc>
+              <a:spcBef>
+                <a:spcPts val="500"/>
+              </a:spcBef>
+              <a:buFont typeface="Arial"/>
+              <a:buChar char="•"/>
+              <a:defRPr sz="1800" kern="1200">
+                <a:solidFill>
+                  <a:schemeClr val="tx1"/>
+                </a:solidFill>
+                <a:latin typeface="+mn-lt"/>
+                <a:ea typeface="+mn-ea"/>
+                <a:cs typeface="+mn-cs"/>
+              </a:defRPr>
+            </a:lvl7pPr>
+            <a:lvl8pPr marL="3429000" indent="-228600" algn="l" defTabSz="914400" rtl="0" eaLnBrk="1" latinLnBrk="0" hangingPunct="1">
+              <a:lnSpc>
+                <a:spcPct val="90000"/>
+              </a:lnSpc>
+              <a:spcBef>
+                <a:spcPts val="500"/>
+              </a:spcBef>
+              <a:buFont typeface="Arial"/>
+              <a:buChar char="•"/>
+              <a:defRPr sz="1800" kern="1200">
+                <a:solidFill>
+                  <a:schemeClr val="tx1"/>
+                </a:solidFill>
+                <a:latin typeface="+mn-lt"/>
+                <a:ea typeface="+mn-ea"/>
+                <a:cs typeface="+mn-cs"/>
+              </a:defRPr>
+            </a:lvl8pPr>
+            <a:lvl9pPr marL="3886200" indent="-228600" algn="l" defTabSz="914400" rtl="0" eaLnBrk="1" latinLnBrk="0" hangingPunct="1">
+              <a:lnSpc>
+                <a:spcPct val="90000"/>
+              </a:lnSpc>
+              <a:spcBef>
+                <a:spcPts val="500"/>
+              </a:spcBef>
+              <a:buFont typeface="Arial"/>
+              <a:buChar char="•"/>
+              <a:defRPr sz="1800" kern="1200">
+                <a:solidFill>
+                  <a:schemeClr val="tx1"/>
+                </a:solidFill>
+                <a:latin typeface="+mn-lt"/>
+                <a:ea typeface="+mn-ea"/>
+                <a:cs typeface="+mn-cs"/>
+              </a:defRPr>
+            </a:lvl9pPr>
+          </a:lstStyle>
+          <a:p>
+            <a:pPr marL="0" indent="0">
+              <a:lnSpc>
+                <a:spcPct val="100000"/>
+              </a:lnSpc>
+              <a:buNone/>
+            </a:pPr>
+            <a:endParaRPr lang="en-US" altLang="zh-CN" sz="2000" dirty="0">
+              <a:solidFill>
+                <a:srgbClr val="C00000"/>
+              </a:solidFill>
+            </a:endParaRPr>
+          </a:p>
+        </p:txBody>
+      </p:sp>
+    </p:spTree>
+    <p:extLst>
+      <p:ext uri="{BB962C8B-B14F-4D97-AF65-F5344CB8AC3E}">
+        <p14:creationId xmlns:p14="http://schemas.microsoft.com/office/powerpoint/2010/main" val="751940976"/>
+      </p:ext>
+    </p:extLst>
+  </p:cSld>
+  <p:clrMapOvr>
+    <a:masterClrMapping/>
+  </p:clrMapOvr>
+</p:sld>
+</file>
+
+<file path=ppt/slides/slide9.xml><?xml version="1.0" encoding="utf-8"?>
+<p:sld xmlns:a="http://schemas.openxmlformats.org/drawingml/2006/main" xmlns:r="http://schemas.openxmlformats.org/officeDocument/2006/relationships" xmlns:p="http://schemas.openxmlformats.org/presentationml/2006/main">
+  <p:cSld>
+    <p:spTree>
+      <p:nvGrpSpPr>
+        <p:cNvPr id="1" name=""/>
+        <p:cNvGrpSpPr/>
+        <p:nvPr/>
+      </p:nvGrpSpPr>
+      <p:grpSpPr>
+        <a:xfrm>
+          <a:off x="0" y="0"/>
+          <a:ext cx="0" cy="0"/>
+          <a:chOff x="0" y="0"/>
+          <a:chExt cx="0" cy="0"/>
+        </a:xfrm>
+      </p:grpSpPr>
+      <p:sp>
+        <p:nvSpPr>
+          <p:cNvPr id="6" name="Title 5"/>
+          <p:cNvSpPr>
+            <a:spLocks noGrp="1"/>
+          </p:cNvSpPr>
+          <p:nvPr>
+            <p:ph type="title"/>
+          </p:nvPr>
+        </p:nvSpPr>
+        <p:spPr/>
+        <p:txBody>
+          <a:bodyPr/>
+          <a:lstStyle/>
+          <a:p>
+            <a:r>
+              <a:rPr lang="en-US" altLang="zh-CN" dirty="0">
+                <a:latin typeface="Chalkboard" charset="0"/>
+                <a:ea typeface="Chalkboard" charset="0"/>
+                <a:cs typeface="Chalkboard" charset="0"/>
+              </a:rPr>
+              <a:t>Agenda</a:t>
+            </a:r>
+            <a:endParaRPr lang="en-US" dirty="0">
               <a:latin typeface="Chalkboard" charset="0"/>
               <a:ea typeface="Chalkboard" charset="0"/>
               <a:cs typeface="Chalkboard" charset="0"/>
@@ -6379,10 +7341,107 @@
           </a:p>
         </p:txBody>
       </p:sp>
+      <p:sp>
+        <p:nvSpPr>
+          <p:cNvPr id="7" name="Content Placeholder 6"/>
+          <p:cNvSpPr>
+            <a:spLocks noGrp="1"/>
+          </p:cNvSpPr>
+          <p:nvPr>
+            <p:ph idx="1"/>
+          </p:nvPr>
+        </p:nvSpPr>
+        <p:spPr/>
+        <p:txBody>
+          <a:bodyPr/>
+          <a:lstStyle/>
+          <a:p>
+            <a:r>
+              <a:rPr lang="zh-CN" altLang="en-US" b="1" dirty="0">
+                <a:latin typeface="Chalkboard" charset="0"/>
+                <a:ea typeface="Chalkboard" charset="0"/>
+                <a:cs typeface="Chalkboard" charset="0"/>
+              </a:rPr>
+              <a:t>文本特征</a:t>
+            </a:r>
+            <a:endParaRPr lang="en-US" altLang="zh-CN" b="1" dirty="0">
+              <a:latin typeface="Chalkboard" charset="0"/>
+              <a:ea typeface="Chalkboard" charset="0"/>
+              <a:cs typeface="Chalkboard" charset="0"/>
+            </a:endParaRPr>
+          </a:p>
+          <a:p>
+            <a:r>
+              <a:rPr lang="en-US" altLang="zh-CN" dirty="0">
+                <a:solidFill>
+                  <a:schemeClr val="accent2"/>
+                </a:solidFill>
+                <a:latin typeface="Chalkboard" charset="0"/>
+                <a:ea typeface="Chalkboard" charset="0"/>
+                <a:cs typeface="Chalkboard" charset="0"/>
+              </a:rPr>
+              <a:t>NLP</a:t>
+            </a:r>
+            <a:r>
+              <a:rPr lang="zh-CN" altLang="en-US" dirty="0">
+                <a:solidFill>
+                  <a:schemeClr val="accent2"/>
+                </a:solidFill>
+                <a:latin typeface="Chalkboard" charset="0"/>
+                <a:ea typeface="Chalkboard" charset="0"/>
+                <a:cs typeface="Chalkboard" charset="0"/>
+              </a:rPr>
+              <a:t>预处理</a:t>
+            </a:r>
+            <a:endParaRPr lang="en-US" altLang="zh-CN" dirty="0">
+              <a:solidFill>
+                <a:schemeClr val="accent2"/>
+              </a:solidFill>
+              <a:latin typeface="Chalkboard" charset="0"/>
+              <a:ea typeface="Chalkboard" charset="0"/>
+              <a:cs typeface="Chalkboard" charset="0"/>
+            </a:endParaRPr>
+          </a:p>
+          <a:p>
+            <a:r>
+              <a:rPr lang="zh-CN" altLang="en-US" dirty="0">
+                <a:solidFill>
+                  <a:schemeClr val="bg2">
+                    <a:lumMod val="25000"/>
+                  </a:schemeClr>
+                </a:solidFill>
+                <a:latin typeface="Chalkboard" charset="0"/>
+                <a:ea typeface="Chalkboard" charset="0"/>
+                <a:cs typeface="Chalkboard" charset="0"/>
+              </a:rPr>
+              <a:t>案例分析：文件规划</a:t>
+            </a:r>
+            <a:r>
+              <a:rPr lang="zh-CN" altLang="en-US" b="1" dirty="0">
+                <a:solidFill>
+                  <a:schemeClr val="bg1"/>
+                </a:solidFill>
+                <a:latin typeface="Chalkboard" charset="0"/>
+                <a:ea typeface="Chalkboard" charset="0"/>
+                <a:cs typeface="Chalkboard" charset="0"/>
+              </a:rPr>
+              <a:t>异视界</a:t>
+            </a:r>
+            <a:endParaRPr lang="en-US" altLang="zh-CN" dirty="0">
+              <a:solidFill>
+                <a:schemeClr val="bg1"/>
+              </a:solidFill>
+              <a:latin typeface="Chalkboard" charset="0"/>
+              <a:ea typeface="Chalkboard" charset="0"/>
+              <a:cs typeface="Chalkboard" charset="0"/>
+            </a:endParaRPr>
+          </a:p>
+        </p:txBody>
+      </p:sp>
     </p:spTree>
     <p:extLst>
       <p:ext uri="{BB962C8B-B14F-4D97-AF65-F5344CB8AC3E}">
-        <p14:creationId xmlns:p14="http://schemas.microsoft.com/office/powerpoint/2010/main" val="662552141"/>
+        <p14:creationId xmlns:p14="http://schemas.microsoft.com/office/powerpoint/2010/main" val="1058530838"/>
       </p:ext>
     </p:extLst>
   </p:cSld>

--- a/ppt/04.二分类-文本输入.pptx
+++ b/ppt/04.二分类-文本输入.pptx
@@ -5,7 +5,7 @@
     <p:sldMasterId id="2147483648" r:id="rId1"/>
   </p:sldMasterIdLst>
   <p:notesMasterIdLst>
-    <p:notesMasterId r:id="rId12"/>
+    <p:notesMasterId r:id="rId16"/>
   </p:notesMasterIdLst>
   <p:sldIdLst>
     <p:sldId id="256" r:id="rId2"/>
@@ -17,7 +17,11 @@
     <p:sldId id="317" r:id="rId8"/>
     <p:sldId id="318" r:id="rId9"/>
     <p:sldId id="319" r:id="rId10"/>
-    <p:sldId id="303" r:id="rId11"/>
+    <p:sldId id="320" r:id="rId11"/>
+    <p:sldId id="321" r:id="rId12"/>
+    <p:sldId id="322" r:id="rId13"/>
+    <p:sldId id="323" r:id="rId14"/>
+    <p:sldId id="303" r:id="rId15"/>
   </p:sldIdLst>
   <p:sldSz cx="12192000" cy="6858000"/>
   <p:notesSz cx="6858000" cy="9144000"/>
@@ -206,7 +210,7 @@
           <a:p>
             <a:fld id="{DACACA31-A8D1-C749-B637-11AA2950D448}" type="datetimeFigureOut">
               <a:rPr lang="en-US" smtClean="0"/>
-              <a:t>3/18/24</a:t>
+              <a:t>3/25/24</a:t>
             </a:fld>
             <a:endParaRPr lang="en-US"/>
           </a:p>
@@ -610,7 +614,7 @@
           <a:p>
             <a:fld id="{96C716C6-330E-FB4E-98B0-A511746D665E}" type="datetimeFigureOut">
               <a:rPr lang="en-US" smtClean="0"/>
-              <a:t>3/18/24</a:t>
+              <a:t>3/25/24</a:t>
             </a:fld>
             <a:endParaRPr lang="en-US"/>
           </a:p>
@@ -886,7 +890,7 @@
           <a:p>
             <a:fld id="{96C716C6-330E-FB4E-98B0-A511746D665E}" type="datetimeFigureOut">
               <a:rPr lang="en-US" smtClean="0"/>
-              <a:t>3/18/24</a:t>
+              <a:t>3/25/24</a:t>
             </a:fld>
             <a:endParaRPr lang="en-US"/>
           </a:p>
@@ -1078,7 +1082,7 @@
           <a:p>
             <a:fld id="{96C716C6-330E-FB4E-98B0-A511746D665E}" type="datetimeFigureOut">
               <a:rPr lang="en-US" smtClean="0"/>
-              <a:t>3/18/24</a:t>
+              <a:t>3/25/24</a:t>
             </a:fld>
             <a:endParaRPr lang="en-US"/>
           </a:p>
@@ -1280,7 +1284,7 @@
           <a:p>
             <a:fld id="{96C716C6-330E-FB4E-98B0-A511746D665E}" type="datetimeFigureOut">
               <a:rPr lang="en-US" smtClean="0"/>
-              <a:t>3/18/24</a:t>
+              <a:t>3/25/24</a:t>
             </a:fld>
             <a:endParaRPr lang="en-US"/>
           </a:p>
@@ -1472,7 +1476,7 @@
           <a:p>
             <a:fld id="{96C716C6-330E-FB4E-98B0-A511746D665E}" type="datetimeFigureOut">
               <a:rPr lang="en-US" smtClean="0"/>
-              <a:t>3/18/24</a:t>
+              <a:t>3/25/24</a:t>
             </a:fld>
             <a:endParaRPr lang="en-US"/>
           </a:p>
@@ -1720,7 +1724,7 @@
           <a:p>
             <a:fld id="{96C716C6-330E-FB4E-98B0-A511746D665E}" type="datetimeFigureOut">
               <a:rPr lang="en-US" smtClean="0"/>
-              <a:t>3/18/24</a:t>
+              <a:t>3/25/24</a:t>
             </a:fld>
             <a:endParaRPr lang="en-US"/>
           </a:p>
@@ -1984,7 +1988,7 @@
           <a:p>
             <a:fld id="{96C716C6-330E-FB4E-98B0-A511746D665E}" type="datetimeFigureOut">
               <a:rPr lang="en-US" smtClean="0"/>
-              <a:t>3/18/24</a:t>
+              <a:t>3/25/24</a:t>
             </a:fld>
             <a:endParaRPr lang="en-US"/>
           </a:p>
@@ -2237,7 +2241,7 @@
           <a:p>
             <a:fld id="{96C716C6-330E-FB4E-98B0-A511746D665E}" type="datetimeFigureOut">
               <a:rPr lang="en-US" smtClean="0"/>
-              <a:t>3/18/24</a:t>
+              <a:t>3/25/24</a:t>
             </a:fld>
             <a:endParaRPr lang="en-US"/>
           </a:p>
@@ -2625,7 +2629,7 @@
           <a:p>
             <a:fld id="{96C716C6-330E-FB4E-98B0-A511746D665E}" type="datetimeFigureOut">
               <a:rPr lang="en-US" smtClean="0"/>
-              <a:t>3/18/24</a:t>
+              <a:t>3/25/24</a:t>
             </a:fld>
             <a:endParaRPr lang="en-US"/>
           </a:p>
@@ -2766,7 +2770,7 @@
           <a:p>
             <a:fld id="{96C716C6-330E-FB4E-98B0-A511746D665E}" type="datetimeFigureOut">
               <a:rPr lang="en-US" smtClean="0"/>
-              <a:t>3/18/24</a:t>
+              <a:t>3/25/24</a:t>
             </a:fld>
             <a:endParaRPr lang="en-US"/>
           </a:p>
@@ -2885,7 +2889,7 @@
           <a:p>
             <a:fld id="{96C716C6-330E-FB4E-98B0-A511746D665E}" type="datetimeFigureOut">
               <a:rPr lang="en-US" smtClean="0"/>
-              <a:t>3/18/24</a:t>
+              <a:t>3/25/24</a:t>
             </a:fld>
             <a:endParaRPr lang="en-US"/>
           </a:p>
@@ -3184,7 +3188,7 @@
           <a:p>
             <a:fld id="{96C716C6-330E-FB4E-98B0-A511746D665E}" type="datetimeFigureOut">
               <a:rPr lang="en-US" smtClean="0"/>
-              <a:t>3/18/24</a:t>
+              <a:t>3/25/24</a:t>
             </a:fld>
             <a:endParaRPr lang="en-US"/>
           </a:p>
@@ -3955,6 +3959,3072 @@
 </file>
 
 <file path=ppt/slides/slide10.xml><?xml version="1.0" encoding="utf-8"?>
+<p:sld xmlns:a="http://schemas.openxmlformats.org/drawingml/2006/main" xmlns:r="http://schemas.openxmlformats.org/officeDocument/2006/relationships" xmlns:p="http://schemas.openxmlformats.org/presentationml/2006/main">
+  <p:cSld>
+    <p:spTree>
+      <p:nvGrpSpPr>
+        <p:cNvPr id="1" name=""/>
+        <p:cNvGrpSpPr/>
+        <p:nvPr/>
+      </p:nvGrpSpPr>
+      <p:grpSpPr>
+        <a:xfrm>
+          <a:off x="0" y="0"/>
+          <a:ext cx="0" cy="0"/>
+          <a:chOff x="0" y="0"/>
+          <a:chExt cx="0" cy="0"/>
+        </a:xfrm>
+      </p:grpSpPr>
+      <p:sp>
+        <p:nvSpPr>
+          <p:cNvPr id="6" name="Title 5"/>
+          <p:cNvSpPr>
+            <a:spLocks noGrp="1"/>
+          </p:cNvSpPr>
+          <p:nvPr>
+            <p:ph type="title"/>
+          </p:nvPr>
+        </p:nvSpPr>
+        <p:spPr>
+          <a:xfrm>
+            <a:off x="838200" y="193964"/>
+            <a:ext cx="10515600" cy="1153574"/>
+          </a:xfrm>
+        </p:spPr>
+        <p:txBody>
+          <a:bodyPr>
+            <a:normAutofit/>
+          </a:bodyPr>
+          <a:lstStyle/>
+          <a:p>
+            <a:pPr>
+              <a:lnSpc>
+                <a:spcPct val="150000"/>
+              </a:lnSpc>
+            </a:pPr>
+            <a:r>
+              <a:rPr lang="en-US" altLang="zh-CN" sz="2400" b="1" dirty="0">
+                <a:latin typeface="Microsoft YaHei" panose="020B0503020204020204" pitchFamily="34" charset="-122"/>
+                <a:ea typeface="Microsoft YaHei" panose="020B0503020204020204" pitchFamily="34" charset="-122"/>
+              </a:rPr>
+              <a:t>NLP</a:t>
+            </a:r>
+            <a:r>
+              <a:rPr lang="zh-CN" altLang="en-US" sz="2400" b="1" dirty="0">
+                <a:latin typeface="Microsoft YaHei" panose="020B0503020204020204" pitchFamily="34" charset="-122"/>
+                <a:ea typeface="Microsoft YaHei" panose="020B0503020204020204" pitchFamily="34" charset="-122"/>
+              </a:rPr>
+              <a:t>预处理</a:t>
+            </a:r>
+            <a:br>
+              <a:rPr lang="en-US" altLang="zh-CN" sz="1800" dirty="0">
+                <a:solidFill>
+                  <a:schemeClr val="bg1">
+                    <a:lumMod val="50000"/>
+                  </a:schemeClr>
+                </a:solidFill>
+              </a:rPr>
+            </a:br>
+            <a:r>
+              <a:rPr lang="en-US" altLang="zh-CN" sz="1800" dirty="0">
+                <a:solidFill>
+                  <a:srgbClr val="0070C0"/>
+                </a:solidFill>
+                <a:latin typeface="Pristina" panose="020F0502020204030204" pitchFamily="34" charset="0"/>
+              </a:rPr>
+              <a:t>Word</a:t>
+            </a:r>
+            <a:r>
+              <a:rPr lang="zh-CN" altLang="en-US" sz="1800" dirty="0">
+                <a:solidFill>
+                  <a:srgbClr val="0070C0"/>
+                </a:solidFill>
+                <a:latin typeface="Pristina" panose="020F0502020204030204" pitchFamily="34" charset="0"/>
+              </a:rPr>
+              <a:t> </a:t>
+            </a:r>
+            <a:r>
+              <a:rPr lang="en-US" altLang="zh-CN" sz="1800" dirty="0">
+                <a:solidFill>
+                  <a:srgbClr val="0070C0"/>
+                </a:solidFill>
+                <a:latin typeface="Pristina" panose="020F0502020204030204" pitchFamily="34" charset="0"/>
+              </a:rPr>
+              <a:t>Segmentation</a:t>
+            </a:r>
+            <a:endParaRPr lang="en-US" sz="1800" dirty="0">
+              <a:solidFill>
+                <a:srgbClr val="0070C0"/>
+              </a:solidFill>
+              <a:latin typeface="Pristina" panose="020F0502020204030204" pitchFamily="34" charset="0"/>
+              <a:cs typeface="Pristina" panose="020F0502020204030204" pitchFamily="34" charset="0"/>
+            </a:endParaRPr>
+          </a:p>
+        </p:txBody>
+      </p:sp>
+      <p:sp>
+        <p:nvSpPr>
+          <p:cNvPr id="7" name="Content Placeholder 6"/>
+          <p:cNvSpPr>
+            <a:spLocks noGrp="1"/>
+          </p:cNvSpPr>
+          <p:nvPr>
+            <p:ph idx="1"/>
+          </p:nvPr>
+        </p:nvSpPr>
+        <p:spPr>
+          <a:xfrm>
+            <a:off x="838200" y="1472665"/>
+            <a:ext cx="10515600" cy="4704298"/>
+          </a:xfrm>
+        </p:spPr>
+        <p:txBody>
+          <a:bodyPr>
+            <a:normAutofit/>
+          </a:bodyPr>
+          <a:lstStyle/>
+          <a:p>
+            <a:pPr>
+              <a:lnSpc>
+                <a:spcPct val="150000"/>
+              </a:lnSpc>
+            </a:pPr>
+            <a:r>
+              <a:rPr lang="zh-CN" altLang="en-US" sz="2000" dirty="0">
+                <a:solidFill>
+                  <a:schemeClr val="bg2">
+                    <a:lumMod val="25000"/>
+                  </a:schemeClr>
+                </a:solidFill>
+              </a:rPr>
+              <a:t>分词 </a:t>
+            </a:r>
+            <a:r>
+              <a:rPr lang="en-US" altLang="zh-CN" sz="2000" dirty="0" err="1">
+                <a:solidFill>
+                  <a:schemeClr val="bg2">
+                    <a:lumMod val="25000"/>
+                  </a:schemeClr>
+                </a:solidFill>
+              </a:rPr>
+              <a:t>jieba</a:t>
+            </a:r>
+            <a:br>
+              <a:rPr lang="en-US" altLang="zh-CN" sz="2000" dirty="0">
+                <a:solidFill>
+                  <a:schemeClr val="bg2">
+                    <a:lumMod val="25000"/>
+                  </a:schemeClr>
+                </a:solidFill>
+              </a:rPr>
+            </a:br>
+            <a:r>
+              <a:rPr lang="en-US" altLang="zh-CN" sz="1800" dirty="0" err="1">
+                <a:solidFill>
+                  <a:schemeClr val="bg2">
+                    <a:lumMod val="25000"/>
+                  </a:schemeClr>
+                </a:solidFill>
+              </a:rPr>
+              <a:t>jieba</a:t>
+            </a:r>
+            <a:r>
+              <a:rPr lang="zh-CN" altLang="en-US" sz="1800" dirty="0">
+                <a:solidFill>
+                  <a:schemeClr val="bg2">
+                    <a:lumMod val="25000"/>
+                  </a:schemeClr>
+                </a:solidFill>
+              </a:rPr>
+              <a:t>分词是一个十分流行的中文文本分词库，它支持三种分词模式：</a:t>
+            </a:r>
+            <a:br>
+              <a:rPr lang="en-US" altLang="zh-CN" sz="1800" dirty="0">
+                <a:solidFill>
+                  <a:schemeClr val="bg2">
+                    <a:lumMod val="25000"/>
+                  </a:schemeClr>
+                </a:solidFill>
+              </a:rPr>
+            </a:br>
+            <a:r>
+              <a:rPr lang="en-US" altLang="zh-CN" sz="1800" dirty="0">
+                <a:solidFill>
+                  <a:schemeClr val="bg2">
+                    <a:lumMod val="25000"/>
+                  </a:schemeClr>
+                </a:solidFill>
+              </a:rPr>
+              <a:t>1</a:t>
+            </a:r>
+            <a:r>
+              <a:rPr lang="zh-CN" altLang="en-US" sz="1800" dirty="0">
+                <a:solidFill>
+                  <a:schemeClr val="bg2">
+                    <a:lumMod val="25000"/>
+                  </a:schemeClr>
+                </a:solidFill>
+              </a:rPr>
+              <a:t>）</a:t>
+            </a:r>
+            <a:r>
+              <a:rPr lang="zh-CN" altLang="en-US" sz="1800" dirty="0">
+                <a:solidFill>
+                  <a:schemeClr val="accent2"/>
+                </a:solidFill>
+              </a:rPr>
+              <a:t>全模式</a:t>
+            </a:r>
+            <a:r>
+              <a:rPr lang="zh-CN" altLang="en-US" sz="1800" dirty="0">
+                <a:solidFill>
+                  <a:schemeClr val="bg2">
+                    <a:lumMod val="25000"/>
+                  </a:schemeClr>
+                </a:solidFill>
+              </a:rPr>
+              <a:t>：将文本中所有可能的词扫描出来，结果可能包含很多不必要词汇。</a:t>
+            </a:r>
+            <a:br>
+              <a:rPr lang="en-US" altLang="zh-CN" sz="1800" dirty="0">
+                <a:solidFill>
+                  <a:schemeClr val="bg2">
+                    <a:lumMod val="25000"/>
+                  </a:schemeClr>
+                </a:solidFill>
+              </a:rPr>
+            </a:br>
+            <a:r>
+              <a:rPr lang="en-US" altLang="zh-CN" sz="1800" dirty="0">
+                <a:solidFill>
+                  <a:schemeClr val="bg2">
+                    <a:lumMod val="25000"/>
+                  </a:schemeClr>
+                </a:solidFill>
+              </a:rPr>
+              <a:t>2</a:t>
+            </a:r>
+            <a:r>
+              <a:rPr lang="zh-CN" altLang="en-US" sz="1800" dirty="0">
+                <a:solidFill>
+                  <a:schemeClr val="bg2">
+                    <a:lumMod val="25000"/>
+                  </a:schemeClr>
+                </a:solidFill>
+              </a:rPr>
+              <a:t>）</a:t>
+            </a:r>
+            <a:r>
+              <a:rPr lang="zh-CN" altLang="en-US" sz="1800" dirty="0">
+                <a:solidFill>
+                  <a:schemeClr val="accent2"/>
+                </a:solidFill>
+              </a:rPr>
+              <a:t>精确模式</a:t>
+            </a:r>
+            <a:r>
+              <a:rPr lang="zh-CN" altLang="en-US" sz="1800" dirty="0">
+                <a:solidFill>
+                  <a:schemeClr val="bg2">
+                    <a:lumMod val="25000"/>
+                  </a:schemeClr>
+                </a:solidFill>
+              </a:rPr>
+              <a:t>：尝试将句子最精确地切开，适合文本分析。</a:t>
+            </a:r>
+            <a:br>
+              <a:rPr lang="en-US" altLang="zh-CN" sz="1800" dirty="0">
+                <a:solidFill>
+                  <a:schemeClr val="bg2">
+                    <a:lumMod val="25000"/>
+                  </a:schemeClr>
+                </a:solidFill>
+              </a:rPr>
+            </a:br>
+            <a:r>
+              <a:rPr lang="en-US" altLang="zh-CN" sz="1800" dirty="0">
+                <a:solidFill>
+                  <a:schemeClr val="bg2">
+                    <a:lumMod val="25000"/>
+                  </a:schemeClr>
+                </a:solidFill>
+              </a:rPr>
+              <a:t>3</a:t>
+            </a:r>
+            <a:r>
+              <a:rPr lang="zh-CN" altLang="en-US" sz="1800" dirty="0">
+                <a:solidFill>
+                  <a:schemeClr val="bg2">
+                    <a:lumMod val="25000"/>
+                  </a:schemeClr>
+                </a:solidFill>
+              </a:rPr>
+              <a:t>）</a:t>
+            </a:r>
+            <a:r>
+              <a:rPr lang="zh-CN" altLang="en-US" sz="1800" dirty="0">
+                <a:solidFill>
+                  <a:schemeClr val="accent2"/>
+                </a:solidFill>
+              </a:rPr>
+              <a:t>搜索引擎模式</a:t>
+            </a:r>
+            <a:r>
+              <a:rPr lang="zh-CN" altLang="en-US" sz="1800" dirty="0">
+                <a:solidFill>
+                  <a:schemeClr val="bg2">
+                    <a:lumMod val="25000"/>
+                  </a:schemeClr>
+                </a:solidFill>
+              </a:rPr>
+              <a:t>：精确模式之上对长词切分，适合搜索引擎、搜索索引。</a:t>
+            </a:r>
+            <a:endParaRPr lang="en-US" altLang="zh-CN" sz="1800" dirty="0">
+              <a:solidFill>
+                <a:schemeClr val="bg2">
+                  <a:lumMod val="25000"/>
+                </a:schemeClr>
+              </a:solidFill>
+            </a:endParaRPr>
+          </a:p>
+          <a:p>
+            <a:pPr>
+              <a:lnSpc>
+                <a:spcPct val="150000"/>
+              </a:lnSpc>
+            </a:pPr>
+            <a:r>
+              <a:rPr lang="zh-CN" altLang="en-US" sz="1800" dirty="0">
+                <a:solidFill>
+                  <a:schemeClr val="bg2">
+                    <a:lumMod val="25000"/>
+                  </a:schemeClr>
+                </a:solidFill>
+              </a:rPr>
+              <a:t>自定义词典：</a:t>
+            </a:r>
+            <a:br>
+              <a:rPr lang="en-US" altLang="zh-CN" sz="1800" dirty="0">
+                <a:solidFill>
+                  <a:schemeClr val="bg2">
+                    <a:lumMod val="25000"/>
+                  </a:schemeClr>
+                </a:solidFill>
+              </a:rPr>
+            </a:br>
+            <a:r>
+              <a:rPr lang="en-US" altLang="zh-CN" sz="1800" dirty="0" err="1">
+                <a:solidFill>
+                  <a:schemeClr val="bg2">
+                    <a:lumMod val="25000"/>
+                  </a:schemeClr>
+                </a:solidFill>
+              </a:rPr>
+              <a:t>jieba</a:t>
+            </a:r>
+            <a:r>
+              <a:rPr lang="zh-CN" altLang="en-US" sz="1800" dirty="0">
+                <a:solidFill>
+                  <a:schemeClr val="bg2">
+                    <a:lumMod val="25000"/>
+                  </a:schemeClr>
+                </a:solidFill>
+              </a:rPr>
+              <a:t> 允许添加自定义词典，提高分词的准确度，</a:t>
+            </a:r>
+            <a:r>
+              <a:rPr lang="en-US" altLang="zh-CN" sz="1800" dirty="0" err="1">
+                <a:solidFill>
+                  <a:schemeClr val="bg2">
+                    <a:lumMod val="25000"/>
+                  </a:schemeClr>
+                </a:solidFill>
+              </a:rPr>
+              <a:t>jieba.load_userdict</a:t>
+            </a:r>
+            <a:r>
+              <a:rPr lang="en-US" altLang="zh-CN" sz="1800" dirty="0">
+                <a:solidFill>
+                  <a:schemeClr val="bg2">
+                    <a:lumMod val="25000"/>
+                  </a:schemeClr>
+                </a:solidFill>
+              </a:rPr>
+              <a:t>(</a:t>
+            </a:r>
+            <a:r>
+              <a:rPr lang="en-US" altLang="zh-CN" sz="1800" dirty="0" err="1">
+                <a:solidFill>
+                  <a:schemeClr val="bg2">
+                    <a:lumMod val="25000"/>
+                  </a:schemeClr>
+                </a:solidFill>
+              </a:rPr>
+              <a:t>file_name</a:t>
+            </a:r>
+            <a:r>
+              <a:rPr lang="en-US" altLang="zh-CN" sz="1800" dirty="0">
+                <a:solidFill>
+                  <a:schemeClr val="bg2">
+                    <a:lumMod val="25000"/>
+                  </a:schemeClr>
+                </a:solidFill>
+              </a:rPr>
+              <a:t>)</a:t>
+            </a:r>
+            <a:r>
+              <a:rPr lang="zh-CN" altLang="en-US" sz="1800" dirty="0">
+                <a:solidFill>
+                  <a:schemeClr val="bg2">
+                    <a:lumMod val="25000"/>
+                  </a:schemeClr>
+                </a:solidFill>
+              </a:rPr>
+              <a:t> 加载。</a:t>
+            </a:r>
+            <a:endParaRPr lang="en-US" altLang="zh-CN" sz="1800" dirty="0"/>
+          </a:p>
+        </p:txBody>
+      </p:sp>
+      <p:sp>
+        <p:nvSpPr>
+          <p:cNvPr id="5" name="Content Placeholder 6">
+            <a:extLst>
+              <a:ext uri="{FF2B5EF4-FFF2-40B4-BE49-F238E27FC236}">
+                <a16:creationId xmlns:a16="http://schemas.microsoft.com/office/drawing/2014/main" id="{5B912217-D3EA-7142-89E0-BA2CB0D6F175}"/>
+              </a:ext>
+            </a:extLst>
+          </p:cNvPr>
+          <p:cNvSpPr txBox="1">
+            <a:spLocks/>
+          </p:cNvSpPr>
+          <p:nvPr/>
+        </p:nvSpPr>
+        <p:spPr>
+          <a:xfrm>
+            <a:off x="6843386" y="2956141"/>
+            <a:ext cx="4662814" cy="1728593"/>
+          </a:xfrm>
+          <a:prstGeom prst="rect">
+            <a:avLst/>
+          </a:prstGeom>
+        </p:spPr>
+        <p:txBody>
+          <a:bodyPr vert="horz" lIns="91440" tIns="45720" rIns="91440" bIns="45720" rtlCol="0">
+            <a:normAutofit/>
+          </a:bodyPr>
+          <a:lstStyle>
+            <a:lvl1pPr marL="228600" indent="-228600" algn="l" defTabSz="914400" rtl="0" eaLnBrk="1" latinLnBrk="0" hangingPunct="1">
+              <a:lnSpc>
+                <a:spcPct val="90000"/>
+              </a:lnSpc>
+              <a:spcBef>
+                <a:spcPts val="1000"/>
+              </a:spcBef>
+              <a:buFont typeface="Arial"/>
+              <a:buChar char="•"/>
+              <a:defRPr sz="2800" kern="1200">
+                <a:solidFill>
+                  <a:schemeClr val="tx1"/>
+                </a:solidFill>
+                <a:latin typeface="Chalkboard" charset="0"/>
+                <a:ea typeface="Chalkboard" charset="0"/>
+                <a:cs typeface="Chalkboard" charset="0"/>
+              </a:defRPr>
+            </a:lvl1pPr>
+            <a:lvl2pPr marL="685800" indent="-228600" algn="l" defTabSz="914400" rtl="0" eaLnBrk="1" latinLnBrk="0" hangingPunct="1">
+              <a:lnSpc>
+                <a:spcPct val="90000"/>
+              </a:lnSpc>
+              <a:spcBef>
+                <a:spcPts val="500"/>
+              </a:spcBef>
+              <a:buFont typeface="Arial"/>
+              <a:buChar char="•"/>
+              <a:defRPr sz="2400" kern="1200">
+                <a:solidFill>
+                  <a:schemeClr val="tx1"/>
+                </a:solidFill>
+                <a:latin typeface="Chalkboard" charset="0"/>
+                <a:ea typeface="Chalkboard" charset="0"/>
+                <a:cs typeface="Chalkboard" charset="0"/>
+              </a:defRPr>
+            </a:lvl2pPr>
+            <a:lvl3pPr marL="1143000" indent="-228600" algn="l" defTabSz="914400" rtl="0" eaLnBrk="1" latinLnBrk="0" hangingPunct="1">
+              <a:lnSpc>
+                <a:spcPct val="90000"/>
+              </a:lnSpc>
+              <a:spcBef>
+                <a:spcPts val="500"/>
+              </a:spcBef>
+              <a:buFont typeface="Arial"/>
+              <a:buChar char="•"/>
+              <a:defRPr sz="2000" kern="1200">
+                <a:solidFill>
+                  <a:schemeClr val="tx1"/>
+                </a:solidFill>
+                <a:latin typeface="Chalkboard" charset="0"/>
+                <a:ea typeface="Chalkboard" charset="0"/>
+                <a:cs typeface="Chalkboard" charset="0"/>
+              </a:defRPr>
+            </a:lvl3pPr>
+            <a:lvl4pPr marL="1600200" indent="-228600" algn="l" defTabSz="914400" rtl="0" eaLnBrk="1" latinLnBrk="0" hangingPunct="1">
+              <a:lnSpc>
+                <a:spcPct val="90000"/>
+              </a:lnSpc>
+              <a:spcBef>
+                <a:spcPts val="500"/>
+              </a:spcBef>
+              <a:buFont typeface="Arial"/>
+              <a:buChar char="•"/>
+              <a:defRPr sz="1800" kern="1200">
+                <a:solidFill>
+                  <a:schemeClr val="tx1"/>
+                </a:solidFill>
+                <a:latin typeface="Chalkboard" charset="0"/>
+                <a:ea typeface="Chalkboard" charset="0"/>
+                <a:cs typeface="Chalkboard" charset="0"/>
+              </a:defRPr>
+            </a:lvl4pPr>
+            <a:lvl5pPr marL="2057400" indent="-228600" algn="l" defTabSz="914400" rtl="0" eaLnBrk="1" latinLnBrk="0" hangingPunct="1">
+              <a:lnSpc>
+                <a:spcPct val="90000"/>
+              </a:lnSpc>
+              <a:spcBef>
+                <a:spcPts val="500"/>
+              </a:spcBef>
+              <a:buFont typeface="Arial"/>
+              <a:buChar char="•"/>
+              <a:defRPr sz="1800" kern="1200">
+                <a:solidFill>
+                  <a:schemeClr val="tx1"/>
+                </a:solidFill>
+                <a:latin typeface="Chalkboard" charset="0"/>
+                <a:ea typeface="Chalkboard" charset="0"/>
+                <a:cs typeface="Chalkboard" charset="0"/>
+              </a:defRPr>
+            </a:lvl5pPr>
+            <a:lvl6pPr marL="2514600" indent="-228600" algn="l" defTabSz="914400" rtl="0" eaLnBrk="1" latinLnBrk="0" hangingPunct="1">
+              <a:lnSpc>
+                <a:spcPct val="90000"/>
+              </a:lnSpc>
+              <a:spcBef>
+                <a:spcPts val="500"/>
+              </a:spcBef>
+              <a:buFont typeface="Arial"/>
+              <a:buChar char="•"/>
+              <a:defRPr sz="1800" kern="1200">
+                <a:solidFill>
+                  <a:schemeClr val="tx1"/>
+                </a:solidFill>
+                <a:latin typeface="+mn-lt"/>
+                <a:ea typeface="+mn-ea"/>
+                <a:cs typeface="+mn-cs"/>
+              </a:defRPr>
+            </a:lvl6pPr>
+            <a:lvl7pPr marL="2971800" indent="-228600" algn="l" defTabSz="914400" rtl="0" eaLnBrk="1" latinLnBrk="0" hangingPunct="1">
+              <a:lnSpc>
+                <a:spcPct val="90000"/>
+              </a:lnSpc>
+              <a:spcBef>
+                <a:spcPts val="500"/>
+              </a:spcBef>
+              <a:buFont typeface="Arial"/>
+              <a:buChar char="•"/>
+              <a:defRPr sz="1800" kern="1200">
+                <a:solidFill>
+                  <a:schemeClr val="tx1"/>
+                </a:solidFill>
+                <a:latin typeface="+mn-lt"/>
+                <a:ea typeface="+mn-ea"/>
+                <a:cs typeface="+mn-cs"/>
+              </a:defRPr>
+            </a:lvl7pPr>
+            <a:lvl8pPr marL="3429000" indent="-228600" algn="l" defTabSz="914400" rtl="0" eaLnBrk="1" latinLnBrk="0" hangingPunct="1">
+              <a:lnSpc>
+                <a:spcPct val="90000"/>
+              </a:lnSpc>
+              <a:spcBef>
+                <a:spcPts val="500"/>
+              </a:spcBef>
+              <a:buFont typeface="Arial"/>
+              <a:buChar char="•"/>
+              <a:defRPr sz="1800" kern="1200">
+                <a:solidFill>
+                  <a:schemeClr val="tx1"/>
+                </a:solidFill>
+                <a:latin typeface="+mn-lt"/>
+                <a:ea typeface="+mn-ea"/>
+                <a:cs typeface="+mn-cs"/>
+              </a:defRPr>
+            </a:lvl8pPr>
+            <a:lvl9pPr marL="3886200" indent="-228600" algn="l" defTabSz="914400" rtl="0" eaLnBrk="1" latinLnBrk="0" hangingPunct="1">
+              <a:lnSpc>
+                <a:spcPct val="90000"/>
+              </a:lnSpc>
+              <a:spcBef>
+                <a:spcPts val="500"/>
+              </a:spcBef>
+              <a:buFont typeface="Arial"/>
+              <a:buChar char="•"/>
+              <a:defRPr sz="1800" kern="1200">
+                <a:solidFill>
+                  <a:schemeClr val="tx1"/>
+                </a:solidFill>
+                <a:latin typeface="+mn-lt"/>
+                <a:ea typeface="+mn-ea"/>
+                <a:cs typeface="+mn-cs"/>
+              </a:defRPr>
+            </a:lvl9pPr>
+          </a:lstStyle>
+          <a:p>
+            <a:pPr marL="0" indent="0">
+              <a:lnSpc>
+                <a:spcPct val="100000"/>
+              </a:lnSpc>
+              <a:buNone/>
+            </a:pPr>
+            <a:endParaRPr lang="en-US" altLang="zh-CN" sz="2000" dirty="0">
+              <a:solidFill>
+                <a:srgbClr val="C00000"/>
+              </a:solidFill>
+            </a:endParaRPr>
+          </a:p>
+        </p:txBody>
+      </p:sp>
+    </p:spTree>
+    <p:extLst>
+      <p:ext uri="{BB962C8B-B14F-4D97-AF65-F5344CB8AC3E}">
+        <p14:creationId xmlns:p14="http://schemas.microsoft.com/office/powerpoint/2010/main" val="3495861400"/>
+      </p:ext>
+    </p:extLst>
+  </p:cSld>
+  <p:clrMapOvr>
+    <a:masterClrMapping/>
+  </p:clrMapOvr>
+</p:sld>
+</file>
+
+<file path=ppt/slides/slide11.xml><?xml version="1.0" encoding="utf-8"?>
+<p:sld xmlns:a="http://schemas.openxmlformats.org/drawingml/2006/main" xmlns:r="http://schemas.openxmlformats.org/officeDocument/2006/relationships" xmlns:p="http://schemas.openxmlformats.org/presentationml/2006/main">
+  <p:cSld>
+    <p:spTree>
+      <p:nvGrpSpPr>
+        <p:cNvPr id="1" name=""/>
+        <p:cNvGrpSpPr/>
+        <p:nvPr/>
+      </p:nvGrpSpPr>
+      <p:grpSpPr>
+        <a:xfrm>
+          <a:off x="0" y="0"/>
+          <a:ext cx="0" cy="0"/>
+          <a:chOff x="0" y="0"/>
+          <a:chExt cx="0" cy="0"/>
+        </a:xfrm>
+      </p:grpSpPr>
+      <p:sp>
+        <p:nvSpPr>
+          <p:cNvPr id="6" name="Title 5"/>
+          <p:cNvSpPr>
+            <a:spLocks noGrp="1"/>
+          </p:cNvSpPr>
+          <p:nvPr>
+            <p:ph type="title"/>
+          </p:nvPr>
+        </p:nvSpPr>
+        <p:spPr>
+          <a:xfrm>
+            <a:off x="838200" y="193964"/>
+            <a:ext cx="10515600" cy="1153574"/>
+          </a:xfrm>
+        </p:spPr>
+        <p:txBody>
+          <a:bodyPr>
+            <a:normAutofit/>
+          </a:bodyPr>
+          <a:lstStyle/>
+          <a:p>
+            <a:pPr>
+              <a:lnSpc>
+                <a:spcPct val="150000"/>
+              </a:lnSpc>
+            </a:pPr>
+            <a:r>
+              <a:rPr lang="en-US" altLang="zh-CN" sz="2400" b="1" dirty="0">
+                <a:latin typeface="Microsoft YaHei" panose="020B0503020204020204" pitchFamily="34" charset="-122"/>
+                <a:ea typeface="Microsoft YaHei" panose="020B0503020204020204" pitchFamily="34" charset="-122"/>
+              </a:rPr>
+              <a:t>NLP</a:t>
+            </a:r>
+            <a:r>
+              <a:rPr lang="zh-CN" altLang="en-US" sz="2400" b="1" dirty="0">
+                <a:latin typeface="Microsoft YaHei" panose="020B0503020204020204" pitchFamily="34" charset="-122"/>
+                <a:ea typeface="Microsoft YaHei" panose="020B0503020204020204" pitchFamily="34" charset="-122"/>
+              </a:rPr>
+              <a:t>预处理</a:t>
+            </a:r>
+            <a:br>
+              <a:rPr lang="en-US" altLang="zh-CN" sz="1800" dirty="0">
+                <a:solidFill>
+                  <a:schemeClr val="bg1">
+                    <a:lumMod val="50000"/>
+                  </a:schemeClr>
+                </a:solidFill>
+              </a:rPr>
+            </a:br>
+            <a:r>
+              <a:rPr lang="en-US" altLang="zh-CN" sz="1800" dirty="0">
+                <a:solidFill>
+                  <a:srgbClr val="0070C0"/>
+                </a:solidFill>
+                <a:latin typeface="Pristina" panose="020F0502020204030204" pitchFamily="34" charset="0"/>
+              </a:rPr>
+              <a:t>Word</a:t>
+            </a:r>
+            <a:r>
+              <a:rPr lang="zh-CN" altLang="en-US" sz="1800" dirty="0">
+                <a:solidFill>
+                  <a:srgbClr val="0070C0"/>
+                </a:solidFill>
+                <a:latin typeface="Pristina" panose="020F0502020204030204" pitchFamily="34" charset="0"/>
+              </a:rPr>
+              <a:t> </a:t>
+            </a:r>
+            <a:r>
+              <a:rPr lang="en-US" altLang="zh-CN" sz="1800" dirty="0">
+                <a:solidFill>
+                  <a:srgbClr val="0070C0"/>
+                </a:solidFill>
+                <a:latin typeface="Pristina" panose="020F0502020204030204" pitchFamily="34" charset="0"/>
+              </a:rPr>
+              <a:t>Segmentation</a:t>
+            </a:r>
+            <a:r>
+              <a:rPr lang="zh-CN" altLang="en-US" sz="1800" dirty="0">
+                <a:solidFill>
+                  <a:srgbClr val="0070C0"/>
+                </a:solidFill>
+                <a:latin typeface="Pristina" panose="020F0502020204030204" pitchFamily="34" charset="0"/>
+              </a:rPr>
+              <a:t> </a:t>
+            </a:r>
+            <a:r>
+              <a:rPr lang="en-US" altLang="zh-CN" sz="1800" dirty="0">
+                <a:solidFill>
+                  <a:srgbClr val="0070C0"/>
+                </a:solidFill>
+                <a:latin typeface="Pristina" panose="020F0502020204030204" pitchFamily="34" charset="0"/>
+              </a:rPr>
+              <a:t>Example</a:t>
+            </a:r>
+            <a:endParaRPr lang="en-US" sz="1800" dirty="0">
+              <a:solidFill>
+                <a:srgbClr val="0070C0"/>
+              </a:solidFill>
+              <a:latin typeface="Pristina" panose="020F0502020204030204" pitchFamily="34" charset="0"/>
+              <a:cs typeface="Pristina" panose="020F0502020204030204" pitchFamily="34" charset="0"/>
+            </a:endParaRPr>
+          </a:p>
+        </p:txBody>
+      </p:sp>
+      <p:sp>
+        <p:nvSpPr>
+          <p:cNvPr id="7" name="Content Placeholder 6"/>
+          <p:cNvSpPr>
+            <a:spLocks noGrp="1"/>
+          </p:cNvSpPr>
+          <p:nvPr>
+            <p:ph idx="1"/>
+          </p:nvPr>
+        </p:nvSpPr>
+        <p:spPr>
+          <a:xfrm>
+            <a:off x="838200" y="1472665"/>
+            <a:ext cx="10515600" cy="4704298"/>
+          </a:xfrm>
+        </p:spPr>
+        <p:txBody>
+          <a:bodyPr>
+            <a:normAutofit/>
+          </a:bodyPr>
+          <a:lstStyle/>
+          <a:p>
+            <a:pPr>
+              <a:lnSpc>
+                <a:spcPct val="150000"/>
+              </a:lnSpc>
+            </a:pPr>
+            <a:r>
+              <a:rPr lang="zh-CN" altLang="en-US" sz="2000" dirty="0">
+                <a:solidFill>
+                  <a:schemeClr val="bg2">
+                    <a:lumMod val="25000"/>
+                  </a:schemeClr>
+                </a:solidFill>
+              </a:rPr>
+              <a:t>分词 </a:t>
+            </a:r>
+            <a:r>
+              <a:rPr lang="en-US" altLang="zh-CN" sz="2000" dirty="0" err="1">
+                <a:solidFill>
+                  <a:schemeClr val="bg2">
+                    <a:lumMod val="25000"/>
+                  </a:schemeClr>
+                </a:solidFill>
+              </a:rPr>
+              <a:t>jieba</a:t>
+            </a:r>
+            <a:r>
+              <a:rPr lang="zh-CN" altLang="en-US" sz="2000" dirty="0">
+                <a:solidFill>
+                  <a:schemeClr val="bg2">
+                    <a:lumMod val="25000"/>
+                  </a:schemeClr>
+                </a:solidFill>
+              </a:rPr>
+              <a:t> 示例：</a:t>
+            </a:r>
+            <a:br>
+              <a:rPr lang="en-US" altLang="zh-CN" sz="2000" dirty="0">
+                <a:solidFill>
+                  <a:schemeClr val="bg2">
+                    <a:lumMod val="25000"/>
+                  </a:schemeClr>
+                </a:solidFill>
+              </a:rPr>
+            </a:br>
+            <a:r>
+              <a:rPr lang="en-US" altLang="zh-CN" sz="1800" dirty="0">
+                <a:solidFill>
+                  <a:srgbClr val="0070C0"/>
+                </a:solidFill>
+              </a:rPr>
+              <a:t>import</a:t>
+            </a:r>
+            <a:r>
+              <a:rPr lang="zh-CN" altLang="en-US" sz="1800" dirty="0">
+                <a:solidFill>
+                  <a:schemeClr val="bg2">
+                    <a:lumMod val="25000"/>
+                  </a:schemeClr>
+                </a:solidFill>
+              </a:rPr>
+              <a:t> </a:t>
+            </a:r>
+            <a:r>
+              <a:rPr lang="en-US" altLang="zh-CN" sz="1800" dirty="0" err="1">
+                <a:solidFill>
+                  <a:schemeClr val="bg2">
+                    <a:lumMod val="25000"/>
+                  </a:schemeClr>
+                </a:solidFill>
+              </a:rPr>
+              <a:t>jieba_fast</a:t>
+            </a:r>
+            <a:r>
+              <a:rPr lang="zh-CN" altLang="en-US" sz="1800" dirty="0">
+                <a:solidFill>
+                  <a:schemeClr val="bg2">
+                    <a:lumMod val="25000"/>
+                  </a:schemeClr>
+                </a:solidFill>
+              </a:rPr>
+              <a:t> </a:t>
+            </a:r>
+            <a:r>
+              <a:rPr lang="en-US" altLang="zh-CN" sz="1800" dirty="0">
+                <a:solidFill>
+                  <a:srgbClr val="0070C0"/>
+                </a:solidFill>
+              </a:rPr>
+              <a:t>as</a:t>
+            </a:r>
+            <a:r>
+              <a:rPr lang="zh-CN" altLang="en-US" sz="1800" dirty="0">
+                <a:solidFill>
+                  <a:schemeClr val="bg2">
+                    <a:lumMod val="25000"/>
+                  </a:schemeClr>
+                </a:solidFill>
+              </a:rPr>
+              <a:t> </a:t>
+            </a:r>
+            <a:r>
+              <a:rPr lang="en-US" altLang="zh-CN" sz="1800" dirty="0" err="1">
+                <a:solidFill>
+                  <a:schemeClr val="bg2">
+                    <a:lumMod val="25000"/>
+                  </a:schemeClr>
+                </a:solidFill>
+              </a:rPr>
+              <a:t>jieba</a:t>
+            </a:r>
+            <a:br>
+              <a:rPr lang="en-US" altLang="zh-CN" sz="1800" dirty="0">
+                <a:solidFill>
+                  <a:schemeClr val="bg2">
+                    <a:lumMod val="25000"/>
+                  </a:schemeClr>
+                </a:solidFill>
+              </a:rPr>
+            </a:br>
+            <a:r>
+              <a:rPr lang="en-US" altLang="zh-CN" sz="1800" dirty="0" err="1">
+                <a:solidFill>
+                  <a:schemeClr val="bg2">
+                    <a:lumMod val="25000"/>
+                  </a:schemeClr>
+                </a:solidFill>
+              </a:rPr>
+              <a:t>jieba.cut</a:t>
+            </a:r>
+            <a:r>
+              <a:rPr lang="en-US" altLang="zh-CN" sz="1800" dirty="0">
+                <a:solidFill>
+                  <a:schemeClr val="bg2">
+                    <a:lumMod val="25000"/>
+                  </a:schemeClr>
+                </a:solidFill>
+              </a:rPr>
+              <a:t>(...)</a:t>
+            </a:r>
+          </a:p>
+          <a:p>
+            <a:pPr>
+              <a:lnSpc>
+                <a:spcPct val="150000"/>
+              </a:lnSpc>
+            </a:pPr>
+            <a:r>
+              <a:rPr lang="zh-CN" altLang="en-US" sz="2000" dirty="0">
+                <a:solidFill>
+                  <a:schemeClr val="bg2">
+                    <a:lumMod val="25000"/>
+                  </a:schemeClr>
+                </a:solidFill>
+              </a:rPr>
+              <a:t>多线程模式：</a:t>
+            </a:r>
+            <a:br>
+              <a:rPr lang="en-US" altLang="zh-CN" sz="2000" dirty="0">
+                <a:solidFill>
+                  <a:schemeClr val="bg2">
+                    <a:lumMod val="25000"/>
+                  </a:schemeClr>
+                </a:solidFill>
+              </a:rPr>
+            </a:br>
+            <a:r>
+              <a:rPr lang="en-US" altLang="zh-CN" sz="1800" dirty="0">
+                <a:solidFill>
+                  <a:schemeClr val="bg1">
+                    <a:lumMod val="65000"/>
+                  </a:schemeClr>
+                </a:solidFill>
+              </a:rPr>
+              <a:t>Demo</a:t>
+            </a:r>
+            <a:r>
+              <a:rPr lang="zh-CN" altLang="en-US" sz="1800" dirty="0">
+                <a:solidFill>
+                  <a:schemeClr val="bg1">
+                    <a:lumMod val="65000"/>
+                  </a:schemeClr>
+                </a:solidFill>
+              </a:rPr>
+              <a:t>中采用了多线程模式，</a:t>
+            </a:r>
+            <a:br>
+              <a:rPr lang="en-US" altLang="zh-CN" sz="1800" dirty="0">
+                <a:solidFill>
+                  <a:schemeClr val="bg1">
+                    <a:lumMod val="65000"/>
+                  </a:schemeClr>
+                </a:solidFill>
+              </a:rPr>
+            </a:br>
+            <a:r>
+              <a:rPr lang="zh-CN" altLang="en-US" sz="1800" dirty="0">
+                <a:solidFill>
+                  <a:schemeClr val="bg1">
+                    <a:lumMod val="65000"/>
+                  </a:schemeClr>
+                </a:solidFill>
+              </a:rPr>
+              <a:t>同时开启多个线程一起做分</a:t>
+            </a:r>
+            <a:br>
+              <a:rPr lang="en-US" altLang="zh-CN" sz="1800" dirty="0">
+                <a:solidFill>
+                  <a:schemeClr val="bg1">
+                    <a:lumMod val="65000"/>
+                  </a:schemeClr>
+                </a:solidFill>
+              </a:rPr>
+            </a:br>
+            <a:r>
+              <a:rPr lang="zh-CN" altLang="en-US" sz="1800" dirty="0">
+                <a:solidFill>
+                  <a:schemeClr val="bg1">
+                    <a:lumMod val="65000"/>
+                  </a:schemeClr>
+                </a:solidFill>
+              </a:rPr>
+              <a:t>词，这种模式会让整个分词</a:t>
+            </a:r>
+            <a:br>
+              <a:rPr lang="en-US" altLang="zh-CN" sz="1800" dirty="0">
+                <a:solidFill>
+                  <a:schemeClr val="bg1">
+                    <a:lumMod val="65000"/>
+                  </a:schemeClr>
+                </a:solidFill>
+              </a:rPr>
+            </a:br>
+            <a:r>
+              <a:rPr lang="zh-CN" altLang="en-US" sz="1800" dirty="0">
+                <a:solidFill>
+                  <a:schemeClr val="bg1">
+                    <a:lumMod val="65000"/>
+                  </a:schemeClr>
+                </a:solidFill>
+              </a:rPr>
+              <a:t>环节更高效，按需提取文本</a:t>
+            </a:r>
+            <a:br>
+              <a:rPr lang="en-US" altLang="zh-CN" sz="1800" dirty="0">
+                <a:solidFill>
+                  <a:schemeClr val="bg1">
+                    <a:lumMod val="65000"/>
+                  </a:schemeClr>
+                </a:solidFill>
+              </a:rPr>
+            </a:br>
+            <a:r>
+              <a:rPr lang="zh-CN" altLang="en-US" sz="1800" dirty="0">
+                <a:solidFill>
+                  <a:schemeClr val="bg1">
+                    <a:lumMod val="65000"/>
+                  </a:schemeClr>
+                </a:solidFill>
+              </a:rPr>
+              <a:t>特征如</a:t>
+            </a:r>
+            <a:r>
+              <a:rPr lang="zh-CN" altLang="en-US" sz="1800" dirty="0">
+                <a:solidFill>
+                  <a:schemeClr val="accent2">
+                    <a:lumMod val="75000"/>
+                  </a:schemeClr>
+                </a:solidFill>
+              </a:rPr>
+              <a:t>标题、内容</a:t>
+            </a:r>
+            <a:r>
+              <a:rPr lang="zh-CN" altLang="en-US" sz="1800" dirty="0">
+                <a:solidFill>
+                  <a:schemeClr val="bg1">
+                    <a:lumMod val="65000"/>
+                  </a:schemeClr>
+                </a:solidFill>
+              </a:rPr>
+              <a:t>。</a:t>
+            </a:r>
+            <a:br>
+              <a:rPr lang="en-US" altLang="zh-CN" sz="2000" dirty="0">
+                <a:solidFill>
+                  <a:schemeClr val="bg2">
+                    <a:lumMod val="25000"/>
+                  </a:schemeClr>
+                </a:solidFill>
+              </a:rPr>
+            </a:br>
+            <a:endParaRPr lang="en-US" altLang="zh-CN" sz="1800" dirty="0"/>
+          </a:p>
+        </p:txBody>
+      </p:sp>
+      <p:sp>
+        <p:nvSpPr>
+          <p:cNvPr id="5" name="Content Placeholder 6">
+            <a:extLst>
+              <a:ext uri="{FF2B5EF4-FFF2-40B4-BE49-F238E27FC236}">
+                <a16:creationId xmlns:a16="http://schemas.microsoft.com/office/drawing/2014/main" id="{5B912217-D3EA-7142-89E0-BA2CB0D6F175}"/>
+              </a:ext>
+            </a:extLst>
+          </p:cNvPr>
+          <p:cNvSpPr txBox="1">
+            <a:spLocks/>
+          </p:cNvSpPr>
+          <p:nvPr/>
+        </p:nvSpPr>
+        <p:spPr>
+          <a:xfrm>
+            <a:off x="6843386" y="2956141"/>
+            <a:ext cx="4662814" cy="1728593"/>
+          </a:xfrm>
+          <a:prstGeom prst="rect">
+            <a:avLst/>
+          </a:prstGeom>
+        </p:spPr>
+        <p:txBody>
+          <a:bodyPr vert="horz" lIns="91440" tIns="45720" rIns="91440" bIns="45720" rtlCol="0">
+            <a:normAutofit/>
+          </a:bodyPr>
+          <a:lstStyle>
+            <a:lvl1pPr marL="228600" indent="-228600" algn="l" defTabSz="914400" rtl="0" eaLnBrk="1" latinLnBrk="0" hangingPunct="1">
+              <a:lnSpc>
+                <a:spcPct val="90000"/>
+              </a:lnSpc>
+              <a:spcBef>
+                <a:spcPts val="1000"/>
+              </a:spcBef>
+              <a:buFont typeface="Arial"/>
+              <a:buChar char="•"/>
+              <a:defRPr sz="2800" kern="1200">
+                <a:solidFill>
+                  <a:schemeClr val="tx1"/>
+                </a:solidFill>
+                <a:latin typeface="Chalkboard" charset="0"/>
+                <a:ea typeface="Chalkboard" charset="0"/>
+                <a:cs typeface="Chalkboard" charset="0"/>
+              </a:defRPr>
+            </a:lvl1pPr>
+            <a:lvl2pPr marL="685800" indent="-228600" algn="l" defTabSz="914400" rtl="0" eaLnBrk="1" latinLnBrk="0" hangingPunct="1">
+              <a:lnSpc>
+                <a:spcPct val="90000"/>
+              </a:lnSpc>
+              <a:spcBef>
+                <a:spcPts val="500"/>
+              </a:spcBef>
+              <a:buFont typeface="Arial"/>
+              <a:buChar char="•"/>
+              <a:defRPr sz="2400" kern="1200">
+                <a:solidFill>
+                  <a:schemeClr val="tx1"/>
+                </a:solidFill>
+                <a:latin typeface="Chalkboard" charset="0"/>
+                <a:ea typeface="Chalkboard" charset="0"/>
+                <a:cs typeface="Chalkboard" charset="0"/>
+              </a:defRPr>
+            </a:lvl2pPr>
+            <a:lvl3pPr marL="1143000" indent="-228600" algn="l" defTabSz="914400" rtl="0" eaLnBrk="1" latinLnBrk="0" hangingPunct="1">
+              <a:lnSpc>
+                <a:spcPct val="90000"/>
+              </a:lnSpc>
+              <a:spcBef>
+                <a:spcPts val="500"/>
+              </a:spcBef>
+              <a:buFont typeface="Arial"/>
+              <a:buChar char="•"/>
+              <a:defRPr sz="2000" kern="1200">
+                <a:solidFill>
+                  <a:schemeClr val="tx1"/>
+                </a:solidFill>
+                <a:latin typeface="Chalkboard" charset="0"/>
+                <a:ea typeface="Chalkboard" charset="0"/>
+                <a:cs typeface="Chalkboard" charset="0"/>
+              </a:defRPr>
+            </a:lvl3pPr>
+            <a:lvl4pPr marL="1600200" indent="-228600" algn="l" defTabSz="914400" rtl="0" eaLnBrk="1" latinLnBrk="0" hangingPunct="1">
+              <a:lnSpc>
+                <a:spcPct val="90000"/>
+              </a:lnSpc>
+              <a:spcBef>
+                <a:spcPts val="500"/>
+              </a:spcBef>
+              <a:buFont typeface="Arial"/>
+              <a:buChar char="•"/>
+              <a:defRPr sz="1800" kern="1200">
+                <a:solidFill>
+                  <a:schemeClr val="tx1"/>
+                </a:solidFill>
+                <a:latin typeface="Chalkboard" charset="0"/>
+                <a:ea typeface="Chalkboard" charset="0"/>
+                <a:cs typeface="Chalkboard" charset="0"/>
+              </a:defRPr>
+            </a:lvl4pPr>
+            <a:lvl5pPr marL="2057400" indent="-228600" algn="l" defTabSz="914400" rtl="0" eaLnBrk="1" latinLnBrk="0" hangingPunct="1">
+              <a:lnSpc>
+                <a:spcPct val="90000"/>
+              </a:lnSpc>
+              <a:spcBef>
+                <a:spcPts val="500"/>
+              </a:spcBef>
+              <a:buFont typeface="Arial"/>
+              <a:buChar char="•"/>
+              <a:defRPr sz="1800" kern="1200">
+                <a:solidFill>
+                  <a:schemeClr val="tx1"/>
+                </a:solidFill>
+                <a:latin typeface="Chalkboard" charset="0"/>
+                <a:ea typeface="Chalkboard" charset="0"/>
+                <a:cs typeface="Chalkboard" charset="0"/>
+              </a:defRPr>
+            </a:lvl5pPr>
+            <a:lvl6pPr marL="2514600" indent="-228600" algn="l" defTabSz="914400" rtl="0" eaLnBrk="1" latinLnBrk="0" hangingPunct="1">
+              <a:lnSpc>
+                <a:spcPct val="90000"/>
+              </a:lnSpc>
+              <a:spcBef>
+                <a:spcPts val="500"/>
+              </a:spcBef>
+              <a:buFont typeface="Arial"/>
+              <a:buChar char="•"/>
+              <a:defRPr sz="1800" kern="1200">
+                <a:solidFill>
+                  <a:schemeClr val="tx1"/>
+                </a:solidFill>
+                <a:latin typeface="+mn-lt"/>
+                <a:ea typeface="+mn-ea"/>
+                <a:cs typeface="+mn-cs"/>
+              </a:defRPr>
+            </a:lvl6pPr>
+            <a:lvl7pPr marL="2971800" indent="-228600" algn="l" defTabSz="914400" rtl="0" eaLnBrk="1" latinLnBrk="0" hangingPunct="1">
+              <a:lnSpc>
+                <a:spcPct val="90000"/>
+              </a:lnSpc>
+              <a:spcBef>
+                <a:spcPts val="500"/>
+              </a:spcBef>
+              <a:buFont typeface="Arial"/>
+              <a:buChar char="•"/>
+              <a:defRPr sz="1800" kern="1200">
+                <a:solidFill>
+                  <a:schemeClr val="tx1"/>
+                </a:solidFill>
+                <a:latin typeface="+mn-lt"/>
+                <a:ea typeface="+mn-ea"/>
+                <a:cs typeface="+mn-cs"/>
+              </a:defRPr>
+            </a:lvl7pPr>
+            <a:lvl8pPr marL="3429000" indent="-228600" algn="l" defTabSz="914400" rtl="0" eaLnBrk="1" latinLnBrk="0" hangingPunct="1">
+              <a:lnSpc>
+                <a:spcPct val="90000"/>
+              </a:lnSpc>
+              <a:spcBef>
+                <a:spcPts val="500"/>
+              </a:spcBef>
+              <a:buFont typeface="Arial"/>
+              <a:buChar char="•"/>
+              <a:defRPr sz="1800" kern="1200">
+                <a:solidFill>
+                  <a:schemeClr val="tx1"/>
+                </a:solidFill>
+                <a:latin typeface="+mn-lt"/>
+                <a:ea typeface="+mn-ea"/>
+                <a:cs typeface="+mn-cs"/>
+              </a:defRPr>
+            </a:lvl8pPr>
+            <a:lvl9pPr marL="3886200" indent="-228600" algn="l" defTabSz="914400" rtl="0" eaLnBrk="1" latinLnBrk="0" hangingPunct="1">
+              <a:lnSpc>
+                <a:spcPct val="90000"/>
+              </a:lnSpc>
+              <a:spcBef>
+                <a:spcPts val="500"/>
+              </a:spcBef>
+              <a:buFont typeface="Arial"/>
+              <a:buChar char="•"/>
+              <a:defRPr sz="1800" kern="1200">
+                <a:solidFill>
+                  <a:schemeClr val="tx1"/>
+                </a:solidFill>
+                <a:latin typeface="+mn-lt"/>
+                <a:ea typeface="+mn-ea"/>
+                <a:cs typeface="+mn-cs"/>
+              </a:defRPr>
+            </a:lvl9pPr>
+          </a:lstStyle>
+          <a:p>
+            <a:pPr marL="0" indent="0">
+              <a:lnSpc>
+                <a:spcPct val="100000"/>
+              </a:lnSpc>
+              <a:buNone/>
+            </a:pPr>
+            <a:endParaRPr lang="en-US" altLang="zh-CN" sz="2000" dirty="0">
+              <a:solidFill>
+                <a:srgbClr val="C00000"/>
+              </a:solidFill>
+            </a:endParaRPr>
+          </a:p>
+        </p:txBody>
+      </p:sp>
+      <p:pic>
+        <p:nvPicPr>
+          <p:cNvPr id="3" name="Picture 2">
+            <a:extLst>
+              <a:ext uri="{FF2B5EF4-FFF2-40B4-BE49-F238E27FC236}">
+                <a16:creationId xmlns:a16="http://schemas.microsoft.com/office/drawing/2014/main" id="{1A7B9519-7876-48D6-1389-A6AEF6229419}"/>
+              </a:ext>
+            </a:extLst>
+          </p:cNvPr>
+          <p:cNvPicPr>
+            <a:picLocks noChangeAspect="1"/>
+          </p:cNvPicPr>
+          <p:nvPr/>
+        </p:nvPicPr>
+        <p:blipFill>
+          <a:blip r:embed="rId2"/>
+          <a:stretch>
+            <a:fillRect/>
+          </a:stretch>
+        </p:blipFill>
+        <p:spPr>
+          <a:xfrm>
+            <a:off x="4161064" y="1527820"/>
+            <a:ext cx="7888813" cy="4585234"/>
+          </a:xfrm>
+          <a:prstGeom prst="rect">
+            <a:avLst/>
+          </a:prstGeom>
+        </p:spPr>
+      </p:pic>
+    </p:spTree>
+    <p:extLst>
+      <p:ext uri="{BB962C8B-B14F-4D97-AF65-F5344CB8AC3E}">
+        <p14:creationId xmlns:p14="http://schemas.microsoft.com/office/powerpoint/2010/main" val="3383649562"/>
+      </p:ext>
+    </p:extLst>
+  </p:cSld>
+  <p:clrMapOvr>
+    <a:masterClrMapping/>
+  </p:clrMapOvr>
+</p:sld>
+</file>
+
+<file path=ppt/slides/slide12.xml><?xml version="1.0" encoding="utf-8"?>
+<p:sld xmlns:a="http://schemas.openxmlformats.org/drawingml/2006/main" xmlns:r="http://schemas.openxmlformats.org/officeDocument/2006/relationships" xmlns:p="http://schemas.openxmlformats.org/presentationml/2006/main">
+  <p:cSld>
+    <p:spTree>
+      <p:nvGrpSpPr>
+        <p:cNvPr id="1" name=""/>
+        <p:cNvGrpSpPr/>
+        <p:nvPr/>
+      </p:nvGrpSpPr>
+      <p:grpSpPr>
+        <a:xfrm>
+          <a:off x="0" y="0"/>
+          <a:ext cx="0" cy="0"/>
+          <a:chOff x="0" y="0"/>
+          <a:chExt cx="0" cy="0"/>
+        </a:xfrm>
+      </p:grpSpPr>
+      <p:sp>
+        <p:nvSpPr>
+          <p:cNvPr id="6" name="Title 5"/>
+          <p:cNvSpPr>
+            <a:spLocks noGrp="1"/>
+          </p:cNvSpPr>
+          <p:nvPr>
+            <p:ph type="title"/>
+          </p:nvPr>
+        </p:nvSpPr>
+        <p:spPr>
+          <a:xfrm>
+            <a:off x="838200" y="193964"/>
+            <a:ext cx="10515600" cy="1153574"/>
+          </a:xfrm>
+        </p:spPr>
+        <p:txBody>
+          <a:bodyPr>
+            <a:normAutofit/>
+          </a:bodyPr>
+          <a:lstStyle/>
+          <a:p>
+            <a:pPr>
+              <a:lnSpc>
+                <a:spcPct val="150000"/>
+              </a:lnSpc>
+            </a:pPr>
+            <a:r>
+              <a:rPr lang="en-US" altLang="zh-CN" sz="2400" b="1" dirty="0">
+                <a:latin typeface="Microsoft YaHei" panose="020B0503020204020204" pitchFamily="34" charset="-122"/>
+                <a:ea typeface="Microsoft YaHei" panose="020B0503020204020204" pitchFamily="34" charset="-122"/>
+              </a:rPr>
+              <a:t>NLP</a:t>
+            </a:r>
+            <a:r>
+              <a:rPr lang="zh-CN" altLang="en-US" sz="2400" b="1" dirty="0">
+                <a:latin typeface="Microsoft YaHei" panose="020B0503020204020204" pitchFamily="34" charset="-122"/>
+                <a:ea typeface="Microsoft YaHei" panose="020B0503020204020204" pitchFamily="34" charset="-122"/>
+              </a:rPr>
+              <a:t>预处理</a:t>
+            </a:r>
+            <a:br>
+              <a:rPr lang="en-US" altLang="zh-CN" sz="1800" dirty="0">
+                <a:solidFill>
+                  <a:schemeClr val="bg1">
+                    <a:lumMod val="50000"/>
+                  </a:schemeClr>
+                </a:solidFill>
+              </a:rPr>
+            </a:br>
+            <a:r>
+              <a:rPr lang="en-US" altLang="zh-CN" sz="1800" dirty="0" err="1">
+                <a:solidFill>
+                  <a:srgbClr val="0070C0"/>
+                </a:solidFill>
+                <a:latin typeface="Pristina" panose="020F0502020204030204" pitchFamily="34" charset="0"/>
+              </a:rPr>
+              <a:t>Gensim</a:t>
+            </a:r>
+            <a:r>
+              <a:rPr lang="zh-CN" altLang="en-US" sz="1800" dirty="0">
+                <a:solidFill>
+                  <a:srgbClr val="0070C0"/>
+                </a:solidFill>
+                <a:latin typeface="Pristina" panose="020F0502020204030204" pitchFamily="34" charset="0"/>
+              </a:rPr>
+              <a:t> </a:t>
+            </a:r>
+            <a:r>
+              <a:rPr lang="en-US" altLang="zh-CN" sz="1800" dirty="0">
+                <a:solidFill>
+                  <a:srgbClr val="0070C0"/>
+                </a:solidFill>
+                <a:latin typeface="Pristina" panose="020F0502020204030204" pitchFamily="34" charset="0"/>
+              </a:rPr>
+              <a:t>Dependency</a:t>
+            </a:r>
+            <a:endParaRPr lang="en-US" sz="1800" dirty="0">
+              <a:solidFill>
+                <a:srgbClr val="0070C0"/>
+              </a:solidFill>
+              <a:latin typeface="Pristina" panose="020F0502020204030204" pitchFamily="34" charset="0"/>
+              <a:cs typeface="Pristina" panose="020F0502020204030204" pitchFamily="34" charset="0"/>
+            </a:endParaRPr>
+          </a:p>
+        </p:txBody>
+      </p:sp>
+      <p:sp>
+        <p:nvSpPr>
+          <p:cNvPr id="7" name="Content Placeholder 6"/>
+          <p:cNvSpPr>
+            <a:spLocks noGrp="1"/>
+          </p:cNvSpPr>
+          <p:nvPr>
+            <p:ph idx="1"/>
+          </p:nvPr>
+        </p:nvSpPr>
+        <p:spPr>
+          <a:xfrm>
+            <a:off x="838200" y="1472665"/>
+            <a:ext cx="10515600" cy="4704298"/>
+          </a:xfrm>
+        </p:spPr>
+        <p:txBody>
+          <a:bodyPr>
+            <a:normAutofit/>
+          </a:bodyPr>
+          <a:lstStyle/>
+          <a:p>
+            <a:pPr>
+              <a:lnSpc>
+                <a:spcPct val="150000"/>
+              </a:lnSpc>
+            </a:pPr>
+            <a:r>
+              <a:rPr lang="en-US" altLang="zh-CN" sz="2000" dirty="0" err="1">
+                <a:solidFill>
+                  <a:schemeClr val="bg2">
+                    <a:lumMod val="25000"/>
+                  </a:schemeClr>
+                </a:solidFill>
+              </a:rPr>
+              <a:t>Gensim</a:t>
+            </a:r>
+            <a:r>
+              <a:rPr lang="zh-CN" altLang="en-US" sz="2000" dirty="0">
+                <a:solidFill>
+                  <a:schemeClr val="bg2">
+                    <a:lumMod val="25000"/>
+                  </a:schemeClr>
+                </a:solidFill>
+              </a:rPr>
+              <a:t> 库</a:t>
+            </a:r>
+            <a:br>
+              <a:rPr lang="en-US" altLang="zh-CN" sz="2000" dirty="0">
+                <a:solidFill>
+                  <a:schemeClr val="bg2">
+                    <a:lumMod val="25000"/>
+                  </a:schemeClr>
+                </a:solidFill>
+              </a:rPr>
+            </a:br>
+            <a:r>
+              <a:rPr lang="zh-CN" altLang="en-US" sz="1800" dirty="0">
+                <a:solidFill>
+                  <a:schemeClr val="bg2">
+                    <a:lumMod val="25000"/>
+                  </a:schemeClr>
+                </a:solidFill>
+              </a:rPr>
+              <a:t>一个用于自然语言处理的 </a:t>
+            </a:r>
+            <a:r>
+              <a:rPr lang="en-US" altLang="zh-CN" sz="1800" dirty="0">
+                <a:solidFill>
+                  <a:schemeClr val="bg2">
+                    <a:lumMod val="25000"/>
+                  </a:schemeClr>
+                </a:solidFill>
+              </a:rPr>
+              <a:t>Python</a:t>
+            </a:r>
+            <a:r>
+              <a:rPr lang="zh-CN" altLang="en-US" sz="1800" dirty="0">
+                <a:solidFill>
+                  <a:schemeClr val="bg2">
+                    <a:lumMod val="25000"/>
+                  </a:schemeClr>
+                </a:solidFill>
+              </a:rPr>
+              <a:t> 库，特别适合处理大型文本集，并可以实现无监督的主题模型学习，它的核心概念如下：</a:t>
+            </a:r>
+            <a:br>
+              <a:rPr lang="en-US" altLang="zh-CN" sz="1800" dirty="0">
+                <a:solidFill>
+                  <a:schemeClr val="bg2">
+                    <a:lumMod val="25000"/>
+                  </a:schemeClr>
+                </a:solidFill>
+              </a:rPr>
+            </a:br>
+            <a:r>
+              <a:rPr lang="en-US" altLang="zh-CN" sz="1800" dirty="0">
+                <a:solidFill>
+                  <a:schemeClr val="bg2">
+                    <a:lumMod val="25000"/>
+                  </a:schemeClr>
+                </a:solidFill>
+              </a:rPr>
+              <a:t>1</a:t>
+            </a:r>
+            <a:r>
+              <a:rPr lang="zh-CN" altLang="en-US" sz="1800" dirty="0">
+                <a:solidFill>
+                  <a:schemeClr val="bg2">
+                    <a:lumMod val="25000"/>
+                  </a:schemeClr>
+                </a:solidFill>
+              </a:rPr>
+              <a:t>）</a:t>
+            </a:r>
+            <a:r>
+              <a:rPr lang="zh-CN" altLang="en-US" sz="1800" dirty="0">
+                <a:solidFill>
+                  <a:schemeClr val="accent2">
+                    <a:lumMod val="75000"/>
+                  </a:schemeClr>
+                </a:solidFill>
+              </a:rPr>
+              <a:t>文档</a:t>
+            </a:r>
+            <a:r>
+              <a:rPr lang="zh-CN" altLang="en-US" sz="1800" dirty="0">
+                <a:solidFill>
+                  <a:schemeClr val="bg2">
+                    <a:lumMod val="25000"/>
+                  </a:schemeClr>
+                </a:solidFill>
+              </a:rPr>
+              <a:t>（</a:t>
+            </a:r>
+            <a:r>
+              <a:rPr lang="en-US" altLang="zh-CN" sz="1800" dirty="0">
+                <a:solidFill>
+                  <a:schemeClr val="bg2">
+                    <a:lumMod val="25000"/>
+                  </a:schemeClr>
+                </a:solidFill>
+              </a:rPr>
+              <a:t>Document</a:t>
+            </a:r>
+            <a:r>
+              <a:rPr lang="zh-CN" altLang="en-US" sz="1800" dirty="0">
+                <a:solidFill>
+                  <a:schemeClr val="bg2">
+                    <a:lumMod val="25000"/>
+                  </a:schemeClr>
+                </a:solidFill>
+              </a:rPr>
+              <a:t>）：通常一段文本、一条微博、一段对话或一篇文章。</a:t>
+            </a:r>
+            <a:br>
+              <a:rPr lang="en-US" altLang="zh-CN" sz="1800" dirty="0">
+                <a:solidFill>
+                  <a:schemeClr val="bg2">
+                    <a:lumMod val="25000"/>
+                  </a:schemeClr>
+                </a:solidFill>
+              </a:rPr>
+            </a:br>
+            <a:r>
+              <a:rPr lang="en-US" altLang="zh-CN" sz="1800" dirty="0">
+                <a:solidFill>
+                  <a:schemeClr val="bg2">
+                    <a:lumMod val="25000"/>
+                  </a:schemeClr>
+                </a:solidFill>
+              </a:rPr>
+              <a:t>2</a:t>
+            </a:r>
+            <a:r>
+              <a:rPr lang="zh-CN" altLang="en-US" sz="1800" dirty="0">
+                <a:solidFill>
+                  <a:schemeClr val="bg2">
+                    <a:lumMod val="25000"/>
+                  </a:schemeClr>
+                </a:solidFill>
+              </a:rPr>
+              <a:t>）</a:t>
+            </a:r>
+            <a:r>
+              <a:rPr lang="zh-CN" altLang="en-US" sz="1800" dirty="0">
+                <a:solidFill>
+                  <a:schemeClr val="accent2">
+                    <a:lumMod val="75000"/>
+                  </a:schemeClr>
+                </a:solidFill>
+              </a:rPr>
+              <a:t>词料库</a:t>
+            </a:r>
+            <a:r>
+              <a:rPr lang="zh-CN" altLang="en-US" sz="1800" dirty="0">
+                <a:solidFill>
+                  <a:schemeClr val="bg2">
+                    <a:lumMod val="25000"/>
+                  </a:schemeClr>
+                </a:solidFill>
+              </a:rPr>
+              <a:t>（</a:t>
+            </a:r>
+            <a:r>
+              <a:rPr lang="en-US" altLang="zh-CN" sz="1800" dirty="0">
+                <a:solidFill>
+                  <a:schemeClr val="bg2">
+                    <a:lumMod val="25000"/>
+                  </a:schemeClr>
+                </a:solidFill>
+              </a:rPr>
+              <a:t>Corpus</a:t>
+            </a:r>
+            <a:r>
+              <a:rPr lang="zh-CN" altLang="en-US" sz="1800" dirty="0">
+                <a:solidFill>
+                  <a:schemeClr val="bg2">
+                    <a:lumMod val="25000"/>
+                  </a:schemeClr>
+                </a:solidFill>
+              </a:rPr>
+              <a:t>）：文档集合，训练模型专用。</a:t>
+            </a:r>
+            <a:br>
+              <a:rPr lang="en-US" altLang="zh-CN" sz="1800" dirty="0">
+                <a:solidFill>
+                  <a:schemeClr val="bg2">
+                    <a:lumMod val="25000"/>
+                  </a:schemeClr>
+                </a:solidFill>
+              </a:rPr>
+            </a:br>
+            <a:r>
+              <a:rPr lang="en-US" altLang="zh-CN" sz="1800" dirty="0">
+                <a:solidFill>
+                  <a:schemeClr val="bg2">
+                    <a:lumMod val="25000"/>
+                  </a:schemeClr>
+                </a:solidFill>
+              </a:rPr>
+              <a:t>3</a:t>
+            </a:r>
+            <a:r>
+              <a:rPr lang="zh-CN" altLang="en-US" sz="1800" dirty="0">
+                <a:solidFill>
+                  <a:schemeClr val="bg2">
+                    <a:lumMod val="25000"/>
+                  </a:schemeClr>
+                </a:solidFill>
+              </a:rPr>
+              <a:t>）</a:t>
+            </a:r>
+            <a:r>
+              <a:rPr lang="zh-CN" altLang="en-US" sz="1800" dirty="0">
+                <a:solidFill>
+                  <a:schemeClr val="accent2">
+                    <a:lumMod val="75000"/>
+                  </a:schemeClr>
+                </a:solidFill>
+              </a:rPr>
+              <a:t>向量</a:t>
+            </a:r>
+            <a:r>
+              <a:rPr lang="zh-CN" altLang="en-US" sz="1800" dirty="0">
+                <a:solidFill>
+                  <a:schemeClr val="bg2">
+                    <a:lumMod val="25000"/>
+                  </a:schemeClr>
+                </a:solidFill>
+              </a:rPr>
+              <a:t>（</a:t>
+            </a:r>
+            <a:r>
+              <a:rPr lang="en-US" altLang="zh-CN" sz="1800" dirty="0">
+                <a:solidFill>
+                  <a:schemeClr val="bg2">
+                    <a:lumMod val="25000"/>
+                  </a:schemeClr>
+                </a:solidFill>
+              </a:rPr>
+              <a:t>Vector</a:t>
+            </a:r>
+            <a:r>
+              <a:rPr lang="zh-CN" altLang="en-US" sz="1800" dirty="0">
+                <a:solidFill>
+                  <a:schemeClr val="bg2">
+                    <a:lumMod val="25000"/>
+                  </a:schemeClr>
+                </a:solidFill>
+              </a:rPr>
+              <a:t>）：文档的数学表达式，通常是一串数字。</a:t>
+            </a:r>
+            <a:br>
+              <a:rPr lang="en-US" altLang="zh-CN" sz="1800" dirty="0">
+                <a:solidFill>
+                  <a:schemeClr val="bg2">
+                    <a:lumMod val="25000"/>
+                  </a:schemeClr>
+                </a:solidFill>
+              </a:rPr>
+            </a:br>
+            <a:r>
+              <a:rPr lang="en-US" altLang="zh-CN" sz="1800" dirty="0">
+                <a:solidFill>
+                  <a:schemeClr val="bg2">
+                    <a:lumMod val="25000"/>
+                  </a:schemeClr>
+                </a:solidFill>
+              </a:rPr>
+              <a:t>4</a:t>
+            </a:r>
+            <a:r>
+              <a:rPr lang="zh-CN" altLang="en-US" sz="1800" dirty="0">
+                <a:solidFill>
+                  <a:schemeClr val="bg2">
+                    <a:lumMod val="25000"/>
+                  </a:schemeClr>
+                </a:solidFill>
+              </a:rPr>
+              <a:t>）</a:t>
+            </a:r>
+            <a:r>
+              <a:rPr lang="zh-CN" altLang="en-US" sz="1800" dirty="0">
+                <a:solidFill>
+                  <a:schemeClr val="accent2">
+                    <a:lumMod val="75000"/>
+                  </a:schemeClr>
+                </a:solidFill>
+              </a:rPr>
+              <a:t>模型</a:t>
+            </a:r>
+            <a:r>
+              <a:rPr lang="zh-CN" altLang="en-US" sz="1800" dirty="0">
+                <a:solidFill>
+                  <a:schemeClr val="bg2">
+                    <a:lumMod val="25000"/>
+                  </a:schemeClr>
+                </a:solidFill>
+              </a:rPr>
+              <a:t>（</a:t>
+            </a:r>
+            <a:r>
+              <a:rPr lang="en-US" altLang="zh-CN" sz="1800" dirty="0">
+                <a:solidFill>
+                  <a:schemeClr val="bg2">
+                    <a:lumMod val="25000"/>
+                  </a:schemeClr>
+                </a:solidFill>
+              </a:rPr>
+              <a:t>Model</a:t>
+            </a:r>
+            <a:r>
+              <a:rPr lang="zh-CN" altLang="en-US" sz="1800" dirty="0">
+                <a:solidFill>
+                  <a:schemeClr val="bg2">
+                    <a:lumMod val="25000"/>
+                  </a:schemeClr>
+                </a:solidFill>
+              </a:rPr>
+              <a:t>）：将文本从一种</a:t>
+            </a:r>
+            <a:r>
+              <a:rPr lang="zh-CN" altLang="en-US" sz="1800" dirty="0">
+                <a:solidFill>
+                  <a:schemeClr val="accent2">
+                    <a:lumMod val="75000"/>
+                  </a:schemeClr>
+                </a:solidFill>
+              </a:rPr>
+              <a:t>向量表示</a:t>
+            </a:r>
+            <a:r>
+              <a:rPr lang="zh-CN" altLang="en-US" sz="1800" dirty="0">
+                <a:solidFill>
+                  <a:schemeClr val="bg2">
+                    <a:lumMod val="25000"/>
+                  </a:schemeClr>
+                </a:solidFill>
+              </a:rPr>
+              <a:t>转换成另外的形式。</a:t>
+            </a:r>
+            <a:br>
+              <a:rPr lang="en-US" altLang="zh-CN" sz="1800" dirty="0">
+                <a:solidFill>
+                  <a:schemeClr val="bg2">
+                    <a:lumMod val="25000"/>
+                  </a:schemeClr>
+                </a:solidFill>
+              </a:rPr>
+            </a:br>
+            <a:endParaRPr lang="en-US" altLang="zh-CN" sz="1800" dirty="0"/>
+          </a:p>
+        </p:txBody>
+      </p:sp>
+      <p:sp>
+        <p:nvSpPr>
+          <p:cNvPr id="5" name="Content Placeholder 6">
+            <a:extLst>
+              <a:ext uri="{FF2B5EF4-FFF2-40B4-BE49-F238E27FC236}">
+                <a16:creationId xmlns:a16="http://schemas.microsoft.com/office/drawing/2014/main" id="{5B912217-D3EA-7142-89E0-BA2CB0D6F175}"/>
+              </a:ext>
+            </a:extLst>
+          </p:cNvPr>
+          <p:cNvSpPr txBox="1">
+            <a:spLocks/>
+          </p:cNvSpPr>
+          <p:nvPr/>
+        </p:nvSpPr>
+        <p:spPr>
+          <a:xfrm>
+            <a:off x="6843386" y="2956141"/>
+            <a:ext cx="4662814" cy="1728593"/>
+          </a:xfrm>
+          <a:prstGeom prst="rect">
+            <a:avLst/>
+          </a:prstGeom>
+        </p:spPr>
+        <p:txBody>
+          <a:bodyPr vert="horz" lIns="91440" tIns="45720" rIns="91440" bIns="45720" rtlCol="0">
+            <a:normAutofit/>
+          </a:bodyPr>
+          <a:lstStyle>
+            <a:lvl1pPr marL="228600" indent="-228600" algn="l" defTabSz="914400" rtl="0" eaLnBrk="1" latinLnBrk="0" hangingPunct="1">
+              <a:lnSpc>
+                <a:spcPct val="90000"/>
+              </a:lnSpc>
+              <a:spcBef>
+                <a:spcPts val="1000"/>
+              </a:spcBef>
+              <a:buFont typeface="Arial"/>
+              <a:buChar char="•"/>
+              <a:defRPr sz="2800" kern="1200">
+                <a:solidFill>
+                  <a:schemeClr val="tx1"/>
+                </a:solidFill>
+                <a:latin typeface="Chalkboard" charset="0"/>
+                <a:ea typeface="Chalkboard" charset="0"/>
+                <a:cs typeface="Chalkboard" charset="0"/>
+              </a:defRPr>
+            </a:lvl1pPr>
+            <a:lvl2pPr marL="685800" indent="-228600" algn="l" defTabSz="914400" rtl="0" eaLnBrk="1" latinLnBrk="0" hangingPunct="1">
+              <a:lnSpc>
+                <a:spcPct val="90000"/>
+              </a:lnSpc>
+              <a:spcBef>
+                <a:spcPts val="500"/>
+              </a:spcBef>
+              <a:buFont typeface="Arial"/>
+              <a:buChar char="•"/>
+              <a:defRPr sz="2400" kern="1200">
+                <a:solidFill>
+                  <a:schemeClr val="tx1"/>
+                </a:solidFill>
+                <a:latin typeface="Chalkboard" charset="0"/>
+                <a:ea typeface="Chalkboard" charset="0"/>
+                <a:cs typeface="Chalkboard" charset="0"/>
+              </a:defRPr>
+            </a:lvl2pPr>
+            <a:lvl3pPr marL="1143000" indent="-228600" algn="l" defTabSz="914400" rtl="0" eaLnBrk="1" latinLnBrk="0" hangingPunct="1">
+              <a:lnSpc>
+                <a:spcPct val="90000"/>
+              </a:lnSpc>
+              <a:spcBef>
+                <a:spcPts val="500"/>
+              </a:spcBef>
+              <a:buFont typeface="Arial"/>
+              <a:buChar char="•"/>
+              <a:defRPr sz="2000" kern="1200">
+                <a:solidFill>
+                  <a:schemeClr val="tx1"/>
+                </a:solidFill>
+                <a:latin typeface="Chalkboard" charset="0"/>
+                <a:ea typeface="Chalkboard" charset="0"/>
+                <a:cs typeface="Chalkboard" charset="0"/>
+              </a:defRPr>
+            </a:lvl3pPr>
+            <a:lvl4pPr marL="1600200" indent="-228600" algn="l" defTabSz="914400" rtl="0" eaLnBrk="1" latinLnBrk="0" hangingPunct="1">
+              <a:lnSpc>
+                <a:spcPct val="90000"/>
+              </a:lnSpc>
+              <a:spcBef>
+                <a:spcPts val="500"/>
+              </a:spcBef>
+              <a:buFont typeface="Arial"/>
+              <a:buChar char="•"/>
+              <a:defRPr sz="1800" kern="1200">
+                <a:solidFill>
+                  <a:schemeClr val="tx1"/>
+                </a:solidFill>
+                <a:latin typeface="Chalkboard" charset="0"/>
+                <a:ea typeface="Chalkboard" charset="0"/>
+                <a:cs typeface="Chalkboard" charset="0"/>
+              </a:defRPr>
+            </a:lvl4pPr>
+            <a:lvl5pPr marL="2057400" indent="-228600" algn="l" defTabSz="914400" rtl="0" eaLnBrk="1" latinLnBrk="0" hangingPunct="1">
+              <a:lnSpc>
+                <a:spcPct val="90000"/>
+              </a:lnSpc>
+              <a:spcBef>
+                <a:spcPts val="500"/>
+              </a:spcBef>
+              <a:buFont typeface="Arial"/>
+              <a:buChar char="•"/>
+              <a:defRPr sz="1800" kern="1200">
+                <a:solidFill>
+                  <a:schemeClr val="tx1"/>
+                </a:solidFill>
+                <a:latin typeface="Chalkboard" charset="0"/>
+                <a:ea typeface="Chalkboard" charset="0"/>
+                <a:cs typeface="Chalkboard" charset="0"/>
+              </a:defRPr>
+            </a:lvl5pPr>
+            <a:lvl6pPr marL="2514600" indent="-228600" algn="l" defTabSz="914400" rtl="0" eaLnBrk="1" latinLnBrk="0" hangingPunct="1">
+              <a:lnSpc>
+                <a:spcPct val="90000"/>
+              </a:lnSpc>
+              <a:spcBef>
+                <a:spcPts val="500"/>
+              </a:spcBef>
+              <a:buFont typeface="Arial"/>
+              <a:buChar char="•"/>
+              <a:defRPr sz="1800" kern="1200">
+                <a:solidFill>
+                  <a:schemeClr val="tx1"/>
+                </a:solidFill>
+                <a:latin typeface="+mn-lt"/>
+                <a:ea typeface="+mn-ea"/>
+                <a:cs typeface="+mn-cs"/>
+              </a:defRPr>
+            </a:lvl6pPr>
+            <a:lvl7pPr marL="2971800" indent="-228600" algn="l" defTabSz="914400" rtl="0" eaLnBrk="1" latinLnBrk="0" hangingPunct="1">
+              <a:lnSpc>
+                <a:spcPct val="90000"/>
+              </a:lnSpc>
+              <a:spcBef>
+                <a:spcPts val="500"/>
+              </a:spcBef>
+              <a:buFont typeface="Arial"/>
+              <a:buChar char="•"/>
+              <a:defRPr sz="1800" kern="1200">
+                <a:solidFill>
+                  <a:schemeClr val="tx1"/>
+                </a:solidFill>
+                <a:latin typeface="+mn-lt"/>
+                <a:ea typeface="+mn-ea"/>
+                <a:cs typeface="+mn-cs"/>
+              </a:defRPr>
+            </a:lvl7pPr>
+            <a:lvl8pPr marL="3429000" indent="-228600" algn="l" defTabSz="914400" rtl="0" eaLnBrk="1" latinLnBrk="0" hangingPunct="1">
+              <a:lnSpc>
+                <a:spcPct val="90000"/>
+              </a:lnSpc>
+              <a:spcBef>
+                <a:spcPts val="500"/>
+              </a:spcBef>
+              <a:buFont typeface="Arial"/>
+              <a:buChar char="•"/>
+              <a:defRPr sz="1800" kern="1200">
+                <a:solidFill>
+                  <a:schemeClr val="tx1"/>
+                </a:solidFill>
+                <a:latin typeface="+mn-lt"/>
+                <a:ea typeface="+mn-ea"/>
+                <a:cs typeface="+mn-cs"/>
+              </a:defRPr>
+            </a:lvl8pPr>
+            <a:lvl9pPr marL="3886200" indent="-228600" algn="l" defTabSz="914400" rtl="0" eaLnBrk="1" latinLnBrk="0" hangingPunct="1">
+              <a:lnSpc>
+                <a:spcPct val="90000"/>
+              </a:lnSpc>
+              <a:spcBef>
+                <a:spcPts val="500"/>
+              </a:spcBef>
+              <a:buFont typeface="Arial"/>
+              <a:buChar char="•"/>
+              <a:defRPr sz="1800" kern="1200">
+                <a:solidFill>
+                  <a:schemeClr val="tx1"/>
+                </a:solidFill>
+                <a:latin typeface="+mn-lt"/>
+                <a:ea typeface="+mn-ea"/>
+                <a:cs typeface="+mn-cs"/>
+              </a:defRPr>
+            </a:lvl9pPr>
+          </a:lstStyle>
+          <a:p>
+            <a:pPr marL="0" indent="0">
+              <a:lnSpc>
+                <a:spcPct val="100000"/>
+              </a:lnSpc>
+              <a:buNone/>
+            </a:pPr>
+            <a:endParaRPr lang="en-US" altLang="zh-CN" sz="2000" dirty="0">
+              <a:solidFill>
+                <a:srgbClr val="C00000"/>
+              </a:solidFill>
+            </a:endParaRPr>
+          </a:p>
+        </p:txBody>
+      </p:sp>
+    </p:spTree>
+    <p:extLst>
+      <p:ext uri="{BB962C8B-B14F-4D97-AF65-F5344CB8AC3E}">
+        <p14:creationId xmlns:p14="http://schemas.microsoft.com/office/powerpoint/2010/main" val="2674487028"/>
+      </p:ext>
+    </p:extLst>
+  </p:cSld>
+  <p:clrMapOvr>
+    <a:masterClrMapping/>
+  </p:clrMapOvr>
+</p:sld>
+</file>
+
+<file path=ppt/slides/slide13.xml><?xml version="1.0" encoding="utf-8"?>
+<p:sld xmlns:a="http://schemas.openxmlformats.org/drawingml/2006/main" xmlns:r="http://schemas.openxmlformats.org/officeDocument/2006/relationships" xmlns:p="http://schemas.openxmlformats.org/presentationml/2006/main">
+  <p:cSld>
+    <p:spTree>
+      <p:nvGrpSpPr>
+        <p:cNvPr id="1" name=""/>
+        <p:cNvGrpSpPr/>
+        <p:nvPr/>
+      </p:nvGrpSpPr>
+      <p:grpSpPr>
+        <a:xfrm>
+          <a:off x="0" y="0"/>
+          <a:ext cx="0" cy="0"/>
+          <a:chOff x="0" y="0"/>
+          <a:chExt cx="0" cy="0"/>
+        </a:xfrm>
+      </p:grpSpPr>
+      <p:sp>
+        <p:nvSpPr>
+          <p:cNvPr id="6" name="Title 5"/>
+          <p:cNvSpPr>
+            <a:spLocks noGrp="1"/>
+          </p:cNvSpPr>
+          <p:nvPr>
+            <p:ph type="title"/>
+          </p:nvPr>
+        </p:nvSpPr>
+        <p:spPr>
+          <a:xfrm>
+            <a:off x="838200" y="193964"/>
+            <a:ext cx="10515600" cy="1153574"/>
+          </a:xfrm>
+        </p:spPr>
+        <p:txBody>
+          <a:bodyPr>
+            <a:normAutofit/>
+          </a:bodyPr>
+          <a:lstStyle/>
+          <a:p>
+            <a:pPr>
+              <a:lnSpc>
+                <a:spcPct val="150000"/>
+              </a:lnSpc>
+            </a:pPr>
+            <a:r>
+              <a:rPr lang="en-US" altLang="zh-CN" sz="2400" b="1" dirty="0">
+                <a:latin typeface="Microsoft YaHei" panose="020B0503020204020204" pitchFamily="34" charset="-122"/>
+                <a:ea typeface="Microsoft YaHei" panose="020B0503020204020204" pitchFamily="34" charset="-122"/>
+              </a:rPr>
+              <a:t>NLP</a:t>
+            </a:r>
+            <a:r>
+              <a:rPr lang="zh-CN" altLang="en-US" sz="2400" b="1" dirty="0">
+                <a:latin typeface="Microsoft YaHei" panose="020B0503020204020204" pitchFamily="34" charset="-122"/>
+                <a:ea typeface="Microsoft YaHei" panose="020B0503020204020204" pitchFamily="34" charset="-122"/>
+              </a:rPr>
+              <a:t>预处理</a:t>
+            </a:r>
+            <a:br>
+              <a:rPr lang="en-US" altLang="zh-CN" sz="1800" dirty="0">
+                <a:solidFill>
+                  <a:schemeClr val="bg1">
+                    <a:lumMod val="50000"/>
+                  </a:schemeClr>
+                </a:solidFill>
+              </a:rPr>
+            </a:br>
+            <a:r>
+              <a:rPr lang="en-US" altLang="zh-CN" sz="1800" dirty="0" err="1">
+                <a:solidFill>
+                  <a:srgbClr val="0070C0"/>
+                </a:solidFill>
+                <a:latin typeface="Pristina" panose="020F0502020204030204" pitchFamily="34" charset="0"/>
+              </a:rPr>
+              <a:t>Gensim</a:t>
+            </a:r>
+            <a:r>
+              <a:rPr lang="zh-CN" altLang="en-US" sz="1800" dirty="0">
+                <a:solidFill>
+                  <a:srgbClr val="0070C0"/>
+                </a:solidFill>
+                <a:latin typeface="Pristina" panose="020F0502020204030204" pitchFamily="34" charset="0"/>
+              </a:rPr>
+              <a:t> </a:t>
+            </a:r>
+            <a:r>
+              <a:rPr lang="en-US" altLang="zh-CN" sz="1800" dirty="0">
+                <a:solidFill>
+                  <a:srgbClr val="0070C0"/>
+                </a:solidFill>
+                <a:latin typeface="Pristina" panose="020F0502020204030204" pitchFamily="34" charset="0"/>
+              </a:rPr>
+              <a:t>Models</a:t>
+            </a:r>
+            <a:endParaRPr lang="en-US" sz="1800" dirty="0">
+              <a:solidFill>
+                <a:srgbClr val="0070C0"/>
+              </a:solidFill>
+              <a:latin typeface="Pristina" panose="020F0502020204030204" pitchFamily="34" charset="0"/>
+              <a:cs typeface="Pristina" panose="020F0502020204030204" pitchFamily="34" charset="0"/>
+            </a:endParaRPr>
+          </a:p>
+        </p:txBody>
+      </p:sp>
+      <p:sp>
+        <p:nvSpPr>
+          <p:cNvPr id="7" name="Content Placeholder 6"/>
+          <p:cNvSpPr>
+            <a:spLocks noGrp="1"/>
+          </p:cNvSpPr>
+          <p:nvPr>
+            <p:ph idx="1"/>
+          </p:nvPr>
+        </p:nvSpPr>
+        <p:spPr>
+          <a:xfrm>
+            <a:off x="838200" y="1472665"/>
+            <a:ext cx="10515600" cy="4704298"/>
+          </a:xfrm>
+        </p:spPr>
+        <p:txBody>
+          <a:bodyPr>
+            <a:normAutofit/>
+          </a:bodyPr>
+          <a:lstStyle/>
+          <a:p>
+            <a:pPr marL="0" indent="0">
+              <a:lnSpc>
+                <a:spcPct val="150000"/>
+              </a:lnSpc>
+              <a:buNone/>
+            </a:pPr>
+            <a:r>
+              <a:rPr lang="en-US" altLang="zh-CN" sz="2000" dirty="0" err="1">
+                <a:solidFill>
+                  <a:schemeClr val="bg2">
+                    <a:lumMod val="25000"/>
+                  </a:schemeClr>
+                </a:solidFill>
+              </a:rPr>
+              <a:t>Gensim</a:t>
+            </a:r>
+            <a:r>
+              <a:rPr lang="zh-CN" altLang="en-US" sz="2000" dirty="0">
+                <a:solidFill>
+                  <a:schemeClr val="bg2">
+                    <a:lumMod val="25000"/>
+                  </a:schemeClr>
+                </a:solidFill>
+              </a:rPr>
+              <a:t> 库常见模型：</a:t>
+            </a:r>
+            <a:endParaRPr lang="en-US" altLang="zh-CN" sz="2000" dirty="0">
+              <a:solidFill>
+                <a:schemeClr val="bg2">
+                  <a:lumMod val="25000"/>
+                </a:schemeClr>
+              </a:solidFill>
+            </a:endParaRPr>
+          </a:p>
+          <a:p>
+            <a:pPr>
+              <a:lnSpc>
+                <a:spcPct val="150000"/>
+              </a:lnSpc>
+            </a:pPr>
+            <a:r>
+              <a:rPr lang="en-US" altLang="zh-CN" sz="1800" dirty="0">
+                <a:solidFill>
+                  <a:schemeClr val="accent2">
+                    <a:lumMod val="75000"/>
+                  </a:schemeClr>
+                </a:solidFill>
+              </a:rPr>
+              <a:t>TF-IDF</a:t>
+            </a:r>
+            <a:r>
+              <a:rPr lang="zh-CN" altLang="en-US" sz="1800" dirty="0">
+                <a:solidFill>
+                  <a:schemeClr val="bg2">
+                    <a:lumMod val="25000"/>
+                  </a:schemeClr>
+                </a:solidFill>
+              </a:rPr>
+              <a:t>：</a:t>
+            </a:r>
+            <a:r>
+              <a:rPr lang="en-US" altLang="zh-CN" sz="1800" dirty="0">
+                <a:solidFill>
+                  <a:schemeClr val="bg2">
+                    <a:lumMod val="25000"/>
+                  </a:schemeClr>
+                </a:solidFill>
+              </a:rPr>
+              <a:t>Term</a:t>
+            </a:r>
+            <a:r>
+              <a:rPr lang="zh-CN" altLang="en-US" sz="1800" dirty="0">
+                <a:solidFill>
+                  <a:schemeClr val="bg2">
+                    <a:lumMod val="25000"/>
+                  </a:schemeClr>
+                </a:solidFill>
+              </a:rPr>
+              <a:t> </a:t>
+            </a:r>
+            <a:r>
+              <a:rPr lang="en-US" altLang="zh-CN" sz="1800" dirty="0">
+                <a:solidFill>
+                  <a:schemeClr val="bg2">
+                    <a:lumMod val="25000"/>
+                  </a:schemeClr>
+                </a:solidFill>
+              </a:rPr>
+              <a:t>Frequency-Inverse</a:t>
+            </a:r>
+            <a:r>
+              <a:rPr lang="zh-CN" altLang="en-US" sz="1800" dirty="0">
+                <a:solidFill>
+                  <a:schemeClr val="bg2">
+                    <a:lumMod val="25000"/>
+                  </a:schemeClr>
+                </a:solidFill>
+              </a:rPr>
+              <a:t> </a:t>
+            </a:r>
+            <a:r>
+              <a:rPr lang="en-US" altLang="zh-CN" sz="1800" dirty="0">
+                <a:solidFill>
+                  <a:schemeClr val="bg2">
+                    <a:lumMod val="25000"/>
+                  </a:schemeClr>
+                </a:solidFill>
+              </a:rPr>
+              <a:t>Document</a:t>
+            </a:r>
+            <a:r>
+              <a:rPr lang="zh-CN" altLang="en-US" sz="1800" dirty="0">
+                <a:solidFill>
+                  <a:schemeClr val="bg2">
+                    <a:lumMod val="25000"/>
+                  </a:schemeClr>
+                </a:solidFill>
+              </a:rPr>
+              <a:t> </a:t>
+            </a:r>
+            <a:r>
+              <a:rPr lang="en-US" altLang="zh-CN" sz="1800" dirty="0">
+                <a:solidFill>
+                  <a:schemeClr val="bg2">
+                    <a:lumMod val="25000"/>
+                  </a:schemeClr>
+                </a:solidFill>
+              </a:rPr>
+              <a:t>Frequency</a:t>
+            </a:r>
+            <a:r>
+              <a:rPr lang="zh-CN" altLang="en-US" sz="1800" dirty="0">
+                <a:solidFill>
+                  <a:schemeClr val="bg2">
+                    <a:lumMod val="25000"/>
+                  </a:schemeClr>
+                </a:solidFill>
+              </a:rPr>
+              <a:t>，用于将文档转换成词频向量，考虑词语在整个文档集合中的稀有程度。</a:t>
+            </a:r>
+            <a:endParaRPr lang="en-US" altLang="zh-CN" sz="1800" dirty="0">
+              <a:solidFill>
+                <a:schemeClr val="bg2">
+                  <a:lumMod val="25000"/>
+                </a:schemeClr>
+              </a:solidFill>
+            </a:endParaRPr>
+          </a:p>
+          <a:p>
+            <a:pPr>
+              <a:lnSpc>
+                <a:spcPct val="150000"/>
+              </a:lnSpc>
+            </a:pPr>
+            <a:r>
+              <a:rPr lang="en-US" altLang="zh-CN" sz="1800" dirty="0">
+                <a:solidFill>
+                  <a:schemeClr val="accent2">
+                    <a:lumMod val="75000"/>
+                  </a:schemeClr>
+                </a:solidFill>
+              </a:rPr>
+              <a:t>LSA</a:t>
+            </a:r>
+            <a:r>
+              <a:rPr lang="zh-CN" altLang="en-US" sz="1800" dirty="0">
+                <a:solidFill>
+                  <a:schemeClr val="accent2">
+                    <a:lumMod val="75000"/>
+                  </a:schemeClr>
+                </a:solidFill>
+              </a:rPr>
+              <a:t> </a:t>
+            </a:r>
+            <a:r>
+              <a:rPr lang="en-US" altLang="zh-CN" sz="1800" dirty="0">
+                <a:solidFill>
+                  <a:schemeClr val="accent2">
+                    <a:lumMod val="75000"/>
+                  </a:schemeClr>
+                </a:solidFill>
+              </a:rPr>
+              <a:t>/</a:t>
+            </a:r>
+            <a:r>
+              <a:rPr lang="zh-CN" altLang="en-US" sz="1800" dirty="0">
+                <a:solidFill>
+                  <a:schemeClr val="accent2">
+                    <a:lumMod val="75000"/>
+                  </a:schemeClr>
+                </a:solidFill>
+              </a:rPr>
+              <a:t> </a:t>
+            </a:r>
+            <a:r>
+              <a:rPr lang="en-US" altLang="zh-CN" sz="1800" dirty="0">
+                <a:solidFill>
+                  <a:schemeClr val="accent2">
+                    <a:lumMod val="75000"/>
+                  </a:schemeClr>
+                </a:solidFill>
+              </a:rPr>
+              <a:t>LSI</a:t>
+            </a:r>
+            <a:r>
+              <a:rPr lang="zh-CN" altLang="en-US" sz="1800" dirty="0">
+                <a:solidFill>
+                  <a:schemeClr val="bg2">
+                    <a:lumMod val="25000"/>
+                  </a:schemeClr>
+                </a:solidFill>
+              </a:rPr>
+              <a:t>：</a:t>
+            </a:r>
+            <a:r>
+              <a:rPr lang="en-US" altLang="zh-CN" sz="1800" dirty="0">
+                <a:solidFill>
+                  <a:schemeClr val="bg2">
+                    <a:lumMod val="25000"/>
+                  </a:schemeClr>
+                </a:solidFill>
+              </a:rPr>
+              <a:t>Latent</a:t>
+            </a:r>
+            <a:r>
+              <a:rPr lang="zh-CN" altLang="en-US" sz="1800" dirty="0">
+                <a:solidFill>
+                  <a:schemeClr val="bg2">
+                    <a:lumMod val="25000"/>
+                  </a:schemeClr>
+                </a:solidFill>
+              </a:rPr>
+              <a:t> </a:t>
+            </a:r>
+            <a:r>
+              <a:rPr lang="en-US" altLang="zh-CN" sz="1800" dirty="0">
+                <a:solidFill>
+                  <a:schemeClr val="bg2">
+                    <a:lumMod val="25000"/>
+                  </a:schemeClr>
+                </a:solidFill>
+              </a:rPr>
+              <a:t>Semantic</a:t>
+            </a:r>
+            <a:r>
+              <a:rPr lang="zh-CN" altLang="en-US" sz="1800" dirty="0">
+                <a:solidFill>
+                  <a:schemeClr val="bg2">
+                    <a:lumMod val="25000"/>
+                  </a:schemeClr>
+                </a:solidFill>
+              </a:rPr>
+              <a:t> </a:t>
+            </a:r>
+            <a:r>
+              <a:rPr lang="en-US" altLang="zh-CN" sz="1800" dirty="0">
+                <a:solidFill>
+                  <a:schemeClr val="bg2">
+                    <a:lumMod val="25000"/>
+                  </a:schemeClr>
+                </a:solidFill>
+              </a:rPr>
+              <a:t>Analysis</a:t>
+            </a:r>
+            <a:r>
+              <a:rPr lang="zh-CN" altLang="en-US" sz="1800" dirty="0">
+                <a:solidFill>
+                  <a:schemeClr val="bg2">
+                    <a:lumMod val="25000"/>
+                  </a:schemeClr>
+                </a:solidFill>
+              </a:rPr>
+              <a:t> </a:t>
+            </a:r>
+            <a:r>
+              <a:rPr lang="en-US" altLang="zh-CN" sz="1800" dirty="0">
+                <a:solidFill>
+                  <a:schemeClr val="bg2">
+                    <a:lumMod val="25000"/>
+                  </a:schemeClr>
+                </a:solidFill>
+              </a:rPr>
+              <a:t>/</a:t>
+            </a:r>
+            <a:r>
+              <a:rPr lang="zh-CN" altLang="en-US" sz="1800" dirty="0">
+                <a:solidFill>
+                  <a:schemeClr val="bg2">
+                    <a:lumMod val="25000"/>
+                  </a:schemeClr>
+                </a:solidFill>
+              </a:rPr>
+              <a:t> </a:t>
+            </a:r>
+            <a:r>
+              <a:rPr lang="en-US" altLang="zh-CN" sz="1800" dirty="0">
+                <a:solidFill>
+                  <a:schemeClr val="bg2">
+                    <a:lumMod val="25000"/>
+                  </a:schemeClr>
+                </a:solidFill>
+              </a:rPr>
+              <a:t>Latent</a:t>
+            </a:r>
+            <a:r>
+              <a:rPr lang="zh-CN" altLang="en-US" sz="1800" dirty="0">
+                <a:solidFill>
+                  <a:schemeClr val="bg2">
+                    <a:lumMod val="25000"/>
+                  </a:schemeClr>
+                </a:solidFill>
+              </a:rPr>
+              <a:t> </a:t>
+            </a:r>
+            <a:r>
+              <a:rPr lang="en-US" altLang="zh-CN" sz="1800" dirty="0">
+                <a:solidFill>
+                  <a:schemeClr val="bg2">
+                    <a:lumMod val="25000"/>
+                  </a:schemeClr>
+                </a:solidFill>
+              </a:rPr>
+              <a:t>Semantic</a:t>
+            </a:r>
+            <a:r>
+              <a:rPr lang="zh-CN" altLang="en-US" sz="1800" dirty="0">
+                <a:solidFill>
+                  <a:schemeClr val="bg2">
+                    <a:lumMod val="25000"/>
+                  </a:schemeClr>
+                </a:solidFill>
+              </a:rPr>
+              <a:t> </a:t>
+            </a:r>
+            <a:r>
+              <a:rPr lang="en-US" altLang="zh-CN" sz="1800" dirty="0">
+                <a:solidFill>
+                  <a:schemeClr val="bg2">
+                    <a:lumMod val="25000"/>
+                  </a:schemeClr>
+                </a:solidFill>
+              </a:rPr>
+              <a:t>Indexing</a:t>
+            </a:r>
+            <a:r>
+              <a:rPr lang="zh-CN" altLang="en-US" sz="1800" dirty="0">
+                <a:solidFill>
+                  <a:schemeClr val="bg2">
+                    <a:lumMod val="25000"/>
+                  </a:schemeClr>
+                </a:solidFill>
+              </a:rPr>
+              <a:t>，用于发现文档和词语之间的隐含关系，通过奇异值分解 </a:t>
+            </a:r>
+            <a:r>
+              <a:rPr lang="en-US" altLang="zh-CN" sz="1800" dirty="0">
+                <a:solidFill>
+                  <a:schemeClr val="bg2">
+                    <a:lumMod val="25000"/>
+                  </a:schemeClr>
+                </a:solidFill>
+              </a:rPr>
+              <a:t>SVD</a:t>
+            </a:r>
+            <a:r>
+              <a:rPr lang="zh-CN" altLang="en-US" sz="1800" dirty="0">
+                <a:solidFill>
+                  <a:schemeClr val="bg2">
+                    <a:lumMod val="25000"/>
+                  </a:schemeClr>
+                </a:solidFill>
+              </a:rPr>
+              <a:t> 降维处理。</a:t>
+            </a:r>
+            <a:endParaRPr lang="en-US" altLang="zh-CN" sz="1800" dirty="0">
+              <a:solidFill>
+                <a:schemeClr val="bg2">
+                  <a:lumMod val="25000"/>
+                </a:schemeClr>
+              </a:solidFill>
+            </a:endParaRPr>
+          </a:p>
+          <a:p>
+            <a:pPr>
+              <a:lnSpc>
+                <a:spcPct val="150000"/>
+              </a:lnSpc>
+            </a:pPr>
+            <a:r>
+              <a:rPr lang="en-US" altLang="zh-CN" sz="1800" dirty="0">
+                <a:solidFill>
+                  <a:schemeClr val="accent2">
+                    <a:lumMod val="75000"/>
+                  </a:schemeClr>
+                </a:solidFill>
+              </a:rPr>
+              <a:t>LDA</a:t>
+            </a:r>
+            <a:r>
+              <a:rPr lang="zh-CN" altLang="en-US" sz="1800" dirty="0">
+                <a:solidFill>
+                  <a:schemeClr val="bg2">
+                    <a:lumMod val="25000"/>
+                  </a:schemeClr>
+                </a:solidFill>
+              </a:rPr>
+              <a:t>：</a:t>
+            </a:r>
+            <a:r>
+              <a:rPr lang="en-US" altLang="zh-CN" sz="1800" dirty="0">
+                <a:solidFill>
+                  <a:schemeClr val="bg2">
+                    <a:lumMod val="25000"/>
+                  </a:schemeClr>
+                </a:solidFill>
+              </a:rPr>
+              <a:t>Latent</a:t>
+            </a:r>
+            <a:r>
+              <a:rPr lang="zh-CN" altLang="en-US" sz="1800" dirty="0">
+                <a:solidFill>
+                  <a:schemeClr val="bg2">
+                    <a:lumMod val="25000"/>
+                  </a:schemeClr>
+                </a:solidFill>
+              </a:rPr>
+              <a:t> </a:t>
+            </a:r>
+            <a:r>
+              <a:rPr lang="en-US" altLang="zh-CN" sz="1800" dirty="0">
+                <a:solidFill>
+                  <a:schemeClr val="bg2">
+                    <a:lumMod val="25000"/>
+                  </a:schemeClr>
+                </a:solidFill>
+              </a:rPr>
+              <a:t>Dirichlet</a:t>
+            </a:r>
+            <a:r>
+              <a:rPr lang="zh-CN" altLang="en-US" sz="1800" dirty="0">
+                <a:solidFill>
+                  <a:schemeClr val="bg2">
+                    <a:lumMod val="25000"/>
+                  </a:schemeClr>
+                </a:solidFill>
+              </a:rPr>
+              <a:t> </a:t>
+            </a:r>
+            <a:r>
+              <a:rPr lang="en-US" altLang="zh-CN" sz="1800" dirty="0">
+                <a:solidFill>
+                  <a:schemeClr val="bg2">
+                    <a:lumMod val="25000"/>
+                  </a:schemeClr>
+                </a:solidFill>
+              </a:rPr>
+              <a:t>Allocation</a:t>
+            </a:r>
+            <a:r>
+              <a:rPr lang="zh-CN" altLang="en-US" sz="1800" dirty="0">
+                <a:solidFill>
+                  <a:schemeClr val="bg2">
+                    <a:lumMod val="25000"/>
+                  </a:schemeClr>
+                </a:solidFill>
+              </a:rPr>
+              <a:t>，主题模型，从文档集合中发现主题。</a:t>
+            </a:r>
+            <a:endParaRPr lang="en-US" altLang="zh-CN" sz="1800" dirty="0">
+              <a:solidFill>
+                <a:schemeClr val="bg2">
+                  <a:lumMod val="25000"/>
+                </a:schemeClr>
+              </a:solidFill>
+            </a:endParaRPr>
+          </a:p>
+          <a:p>
+            <a:pPr>
+              <a:lnSpc>
+                <a:spcPct val="150000"/>
+              </a:lnSpc>
+            </a:pPr>
+            <a:r>
+              <a:rPr lang="en-US" altLang="zh-CN" sz="1800" dirty="0">
+                <a:solidFill>
+                  <a:schemeClr val="accent2">
+                    <a:lumMod val="75000"/>
+                  </a:schemeClr>
+                </a:solidFill>
+              </a:rPr>
+              <a:t>Word2Vec</a:t>
+            </a:r>
+            <a:r>
+              <a:rPr lang="zh-CN" altLang="en-US" sz="1800" dirty="0">
+                <a:solidFill>
+                  <a:schemeClr val="bg2">
+                    <a:lumMod val="25000"/>
+                  </a:schemeClr>
+                </a:solidFill>
+              </a:rPr>
+              <a:t>：学习词语向量表示，可捕捉词语之间的语义关系，支持 </a:t>
+            </a:r>
+            <a:r>
+              <a:rPr lang="en-US" altLang="zh-CN" sz="1800" dirty="0">
+                <a:solidFill>
+                  <a:schemeClr val="bg2">
+                    <a:lumMod val="25000"/>
+                  </a:schemeClr>
+                </a:solidFill>
+              </a:rPr>
+              <a:t>CBOW</a:t>
+            </a:r>
+            <a:r>
+              <a:rPr lang="zh-CN" altLang="en-US" sz="1800" dirty="0">
+                <a:solidFill>
+                  <a:schemeClr val="bg2">
+                    <a:lumMod val="25000"/>
+                  </a:schemeClr>
+                </a:solidFill>
+              </a:rPr>
+              <a:t> </a:t>
+            </a:r>
+            <a:r>
+              <a:rPr lang="en-US" altLang="zh-CN" sz="1800" dirty="0">
+                <a:solidFill>
+                  <a:schemeClr val="bg2">
+                    <a:lumMod val="25000"/>
+                  </a:schemeClr>
+                </a:solidFill>
+              </a:rPr>
+              <a:t>/</a:t>
+            </a:r>
+            <a:r>
+              <a:rPr lang="zh-CN" altLang="en-US" sz="1800" dirty="0">
+                <a:solidFill>
+                  <a:schemeClr val="bg2">
+                    <a:lumMod val="25000"/>
+                  </a:schemeClr>
+                </a:solidFill>
+              </a:rPr>
+              <a:t> </a:t>
+            </a:r>
+            <a:r>
+              <a:rPr lang="en-US" altLang="zh-CN" sz="1800" dirty="0">
+                <a:solidFill>
+                  <a:schemeClr val="bg2">
+                    <a:lumMod val="25000"/>
+                  </a:schemeClr>
+                </a:solidFill>
+              </a:rPr>
+              <a:t>Skip-Gram</a:t>
+            </a:r>
+            <a:r>
+              <a:rPr lang="zh-CN" altLang="en-US" sz="1800" dirty="0">
+                <a:solidFill>
+                  <a:schemeClr val="bg2">
+                    <a:lumMod val="25000"/>
+                  </a:schemeClr>
+                </a:solidFill>
+              </a:rPr>
+              <a:t> 训练算法。</a:t>
+            </a:r>
+            <a:endParaRPr lang="en-US" altLang="zh-CN" sz="1800" dirty="0">
+              <a:solidFill>
+                <a:schemeClr val="bg2">
+                  <a:lumMod val="25000"/>
+                </a:schemeClr>
+              </a:solidFill>
+            </a:endParaRPr>
+          </a:p>
+          <a:p>
+            <a:pPr>
+              <a:lnSpc>
+                <a:spcPct val="150000"/>
+              </a:lnSpc>
+            </a:pPr>
+            <a:r>
+              <a:rPr lang="en-US" altLang="zh-CN" sz="1800" dirty="0">
+                <a:solidFill>
+                  <a:schemeClr val="accent2">
+                    <a:lumMod val="75000"/>
+                  </a:schemeClr>
+                </a:solidFill>
+              </a:rPr>
+              <a:t>Doc2Vec</a:t>
+            </a:r>
+            <a:r>
+              <a:rPr lang="zh-CN" altLang="en-US" sz="1800" dirty="0">
+                <a:solidFill>
+                  <a:schemeClr val="bg2">
+                    <a:lumMod val="25000"/>
+                  </a:schemeClr>
+                </a:solidFill>
+              </a:rPr>
+              <a:t>：类似 </a:t>
+            </a:r>
+            <a:r>
+              <a:rPr lang="en-US" altLang="zh-CN" sz="1800" dirty="0">
+                <a:solidFill>
+                  <a:schemeClr val="bg2">
+                    <a:lumMod val="25000"/>
+                  </a:schemeClr>
+                </a:solidFill>
+              </a:rPr>
+              <a:t>Word2Vec</a:t>
+            </a:r>
+            <a:r>
+              <a:rPr lang="zh-CN" altLang="en-US" sz="1800" dirty="0">
+                <a:solidFill>
+                  <a:schemeClr val="bg2">
+                    <a:lumMod val="25000"/>
+                  </a:schemeClr>
+                </a:solidFill>
+              </a:rPr>
+              <a:t>，但不仅学习词向量，还学习文档向量，处理整个文档内容。</a:t>
+            </a:r>
+            <a:endParaRPr lang="en-US" altLang="zh-CN" sz="1800" dirty="0">
+              <a:solidFill>
+                <a:schemeClr val="bg2">
+                  <a:lumMod val="25000"/>
+                </a:schemeClr>
+              </a:solidFill>
+            </a:endParaRPr>
+          </a:p>
+          <a:p>
+            <a:pPr marL="0" indent="0">
+              <a:lnSpc>
+                <a:spcPct val="150000"/>
+              </a:lnSpc>
+              <a:buNone/>
+            </a:pPr>
+            <a:r>
+              <a:rPr lang="zh-CN" altLang="en-US" sz="1800" dirty="0">
+                <a:solidFill>
+                  <a:schemeClr val="bg1">
+                    <a:lumMod val="65000"/>
+                  </a:schemeClr>
+                </a:solidFill>
+              </a:rPr>
+              <a:t>考试推荐使用 </a:t>
+            </a:r>
+            <a:r>
+              <a:rPr lang="en-US" altLang="zh-CN" sz="1800" dirty="0">
+                <a:solidFill>
+                  <a:srgbClr val="0070C0"/>
+                </a:solidFill>
+              </a:rPr>
+              <a:t>Word2Vec</a:t>
+            </a:r>
+            <a:r>
+              <a:rPr lang="zh-CN" altLang="en-US" sz="1800" dirty="0">
+                <a:solidFill>
+                  <a:schemeClr val="bg1">
+                    <a:lumMod val="65000"/>
+                  </a:schemeClr>
+                </a:solidFill>
+              </a:rPr>
+              <a:t> 的模型来处理文本！</a:t>
+            </a:r>
+            <a:endParaRPr lang="en-US" altLang="zh-CN" sz="1800" dirty="0">
+              <a:solidFill>
+                <a:schemeClr val="bg1">
+                  <a:lumMod val="65000"/>
+                </a:schemeClr>
+              </a:solidFill>
+            </a:endParaRPr>
+          </a:p>
+        </p:txBody>
+      </p:sp>
+      <p:sp>
+        <p:nvSpPr>
+          <p:cNvPr id="5" name="Content Placeholder 6">
+            <a:extLst>
+              <a:ext uri="{FF2B5EF4-FFF2-40B4-BE49-F238E27FC236}">
+                <a16:creationId xmlns:a16="http://schemas.microsoft.com/office/drawing/2014/main" id="{5B912217-D3EA-7142-89E0-BA2CB0D6F175}"/>
+              </a:ext>
+            </a:extLst>
+          </p:cNvPr>
+          <p:cNvSpPr txBox="1">
+            <a:spLocks/>
+          </p:cNvSpPr>
+          <p:nvPr/>
+        </p:nvSpPr>
+        <p:spPr>
+          <a:xfrm>
+            <a:off x="6843386" y="2956141"/>
+            <a:ext cx="4662814" cy="1728593"/>
+          </a:xfrm>
+          <a:prstGeom prst="rect">
+            <a:avLst/>
+          </a:prstGeom>
+        </p:spPr>
+        <p:txBody>
+          <a:bodyPr vert="horz" lIns="91440" tIns="45720" rIns="91440" bIns="45720" rtlCol="0">
+            <a:normAutofit/>
+          </a:bodyPr>
+          <a:lstStyle>
+            <a:lvl1pPr marL="228600" indent="-228600" algn="l" defTabSz="914400" rtl="0" eaLnBrk="1" latinLnBrk="0" hangingPunct="1">
+              <a:lnSpc>
+                <a:spcPct val="90000"/>
+              </a:lnSpc>
+              <a:spcBef>
+                <a:spcPts val="1000"/>
+              </a:spcBef>
+              <a:buFont typeface="Arial"/>
+              <a:buChar char="•"/>
+              <a:defRPr sz="2800" kern="1200">
+                <a:solidFill>
+                  <a:schemeClr val="tx1"/>
+                </a:solidFill>
+                <a:latin typeface="Chalkboard" charset="0"/>
+                <a:ea typeface="Chalkboard" charset="0"/>
+                <a:cs typeface="Chalkboard" charset="0"/>
+              </a:defRPr>
+            </a:lvl1pPr>
+            <a:lvl2pPr marL="685800" indent="-228600" algn="l" defTabSz="914400" rtl="0" eaLnBrk="1" latinLnBrk="0" hangingPunct="1">
+              <a:lnSpc>
+                <a:spcPct val="90000"/>
+              </a:lnSpc>
+              <a:spcBef>
+                <a:spcPts val="500"/>
+              </a:spcBef>
+              <a:buFont typeface="Arial"/>
+              <a:buChar char="•"/>
+              <a:defRPr sz="2400" kern="1200">
+                <a:solidFill>
+                  <a:schemeClr val="tx1"/>
+                </a:solidFill>
+                <a:latin typeface="Chalkboard" charset="0"/>
+                <a:ea typeface="Chalkboard" charset="0"/>
+                <a:cs typeface="Chalkboard" charset="0"/>
+              </a:defRPr>
+            </a:lvl2pPr>
+            <a:lvl3pPr marL="1143000" indent="-228600" algn="l" defTabSz="914400" rtl="0" eaLnBrk="1" latinLnBrk="0" hangingPunct="1">
+              <a:lnSpc>
+                <a:spcPct val="90000"/>
+              </a:lnSpc>
+              <a:spcBef>
+                <a:spcPts val="500"/>
+              </a:spcBef>
+              <a:buFont typeface="Arial"/>
+              <a:buChar char="•"/>
+              <a:defRPr sz="2000" kern="1200">
+                <a:solidFill>
+                  <a:schemeClr val="tx1"/>
+                </a:solidFill>
+                <a:latin typeface="Chalkboard" charset="0"/>
+                <a:ea typeface="Chalkboard" charset="0"/>
+                <a:cs typeface="Chalkboard" charset="0"/>
+              </a:defRPr>
+            </a:lvl3pPr>
+            <a:lvl4pPr marL="1600200" indent="-228600" algn="l" defTabSz="914400" rtl="0" eaLnBrk="1" latinLnBrk="0" hangingPunct="1">
+              <a:lnSpc>
+                <a:spcPct val="90000"/>
+              </a:lnSpc>
+              <a:spcBef>
+                <a:spcPts val="500"/>
+              </a:spcBef>
+              <a:buFont typeface="Arial"/>
+              <a:buChar char="•"/>
+              <a:defRPr sz="1800" kern="1200">
+                <a:solidFill>
+                  <a:schemeClr val="tx1"/>
+                </a:solidFill>
+                <a:latin typeface="Chalkboard" charset="0"/>
+                <a:ea typeface="Chalkboard" charset="0"/>
+                <a:cs typeface="Chalkboard" charset="0"/>
+              </a:defRPr>
+            </a:lvl4pPr>
+            <a:lvl5pPr marL="2057400" indent="-228600" algn="l" defTabSz="914400" rtl="0" eaLnBrk="1" latinLnBrk="0" hangingPunct="1">
+              <a:lnSpc>
+                <a:spcPct val="90000"/>
+              </a:lnSpc>
+              <a:spcBef>
+                <a:spcPts val="500"/>
+              </a:spcBef>
+              <a:buFont typeface="Arial"/>
+              <a:buChar char="•"/>
+              <a:defRPr sz="1800" kern="1200">
+                <a:solidFill>
+                  <a:schemeClr val="tx1"/>
+                </a:solidFill>
+                <a:latin typeface="Chalkboard" charset="0"/>
+                <a:ea typeface="Chalkboard" charset="0"/>
+                <a:cs typeface="Chalkboard" charset="0"/>
+              </a:defRPr>
+            </a:lvl5pPr>
+            <a:lvl6pPr marL="2514600" indent="-228600" algn="l" defTabSz="914400" rtl="0" eaLnBrk="1" latinLnBrk="0" hangingPunct="1">
+              <a:lnSpc>
+                <a:spcPct val="90000"/>
+              </a:lnSpc>
+              <a:spcBef>
+                <a:spcPts val="500"/>
+              </a:spcBef>
+              <a:buFont typeface="Arial"/>
+              <a:buChar char="•"/>
+              <a:defRPr sz="1800" kern="1200">
+                <a:solidFill>
+                  <a:schemeClr val="tx1"/>
+                </a:solidFill>
+                <a:latin typeface="+mn-lt"/>
+                <a:ea typeface="+mn-ea"/>
+                <a:cs typeface="+mn-cs"/>
+              </a:defRPr>
+            </a:lvl6pPr>
+            <a:lvl7pPr marL="2971800" indent="-228600" algn="l" defTabSz="914400" rtl="0" eaLnBrk="1" latinLnBrk="0" hangingPunct="1">
+              <a:lnSpc>
+                <a:spcPct val="90000"/>
+              </a:lnSpc>
+              <a:spcBef>
+                <a:spcPts val="500"/>
+              </a:spcBef>
+              <a:buFont typeface="Arial"/>
+              <a:buChar char="•"/>
+              <a:defRPr sz="1800" kern="1200">
+                <a:solidFill>
+                  <a:schemeClr val="tx1"/>
+                </a:solidFill>
+                <a:latin typeface="+mn-lt"/>
+                <a:ea typeface="+mn-ea"/>
+                <a:cs typeface="+mn-cs"/>
+              </a:defRPr>
+            </a:lvl7pPr>
+            <a:lvl8pPr marL="3429000" indent="-228600" algn="l" defTabSz="914400" rtl="0" eaLnBrk="1" latinLnBrk="0" hangingPunct="1">
+              <a:lnSpc>
+                <a:spcPct val="90000"/>
+              </a:lnSpc>
+              <a:spcBef>
+                <a:spcPts val="500"/>
+              </a:spcBef>
+              <a:buFont typeface="Arial"/>
+              <a:buChar char="•"/>
+              <a:defRPr sz="1800" kern="1200">
+                <a:solidFill>
+                  <a:schemeClr val="tx1"/>
+                </a:solidFill>
+                <a:latin typeface="+mn-lt"/>
+                <a:ea typeface="+mn-ea"/>
+                <a:cs typeface="+mn-cs"/>
+              </a:defRPr>
+            </a:lvl8pPr>
+            <a:lvl9pPr marL="3886200" indent="-228600" algn="l" defTabSz="914400" rtl="0" eaLnBrk="1" latinLnBrk="0" hangingPunct="1">
+              <a:lnSpc>
+                <a:spcPct val="90000"/>
+              </a:lnSpc>
+              <a:spcBef>
+                <a:spcPts val="500"/>
+              </a:spcBef>
+              <a:buFont typeface="Arial"/>
+              <a:buChar char="•"/>
+              <a:defRPr sz="1800" kern="1200">
+                <a:solidFill>
+                  <a:schemeClr val="tx1"/>
+                </a:solidFill>
+                <a:latin typeface="+mn-lt"/>
+                <a:ea typeface="+mn-ea"/>
+                <a:cs typeface="+mn-cs"/>
+              </a:defRPr>
+            </a:lvl9pPr>
+          </a:lstStyle>
+          <a:p>
+            <a:pPr marL="0" indent="0">
+              <a:lnSpc>
+                <a:spcPct val="100000"/>
+              </a:lnSpc>
+              <a:buNone/>
+            </a:pPr>
+            <a:endParaRPr lang="en-US" altLang="zh-CN" sz="2000" dirty="0">
+              <a:solidFill>
+                <a:srgbClr val="C00000"/>
+              </a:solidFill>
+            </a:endParaRPr>
+          </a:p>
+        </p:txBody>
+      </p:sp>
+    </p:spTree>
+    <p:extLst>
+      <p:ext uri="{BB962C8B-B14F-4D97-AF65-F5344CB8AC3E}">
+        <p14:creationId xmlns:p14="http://schemas.microsoft.com/office/powerpoint/2010/main" val="1204820340"/>
+      </p:ext>
+    </p:extLst>
+  </p:cSld>
+  <p:clrMapOvr>
+    <a:masterClrMapping/>
+  </p:clrMapOvr>
+</p:sld>
+</file>
+
+<file path=ppt/slides/slide14.xml><?xml version="1.0" encoding="utf-8"?>
 <p:sld xmlns:a="http://schemas.openxmlformats.org/drawingml/2006/main" xmlns:r="http://schemas.openxmlformats.org/officeDocument/2006/relationships" xmlns:p="http://schemas.openxmlformats.org/presentationml/2006/main">
   <p:cSld>
     <p:spTree>

--- a/ppt/04.二分类-文本输入.pptx
+++ b/ppt/04.二分类-文本输入.pptx
@@ -5,7 +5,7 @@
     <p:sldMasterId id="2147483648" r:id="rId1"/>
   </p:sldMasterIdLst>
   <p:notesMasterIdLst>
-    <p:notesMasterId r:id="rId16"/>
+    <p:notesMasterId r:id="rId23"/>
   </p:notesMasterIdLst>
   <p:sldIdLst>
     <p:sldId id="256" r:id="rId2"/>
@@ -21,7 +21,14 @@
     <p:sldId id="321" r:id="rId12"/>
     <p:sldId id="322" r:id="rId13"/>
     <p:sldId id="323" r:id="rId14"/>
-    <p:sldId id="303" r:id="rId15"/>
+    <p:sldId id="324" r:id="rId15"/>
+    <p:sldId id="325" r:id="rId16"/>
+    <p:sldId id="326" r:id="rId17"/>
+    <p:sldId id="327" r:id="rId18"/>
+    <p:sldId id="343" r:id="rId19"/>
+    <p:sldId id="347" r:id="rId20"/>
+    <p:sldId id="348" r:id="rId21"/>
+    <p:sldId id="303" r:id="rId22"/>
   </p:sldIdLst>
   <p:sldSz cx="12192000" cy="6858000"/>
   <p:notesSz cx="6858000" cy="9144000"/>
@@ -210,7 +217,7 @@
           <a:p>
             <a:fld id="{DACACA31-A8D1-C749-B637-11AA2950D448}" type="datetimeFigureOut">
               <a:rPr lang="en-US" smtClean="0"/>
-              <a:t>3/25/24</a:t>
+              <a:t>3/26/24</a:t>
             </a:fld>
             <a:endParaRPr lang="en-US"/>
           </a:p>
@@ -477,6 +484,258 @@
 </p:notesMaster>
 </file>
 
+<file path=ppt/notesSlides/notesSlide1.xml><?xml version="1.0" encoding="utf-8"?>
+<p:notes xmlns:a="http://schemas.openxmlformats.org/drawingml/2006/main" xmlns:r="http://schemas.openxmlformats.org/officeDocument/2006/relationships" xmlns:p="http://schemas.openxmlformats.org/presentationml/2006/main">
+  <p:cSld>
+    <p:spTree>
+      <p:nvGrpSpPr>
+        <p:cNvPr id="1" name=""/>
+        <p:cNvGrpSpPr/>
+        <p:nvPr/>
+      </p:nvGrpSpPr>
+      <p:grpSpPr>
+        <a:xfrm>
+          <a:off x="0" y="0"/>
+          <a:ext cx="0" cy="0"/>
+          <a:chOff x="0" y="0"/>
+          <a:chExt cx="0" cy="0"/>
+        </a:xfrm>
+      </p:grpSpPr>
+      <p:sp>
+        <p:nvSpPr>
+          <p:cNvPr id="2" name="Slide Image Placeholder 1"/>
+          <p:cNvSpPr>
+            <a:spLocks noGrp="1" noRot="1" noChangeAspect="1"/>
+          </p:cNvSpPr>
+          <p:nvPr>
+            <p:ph type="sldImg"/>
+          </p:nvPr>
+        </p:nvSpPr>
+        <p:spPr/>
+      </p:sp>
+      <p:sp>
+        <p:nvSpPr>
+          <p:cNvPr id="3" name="Notes Placeholder 2"/>
+          <p:cNvSpPr>
+            <a:spLocks noGrp="1"/>
+          </p:cNvSpPr>
+          <p:nvPr>
+            <p:ph type="body" idx="1"/>
+          </p:nvPr>
+        </p:nvSpPr>
+        <p:spPr/>
+        <p:txBody>
+          <a:bodyPr/>
+          <a:lstStyle/>
+          <a:p>
+            <a:endParaRPr lang="en-CN" dirty="0"/>
+          </a:p>
+        </p:txBody>
+      </p:sp>
+      <p:sp>
+        <p:nvSpPr>
+          <p:cNvPr id="4" name="Slide Number Placeholder 3"/>
+          <p:cNvSpPr>
+            <a:spLocks noGrp="1"/>
+          </p:cNvSpPr>
+          <p:nvPr>
+            <p:ph type="sldNum" sz="quarter" idx="5"/>
+          </p:nvPr>
+        </p:nvSpPr>
+        <p:spPr/>
+        <p:txBody>
+          <a:bodyPr/>
+          <a:lstStyle/>
+          <a:p>
+            <a:fld id="{DE81D16D-322F-844F-A853-3586DEF44CF9}" type="slidenum">
+              <a:rPr lang="en-US" smtClean="0"/>
+              <a:t>18</a:t>
+            </a:fld>
+            <a:endParaRPr lang="en-US"/>
+          </a:p>
+        </p:txBody>
+      </p:sp>
+    </p:spTree>
+    <p:extLst>
+      <p:ext uri="{BB962C8B-B14F-4D97-AF65-F5344CB8AC3E}">
+        <p14:creationId xmlns:p14="http://schemas.microsoft.com/office/powerpoint/2010/main" val="2014523457"/>
+      </p:ext>
+    </p:extLst>
+  </p:cSld>
+  <p:clrMapOvr>
+    <a:masterClrMapping/>
+  </p:clrMapOvr>
+</p:notes>
+</file>
+
+<file path=ppt/notesSlides/notesSlide2.xml><?xml version="1.0" encoding="utf-8"?>
+<p:notes xmlns:a="http://schemas.openxmlformats.org/drawingml/2006/main" xmlns:r="http://schemas.openxmlformats.org/officeDocument/2006/relationships" xmlns:p="http://schemas.openxmlformats.org/presentationml/2006/main">
+  <p:cSld>
+    <p:spTree>
+      <p:nvGrpSpPr>
+        <p:cNvPr id="1" name=""/>
+        <p:cNvGrpSpPr/>
+        <p:nvPr/>
+      </p:nvGrpSpPr>
+      <p:grpSpPr>
+        <a:xfrm>
+          <a:off x="0" y="0"/>
+          <a:ext cx="0" cy="0"/>
+          <a:chOff x="0" y="0"/>
+          <a:chExt cx="0" cy="0"/>
+        </a:xfrm>
+      </p:grpSpPr>
+      <p:sp>
+        <p:nvSpPr>
+          <p:cNvPr id="2" name="Slide Image Placeholder 1"/>
+          <p:cNvSpPr>
+            <a:spLocks noGrp="1" noRot="1" noChangeAspect="1"/>
+          </p:cNvSpPr>
+          <p:nvPr>
+            <p:ph type="sldImg"/>
+          </p:nvPr>
+        </p:nvSpPr>
+        <p:spPr/>
+      </p:sp>
+      <p:sp>
+        <p:nvSpPr>
+          <p:cNvPr id="3" name="Notes Placeholder 2"/>
+          <p:cNvSpPr>
+            <a:spLocks noGrp="1"/>
+          </p:cNvSpPr>
+          <p:nvPr>
+            <p:ph type="body" idx="1"/>
+          </p:nvPr>
+        </p:nvSpPr>
+        <p:spPr/>
+        <p:txBody>
+          <a:bodyPr/>
+          <a:lstStyle/>
+          <a:p>
+            <a:endParaRPr lang="en-CN" dirty="0"/>
+          </a:p>
+        </p:txBody>
+      </p:sp>
+      <p:sp>
+        <p:nvSpPr>
+          <p:cNvPr id="4" name="Slide Number Placeholder 3"/>
+          <p:cNvSpPr>
+            <a:spLocks noGrp="1"/>
+          </p:cNvSpPr>
+          <p:nvPr>
+            <p:ph type="sldNum" sz="quarter" idx="5"/>
+          </p:nvPr>
+        </p:nvSpPr>
+        <p:spPr/>
+        <p:txBody>
+          <a:bodyPr/>
+          <a:lstStyle/>
+          <a:p>
+            <a:fld id="{DE81D16D-322F-844F-A853-3586DEF44CF9}" type="slidenum">
+              <a:rPr lang="en-US" smtClean="0"/>
+              <a:t>19</a:t>
+            </a:fld>
+            <a:endParaRPr lang="en-US"/>
+          </a:p>
+        </p:txBody>
+      </p:sp>
+    </p:spTree>
+    <p:extLst>
+      <p:ext uri="{BB962C8B-B14F-4D97-AF65-F5344CB8AC3E}">
+        <p14:creationId xmlns:p14="http://schemas.microsoft.com/office/powerpoint/2010/main" val="383583266"/>
+      </p:ext>
+    </p:extLst>
+  </p:cSld>
+  <p:clrMapOvr>
+    <a:masterClrMapping/>
+  </p:clrMapOvr>
+</p:notes>
+</file>
+
+<file path=ppt/notesSlides/notesSlide3.xml><?xml version="1.0" encoding="utf-8"?>
+<p:notes xmlns:a="http://schemas.openxmlformats.org/drawingml/2006/main" xmlns:r="http://schemas.openxmlformats.org/officeDocument/2006/relationships" xmlns:p="http://schemas.openxmlformats.org/presentationml/2006/main">
+  <p:cSld>
+    <p:spTree>
+      <p:nvGrpSpPr>
+        <p:cNvPr id="1" name=""/>
+        <p:cNvGrpSpPr/>
+        <p:nvPr/>
+      </p:nvGrpSpPr>
+      <p:grpSpPr>
+        <a:xfrm>
+          <a:off x="0" y="0"/>
+          <a:ext cx="0" cy="0"/>
+          <a:chOff x="0" y="0"/>
+          <a:chExt cx="0" cy="0"/>
+        </a:xfrm>
+      </p:grpSpPr>
+      <p:sp>
+        <p:nvSpPr>
+          <p:cNvPr id="2" name="Slide Image Placeholder 1"/>
+          <p:cNvSpPr>
+            <a:spLocks noGrp="1" noRot="1" noChangeAspect="1"/>
+          </p:cNvSpPr>
+          <p:nvPr>
+            <p:ph type="sldImg"/>
+          </p:nvPr>
+        </p:nvSpPr>
+        <p:spPr/>
+      </p:sp>
+      <p:sp>
+        <p:nvSpPr>
+          <p:cNvPr id="3" name="Notes Placeholder 2"/>
+          <p:cNvSpPr>
+            <a:spLocks noGrp="1"/>
+          </p:cNvSpPr>
+          <p:nvPr>
+            <p:ph type="body" idx="1"/>
+          </p:nvPr>
+        </p:nvSpPr>
+        <p:spPr/>
+        <p:txBody>
+          <a:bodyPr/>
+          <a:lstStyle/>
+          <a:p>
+            <a:endParaRPr lang="en-CN" dirty="0"/>
+          </a:p>
+        </p:txBody>
+      </p:sp>
+      <p:sp>
+        <p:nvSpPr>
+          <p:cNvPr id="4" name="Slide Number Placeholder 3"/>
+          <p:cNvSpPr>
+            <a:spLocks noGrp="1"/>
+          </p:cNvSpPr>
+          <p:nvPr>
+            <p:ph type="sldNum" sz="quarter" idx="5"/>
+          </p:nvPr>
+        </p:nvSpPr>
+        <p:spPr/>
+        <p:txBody>
+          <a:bodyPr/>
+          <a:lstStyle/>
+          <a:p>
+            <a:fld id="{DE81D16D-322F-844F-A853-3586DEF44CF9}" type="slidenum">
+              <a:rPr lang="en-US" smtClean="0"/>
+              <a:t>20</a:t>
+            </a:fld>
+            <a:endParaRPr lang="en-US"/>
+          </a:p>
+        </p:txBody>
+      </p:sp>
+    </p:spTree>
+    <p:extLst>
+      <p:ext uri="{BB962C8B-B14F-4D97-AF65-F5344CB8AC3E}">
+        <p14:creationId xmlns:p14="http://schemas.microsoft.com/office/powerpoint/2010/main" val="1420558200"/>
+      </p:ext>
+    </p:extLst>
+  </p:cSld>
+  <p:clrMapOvr>
+    <a:masterClrMapping/>
+  </p:clrMapOvr>
+</p:notes>
+</file>
+
 <file path=ppt/slideLayouts/slideLayout1.xml><?xml version="1.0" encoding="utf-8"?>
 <p:sldLayout xmlns:a="http://schemas.openxmlformats.org/drawingml/2006/main" xmlns:r="http://schemas.openxmlformats.org/officeDocument/2006/relationships" xmlns:p="http://schemas.openxmlformats.org/presentationml/2006/main" type="title" preserve="1">
   <p:cSld name="Title Slide">
@@ -614,7 +873,7 @@
           <a:p>
             <a:fld id="{96C716C6-330E-FB4E-98B0-A511746D665E}" type="datetimeFigureOut">
               <a:rPr lang="en-US" smtClean="0"/>
-              <a:t>3/25/24</a:t>
+              <a:t>3/26/24</a:t>
             </a:fld>
             <a:endParaRPr lang="en-US"/>
           </a:p>
@@ -890,7 +1149,7 @@
           <a:p>
             <a:fld id="{96C716C6-330E-FB4E-98B0-A511746D665E}" type="datetimeFigureOut">
               <a:rPr lang="en-US" smtClean="0"/>
-              <a:t>3/25/24</a:t>
+              <a:t>3/26/24</a:t>
             </a:fld>
             <a:endParaRPr lang="en-US"/>
           </a:p>
@@ -1082,7 +1341,7 @@
           <a:p>
             <a:fld id="{96C716C6-330E-FB4E-98B0-A511746D665E}" type="datetimeFigureOut">
               <a:rPr lang="en-US" smtClean="0"/>
-              <a:t>3/25/24</a:t>
+              <a:t>3/26/24</a:t>
             </a:fld>
             <a:endParaRPr lang="en-US"/>
           </a:p>
@@ -1284,7 +1543,7 @@
           <a:p>
             <a:fld id="{96C716C6-330E-FB4E-98B0-A511746D665E}" type="datetimeFigureOut">
               <a:rPr lang="en-US" smtClean="0"/>
-              <a:t>3/25/24</a:t>
+              <a:t>3/26/24</a:t>
             </a:fld>
             <a:endParaRPr lang="en-US"/>
           </a:p>
@@ -1476,7 +1735,7 @@
           <a:p>
             <a:fld id="{96C716C6-330E-FB4E-98B0-A511746D665E}" type="datetimeFigureOut">
               <a:rPr lang="en-US" smtClean="0"/>
-              <a:t>3/25/24</a:t>
+              <a:t>3/26/24</a:t>
             </a:fld>
             <a:endParaRPr lang="en-US"/>
           </a:p>
@@ -1724,7 +1983,7 @@
           <a:p>
             <a:fld id="{96C716C6-330E-FB4E-98B0-A511746D665E}" type="datetimeFigureOut">
               <a:rPr lang="en-US" smtClean="0"/>
-              <a:t>3/25/24</a:t>
+              <a:t>3/26/24</a:t>
             </a:fld>
             <a:endParaRPr lang="en-US"/>
           </a:p>
@@ -1988,7 +2247,7 @@
           <a:p>
             <a:fld id="{96C716C6-330E-FB4E-98B0-A511746D665E}" type="datetimeFigureOut">
               <a:rPr lang="en-US" smtClean="0"/>
-              <a:t>3/25/24</a:t>
+              <a:t>3/26/24</a:t>
             </a:fld>
             <a:endParaRPr lang="en-US"/>
           </a:p>
@@ -2241,7 +2500,7 @@
           <a:p>
             <a:fld id="{96C716C6-330E-FB4E-98B0-A511746D665E}" type="datetimeFigureOut">
               <a:rPr lang="en-US" smtClean="0"/>
-              <a:t>3/25/24</a:t>
+              <a:t>3/26/24</a:t>
             </a:fld>
             <a:endParaRPr lang="en-US"/>
           </a:p>
@@ -2629,7 +2888,7 @@
           <a:p>
             <a:fld id="{96C716C6-330E-FB4E-98B0-A511746D665E}" type="datetimeFigureOut">
               <a:rPr lang="en-US" smtClean="0"/>
-              <a:t>3/25/24</a:t>
+              <a:t>3/26/24</a:t>
             </a:fld>
             <a:endParaRPr lang="en-US"/>
           </a:p>
@@ -2770,7 +3029,7 @@
           <a:p>
             <a:fld id="{96C716C6-330E-FB4E-98B0-A511746D665E}" type="datetimeFigureOut">
               <a:rPr lang="en-US" smtClean="0"/>
-              <a:t>3/25/24</a:t>
+              <a:t>3/26/24</a:t>
             </a:fld>
             <a:endParaRPr lang="en-US"/>
           </a:p>
@@ -2889,7 +3148,7 @@
           <a:p>
             <a:fld id="{96C716C6-330E-FB4E-98B0-A511746D665E}" type="datetimeFigureOut">
               <a:rPr lang="en-US" smtClean="0"/>
-              <a:t>3/25/24</a:t>
+              <a:t>3/26/24</a:t>
             </a:fld>
             <a:endParaRPr lang="en-US"/>
           </a:p>
@@ -3188,7 +3447,7 @@
           <a:p>
             <a:fld id="{96C716C6-330E-FB4E-98B0-A511746D665E}" type="datetimeFigureOut">
               <a:rPr lang="en-US" smtClean="0"/>
-              <a:t>3/25/24</a:t>
+              <a:t>3/26/24</a:t>
             </a:fld>
             <a:endParaRPr lang="en-US"/>
           </a:p>
@@ -7053,8 +7312,8 @@
         </p:nvSpPr>
         <p:spPr>
           <a:xfrm>
-            <a:off x="838200" y="2489760"/>
-            <a:ext cx="10515600" cy="1325563"/>
+            <a:off x="838200" y="193964"/>
+            <a:ext cx="10515600" cy="1153574"/>
           </a:xfrm>
         </p:spPr>
         <p:txBody>
@@ -7063,51 +7322,515 @@
           </a:bodyPr>
           <a:lstStyle/>
           <a:p>
-            <a:pPr algn="ctr"/>
-            <a:r>
-              <a:rPr lang="en-US" altLang="zh-CN" sz="8000" dirty="0">
+            <a:pPr>
+              <a:lnSpc>
+                <a:spcPct val="150000"/>
+              </a:lnSpc>
+            </a:pPr>
+            <a:r>
+              <a:rPr lang="en-US" altLang="zh-CN" sz="2400" b="1" dirty="0">
+                <a:latin typeface="Microsoft YaHei" panose="020B0503020204020204" pitchFamily="34" charset="-122"/>
+                <a:ea typeface="Microsoft YaHei" panose="020B0503020204020204" pitchFamily="34" charset="-122"/>
+              </a:rPr>
+              <a:t>NLP</a:t>
+            </a:r>
+            <a:r>
+              <a:rPr lang="zh-CN" altLang="en-US" sz="2400" b="1" dirty="0">
+                <a:latin typeface="Microsoft YaHei" panose="020B0503020204020204" pitchFamily="34" charset="-122"/>
+                <a:ea typeface="Microsoft YaHei" panose="020B0503020204020204" pitchFamily="34" charset="-122"/>
+              </a:rPr>
+              <a:t>预处理</a:t>
+            </a:r>
+            <a:br>
+              <a:rPr lang="en-US" altLang="zh-CN" sz="1800" dirty="0">
+                <a:solidFill>
+                  <a:schemeClr val="bg1">
+                    <a:lumMod val="50000"/>
+                  </a:schemeClr>
+                </a:solidFill>
+              </a:rPr>
+            </a:br>
+            <a:r>
+              <a:rPr lang="en-US" altLang="zh-CN" sz="1800" dirty="0">
+                <a:solidFill>
+                  <a:srgbClr val="0070C0"/>
+                </a:solidFill>
+                <a:latin typeface="Pristina" panose="020F0502020204030204" pitchFamily="34" charset="0"/>
+              </a:rPr>
+              <a:t>Word2Vec</a:t>
+            </a:r>
+            <a:endParaRPr lang="en-US" sz="1800" dirty="0">
+              <a:solidFill>
+                <a:srgbClr val="0070C0"/>
+              </a:solidFill>
+              <a:latin typeface="Pristina" panose="020F0502020204030204" pitchFamily="34" charset="0"/>
+              <a:cs typeface="Pristina" panose="020F0502020204030204" pitchFamily="34" charset="0"/>
+            </a:endParaRPr>
+          </a:p>
+        </p:txBody>
+      </p:sp>
+      <p:sp>
+        <p:nvSpPr>
+          <p:cNvPr id="7" name="Content Placeholder 6"/>
+          <p:cNvSpPr>
+            <a:spLocks noGrp="1"/>
+          </p:cNvSpPr>
+          <p:nvPr>
+            <p:ph idx="1"/>
+          </p:nvPr>
+        </p:nvSpPr>
+        <p:spPr>
+          <a:xfrm>
+            <a:off x="838200" y="1472665"/>
+            <a:ext cx="10515600" cy="4704298"/>
+          </a:xfrm>
+        </p:spPr>
+        <p:txBody>
+          <a:bodyPr>
+            <a:normAutofit/>
+          </a:bodyPr>
+          <a:lstStyle/>
+          <a:p>
+            <a:pPr>
+              <a:lnSpc>
+                <a:spcPct val="150000"/>
+              </a:lnSpc>
+            </a:pPr>
+            <a:r>
+              <a:rPr lang="en-US" altLang="zh-CN" sz="2000" dirty="0">
+                <a:solidFill>
+                  <a:schemeClr val="bg2">
+                    <a:lumMod val="25000"/>
+                  </a:schemeClr>
+                </a:solidFill>
+              </a:rPr>
+              <a:t>Word2Vec</a:t>
+            </a:r>
+            <a:br>
+              <a:rPr lang="en-US" altLang="zh-CN" sz="2000" dirty="0">
+                <a:solidFill>
+                  <a:schemeClr val="bg2">
+                    <a:lumMod val="25000"/>
+                  </a:schemeClr>
+                </a:solidFill>
+              </a:rPr>
+            </a:br>
+            <a:r>
+              <a:rPr lang="en-US" altLang="zh-CN" sz="1800" dirty="0">
+                <a:solidFill>
+                  <a:schemeClr val="bg2">
+                    <a:lumMod val="25000"/>
+                  </a:schemeClr>
+                </a:solidFill>
+              </a:rPr>
+              <a:t>Word2Vec</a:t>
+            </a:r>
+            <a:r>
+              <a:rPr lang="zh-CN" altLang="en-US" sz="1800" dirty="0">
+                <a:solidFill>
+                  <a:schemeClr val="bg2">
+                    <a:lumMod val="25000"/>
+                  </a:schemeClr>
+                </a:solidFill>
+              </a:rPr>
+              <a:t> 是一个用于学习的词嵌入模型库，可以从大量数据集中学习</a:t>
+            </a:r>
+            <a:r>
+              <a:rPr lang="zh-CN" altLang="en-US" sz="1800" dirty="0">
+                <a:solidFill>
+                  <a:schemeClr val="accent2"/>
+                </a:solidFill>
+              </a:rPr>
+              <a:t>词</a:t>
+            </a:r>
+            <a:r>
+              <a:rPr lang="zh-CN" altLang="en-US" sz="1800" dirty="0">
+                <a:solidFill>
+                  <a:schemeClr val="bg2">
+                    <a:lumMod val="25000"/>
+                  </a:schemeClr>
+                </a:solidFill>
+              </a:rPr>
+              <a:t>的向量表示，这些表示对之后的自然语言处理任务十分有用。</a:t>
+            </a:r>
+            <a:endParaRPr lang="en-US" altLang="zh-CN" sz="1800" dirty="0">
+              <a:solidFill>
+                <a:schemeClr val="bg2">
+                  <a:lumMod val="25000"/>
+                </a:schemeClr>
+              </a:solidFill>
+            </a:endParaRPr>
+          </a:p>
+          <a:p>
+            <a:pPr>
+              <a:lnSpc>
+                <a:spcPct val="150000"/>
+              </a:lnSpc>
+            </a:pPr>
+            <a:r>
+              <a:rPr lang="en-US" altLang="zh-CN" sz="2000" dirty="0">
+                <a:solidFill>
+                  <a:schemeClr val="bg2">
+                    <a:lumMod val="25000"/>
+                  </a:schemeClr>
+                </a:solidFill>
+              </a:rPr>
+              <a:t>Word2Vec</a:t>
+            </a:r>
+            <a:r>
+              <a:rPr lang="zh-CN" altLang="en-US" sz="2000" dirty="0">
+                <a:solidFill>
+                  <a:schemeClr val="bg2">
+                    <a:lumMod val="25000"/>
+                  </a:schemeClr>
+                </a:solidFill>
+              </a:rPr>
+              <a:t>特征</a:t>
+            </a:r>
+            <a:endParaRPr lang="en-US" altLang="zh-CN" sz="2000" dirty="0">
+              <a:solidFill>
+                <a:schemeClr val="bg2">
+                  <a:lumMod val="25000"/>
+                </a:schemeClr>
+              </a:solidFill>
+            </a:endParaRPr>
+          </a:p>
+          <a:p>
+            <a:pPr lvl="1">
+              <a:lnSpc>
+                <a:spcPct val="150000"/>
+              </a:lnSpc>
+            </a:pPr>
+            <a:r>
+              <a:rPr lang="en-US" altLang="zh-CN" sz="1800" dirty="0">
+                <a:solidFill>
+                  <a:schemeClr val="bg2">
+                    <a:lumMod val="25000"/>
+                  </a:schemeClr>
+                </a:solidFill>
+              </a:rPr>
+              <a:t>Skip-Gram</a:t>
+            </a:r>
+            <a:r>
+              <a:rPr lang="zh-CN" altLang="en-US" sz="1800" dirty="0">
+                <a:solidFill>
+                  <a:schemeClr val="bg2">
+                    <a:lumMod val="25000"/>
+                  </a:schemeClr>
+                </a:solidFill>
+              </a:rPr>
+              <a:t> </a:t>
+            </a:r>
+            <a:r>
+              <a:rPr lang="en-US" altLang="zh-CN" sz="1800" dirty="0">
+                <a:solidFill>
+                  <a:schemeClr val="bg2">
+                    <a:lumMod val="25000"/>
+                  </a:schemeClr>
+                </a:solidFill>
+              </a:rPr>
+              <a:t>/</a:t>
+            </a:r>
+            <a:r>
+              <a:rPr lang="zh-CN" altLang="en-US" sz="1800" dirty="0">
+                <a:solidFill>
+                  <a:schemeClr val="bg2">
+                    <a:lumMod val="25000"/>
+                  </a:schemeClr>
+                </a:solidFill>
+              </a:rPr>
+              <a:t> </a:t>
+            </a:r>
+            <a:r>
+              <a:rPr lang="en-US" altLang="zh-CN" sz="1800" dirty="0">
+                <a:solidFill>
+                  <a:schemeClr val="bg2">
+                    <a:lumMod val="25000"/>
+                  </a:schemeClr>
+                </a:solidFill>
+              </a:rPr>
+              <a:t>CBOW</a:t>
+            </a:r>
+            <a:r>
+              <a:rPr lang="zh-CN" altLang="en-US" sz="1800" dirty="0">
+                <a:solidFill>
+                  <a:schemeClr val="bg2">
+                    <a:lumMod val="25000"/>
+                  </a:schemeClr>
+                </a:solidFill>
+              </a:rPr>
+              <a:t> 模型</a:t>
+            </a:r>
+            <a:endParaRPr lang="en-US" altLang="zh-CN" sz="1800" dirty="0">
+              <a:solidFill>
+                <a:schemeClr val="bg2">
+                  <a:lumMod val="25000"/>
+                </a:schemeClr>
+              </a:solidFill>
+            </a:endParaRPr>
+          </a:p>
+          <a:p>
+            <a:pPr lvl="1">
+              <a:lnSpc>
+                <a:spcPct val="150000"/>
+              </a:lnSpc>
+            </a:pPr>
+            <a:r>
+              <a:rPr lang="zh-CN" altLang="en-US" sz="1800" dirty="0">
+                <a:solidFill>
+                  <a:schemeClr val="bg2">
+                    <a:lumMod val="25000"/>
+                  </a:schemeClr>
+                </a:solidFill>
+              </a:rPr>
+              <a:t>负采样和层次化 </a:t>
+            </a:r>
+            <a:r>
+              <a:rPr lang="en-US" altLang="zh-CN" sz="1800" dirty="0" err="1">
+                <a:solidFill>
+                  <a:schemeClr val="bg2">
+                    <a:lumMod val="25000"/>
+                  </a:schemeClr>
+                </a:solidFill>
+              </a:rPr>
+              <a:t>softmax</a:t>
+            </a:r>
+            <a:endParaRPr lang="en-US" altLang="zh-CN" sz="1800" dirty="0">
+              <a:solidFill>
+                <a:schemeClr val="bg2">
+                  <a:lumMod val="25000"/>
+                </a:schemeClr>
+              </a:solidFill>
+            </a:endParaRPr>
+          </a:p>
+          <a:p>
+            <a:pPr lvl="1">
+              <a:lnSpc>
+                <a:spcPct val="150000"/>
+              </a:lnSpc>
+            </a:pPr>
+            <a:r>
+              <a:rPr lang="zh-CN" altLang="en-US" sz="1800" dirty="0">
+                <a:solidFill>
+                  <a:schemeClr val="bg2">
+                    <a:lumMod val="25000"/>
+                  </a:schemeClr>
+                </a:solidFill>
+              </a:rPr>
+              <a:t>向量表示</a:t>
+            </a:r>
+            <a:endParaRPr lang="en-US" altLang="zh-CN" sz="1800" dirty="0">
+              <a:solidFill>
+                <a:schemeClr val="bg2">
+                  <a:lumMod val="25000"/>
+                </a:schemeClr>
+              </a:solidFill>
+            </a:endParaRPr>
+          </a:p>
+        </p:txBody>
+      </p:sp>
+      <p:sp>
+        <p:nvSpPr>
+          <p:cNvPr id="5" name="Content Placeholder 6">
+            <a:extLst>
+              <a:ext uri="{FF2B5EF4-FFF2-40B4-BE49-F238E27FC236}">
+                <a16:creationId xmlns:a16="http://schemas.microsoft.com/office/drawing/2014/main" id="{5B912217-D3EA-7142-89E0-BA2CB0D6F175}"/>
+              </a:ext>
+            </a:extLst>
+          </p:cNvPr>
+          <p:cNvSpPr txBox="1">
+            <a:spLocks/>
+          </p:cNvSpPr>
+          <p:nvPr/>
+        </p:nvSpPr>
+        <p:spPr>
+          <a:xfrm>
+            <a:off x="6843386" y="2956141"/>
+            <a:ext cx="4662814" cy="1728593"/>
+          </a:xfrm>
+          <a:prstGeom prst="rect">
+            <a:avLst/>
+          </a:prstGeom>
+        </p:spPr>
+        <p:txBody>
+          <a:bodyPr vert="horz" lIns="91440" tIns="45720" rIns="91440" bIns="45720" rtlCol="0">
+            <a:normAutofit/>
+          </a:bodyPr>
+          <a:lstStyle>
+            <a:lvl1pPr marL="228600" indent="-228600" algn="l" defTabSz="914400" rtl="0" eaLnBrk="1" latinLnBrk="0" hangingPunct="1">
+              <a:lnSpc>
+                <a:spcPct val="90000"/>
+              </a:lnSpc>
+              <a:spcBef>
+                <a:spcPts val="1000"/>
+              </a:spcBef>
+              <a:buFont typeface="Arial"/>
+              <a:buChar char="•"/>
+              <a:defRPr sz="2800" kern="1200">
+                <a:solidFill>
+                  <a:schemeClr val="tx1"/>
+                </a:solidFill>
                 <a:latin typeface="Chalkboard" charset="0"/>
                 <a:ea typeface="Chalkboard" charset="0"/>
                 <a:cs typeface="Chalkboard" charset="0"/>
-              </a:rPr>
-              <a:t>Q</a:t>
-            </a:r>
-            <a:r>
-              <a:rPr lang="zh-CN" altLang="en-US" sz="8000" dirty="0">
+              </a:defRPr>
+            </a:lvl1pPr>
+            <a:lvl2pPr marL="685800" indent="-228600" algn="l" defTabSz="914400" rtl="0" eaLnBrk="1" latinLnBrk="0" hangingPunct="1">
+              <a:lnSpc>
+                <a:spcPct val="90000"/>
+              </a:lnSpc>
+              <a:spcBef>
+                <a:spcPts val="500"/>
+              </a:spcBef>
+              <a:buFont typeface="Arial"/>
+              <a:buChar char="•"/>
+              <a:defRPr sz="2400" kern="1200">
+                <a:solidFill>
+                  <a:schemeClr val="tx1"/>
+                </a:solidFill>
                 <a:latin typeface="Chalkboard" charset="0"/>
                 <a:ea typeface="Chalkboard" charset="0"/>
                 <a:cs typeface="Chalkboard" charset="0"/>
-              </a:rPr>
-              <a:t> </a:t>
-            </a:r>
-            <a:r>
-              <a:rPr lang="en-US" altLang="zh-CN" sz="8000" dirty="0">
+              </a:defRPr>
+            </a:lvl2pPr>
+            <a:lvl3pPr marL="1143000" indent="-228600" algn="l" defTabSz="914400" rtl="0" eaLnBrk="1" latinLnBrk="0" hangingPunct="1">
+              <a:lnSpc>
+                <a:spcPct val="90000"/>
+              </a:lnSpc>
+              <a:spcBef>
+                <a:spcPts val="500"/>
+              </a:spcBef>
+              <a:buFont typeface="Arial"/>
+              <a:buChar char="•"/>
+              <a:defRPr sz="2000" kern="1200">
+                <a:solidFill>
+                  <a:schemeClr val="tx1"/>
+                </a:solidFill>
                 <a:latin typeface="Chalkboard" charset="0"/>
                 <a:ea typeface="Chalkboard" charset="0"/>
                 <a:cs typeface="Chalkboard" charset="0"/>
-              </a:rPr>
-              <a:t>&amp;</a:t>
-            </a:r>
-            <a:r>
-              <a:rPr lang="zh-CN" altLang="en-US" sz="8000" dirty="0">
+              </a:defRPr>
+            </a:lvl3pPr>
+            <a:lvl4pPr marL="1600200" indent="-228600" algn="l" defTabSz="914400" rtl="0" eaLnBrk="1" latinLnBrk="0" hangingPunct="1">
+              <a:lnSpc>
+                <a:spcPct val="90000"/>
+              </a:lnSpc>
+              <a:spcBef>
+                <a:spcPts val="500"/>
+              </a:spcBef>
+              <a:buFont typeface="Arial"/>
+              <a:buChar char="•"/>
+              <a:defRPr sz="1800" kern="1200">
+                <a:solidFill>
+                  <a:schemeClr val="tx1"/>
+                </a:solidFill>
                 <a:latin typeface="Chalkboard" charset="0"/>
                 <a:ea typeface="Chalkboard" charset="0"/>
                 <a:cs typeface="Chalkboard" charset="0"/>
-              </a:rPr>
-              <a:t> </a:t>
-            </a:r>
-            <a:r>
-              <a:rPr lang="en-US" altLang="zh-CN" sz="8000" dirty="0">
+              </a:defRPr>
+            </a:lvl4pPr>
+            <a:lvl5pPr marL="2057400" indent="-228600" algn="l" defTabSz="914400" rtl="0" eaLnBrk="1" latinLnBrk="0" hangingPunct="1">
+              <a:lnSpc>
+                <a:spcPct val="90000"/>
+              </a:lnSpc>
+              <a:spcBef>
+                <a:spcPts val="500"/>
+              </a:spcBef>
+              <a:buFont typeface="Arial"/>
+              <a:buChar char="•"/>
+              <a:defRPr sz="1800" kern="1200">
+                <a:solidFill>
+                  <a:schemeClr val="tx1"/>
+                </a:solidFill>
                 <a:latin typeface="Chalkboard" charset="0"/>
                 <a:ea typeface="Chalkboard" charset="0"/>
                 <a:cs typeface="Chalkboard" charset="0"/>
-              </a:rPr>
-              <a:t>A</a:t>
-            </a:r>
-            <a:endParaRPr lang="en-US" sz="8000" dirty="0">
-              <a:latin typeface="Chalkboard" charset="0"/>
-              <a:ea typeface="Chalkboard" charset="0"/>
-              <a:cs typeface="Chalkboard" charset="0"/>
+              </a:defRPr>
+            </a:lvl5pPr>
+            <a:lvl6pPr marL="2514600" indent="-228600" algn="l" defTabSz="914400" rtl="0" eaLnBrk="1" latinLnBrk="0" hangingPunct="1">
+              <a:lnSpc>
+                <a:spcPct val="90000"/>
+              </a:lnSpc>
+              <a:spcBef>
+                <a:spcPts val="500"/>
+              </a:spcBef>
+              <a:buFont typeface="Arial"/>
+              <a:buChar char="•"/>
+              <a:defRPr sz="1800" kern="1200">
+                <a:solidFill>
+                  <a:schemeClr val="tx1"/>
+                </a:solidFill>
+                <a:latin typeface="+mn-lt"/>
+                <a:ea typeface="+mn-ea"/>
+                <a:cs typeface="+mn-cs"/>
+              </a:defRPr>
+            </a:lvl6pPr>
+            <a:lvl7pPr marL="2971800" indent="-228600" algn="l" defTabSz="914400" rtl="0" eaLnBrk="1" latinLnBrk="0" hangingPunct="1">
+              <a:lnSpc>
+                <a:spcPct val="90000"/>
+              </a:lnSpc>
+              <a:spcBef>
+                <a:spcPts val="500"/>
+              </a:spcBef>
+              <a:buFont typeface="Arial"/>
+              <a:buChar char="•"/>
+              <a:defRPr sz="1800" kern="1200">
+                <a:solidFill>
+                  <a:schemeClr val="tx1"/>
+                </a:solidFill>
+                <a:latin typeface="+mn-lt"/>
+                <a:ea typeface="+mn-ea"/>
+                <a:cs typeface="+mn-cs"/>
+              </a:defRPr>
+            </a:lvl7pPr>
+            <a:lvl8pPr marL="3429000" indent="-228600" algn="l" defTabSz="914400" rtl="0" eaLnBrk="1" latinLnBrk="0" hangingPunct="1">
+              <a:lnSpc>
+                <a:spcPct val="90000"/>
+              </a:lnSpc>
+              <a:spcBef>
+                <a:spcPts val="500"/>
+              </a:spcBef>
+              <a:buFont typeface="Arial"/>
+              <a:buChar char="•"/>
+              <a:defRPr sz="1800" kern="1200">
+                <a:solidFill>
+                  <a:schemeClr val="tx1"/>
+                </a:solidFill>
+                <a:latin typeface="+mn-lt"/>
+                <a:ea typeface="+mn-ea"/>
+                <a:cs typeface="+mn-cs"/>
+              </a:defRPr>
+            </a:lvl8pPr>
+            <a:lvl9pPr marL="3886200" indent="-228600" algn="l" defTabSz="914400" rtl="0" eaLnBrk="1" latinLnBrk="0" hangingPunct="1">
+              <a:lnSpc>
+                <a:spcPct val="90000"/>
+              </a:lnSpc>
+              <a:spcBef>
+                <a:spcPts val="500"/>
+              </a:spcBef>
+              <a:buFont typeface="Arial"/>
+              <a:buChar char="•"/>
+              <a:defRPr sz="1800" kern="1200">
+                <a:solidFill>
+                  <a:schemeClr val="tx1"/>
+                </a:solidFill>
+                <a:latin typeface="+mn-lt"/>
+                <a:ea typeface="+mn-ea"/>
+                <a:cs typeface="+mn-cs"/>
+              </a:defRPr>
+            </a:lvl9pPr>
+          </a:lstStyle>
+          <a:p>
+            <a:pPr marL="0" indent="0">
+              <a:lnSpc>
+                <a:spcPct val="100000"/>
+              </a:lnSpc>
+              <a:buNone/>
+            </a:pPr>
+            <a:endParaRPr lang="en-US" altLang="zh-CN" sz="2000" dirty="0">
+              <a:solidFill>
+                <a:srgbClr val="C00000"/>
+              </a:solidFill>
             </a:endParaRPr>
           </a:p>
         </p:txBody>
@@ -7115,7 +7838,1943 @@
     </p:spTree>
     <p:extLst>
       <p:ext uri="{BB962C8B-B14F-4D97-AF65-F5344CB8AC3E}">
-        <p14:creationId xmlns:p14="http://schemas.microsoft.com/office/powerpoint/2010/main" val="662552141"/>
+        <p14:creationId xmlns:p14="http://schemas.microsoft.com/office/powerpoint/2010/main" val="80686811"/>
+      </p:ext>
+    </p:extLst>
+  </p:cSld>
+  <p:clrMapOvr>
+    <a:masterClrMapping/>
+  </p:clrMapOvr>
+</p:sld>
+</file>
+
+<file path=ppt/slides/slide15.xml><?xml version="1.0" encoding="utf-8"?>
+<p:sld xmlns:a="http://schemas.openxmlformats.org/drawingml/2006/main" xmlns:r="http://schemas.openxmlformats.org/officeDocument/2006/relationships" xmlns:p="http://schemas.openxmlformats.org/presentationml/2006/main">
+  <p:cSld>
+    <p:spTree>
+      <p:nvGrpSpPr>
+        <p:cNvPr id="1" name=""/>
+        <p:cNvGrpSpPr/>
+        <p:nvPr/>
+      </p:nvGrpSpPr>
+      <p:grpSpPr>
+        <a:xfrm>
+          <a:off x="0" y="0"/>
+          <a:ext cx="0" cy="0"/>
+          <a:chOff x="0" y="0"/>
+          <a:chExt cx="0" cy="0"/>
+        </a:xfrm>
+      </p:grpSpPr>
+      <p:sp>
+        <p:nvSpPr>
+          <p:cNvPr id="6" name="Title 5"/>
+          <p:cNvSpPr>
+            <a:spLocks noGrp="1"/>
+          </p:cNvSpPr>
+          <p:nvPr>
+            <p:ph type="title"/>
+          </p:nvPr>
+        </p:nvSpPr>
+        <p:spPr>
+          <a:xfrm>
+            <a:off x="838200" y="193964"/>
+            <a:ext cx="10515600" cy="1153574"/>
+          </a:xfrm>
+        </p:spPr>
+        <p:txBody>
+          <a:bodyPr>
+            <a:normAutofit/>
+          </a:bodyPr>
+          <a:lstStyle/>
+          <a:p>
+            <a:pPr>
+              <a:lnSpc>
+                <a:spcPct val="150000"/>
+              </a:lnSpc>
+            </a:pPr>
+            <a:r>
+              <a:rPr lang="en-US" altLang="zh-CN" sz="2400" b="1" dirty="0">
+                <a:latin typeface="Microsoft YaHei" panose="020B0503020204020204" pitchFamily="34" charset="-122"/>
+                <a:ea typeface="Microsoft YaHei" panose="020B0503020204020204" pitchFamily="34" charset="-122"/>
+              </a:rPr>
+              <a:t>NLP</a:t>
+            </a:r>
+            <a:r>
+              <a:rPr lang="zh-CN" altLang="en-US" sz="2400" b="1" dirty="0">
+                <a:latin typeface="Microsoft YaHei" panose="020B0503020204020204" pitchFamily="34" charset="-122"/>
+                <a:ea typeface="Microsoft YaHei" panose="020B0503020204020204" pitchFamily="34" charset="-122"/>
+              </a:rPr>
+              <a:t>预处理</a:t>
+            </a:r>
+            <a:br>
+              <a:rPr lang="en-US" altLang="zh-CN" sz="1800" dirty="0">
+                <a:solidFill>
+                  <a:schemeClr val="bg1">
+                    <a:lumMod val="50000"/>
+                  </a:schemeClr>
+                </a:solidFill>
+              </a:rPr>
+            </a:br>
+            <a:r>
+              <a:rPr lang="en-US" altLang="zh-CN" sz="1800" dirty="0">
+                <a:solidFill>
+                  <a:srgbClr val="0070C0"/>
+                </a:solidFill>
+                <a:latin typeface="Pristina" panose="020F0502020204030204" pitchFamily="34" charset="0"/>
+              </a:rPr>
+              <a:t>Word2Vec</a:t>
+            </a:r>
+            <a:r>
+              <a:rPr lang="zh-CN" altLang="en-US" sz="1800" dirty="0">
+                <a:solidFill>
+                  <a:srgbClr val="0070C0"/>
+                </a:solidFill>
+                <a:latin typeface="Pristina" panose="020F0502020204030204" pitchFamily="34" charset="0"/>
+              </a:rPr>
+              <a:t> </a:t>
+            </a:r>
+            <a:r>
+              <a:rPr lang="en-US" altLang="zh-CN" sz="1800" dirty="0">
+                <a:solidFill>
+                  <a:srgbClr val="0070C0"/>
+                </a:solidFill>
+                <a:latin typeface="Pristina" panose="020F0502020204030204" pitchFamily="34" charset="0"/>
+              </a:rPr>
+              <a:t>Example</a:t>
+            </a:r>
+            <a:endParaRPr lang="en-US" sz="1800" dirty="0">
+              <a:solidFill>
+                <a:srgbClr val="0070C0"/>
+              </a:solidFill>
+              <a:latin typeface="Pristina" panose="020F0502020204030204" pitchFamily="34" charset="0"/>
+              <a:cs typeface="Pristina" panose="020F0502020204030204" pitchFamily="34" charset="0"/>
+            </a:endParaRPr>
+          </a:p>
+        </p:txBody>
+      </p:sp>
+      <p:sp>
+        <p:nvSpPr>
+          <p:cNvPr id="7" name="Content Placeholder 6"/>
+          <p:cNvSpPr>
+            <a:spLocks noGrp="1"/>
+          </p:cNvSpPr>
+          <p:nvPr>
+            <p:ph idx="1"/>
+          </p:nvPr>
+        </p:nvSpPr>
+        <p:spPr>
+          <a:xfrm>
+            <a:off x="838200" y="1472665"/>
+            <a:ext cx="10515600" cy="4704298"/>
+          </a:xfrm>
+        </p:spPr>
+        <p:txBody>
+          <a:bodyPr>
+            <a:normAutofit/>
+          </a:bodyPr>
+          <a:lstStyle/>
+          <a:p>
+            <a:pPr>
+              <a:lnSpc>
+                <a:spcPct val="150000"/>
+              </a:lnSpc>
+            </a:pPr>
+            <a:r>
+              <a:rPr lang="en-US" altLang="zh-CN" sz="2000" dirty="0">
+                <a:solidFill>
+                  <a:schemeClr val="bg2">
+                    <a:lumMod val="25000"/>
+                  </a:schemeClr>
+                </a:solidFill>
+              </a:rPr>
+              <a:t>Word2Vec</a:t>
+            </a:r>
+            <a:r>
+              <a:rPr lang="zh-CN" altLang="en-US" sz="2000" dirty="0">
+                <a:solidFill>
+                  <a:schemeClr val="bg2">
+                    <a:lumMod val="25000"/>
+                  </a:schemeClr>
+                </a:solidFill>
+              </a:rPr>
+              <a:t> 示例</a:t>
+            </a:r>
+            <a:endParaRPr lang="en-US" altLang="zh-CN" sz="2000" dirty="0">
+              <a:solidFill>
+                <a:schemeClr val="bg2">
+                  <a:lumMod val="25000"/>
+                </a:schemeClr>
+              </a:solidFill>
+            </a:endParaRPr>
+          </a:p>
+          <a:p>
+            <a:pPr lvl="1">
+              <a:lnSpc>
+                <a:spcPct val="150000"/>
+              </a:lnSpc>
+            </a:pPr>
+            <a:r>
+              <a:rPr lang="en-US" altLang="zh-CN" sz="1800" dirty="0">
+                <a:solidFill>
+                  <a:schemeClr val="bg2">
+                    <a:lumMod val="25000"/>
+                  </a:schemeClr>
+                </a:solidFill>
+              </a:rPr>
+              <a:t>.model</a:t>
+            </a:r>
+          </a:p>
+          <a:p>
+            <a:pPr lvl="1">
+              <a:lnSpc>
+                <a:spcPct val="150000"/>
+              </a:lnSpc>
+            </a:pPr>
+            <a:r>
+              <a:rPr lang="en-US" altLang="zh-CN" sz="1800" dirty="0">
+                <a:solidFill>
+                  <a:schemeClr val="bg2">
+                    <a:lumMod val="25000"/>
+                  </a:schemeClr>
+                </a:solidFill>
+              </a:rPr>
+              <a:t>.syn1neg.npy</a:t>
+            </a:r>
+          </a:p>
+          <a:p>
+            <a:pPr lvl="1">
+              <a:lnSpc>
+                <a:spcPct val="150000"/>
+              </a:lnSpc>
+            </a:pPr>
+            <a:r>
+              <a:rPr lang="en-US" altLang="zh-CN" sz="1800" dirty="0">
+                <a:solidFill>
+                  <a:schemeClr val="bg2">
+                    <a:lumMod val="25000"/>
+                  </a:schemeClr>
+                </a:solidFill>
+              </a:rPr>
+              <a:t>.</a:t>
+            </a:r>
+            <a:r>
+              <a:rPr lang="en-US" altLang="zh-CN" sz="1800" dirty="0" err="1">
+                <a:solidFill>
+                  <a:schemeClr val="bg2">
+                    <a:lumMod val="25000"/>
+                  </a:schemeClr>
+                </a:solidFill>
+              </a:rPr>
+              <a:t>wv.vectors.npy</a:t>
+            </a:r>
+            <a:endParaRPr lang="en-US" altLang="zh-CN" sz="1800" dirty="0">
+              <a:solidFill>
+                <a:schemeClr val="bg2">
+                  <a:lumMod val="25000"/>
+                </a:schemeClr>
+              </a:solidFill>
+            </a:endParaRPr>
+          </a:p>
+          <a:p>
+            <a:pPr lvl="1">
+              <a:lnSpc>
+                <a:spcPct val="150000"/>
+              </a:lnSpc>
+            </a:pPr>
+            <a:r>
+              <a:rPr lang="en-US" altLang="zh-CN" sz="1800" dirty="0">
+                <a:solidFill>
+                  <a:schemeClr val="bg2">
+                    <a:lumMod val="25000"/>
+                  </a:schemeClr>
+                </a:solidFill>
+              </a:rPr>
+              <a:t>.word2vec</a:t>
+            </a:r>
+            <a:br>
+              <a:rPr lang="en-US" altLang="zh-CN" sz="1600" dirty="0">
+                <a:solidFill>
+                  <a:schemeClr val="bg2">
+                    <a:lumMod val="25000"/>
+                  </a:schemeClr>
+                </a:solidFill>
+              </a:rPr>
+            </a:br>
+            <a:endParaRPr lang="en-US" altLang="zh-CN" sz="1400" dirty="0">
+              <a:solidFill>
+                <a:schemeClr val="bg2">
+                  <a:lumMod val="25000"/>
+                </a:schemeClr>
+              </a:solidFill>
+            </a:endParaRPr>
+          </a:p>
+        </p:txBody>
+      </p:sp>
+      <p:sp>
+        <p:nvSpPr>
+          <p:cNvPr id="5" name="Content Placeholder 6">
+            <a:extLst>
+              <a:ext uri="{FF2B5EF4-FFF2-40B4-BE49-F238E27FC236}">
+                <a16:creationId xmlns:a16="http://schemas.microsoft.com/office/drawing/2014/main" id="{5B912217-D3EA-7142-89E0-BA2CB0D6F175}"/>
+              </a:ext>
+            </a:extLst>
+          </p:cNvPr>
+          <p:cNvSpPr txBox="1">
+            <a:spLocks/>
+          </p:cNvSpPr>
+          <p:nvPr/>
+        </p:nvSpPr>
+        <p:spPr>
+          <a:xfrm>
+            <a:off x="6843386" y="2956141"/>
+            <a:ext cx="4662814" cy="1728593"/>
+          </a:xfrm>
+          <a:prstGeom prst="rect">
+            <a:avLst/>
+          </a:prstGeom>
+        </p:spPr>
+        <p:txBody>
+          <a:bodyPr vert="horz" lIns="91440" tIns="45720" rIns="91440" bIns="45720" rtlCol="0">
+            <a:normAutofit/>
+          </a:bodyPr>
+          <a:lstStyle>
+            <a:lvl1pPr marL="228600" indent="-228600" algn="l" defTabSz="914400" rtl="0" eaLnBrk="1" latinLnBrk="0" hangingPunct="1">
+              <a:lnSpc>
+                <a:spcPct val="90000"/>
+              </a:lnSpc>
+              <a:spcBef>
+                <a:spcPts val="1000"/>
+              </a:spcBef>
+              <a:buFont typeface="Arial"/>
+              <a:buChar char="•"/>
+              <a:defRPr sz="2800" kern="1200">
+                <a:solidFill>
+                  <a:schemeClr val="tx1"/>
+                </a:solidFill>
+                <a:latin typeface="Chalkboard" charset="0"/>
+                <a:ea typeface="Chalkboard" charset="0"/>
+                <a:cs typeface="Chalkboard" charset="0"/>
+              </a:defRPr>
+            </a:lvl1pPr>
+            <a:lvl2pPr marL="685800" indent="-228600" algn="l" defTabSz="914400" rtl="0" eaLnBrk="1" latinLnBrk="0" hangingPunct="1">
+              <a:lnSpc>
+                <a:spcPct val="90000"/>
+              </a:lnSpc>
+              <a:spcBef>
+                <a:spcPts val="500"/>
+              </a:spcBef>
+              <a:buFont typeface="Arial"/>
+              <a:buChar char="•"/>
+              <a:defRPr sz="2400" kern="1200">
+                <a:solidFill>
+                  <a:schemeClr val="tx1"/>
+                </a:solidFill>
+                <a:latin typeface="Chalkboard" charset="0"/>
+                <a:ea typeface="Chalkboard" charset="0"/>
+                <a:cs typeface="Chalkboard" charset="0"/>
+              </a:defRPr>
+            </a:lvl2pPr>
+            <a:lvl3pPr marL="1143000" indent="-228600" algn="l" defTabSz="914400" rtl="0" eaLnBrk="1" latinLnBrk="0" hangingPunct="1">
+              <a:lnSpc>
+                <a:spcPct val="90000"/>
+              </a:lnSpc>
+              <a:spcBef>
+                <a:spcPts val="500"/>
+              </a:spcBef>
+              <a:buFont typeface="Arial"/>
+              <a:buChar char="•"/>
+              <a:defRPr sz="2000" kern="1200">
+                <a:solidFill>
+                  <a:schemeClr val="tx1"/>
+                </a:solidFill>
+                <a:latin typeface="Chalkboard" charset="0"/>
+                <a:ea typeface="Chalkboard" charset="0"/>
+                <a:cs typeface="Chalkboard" charset="0"/>
+              </a:defRPr>
+            </a:lvl3pPr>
+            <a:lvl4pPr marL="1600200" indent="-228600" algn="l" defTabSz="914400" rtl="0" eaLnBrk="1" latinLnBrk="0" hangingPunct="1">
+              <a:lnSpc>
+                <a:spcPct val="90000"/>
+              </a:lnSpc>
+              <a:spcBef>
+                <a:spcPts val="500"/>
+              </a:spcBef>
+              <a:buFont typeface="Arial"/>
+              <a:buChar char="•"/>
+              <a:defRPr sz="1800" kern="1200">
+                <a:solidFill>
+                  <a:schemeClr val="tx1"/>
+                </a:solidFill>
+                <a:latin typeface="Chalkboard" charset="0"/>
+                <a:ea typeface="Chalkboard" charset="0"/>
+                <a:cs typeface="Chalkboard" charset="0"/>
+              </a:defRPr>
+            </a:lvl4pPr>
+            <a:lvl5pPr marL="2057400" indent="-228600" algn="l" defTabSz="914400" rtl="0" eaLnBrk="1" latinLnBrk="0" hangingPunct="1">
+              <a:lnSpc>
+                <a:spcPct val="90000"/>
+              </a:lnSpc>
+              <a:spcBef>
+                <a:spcPts val="500"/>
+              </a:spcBef>
+              <a:buFont typeface="Arial"/>
+              <a:buChar char="•"/>
+              <a:defRPr sz="1800" kern="1200">
+                <a:solidFill>
+                  <a:schemeClr val="tx1"/>
+                </a:solidFill>
+                <a:latin typeface="Chalkboard" charset="0"/>
+                <a:ea typeface="Chalkboard" charset="0"/>
+                <a:cs typeface="Chalkboard" charset="0"/>
+              </a:defRPr>
+            </a:lvl5pPr>
+            <a:lvl6pPr marL="2514600" indent="-228600" algn="l" defTabSz="914400" rtl="0" eaLnBrk="1" latinLnBrk="0" hangingPunct="1">
+              <a:lnSpc>
+                <a:spcPct val="90000"/>
+              </a:lnSpc>
+              <a:spcBef>
+                <a:spcPts val="500"/>
+              </a:spcBef>
+              <a:buFont typeface="Arial"/>
+              <a:buChar char="•"/>
+              <a:defRPr sz="1800" kern="1200">
+                <a:solidFill>
+                  <a:schemeClr val="tx1"/>
+                </a:solidFill>
+                <a:latin typeface="+mn-lt"/>
+                <a:ea typeface="+mn-ea"/>
+                <a:cs typeface="+mn-cs"/>
+              </a:defRPr>
+            </a:lvl6pPr>
+            <a:lvl7pPr marL="2971800" indent="-228600" algn="l" defTabSz="914400" rtl="0" eaLnBrk="1" latinLnBrk="0" hangingPunct="1">
+              <a:lnSpc>
+                <a:spcPct val="90000"/>
+              </a:lnSpc>
+              <a:spcBef>
+                <a:spcPts val="500"/>
+              </a:spcBef>
+              <a:buFont typeface="Arial"/>
+              <a:buChar char="•"/>
+              <a:defRPr sz="1800" kern="1200">
+                <a:solidFill>
+                  <a:schemeClr val="tx1"/>
+                </a:solidFill>
+                <a:latin typeface="+mn-lt"/>
+                <a:ea typeface="+mn-ea"/>
+                <a:cs typeface="+mn-cs"/>
+              </a:defRPr>
+            </a:lvl7pPr>
+            <a:lvl8pPr marL="3429000" indent="-228600" algn="l" defTabSz="914400" rtl="0" eaLnBrk="1" latinLnBrk="0" hangingPunct="1">
+              <a:lnSpc>
+                <a:spcPct val="90000"/>
+              </a:lnSpc>
+              <a:spcBef>
+                <a:spcPts val="500"/>
+              </a:spcBef>
+              <a:buFont typeface="Arial"/>
+              <a:buChar char="•"/>
+              <a:defRPr sz="1800" kern="1200">
+                <a:solidFill>
+                  <a:schemeClr val="tx1"/>
+                </a:solidFill>
+                <a:latin typeface="+mn-lt"/>
+                <a:ea typeface="+mn-ea"/>
+                <a:cs typeface="+mn-cs"/>
+              </a:defRPr>
+            </a:lvl8pPr>
+            <a:lvl9pPr marL="3886200" indent="-228600" algn="l" defTabSz="914400" rtl="0" eaLnBrk="1" latinLnBrk="0" hangingPunct="1">
+              <a:lnSpc>
+                <a:spcPct val="90000"/>
+              </a:lnSpc>
+              <a:spcBef>
+                <a:spcPts val="500"/>
+              </a:spcBef>
+              <a:buFont typeface="Arial"/>
+              <a:buChar char="•"/>
+              <a:defRPr sz="1800" kern="1200">
+                <a:solidFill>
+                  <a:schemeClr val="tx1"/>
+                </a:solidFill>
+                <a:latin typeface="+mn-lt"/>
+                <a:ea typeface="+mn-ea"/>
+                <a:cs typeface="+mn-cs"/>
+              </a:defRPr>
+            </a:lvl9pPr>
+          </a:lstStyle>
+          <a:p>
+            <a:pPr marL="0" indent="0">
+              <a:lnSpc>
+                <a:spcPct val="100000"/>
+              </a:lnSpc>
+              <a:buNone/>
+            </a:pPr>
+            <a:endParaRPr lang="en-US" altLang="zh-CN" sz="2000" dirty="0">
+              <a:solidFill>
+                <a:srgbClr val="C00000"/>
+              </a:solidFill>
+            </a:endParaRPr>
+          </a:p>
+        </p:txBody>
+      </p:sp>
+      <p:pic>
+        <p:nvPicPr>
+          <p:cNvPr id="3" name="Picture 2">
+            <a:extLst>
+              <a:ext uri="{FF2B5EF4-FFF2-40B4-BE49-F238E27FC236}">
+                <a16:creationId xmlns:a16="http://schemas.microsoft.com/office/drawing/2014/main" id="{10E4AA8E-72A3-3BAB-CB1D-C7BBF3BB237F}"/>
+              </a:ext>
+            </a:extLst>
+          </p:cNvPr>
+          <p:cNvPicPr>
+            <a:picLocks noChangeAspect="1"/>
+          </p:cNvPicPr>
+          <p:nvPr/>
+        </p:nvPicPr>
+        <p:blipFill>
+          <a:blip r:embed="rId2"/>
+          <a:stretch>
+            <a:fillRect/>
+          </a:stretch>
+        </p:blipFill>
+        <p:spPr>
+          <a:xfrm>
+            <a:off x="5192486" y="1346135"/>
+            <a:ext cx="6656614" cy="4553418"/>
+          </a:xfrm>
+          <a:prstGeom prst="rect">
+            <a:avLst/>
+          </a:prstGeom>
+        </p:spPr>
+      </p:pic>
+      <p:pic>
+        <p:nvPicPr>
+          <p:cNvPr id="8" name="Picture 7">
+            <a:extLst>
+              <a:ext uri="{FF2B5EF4-FFF2-40B4-BE49-F238E27FC236}">
+                <a16:creationId xmlns:a16="http://schemas.microsoft.com/office/drawing/2014/main" id="{4D874A60-17C7-FA2A-5874-F975EA5D53D9}"/>
+              </a:ext>
+            </a:extLst>
+          </p:cNvPr>
+          <p:cNvPicPr>
+            <a:picLocks noChangeAspect="1"/>
+          </p:cNvPicPr>
+          <p:nvPr/>
+        </p:nvPicPr>
+        <p:blipFill>
+          <a:blip r:embed="rId3"/>
+          <a:stretch>
+            <a:fillRect/>
+          </a:stretch>
+        </p:blipFill>
+        <p:spPr>
+          <a:xfrm>
+            <a:off x="838200" y="4019953"/>
+            <a:ext cx="3822700" cy="1879600"/>
+          </a:xfrm>
+          <a:prstGeom prst="rect">
+            <a:avLst/>
+          </a:prstGeom>
+        </p:spPr>
+      </p:pic>
+    </p:spTree>
+    <p:extLst>
+      <p:ext uri="{BB962C8B-B14F-4D97-AF65-F5344CB8AC3E}">
+        <p14:creationId xmlns:p14="http://schemas.microsoft.com/office/powerpoint/2010/main" val="2063075169"/>
+      </p:ext>
+    </p:extLst>
+  </p:cSld>
+  <p:clrMapOvr>
+    <a:masterClrMapping/>
+  </p:clrMapOvr>
+</p:sld>
+</file>
+
+<file path=ppt/slides/slide16.xml><?xml version="1.0" encoding="utf-8"?>
+<p:sld xmlns:a="http://schemas.openxmlformats.org/drawingml/2006/main" xmlns:r="http://schemas.openxmlformats.org/officeDocument/2006/relationships" xmlns:p="http://schemas.openxmlformats.org/presentationml/2006/main">
+  <p:cSld>
+    <p:spTree>
+      <p:nvGrpSpPr>
+        <p:cNvPr id="1" name=""/>
+        <p:cNvGrpSpPr/>
+        <p:nvPr/>
+      </p:nvGrpSpPr>
+      <p:grpSpPr>
+        <a:xfrm>
+          <a:off x="0" y="0"/>
+          <a:ext cx="0" cy="0"/>
+          <a:chOff x="0" y="0"/>
+          <a:chExt cx="0" cy="0"/>
+        </a:xfrm>
+      </p:grpSpPr>
+      <p:sp>
+        <p:nvSpPr>
+          <p:cNvPr id="6" name="Title 5"/>
+          <p:cNvSpPr>
+            <a:spLocks noGrp="1"/>
+          </p:cNvSpPr>
+          <p:nvPr>
+            <p:ph type="title"/>
+          </p:nvPr>
+        </p:nvSpPr>
+        <p:spPr>
+          <a:xfrm>
+            <a:off x="838200" y="193964"/>
+            <a:ext cx="10515600" cy="1153574"/>
+          </a:xfrm>
+        </p:spPr>
+        <p:txBody>
+          <a:bodyPr>
+            <a:normAutofit/>
+          </a:bodyPr>
+          <a:lstStyle/>
+          <a:p>
+            <a:pPr>
+              <a:lnSpc>
+                <a:spcPct val="150000"/>
+              </a:lnSpc>
+            </a:pPr>
+            <a:r>
+              <a:rPr lang="en-US" altLang="zh-CN" sz="2400" b="1" dirty="0">
+                <a:latin typeface="Microsoft YaHei" panose="020B0503020204020204" pitchFamily="34" charset="-122"/>
+                <a:ea typeface="Microsoft YaHei" panose="020B0503020204020204" pitchFamily="34" charset="-122"/>
+              </a:rPr>
+              <a:t>NLP</a:t>
+            </a:r>
+            <a:r>
+              <a:rPr lang="zh-CN" altLang="en-US" sz="2400" b="1" dirty="0">
+                <a:latin typeface="Microsoft YaHei" panose="020B0503020204020204" pitchFamily="34" charset="-122"/>
+                <a:ea typeface="Microsoft YaHei" panose="020B0503020204020204" pitchFamily="34" charset="-122"/>
+              </a:rPr>
+              <a:t>预处理</a:t>
+            </a:r>
+            <a:br>
+              <a:rPr lang="en-US" altLang="zh-CN" sz="1800" dirty="0">
+                <a:solidFill>
+                  <a:schemeClr val="bg1">
+                    <a:lumMod val="50000"/>
+                  </a:schemeClr>
+                </a:solidFill>
+              </a:rPr>
+            </a:br>
+            <a:r>
+              <a:rPr lang="en-US" altLang="zh-CN" sz="1800" dirty="0">
+                <a:solidFill>
+                  <a:srgbClr val="0070C0"/>
+                </a:solidFill>
+                <a:latin typeface="Pristina" panose="020F0502020204030204" pitchFamily="34" charset="0"/>
+              </a:rPr>
+              <a:t>Word2Vec</a:t>
+            </a:r>
+            <a:r>
+              <a:rPr lang="zh-CN" altLang="en-US" sz="1800" dirty="0">
+                <a:solidFill>
+                  <a:srgbClr val="0070C0"/>
+                </a:solidFill>
+                <a:latin typeface="Pristina" panose="020F0502020204030204" pitchFamily="34" charset="0"/>
+              </a:rPr>
+              <a:t> </a:t>
+            </a:r>
+            <a:r>
+              <a:rPr lang="en-US" altLang="zh-CN" sz="1800" dirty="0">
+                <a:solidFill>
+                  <a:srgbClr val="0070C0"/>
+                </a:solidFill>
+                <a:latin typeface="Pristina" panose="020F0502020204030204" pitchFamily="34" charset="0"/>
+              </a:rPr>
+              <a:t>Output</a:t>
+            </a:r>
+            <a:endParaRPr lang="en-US" sz="1800" dirty="0">
+              <a:solidFill>
+                <a:srgbClr val="0070C0"/>
+              </a:solidFill>
+              <a:latin typeface="Pristina" panose="020F0502020204030204" pitchFamily="34" charset="0"/>
+              <a:cs typeface="Pristina" panose="020F0502020204030204" pitchFamily="34" charset="0"/>
+            </a:endParaRPr>
+          </a:p>
+        </p:txBody>
+      </p:sp>
+      <p:sp>
+        <p:nvSpPr>
+          <p:cNvPr id="7" name="Content Placeholder 6"/>
+          <p:cNvSpPr>
+            <a:spLocks noGrp="1"/>
+          </p:cNvSpPr>
+          <p:nvPr>
+            <p:ph idx="1"/>
+          </p:nvPr>
+        </p:nvSpPr>
+        <p:spPr>
+          <a:xfrm>
+            <a:off x="838200" y="1472665"/>
+            <a:ext cx="10515600" cy="4704298"/>
+          </a:xfrm>
+        </p:spPr>
+        <p:txBody>
+          <a:bodyPr>
+            <a:normAutofit/>
+          </a:bodyPr>
+          <a:lstStyle/>
+          <a:p>
+            <a:pPr>
+              <a:lnSpc>
+                <a:spcPct val="150000"/>
+              </a:lnSpc>
+            </a:pPr>
+            <a:r>
+              <a:rPr lang="en-US" altLang="zh-CN" sz="2000" dirty="0">
+                <a:solidFill>
+                  <a:schemeClr val="bg2">
+                    <a:lumMod val="25000"/>
+                  </a:schemeClr>
+                </a:solidFill>
+              </a:rPr>
+              <a:t>Word2Vec</a:t>
+            </a:r>
+            <a:r>
+              <a:rPr lang="zh-CN" altLang="en-US" sz="2000" dirty="0">
+                <a:solidFill>
+                  <a:schemeClr val="bg2">
+                    <a:lumMod val="25000"/>
+                  </a:schemeClr>
+                </a:solidFill>
+              </a:rPr>
+              <a:t> 中间文件</a:t>
+            </a:r>
+            <a:br>
+              <a:rPr lang="en-US" altLang="zh-CN" sz="2000" dirty="0">
+                <a:solidFill>
+                  <a:schemeClr val="bg2">
+                    <a:lumMod val="25000"/>
+                  </a:schemeClr>
+                </a:solidFill>
+              </a:rPr>
+            </a:br>
+            <a:r>
+              <a:rPr lang="en-US" altLang="zh-CN" sz="1800" dirty="0">
+                <a:solidFill>
+                  <a:schemeClr val="bg2">
+                    <a:lumMod val="25000"/>
+                  </a:schemeClr>
+                </a:solidFill>
+              </a:rPr>
+              <a:t>Word2Vec</a:t>
+            </a:r>
+            <a:r>
+              <a:rPr lang="zh-CN" altLang="en-US" sz="1800" dirty="0">
+                <a:solidFill>
+                  <a:schemeClr val="bg2">
+                    <a:lumMod val="25000"/>
+                  </a:schemeClr>
+                </a:solidFill>
+              </a:rPr>
+              <a:t> 模型在处理文本过程中会生成几个特殊的中间文件，这些中间文件的含义如下：</a:t>
+            </a:r>
+            <a:endParaRPr lang="en-US" altLang="zh-CN" sz="1800" dirty="0">
+              <a:solidFill>
+                <a:schemeClr val="bg2">
+                  <a:lumMod val="25000"/>
+                </a:schemeClr>
+              </a:solidFill>
+            </a:endParaRPr>
+          </a:p>
+        </p:txBody>
+      </p:sp>
+      <p:sp>
+        <p:nvSpPr>
+          <p:cNvPr id="5" name="Content Placeholder 6">
+            <a:extLst>
+              <a:ext uri="{FF2B5EF4-FFF2-40B4-BE49-F238E27FC236}">
+                <a16:creationId xmlns:a16="http://schemas.microsoft.com/office/drawing/2014/main" id="{5B912217-D3EA-7142-89E0-BA2CB0D6F175}"/>
+              </a:ext>
+            </a:extLst>
+          </p:cNvPr>
+          <p:cNvSpPr txBox="1">
+            <a:spLocks/>
+          </p:cNvSpPr>
+          <p:nvPr/>
+        </p:nvSpPr>
+        <p:spPr>
+          <a:xfrm>
+            <a:off x="6843386" y="2956141"/>
+            <a:ext cx="4662814" cy="1728593"/>
+          </a:xfrm>
+          <a:prstGeom prst="rect">
+            <a:avLst/>
+          </a:prstGeom>
+        </p:spPr>
+        <p:txBody>
+          <a:bodyPr vert="horz" lIns="91440" tIns="45720" rIns="91440" bIns="45720" rtlCol="0">
+            <a:normAutofit/>
+          </a:bodyPr>
+          <a:lstStyle>
+            <a:lvl1pPr marL="228600" indent="-228600" algn="l" defTabSz="914400" rtl="0" eaLnBrk="1" latinLnBrk="0" hangingPunct="1">
+              <a:lnSpc>
+                <a:spcPct val="90000"/>
+              </a:lnSpc>
+              <a:spcBef>
+                <a:spcPts val="1000"/>
+              </a:spcBef>
+              <a:buFont typeface="Arial"/>
+              <a:buChar char="•"/>
+              <a:defRPr sz="2800" kern="1200">
+                <a:solidFill>
+                  <a:schemeClr val="tx1"/>
+                </a:solidFill>
+                <a:latin typeface="Chalkboard" charset="0"/>
+                <a:ea typeface="Chalkboard" charset="0"/>
+                <a:cs typeface="Chalkboard" charset="0"/>
+              </a:defRPr>
+            </a:lvl1pPr>
+            <a:lvl2pPr marL="685800" indent="-228600" algn="l" defTabSz="914400" rtl="0" eaLnBrk="1" latinLnBrk="0" hangingPunct="1">
+              <a:lnSpc>
+                <a:spcPct val="90000"/>
+              </a:lnSpc>
+              <a:spcBef>
+                <a:spcPts val="500"/>
+              </a:spcBef>
+              <a:buFont typeface="Arial"/>
+              <a:buChar char="•"/>
+              <a:defRPr sz="2400" kern="1200">
+                <a:solidFill>
+                  <a:schemeClr val="tx1"/>
+                </a:solidFill>
+                <a:latin typeface="Chalkboard" charset="0"/>
+                <a:ea typeface="Chalkboard" charset="0"/>
+                <a:cs typeface="Chalkboard" charset="0"/>
+              </a:defRPr>
+            </a:lvl2pPr>
+            <a:lvl3pPr marL="1143000" indent="-228600" algn="l" defTabSz="914400" rtl="0" eaLnBrk="1" latinLnBrk="0" hangingPunct="1">
+              <a:lnSpc>
+                <a:spcPct val="90000"/>
+              </a:lnSpc>
+              <a:spcBef>
+                <a:spcPts val="500"/>
+              </a:spcBef>
+              <a:buFont typeface="Arial"/>
+              <a:buChar char="•"/>
+              <a:defRPr sz="2000" kern="1200">
+                <a:solidFill>
+                  <a:schemeClr val="tx1"/>
+                </a:solidFill>
+                <a:latin typeface="Chalkboard" charset="0"/>
+                <a:ea typeface="Chalkboard" charset="0"/>
+                <a:cs typeface="Chalkboard" charset="0"/>
+              </a:defRPr>
+            </a:lvl3pPr>
+            <a:lvl4pPr marL="1600200" indent="-228600" algn="l" defTabSz="914400" rtl="0" eaLnBrk="1" latinLnBrk="0" hangingPunct="1">
+              <a:lnSpc>
+                <a:spcPct val="90000"/>
+              </a:lnSpc>
+              <a:spcBef>
+                <a:spcPts val="500"/>
+              </a:spcBef>
+              <a:buFont typeface="Arial"/>
+              <a:buChar char="•"/>
+              <a:defRPr sz="1800" kern="1200">
+                <a:solidFill>
+                  <a:schemeClr val="tx1"/>
+                </a:solidFill>
+                <a:latin typeface="Chalkboard" charset="0"/>
+                <a:ea typeface="Chalkboard" charset="0"/>
+                <a:cs typeface="Chalkboard" charset="0"/>
+              </a:defRPr>
+            </a:lvl4pPr>
+            <a:lvl5pPr marL="2057400" indent="-228600" algn="l" defTabSz="914400" rtl="0" eaLnBrk="1" latinLnBrk="0" hangingPunct="1">
+              <a:lnSpc>
+                <a:spcPct val="90000"/>
+              </a:lnSpc>
+              <a:spcBef>
+                <a:spcPts val="500"/>
+              </a:spcBef>
+              <a:buFont typeface="Arial"/>
+              <a:buChar char="•"/>
+              <a:defRPr sz="1800" kern="1200">
+                <a:solidFill>
+                  <a:schemeClr val="tx1"/>
+                </a:solidFill>
+                <a:latin typeface="Chalkboard" charset="0"/>
+                <a:ea typeface="Chalkboard" charset="0"/>
+                <a:cs typeface="Chalkboard" charset="0"/>
+              </a:defRPr>
+            </a:lvl5pPr>
+            <a:lvl6pPr marL="2514600" indent="-228600" algn="l" defTabSz="914400" rtl="0" eaLnBrk="1" latinLnBrk="0" hangingPunct="1">
+              <a:lnSpc>
+                <a:spcPct val="90000"/>
+              </a:lnSpc>
+              <a:spcBef>
+                <a:spcPts val="500"/>
+              </a:spcBef>
+              <a:buFont typeface="Arial"/>
+              <a:buChar char="•"/>
+              <a:defRPr sz="1800" kern="1200">
+                <a:solidFill>
+                  <a:schemeClr val="tx1"/>
+                </a:solidFill>
+                <a:latin typeface="+mn-lt"/>
+                <a:ea typeface="+mn-ea"/>
+                <a:cs typeface="+mn-cs"/>
+              </a:defRPr>
+            </a:lvl6pPr>
+            <a:lvl7pPr marL="2971800" indent="-228600" algn="l" defTabSz="914400" rtl="0" eaLnBrk="1" latinLnBrk="0" hangingPunct="1">
+              <a:lnSpc>
+                <a:spcPct val="90000"/>
+              </a:lnSpc>
+              <a:spcBef>
+                <a:spcPts val="500"/>
+              </a:spcBef>
+              <a:buFont typeface="Arial"/>
+              <a:buChar char="•"/>
+              <a:defRPr sz="1800" kern="1200">
+                <a:solidFill>
+                  <a:schemeClr val="tx1"/>
+                </a:solidFill>
+                <a:latin typeface="+mn-lt"/>
+                <a:ea typeface="+mn-ea"/>
+                <a:cs typeface="+mn-cs"/>
+              </a:defRPr>
+            </a:lvl7pPr>
+            <a:lvl8pPr marL="3429000" indent="-228600" algn="l" defTabSz="914400" rtl="0" eaLnBrk="1" latinLnBrk="0" hangingPunct="1">
+              <a:lnSpc>
+                <a:spcPct val="90000"/>
+              </a:lnSpc>
+              <a:spcBef>
+                <a:spcPts val="500"/>
+              </a:spcBef>
+              <a:buFont typeface="Arial"/>
+              <a:buChar char="•"/>
+              <a:defRPr sz="1800" kern="1200">
+                <a:solidFill>
+                  <a:schemeClr val="tx1"/>
+                </a:solidFill>
+                <a:latin typeface="+mn-lt"/>
+                <a:ea typeface="+mn-ea"/>
+                <a:cs typeface="+mn-cs"/>
+              </a:defRPr>
+            </a:lvl8pPr>
+            <a:lvl9pPr marL="3886200" indent="-228600" algn="l" defTabSz="914400" rtl="0" eaLnBrk="1" latinLnBrk="0" hangingPunct="1">
+              <a:lnSpc>
+                <a:spcPct val="90000"/>
+              </a:lnSpc>
+              <a:spcBef>
+                <a:spcPts val="500"/>
+              </a:spcBef>
+              <a:buFont typeface="Arial"/>
+              <a:buChar char="•"/>
+              <a:defRPr sz="1800" kern="1200">
+                <a:solidFill>
+                  <a:schemeClr val="tx1"/>
+                </a:solidFill>
+                <a:latin typeface="+mn-lt"/>
+                <a:ea typeface="+mn-ea"/>
+                <a:cs typeface="+mn-cs"/>
+              </a:defRPr>
+            </a:lvl9pPr>
+          </a:lstStyle>
+          <a:p>
+            <a:pPr marL="0" indent="0">
+              <a:lnSpc>
+                <a:spcPct val="100000"/>
+              </a:lnSpc>
+              <a:buNone/>
+            </a:pPr>
+            <a:endParaRPr lang="en-US" altLang="zh-CN" sz="2000" dirty="0">
+              <a:solidFill>
+                <a:srgbClr val="C00000"/>
+              </a:solidFill>
+            </a:endParaRPr>
+          </a:p>
+        </p:txBody>
+      </p:sp>
+      <p:graphicFrame>
+        <p:nvGraphicFramePr>
+          <p:cNvPr id="2" name="Table 1">
+            <a:extLst>
+              <a:ext uri="{FF2B5EF4-FFF2-40B4-BE49-F238E27FC236}">
+                <a16:creationId xmlns:a16="http://schemas.microsoft.com/office/drawing/2014/main" id="{E082B017-F267-8424-CADB-F77186D16462}"/>
+              </a:ext>
+            </a:extLst>
+          </p:cNvPr>
+          <p:cNvGraphicFramePr>
+            <a:graphicFrameLocks noGrp="1"/>
+          </p:cNvGraphicFramePr>
+          <p:nvPr>
+            <p:extLst>
+              <p:ext uri="{D42A27DB-BD31-4B8C-83A1-F6EECF244321}">
+                <p14:modId xmlns:p14="http://schemas.microsoft.com/office/powerpoint/2010/main" val="864384626"/>
+              </p:ext>
+            </p:extLst>
+          </p:nvPr>
+        </p:nvGraphicFramePr>
+        <p:xfrm>
+          <a:off x="914400" y="2581175"/>
+          <a:ext cx="10515600" cy="2687320"/>
+        </p:xfrm>
+        <a:graphic>
+          <a:graphicData uri="http://schemas.openxmlformats.org/drawingml/2006/table">
+            <a:tbl>
+              <a:tblPr firstRow="1" bandRow="1">
+                <a:tableStyleId>{5C22544A-7EE6-4342-B048-85BDC9FD1C3A}</a:tableStyleId>
+              </a:tblPr>
+              <a:tblGrid>
+                <a:gridCol w="1973228">
+                  <a:extLst>
+                    <a:ext uri="{9D8B030D-6E8A-4147-A177-3AD203B41FA5}">
+                      <a16:colId xmlns:a16="http://schemas.microsoft.com/office/drawing/2014/main" val="3156116354"/>
+                    </a:ext>
+                  </a:extLst>
+                </a:gridCol>
+                <a:gridCol w="8542372">
+                  <a:extLst>
+                    <a:ext uri="{9D8B030D-6E8A-4147-A177-3AD203B41FA5}">
+                      <a16:colId xmlns:a16="http://schemas.microsoft.com/office/drawing/2014/main" val="769888296"/>
+                    </a:ext>
+                  </a:extLst>
+                </a:gridCol>
+              </a:tblGrid>
+              <a:tr h="370840">
+                <a:tc>
+                  <a:txBody>
+                    <a:bodyPr/>
+                    <a:lstStyle/>
+                    <a:p>
+                      <a:r>
+                        <a:rPr lang="en-US" sz="1600" dirty="0" err="1"/>
+                        <a:t>文件后缀</a:t>
+                      </a:r>
+                      <a:endParaRPr lang="en-CN" sz="1600" dirty="0"/>
+                    </a:p>
+                  </a:txBody>
+                  <a:tcPr/>
+                </a:tc>
+                <a:tc>
+                  <a:txBody>
+                    <a:bodyPr/>
+                    <a:lstStyle/>
+                    <a:p>
+                      <a:r>
+                        <a:rPr lang="en-CN" sz="1600" dirty="0"/>
+                        <a:t>含义</a:t>
+                      </a:r>
+                    </a:p>
+                  </a:txBody>
+                  <a:tcPr/>
+                </a:tc>
+                <a:extLst>
+                  <a:ext uri="{0D108BD9-81ED-4DB2-BD59-A6C34878D82A}">
+                    <a16:rowId xmlns:a16="http://schemas.microsoft.com/office/drawing/2014/main" val="2931458744"/>
+                  </a:ext>
+                </a:extLst>
+              </a:tr>
+              <a:tr h="370840">
+                <a:tc>
+                  <a:txBody>
+                    <a:bodyPr/>
+                    <a:lstStyle/>
+                    <a:p>
+                      <a:r>
+                        <a:rPr lang="en-US" altLang="zh-CN" sz="1600" dirty="0"/>
+                        <a:t>.model</a:t>
+                      </a:r>
+                      <a:endParaRPr lang="en-CN" sz="1600" dirty="0"/>
+                    </a:p>
+                  </a:txBody>
+                  <a:tcPr/>
+                </a:tc>
+                <a:tc>
+                  <a:txBody>
+                    <a:bodyPr/>
+                    <a:lstStyle/>
+                    <a:p>
+                      <a:r>
+                        <a:rPr lang="en-CN" sz="1600" dirty="0">
+                          <a:solidFill>
+                            <a:schemeClr val="tx1"/>
+                          </a:solidFill>
+                          <a:effectLst/>
+                        </a:rPr>
+                        <a:t>用于保存</a:t>
+                      </a:r>
+                      <a:r>
+                        <a:rPr lang="zh-CN" altLang="en-US" sz="1600" dirty="0">
+                          <a:solidFill>
+                            <a:schemeClr val="tx1"/>
+                          </a:solidFill>
+                          <a:effectLst/>
+                        </a:rPr>
+                        <a:t> </a:t>
+                      </a:r>
+                      <a:r>
+                        <a:rPr lang="en-US" altLang="zh-CN" sz="1600" dirty="0">
+                          <a:solidFill>
+                            <a:schemeClr val="tx1"/>
+                          </a:solidFill>
+                          <a:effectLst/>
+                        </a:rPr>
+                        <a:t>Word2Vec</a:t>
+                      </a:r>
+                      <a:r>
+                        <a:rPr lang="zh-CN" altLang="en-US" sz="1600" dirty="0">
+                          <a:solidFill>
+                            <a:schemeClr val="tx1"/>
+                          </a:solidFill>
+                          <a:effectLst/>
+                        </a:rPr>
+                        <a:t> 的模型文件，包含了词汇表、权重、训练参数，若要使用模型进行多种不同操作，这个文件是必须的。</a:t>
+                      </a:r>
+                      <a:endParaRPr lang="en-CN" sz="1600" dirty="0">
+                        <a:solidFill>
+                          <a:schemeClr val="tx1"/>
+                        </a:solidFill>
+                      </a:endParaRPr>
+                    </a:p>
+                  </a:txBody>
+                  <a:tcPr/>
+                </a:tc>
+                <a:extLst>
+                  <a:ext uri="{0D108BD9-81ED-4DB2-BD59-A6C34878D82A}">
+                    <a16:rowId xmlns:a16="http://schemas.microsoft.com/office/drawing/2014/main" val="2098336300"/>
+                  </a:ext>
+                </a:extLst>
+              </a:tr>
+              <a:tr h="370840">
+                <a:tc>
+                  <a:txBody>
+                    <a:bodyPr/>
+                    <a:lstStyle/>
+                    <a:p>
+                      <a:r>
+                        <a:rPr lang="en-US" altLang="zh-CN" sz="1600" dirty="0"/>
+                        <a:t>.syn1neg.npy</a:t>
+                      </a:r>
+                      <a:endParaRPr lang="en-CN" sz="1600" dirty="0"/>
+                    </a:p>
+                  </a:txBody>
+                  <a:tcPr/>
+                </a:tc>
+                <a:tc>
+                  <a:txBody>
+                    <a:bodyPr/>
+                    <a:lstStyle/>
+                    <a:p>
+                      <a:pPr marL="0" marR="0" indent="0" algn="l" defTabSz="914400" rtl="0" eaLnBrk="1" fontAlgn="auto" latinLnBrk="0" hangingPunct="1">
+                        <a:lnSpc>
+                          <a:spcPct val="100000"/>
+                        </a:lnSpc>
+                        <a:spcBef>
+                          <a:spcPts val="0"/>
+                        </a:spcBef>
+                        <a:spcAft>
+                          <a:spcPts val="0"/>
+                        </a:spcAft>
+                        <a:buClrTx/>
+                        <a:buSzTx/>
+                        <a:buFontTx/>
+                        <a:buNone/>
+                        <a:tabLst/>
+                        <a:defRPr/>
+                      </a:pPr>
+                      <a:r>
+                        <a:rPr lang="en-US" altLang="zh-CN" sz="1600" dirty="0">
+                          <a:solidFill>
+                            <a:schemeClr val="tx1"/>
+                          </a:solidFill>
+                        </a:rPr>
+                        <a:t>NumPy</a:t>
+                      </a:r>
+                      <a:r>
+                        <a:rPr lang="zh-CN" altLang="en-US" sz="1600" dirty="0">
+                          <a:solidFill>
+                            <a:schemeClr val="tx1"/>
+                          </a:solidFill>
+                        </a:rPr>
+                        <a:t> 格式，这个文件包含了负采样的权重矩阵，</a:t>
+                      </a:r>
+                      <a:r>
+                        <a:rPr lang="en-US" altLang="zh-CN" sz="1600" dirty="0">
+                          <a:solidFill>
+                            <a:schemeClr val="tx1"/>
+                          </a:solidFill>
+                        </a:rPr>
+                        <a:t>Word2Vec</a:t>
+                      </a:r>
+                      <a:r>
+                        <a:rPr lang="zh-CN" altLang="en-US" sz="1600" dirty="0">
+                          <a:solidFill>
+                            <a:schemeClr val="tx1"/>
+                          </a:solidFill>
+                        </a:rPr>
+                        <a:t> 中的负采样是一种模型优化技术，主要用于提高处理大词汇表的效率。</a:t>
+                      </a:r>
+                      <a:endParaRPr lang="en-CN" sz="1600" dirty="0">
+                        <a:solidFill>
+                          <a:schemeClr val="tx1"/>
+                        </a:solidFill>
+                      </a:endParaRPr>
+                    </a:p>
+                  </a:txBody>
+                  <a:tcPr/>
+                </a:tc>
+                <a:extLst>
+                  <a:ext uri="{0D108BD9-81ED-4DB2-BD59-A6C34878D82A}">
+                    <a16:rowId xmlns:a16="http://schemas.microsoft.com/office/drawing/2014/main" val="1102347678"/>
+                  </a:ext>
+                </a:extLst>
+              </a:tr>
+              <a:tr h="370840">
+                <a:tc>
+                  <a:txBody>
+                    <a:bodyPr/>
+                    <a:lstStyle/>
+                    <a:p>
+                      <a:r>
+                        <a:rPr lang="en-US" altLang="zh-CN" sz="1600" dirty="0"/>
+                        <a:t>.</a:t>
+                      </a:r>
+                      <a:r>
+                        <a:rPr lang="en-US" altLang="zh-CN" sz="1600" dirty="0" err="1"/>
+                        <a:t>wv.vectors.npy</a:t>
+                      </a:r>
+                      <a:endParaRPr lang="en-CN" sz="1600" dirty="0"/>
+                    </a:p>
+                  </a:txBody>
+                  <a:tcPr/>
+                </a:tc>
+                <a:tc>
+                  <a:txBody>
+                    <a:bodyPr/>
+                    <a:lstStyle/>
+                    <a:p>
+                      <a:r>
+                        <a:rPr lang="en-US" altLang="zh-CN" sz="1600" dirty="0">
+                          <a:solidFill>
+                            <a:schemeClr val="tx1"/>
+                          </a:solidFill>
+                        </a:rPr>
+                        <a:t>NumPy</a:t>
+                      </a:r>
+                      <a:r>
+                        <a:rPr lang="zh-CN" altLang="en-US" sz="1600" dirty="0">
+                          <a:solidFill>
+                            <a:schemeClr val="tx1"/>
+                          </a:solidFill>
+                        </a:rPr>
+                        <a:t> 格式，存储了词向量，这些是模型学习到的，代表每个单词的向量，用于计算单词之间的相似度、或其他词嵌入分析。</a:t>
+                      </a:r>
+                      <a:endParaRPr lang="en-CN" sz="1600" dirty="0">
+                        <a:solidFill>
+                          <a:schemeClr val="tx1"/>
+                        </a:solidFill>
+                      </a:endParaRPr>
+                    </a:p>
+                  </a:txBody>
+                  <a:tcPr/>
+                </a:tc>
+                <a:extLst>
+                  <a:ext uri="{0D108BD9-81ED-4DB2-BD59-A6C34878D82A}">
+                    <a16:rowId xmlns:a16="http://schemas.microsoft.com/office/drawing/2014/main" val="2719844612"/>
+                  </a:ext>
+                </a:extLst>
+              </a:tr>
+              <a:tr h="370840">
+                <a:tc>
+                  <a:txBody>
+                    <a:bodyPr/>
+                    <a:lstStyle/>
+                    <a:p>
+                      <a:r>
+                        <a:rPr lang="en-US" altLang="zh-CN" sz="1600" dirty="0"/>
+                        <a:t>.word2vec</a:t>
+                      </a:r>
+                      <a:endParaRPr lang="en-CN" sz="1600" dirty="0"/>
+                    </a:p>
+                  </a:txBody>
+                  <a:tcPr/>
+                </a:tc>
+                <a:tc>
+                  <a:txBody>
+                    <a:bodyPr/>
+                    <a:lstStyle/>
+                    <a:p>
+                      <a:r>
+                        <a:rPr lang="en-CN" sz="1600" dirty="0">
+                          <a:solidFill>
+                            <a:schemeClr val="accent2"/>
+                          </a:solidFill>
+                        </a:rPr>
+                        <a:t>自定义文件</a:t>
+                      </a:r>
+                      <a:r>
+                        <a:rPr lang="zh-CN" altLang="en-US" sz="1600" dirty="0"/>
+                        <a:t>，保存了 </a:t>
+                      </a:r>
+                      <a:r>
+                        <a:rPr lang="en-US" altLang="zh-CN" sz="1600" dirty="0"/>
+                        <a:t>embedding</a:t>
+                      </a:r>
+                      <a:r>
+                        <a:rPr lang="zh-CN" altLang="en-US" sz="1600" dirty="0"/>
+                        <a:t> 的二进制辅助数据文件，如果用文本编辑器打开会是乱码，里面保存了整个模型处理过程中生成的中间文件。</a:t>
+                      </a:r>
+                      <a:endParaRPr lang="en-CN" sz="1600" dirty="0"/>
+                    </a:p>
+                  </a:txBody>
+                  <a:tcPr/>
+                </a:tc>
+                <a:extLst>
+                  <a:ext uri="{0D108BD9-81ED-4DB2-BD59-A6C34878D82A}">
+                    <a16:rowId xmlns:a16="http://schemas.microsoft.com/office/drawing/2014/main" val="3783741067"/>
+                  </a:ext>
+                </a:extLst>
+              </a:tr>
+            </a:tbl>
+          </a:graphicData>
+        </a:graphic>
+      </p:graphicFrame>
+    </p:spTree>
+    <p:extLst>
+      <p:ext uri="{BB962C8B-B14F-4D97-AF65-F5344CB8AC3E}">
+        <p14:creationId xmlns:p14="http://schemas.microsoft.com/office/powerpoint/2010/main" val="3124911953"/>
+      </p:ext>
+    </p:extLst>
+  </p:cSld>
+  <p:clrMapOvr>
+    <a:masterClrMapping/>
+  </p:clrMapOvr>
+</p:sld>
+</file>
+
+<file path=ppt/slides/slide17.xml><?xml version="1.0" encoding="utf-8"?>
+<p:sld xmlns:a="http://schemas.openxmlformats.org/drawingml/2006/main" xmlns:r="http://schemas.openxmlformats.org/officeDocument/2006/relationships" xmlns:p="http://schemas.openxmlformats.org/presentationml/2006/main">
+  <p:cSld>
+    <p:spTree>
+      <p:nvGrpSpPr>
+        <p:cNvPr id="1" name=""/>
+        <p:cNvGrpSpPr/>
+        <p:nvPr/>
+      </p:nvGrpSpPr>
+      <p:grpSpPr>
+        <a:xfrm>
+          <a:off x="0" y="0"/>
+          <a:ext cx="0" cy="0"/>
+          <a:chOff x="0" y="0"/>
+          <a:chExt cx="0" cy="0"/>
+        </a:xfrm>
+      </p:grpSpPr>
+      <p:sp>
+        <p:nvSpPr>
+          <p:cNvPr id="6" name="Title 5"/>
+          <p:cNvSpPr>
+            <a:spLocks noGrp="1"/>
+          </p:cNvSpPr>
+          <p:nvPr>
+            <p:ph type="title"/>
+          </p:nvPr>
+        </p:nvSpPr>
+        <p:spPr/>
+        <p:txBody>
+          <a:bodyPr/>
+          <a:lstStyle/>
+          <a:p>
+            <a:r>
+              <a:rPr lang="en-US" altLang="zh-CN" dirty="0">
+                <a:latin typeface="Chalkboard" charset="0"/>
+                <a:ea typeface="Chalkboard" charset="0"/>
+                <a:cs typeface="Chalkboard" charset="0"/>
+              </a:rPr>
+              <a:t>Agenda</a:t>
+            </a:r>
+            <a:endParaRPr lang="en-US" dirty="0">
+              <a:latin typeface="Chalkboard" charset="0"/>
+              <a:ea typeface="Chalkboard" charset="0"/>
+              <a:cs typeface="Chalkboard" charset="0"/>
+            </a:endParaRPr>
+          </a:p>
+        </p:txBody>
+      </p:sp>
+      <p:sp>
+        <p:nvSpPr>
+          <p:cNvPr id="7" name="Content Placeholder 6"/>
+          <p:cNvSpPr>
+            <a:spLocks noGrp="1"/>
+          </p:cNvSpPr>
+          <p:nvPr>
+            <p:ph idx="1"/>
+          </p:nvPr>
+        </p:nvSpPr>
+        <p:spPr/>
+        <p:txBody>
+          <a:bodyPr/>
+          <a:lstStyle/>
+          <a:p>
+            <a:r>
+              <a:rPr lang="zh-CN" altLang="en-US" b="1" dirty="0">
+                <a:latin typeface="Chalkboard" charset="0"/>
+                <a:ea typeface="Chalkboard" charset="0"/>
+                <a:cs typeface="Chalkboard" charset="0"/>
+              </a:rPr>
+              <a:t>文本特征</a:t>
+            </a:r>
+            <a:endParaRPr lang="en-US" altLang="zh-CN" b="1" dirty="0">
+              <a:latin typeface="Chalkboard" charset="0"/>
+              <a:ea typeface="Chalkboard" charset="0"/>
+              <a:cs typeface="Chalkboard" charset="0"/>
+            </a:endParaRPr>
+          </a:p>
+          <a:p>
+            <a:r>
+              <a:rPr lang="en-US" altLang="zh-CN" dirty="0">
+                <a:latin typeface="Chalkboard" charset="0"/>
+                <a:ea typeface="Chalkboard" charset="0"/>
+                <a:cs typeface="Chalkboard" charset="0"/>
+              </a:rPr>
+              <a:t>NLP</a:t>
+            </a:r>
+            <a:r>
+              <a:rPr lang="zh-CN" altLang="en-US" dirty="0">
+                <a:latin typeface="Chalkboard" charset="0"/>
+                <a:ea typeface="Chalkboard" charset="0"/>
+                <a:cs typeface="Chalkboard" charset="0"/>
+              </a:rPr>
+              <a:t>预处理</a:t>
+            </a:r>
+            <a:endParaRPr lang="en-US" altLang="zh-CN" dirty="0">
+              <a:latin typeface="Chalkboard" charset="0"/>
+              <a:ea typeface="Chalkboard" charset="0"/>
+              <a:cs typeface="Chalkboard" charset="0"/>
+            </a:endParaRPr>
+          </a:p>
+          <a:p>
+            <a:r>
+              <a:rPr lang="zh-CN" altLang="en-US" dirty="0">
+                <a:solidFill>
+                  <a:schemeClr val="accent2">
+                    <a:lumMod val="75000"/>
+                  </a:schemeClr>
+                </a:solidFill>
+                <a:latin typeface="Chalkboard" charset="0"/>
+                <a:ea typeface="Chalkboard" charset="0"/>
+                <a:cs typeface="Chalkboard" charset="0"/>
+              </a:rPr>
+              <a:t>案例分析：文件规划</a:t>
+            </a:r>
+            <a:r>
+              <a:rPr lang="zh-CN" altLang="en-US" b="1" dirty="0">
+                <a:solidFill>
+                  <a:schemeClr val="bg1"/>
+                </a:solidFill>
+                <a:latin typeface="Chalkboard" charset="0"/>
+                <a:ea typeface="Chalkboard" charset="0"/>
+                <a:cs typeface="Chalkboard" charset="0"/>
+              </a:rPr>
+              <a:t>异视界</a:t>
+            </a:r>
+            <a:endParaRPr lang="en-US" altLang="zh-CN" dirty="0">
+              <a:solidFill>
+                <a:schemeClr val="bg1"/>
+              </a:solidFill>
+              <a:latin typeface="Chalkboard" charset="0"/>
+              <a:ea typeface="Chalkboard" charset="0"/>
+              <a:cs typeface="Chalkboard" charset="0"/>
+            </a:endParaRPr>
+          </a:p>
+        </p:txBody>
+      </p:sp>
+    </p:spTree>
+    <p:extLst>
+      <p:ext uri="{BB962C8B-B14F-4D97-AF65-F5344CB8AC3E}">
+        <p14:creationId xmlns:p14="http://schemas.microsoft.com/office/powerpoint/2010/main" val="953649787"/>
+      </p:ext>
+    </p:extLst>
+  </p:cSld>
+  <p:clrMapOvr>
+    <a:masterClrMapping/>
+  </p:clrMapOvr>
+</p:sld>
+</file>
+
+<file path=ppt/slides/slide18.xml><?xml version="1.0" encoding="utf-8"?>
+<p:sld xmlns:a="http://schemas.openxmlformats.org/drawingml/2006/main" xmlns:r="http://schemas.openxmlformats.org/officeDocument/2006/relationships" xmlns:p="http://schemas.openxmlformats.org/presentationml/2006/main">
+  <p:cSld>
+    <p:spTree>
+      <p:nvGrpSpPr>
+        <p:cNvPr id="1" name=""/>
+        <p:cNvGrpSpPr/>
+        <p:nvPr/>
+      </p:nvGrpSpPr>
+      <p:grpSpPr>
+        <a:xfrm>
+          <a:off x="0" y="0"/>
+          <a:ext cx="0" cy="0"/>
+          <a:chOff x="0" y="0"/>
+          <a:chExt cx="0" cy="0"/>
+        </a:xfrm>
+      </p:grpSpPr>
+      <p:sp>
+        <p:nvSpPr>
+          <p:cNvPr id="6" name="Title 5"/>
+          <p:cNvSpPr>
+            <a:spLocks noGrp="1"/>
+          </p:cNvSpPr>
+          <p:nvPr>
+            <p:ph type="title"/>
+          </p:nvPr>
+        </p:nvSpPr>
+        <p:spPr>
+          <a:xfrm>
+            <a:off x="838200" y="193964"/>
+            <a:ext cx="10515600" cy="1153574"/>
+          </a:xfrm>
+        </p:spPr>
+        <p:txBody>
+          <a:bodyPr>
+            <a:normAutofit/>
+          </a:bodyPr>
+          <a:lstStyle/>
+          <a:p>
+            <a:pPr>
+              <a:lnSpc>
+                <a:spcPct val="150000"/>
+              </a:lnSpc>
+            </a:pPr>
+            <a:r>
+              <a:rPr lang="zh-CN" altLang="en-US" sz="2400" b="1" dirty="0">
+                <a:latin typeface="Microsoft YaHei" panose="020B0503020204020204" pitchFamily="34" charset="-122"/>
+                <a:ea typeface="Microsoft YaHei" panose="020B0503020204020204" pitchFamily="34" charset="-122"/>
+              </a:rPr>
+              <a:t>案例分析：预处理</a:t>
+            </a:r>
+            <a:br>
+              <a:rPr lang="en-US" altLang="zh-CN" sz="1800" dirty="0">
+                <a:solidFill>
+                  <a:schemeClr val="bg1">
+                    <a:lumMod val="50000"/>
+                  </a:schemeClr>
+                </a:solidFill>
+              </a:rPr>
+            </a:br>
+            <a:r>
+              <a:rPr lang="en-US" altLang="zh-CN" sz="1800" dirty="0">
+                <a:solidFill>
+                  <a:srgbClr val="0070C0"/>
+                </a:solidFill>
+                <a:latin typeface="Pristina" panose="020F0502020204030204" pitchFamily="34" charset="0"/>
+              </a:rPr>
+              <a:t>Case:</a:t>
+            </a:r>
+            <a:r>
+              <a:rPr lang="zh-CN" altLang="en-US" sz="1800" dirty="0">
+                <a:solidFill>
+                  <a:srgbClr val="0070C0"/>
+                </a:solidFill>
+                <a:latin typeface="Pristina" panose="020F0502020204030204" pitchFamily="34" charset="0"/>
+              </a:rPr>
+              <a:t>  二分类案例分析</a:t>
+            </a:r>
+            <a:endParaRPr lang="en-US" sz="1800" dirty="0">
+              <a:solidFill>
+                <a:srgbClr val="0070C0"/>
+              </a:solidFill>
+              <a:latin typeface="Pristina" panose="020F0502020204030204" pitchFamily="34" charset="0"/>
+              <a:cs typeface="Pristina" panose="020F0502020204030204" pitchFamily="34" charset="0"/>
+            </a:endParaRPr>
+          </a:p>
+        </p:txBody>
+      </p:sp>
+      <p:sp>
+        <p:nvSpPr>
+          <p:cNvPr id="7" name="Content Placeholder 6"/>
+          <p:cNvSpPr>
+            <a:spLocks noGrp="1"/>
+          </p:cNvSpPr>
+          <p:nvPr>
+            <p:ph idx="1"/>
+          </p:nvPr>
+        </p:nvSpPr>
+        <p:spPr>
+          <a:xfrm>
+            <a:off x="838200" y="1472665"/>
+            <a:ext cx="10515600" cy="4704298"/>
+          </a:xfrm>
+        </p:spPr>
+        <p:txBody>
+          <a:bodyPr>
+            <a:normAutofit/>
+          </a:bodyPr>
+          <a:lstStyle/>
+          <a:p>
+            <a:pPr marL="0" indent="0">
+              <a:lnSpc>
+                <a:spcPct val="150000"/>
+              </a:lnSpc>
+              <a:buNone/>
+            </a:pPr>
+            <a:r>
+              <a:rPr lang="zh-CN" altLang="en-US" sz="2000" dirty="0">
+                <a:solidFill>
+                  <a:schemeClr val="bg2">
+                    <a:lumMod val="25000"/>
+                  </a:schemeClr>
+                </a:solidFill>
+              </a:rPr>
+              <a:t>案例分析</a:t>
+            </a:r>
+            <a:endParaRPr lang="en-US" altLang="zh-CN" sz="2000" dirty="0">
+              <a:solidFill>
+                <a:schemeClr val="bg2">
+                  <a:lumMod val="25000"/>
+                </a:schemeClr>
+              </a:solidFill>
+            </a:endParaRPr>
+          </a:p>
+          <a:p>
+            <a:pPr>
+              <a:lnSpc>
+                <a:spcPct val="150000"/>
+              </a:lnSpc>
+            </a:pPr>
+            <a:r>
+              <a:rPr lang="en-US" altLang="zh-CN" sz="1800" dirty="0" err="1">
+                <a:solidFill>
+                  <a:srgbClr val="0070C0"/>
+                </a:solidFill>
+              </a:rPr>
+              <a:t>runner_binary_textualized</a:t>
+            </a:r>
+            <a:endParaRPr lang="en-US" altLang="zh-CN" sz="1800" dirty="0">
+              <a:solidFill>
+                <a:srgbClr val="0070C0"/>
+              </a:solidFill>
+            </a:endParaRPr>
+          </a:p>
+          <a:p>
+            <a:pPr>
+              <a:lnSpc>
+                <a:spcPct val="150000"/>
+              </a:lnSpc>
+            </a:pPr>
+            <a:r>
+              <a:rPr lang="zh-CN" altLang="en-US" sz="1800" dirty="0">
+                <a:solidFill>
+                  <a:schemeClr val="bg2">
+                    <a:lumMod val="25000"/>
+                  </a:schemeClr>
+                </a:solidFill>
+              </a:rPr>
+              <a:t>步骤</a:t>
+            </a:r>
+            <a:br>
+              <a:rPr lang="en-US" altLang="zh-CN" sz="1800" dirty="0">
+                <a:solidFill>
+                  <a:schemeClr val="bg2">
+                    <a:lumMod val="25000"/>
+                  </a:schemeClr>
+                </a:solidFill>
+              </a:rPr>
+            </a:br>
+            <a:r>
+              <a:rPr lang="en-US" altLang="zh-CN" sz="1800" dirty="0">
+                <a:solidFill>
+                  <a:schemeClr val="bg2">
+                    <a:lumMod val="25000"/>
+                  </a:schemeClr>
+                </a:solidFill>
+              </a:rPr>
+              <a:t>1.</a:t>
+            </a:r>
+            <a:r>
+              <a:rPr lang="zh-CN" altLang="en-US" sz="1800" dirty="0">
+                <a:solidFill>
+                  <a:schemeClr val="bg2">
+                    <a:lumMod val="25000"/>
+                  </a:schemeClr>
+                </a:solidFill>
+              </a:rPr>
+              <a:t> 需求分析</a:t>
+            </a:r>
+            <a:br>
+              <a:rPr lang="en-US" altLang="zh-CN" sz="1800" dirty="0">
+                <a:solidFill>
+                  <a:schemeClr val="bg2">
+                    <a:lumMod val="25000"/>
+                  </a:schemeClr>
+                </a:solidFill>
+              </a:rPr>
+            </a:br>
+            <a:r>
+              <a:rPr lang="en-US" altLang="zh-CN" sz="1800" dirty="0">
+                <a:solidFill>
+                  <a:schemeClr val="bg2">
+                    <a:lumMod val="25000"/>
+                  </a:schemeClr>
+                </a:solidFill>
+              </a:rPr>
+              <a:t>2.</a:t>
+            </a:r>
+            <a:r>
+              <a:rPr lang="zh-CN" altLang="en-US" sz="1800" dirty="0">
+                <a:solidFill>
+                  <a:schemeClr val="bg2">
+                    <a:lumMod val="25000"/>
+                  </a:schemeClr>
+                </a:solidFill>
+              </a:rPr>
+              <a:t> 代码流程</a:t>
+            </a:r>
+            <a:br>
+              <a:rPr lang="en-US" altLang="zh-CN" sz="1800" dirty="0">
+                <a:solidFill>
+                  <a:schemeClr val="bg2">
+                    <a:lumMod val="25000"/>
+                  </a:schemeClr>
+                </a:solidFill>
+              </a:rPr>
+            </a:br>
+            <a:r>
+              <a:rPr lang="en-US" altLang="zh-CN" sz="1800" dirty="0">
+                <a:solidFill>
+                  <a:schemeClr val="bg2">
+                    <a:lumMod val="25000"/>
+                  </a:schemeClr>
+                </a:solidFill>
+              </a:rPr>
+              <a:t>3.</a:t>
+            </a:r>
+            <a:r>
+              <a:rPr lang="zh-CN" altLang="en-US" sz="1800" dirty="0">
+                <a:solidFill>
+                  <a:schemeClr val="bg2">
+                    <a:lumMod val="25000"/>
+                  </a:schemeClr>
+                </a:solidFill>
+              </a:rPr>
+              <a:t> 自测结果</a:t>
+            </a:r>
+            <a:endParaRPr lang="en-US" altLang="zh-CN" sz="1800" dirty="0">
+              <a:solidFill>
+                <a:schemeClr val="bg2">
+                  <a:lumMod val="25000"/>
+                </a:schemeClr>
+              </a:solidFill>
+            </a:endParaRPr>
+          </a:p>
+          <a:p>
+            <a:pPr>
+              <a:lnSpc>
+                <a:spcPct val="150000"/>
+              </a:lnSpc>
+            </a:pPr>
+            <a:r>
+              <a:rPr lang="zh-CN" altLang="en-US" sz="1800" dirty="0">
+                <a:solidFill>
+                  <a:schemeClr val="bg2">
+                    <a:lumMod val="25000"/>
+                  </a:schemeClr>
+                </a:solidFill>
+              </a:rPr>
+              <a:t>最终提交结果</a:t>
+            </a:r>
+            <a:endParaRPr lang="en-US" altLang="zh-CN" sz="1800" dirty="0">
+              <a:solidFill>
+                <a:schemeClr val="bg2">
+                  <a:lumMod val="25000"/>
+                </a:schemeClr>
+              </a:solidFill>
+            </a:endParaRPr>
+          </a:p>
+        </p:txBody>
+      </p:sp>
+    </p:spTree>
+    <p:extLst>
+      <p:ext uri="{BB962C8B-B14F-4D97-AF65-F5344CB8AC3E}">
+        <p14:creationId xmlns:p14="http://schemas.microsoft.com/office/powerpoint/2010/main" val="1580482490"/>
+      </p:ext>
+    </p:extLst>
+  </p:cSld>
+  <p:clrMapOvr>
+    <a:masterClrMapping/>
+  </p:clrMapOvr>
+</p:sld>
+</file>
+
+<file path=ppt/slides/slide19.xml><?xml version="1.0" encoding="utf-8"?>
+<p:sld xmlns:a="http://schemas.openxmlformats.org/drawingml/2006/main" xmlns:r="http://schemas.openxmlformats.org/officeDocument/2006/relationships" xmlns:p="http://schemas.openxmlformats.org/presentationml/2006/main">
+  <p:cSld>
+    <p:spTree>
+      <p:nvGrpSpPr>
+        <p:cNvPr id="1" name=""/>
+        <p:cNvGrpSpPr/>
+        <p:nvPr/>
+      </p:nvGrpSpPr>
+      <p:grpSpPr>
+        <a:xfrm>
+          <a:off x="0" y="0"/>
+          <a:ext cx="0" cy="0"/>
+          <a:chOff x="0" y="0"/>
+          <a:chExt cx="0" cy="0"/>
+        </a:xfrm>
+      </p:grpSpPr>
+      <p:sp>
+        <p:nvSpPr>
+          <p:cNvPr id="6" name="Title 5"/>
+          <p:cNvSpPr>
+            <a:spLocks noGrp="1"/>
+          </p:cNvSpPr>
+          <p:nvPr>
+            <p:ph type="title"/>
+          </p:nvPr>
+        </p:nvSpPr>
+        <p:spPr>
+          <a:xfrm>
+            <a:off x="838200" y="193964"/>
+            <a:ext cx="10515600" cy="1153574"/>
+          </a:xfrm>
+        </p:spPr>
+        <p:txBody>
+          <a:bodyPr>
+            <a:normAutofit/>
+          </a:bodyPr>
+          <a:lstStyle/>
+          <a:p>
+            <a:pPr>
+              <a:lnSpc>
+                <a:spcPct val="150000"/>
+              </a:lnSpc>
+            </a:pPr>
+            <a:r>
+              <a:rPr lang="zh-CN" altLang="en-US" sz="2400" b="1" dirty="0">
+                <a:latin typeface="Microsoft YaHei" panose="020B0503020204020204" pitchFamily="34" charset="-122"/>
+                <a:ea typeface="Microsoft YaHei" panose="020B0503020204020204" pitchFamily="34" charset="-122"/>
+              </a:rPr>
+              <a:t>案例分析：预处理</a:t>
+            </a:r>
+            <a:br>
+              <a:rPr lang="en-US" altLang="zh-CN" sz="1800" dirty="0">
+                <a:solidFill>
+                  <a:schemeClr val="bg1">
+                    <a:lumMod val="50000"/>
+                  </a:schemeClr>
+                </a:solidFill>
+              </a:rPr>
+            </a:br>
+            <a:r>
+              <a:rPr lang="en-US" altLang="zh-CN" sz="1800" dirty="0">
+                <a:solidFill>
+                  <a:srgbClr val="0070C0"/>
+                </a:solidFill>
+                <a:latin typeface="Pristina" panose="020F0502020204030204" pitchFamily="34" charset="0"/>
+              </a:rPr>
+              <a:t>Case:</a:t>
+            </a:r>
+            <a:r>
+              <a:rPr lang="zh-CN" altLang="en-US" sz="1800" dirty="0">
+                <a:solidFill>
+                  <a:srgbClr val="0070C0"/>
+                </a:solidFill>
+                <a:latin typeface="Pristina" panose="020F0502020204030204" pitchFamily="34" charset="0"/>
+              </a:rPr>
+              <a:t>  二分类案例分析</a:t>
+            </a:r>
+            <a:endParaRPr lang="en-US" sz="1800" dirty="0">
+              <a:solidFill>
+                <a:srgbClr val="0070C0"/>
+              </a:solidFill>
+              <a:latin typeface="Pristina" panose="020F0502020204030204" pitchFamily="34" charset="0"/>
+              <a:cs typeface="Pristina" panose="020F0502020204030204" pitchFamily="34" charset="0"/>
+            </a:endParaRPr>
+          </a:p>
+        </p:txBody>
+      </p:sp>
+      <p:sp>
+        <p:nvSpPr>
+          <p:cNvPr id="7" name="Content Placeholder 6"/>
+          <p:cNvSpPr>
+            <a:spLocks noGrp="1"/>
+          </p:cNvSpPr>
+          <p:nvPr>
+            <p:ph idx="1"/>
+          </p:nvPr>
+        </p:nvSpPr>
+        <p:spPr>
+          <a:xfrm>
+            <a:off x="838200" y="1472665"/>
+            <a:ext cx="10515600" cy="4704298"/>
+          </a:xfrm>
+        </p:spPr>
+        <p:txBody>
+          <a:bodyPr>
+            <a:normAutofit/>
+          </a:bodyPr>
+          <a:lstStyle/>
+          <a:p>
+            <a:pPr marL="0" indent="0">
+              <a:lnSpc>
+                <a:spcPct val="150000"/>
+              </a:lnSpc>
+              <a:buNone/>
+            </a:pPr>
+            <a:r>
+              <a:rPr lang="zh-CN" altLang="en-US" sz="2000" dirty="0">
+                <a:solidFill>
+                  <a:schemeClr val="bg2">
+                    <a:lumMod val="25000"/>
+                  </a:schemeClr>
+                </a:solidFill>
+              </a:rPr>
+              <a:t>文本特征列</a:t>
+            </a:r>
+            <a:br>
+              <a:rPr lang="en-US" altLang="zh-CN" sz="1800" dirty="0">
+                <a:solidFill>
+                  <a:schemeClr val="bg2">
+                    <a:lumMod val="25000"/>
+                  </a:schemeClr>
+                </a:solidFill>
+              </a:rPr>
+            </a:br>
+            <a:endParaRPr lang="en-US" altLang="zh-CN" sz="1800" dirty="0">
+              <a:solidFill>
+                <a:schemeClr val="bg2">
+                  <a:lumMod val="25000"/>
+                </a:schemeClr>
+              </a:solidFill>
+            </a:endParaRPr>
+          </a:p>
+        </p:txBody>
+      </p:sp>
+      <p:pic>
+        <p:nvPicPr>
+          <p:cNvPr id="2" name="Picture 1">
+            <a:extLst>
+              <a:ext uri="{FF2B5EF4-FFF2-40B4-BE49-F238E27FC236}">
+                <a16:creationId xmlns:a16="http://schemas.microsoft.com/office/drawing/2014/main" id="{B04C2165-79A5-A7C3-000F-0CEC7C54DD98}"/>
+              </a:ext>
+            </a:extLst>
+          </p:cNvPr>
+          <p:cNvPicPr>
+            <a:picLocks noChangeAspect="1"/>
+          </p:cNvPicPr>
+          <p:nvPr/>
+        </p:nvPicPr>
+        <p:blipFill>
+          <a:blip r:embed="rId3"/>
+          <a:stretch>
+            <a:fillRect/>
+          </a:stretch>
+        </p:blipFill>
+        <p:spPr>
+          <a:xfrm>
+            <a:off x="967589" y="2055243"/>
+            <a:ext cx="10256822" cy="3984168"/>
+          </a:xfrm>
+          <a:prstGeom prst="rect">
+            <a:avLst/>
+          </a:prstGeom>
+        </p:spPr>
+      </p:pic>
+    </p:spTree>
+    <p:extLst>
+      <p:ext uri="{BB962C8B-B14F-4D97-AF65-F5344CB8AC3E}">
+        <p14:creationId xmlns:p14="http://schemas.microsoft.com/office/powerpoint/2010/main" val="2291722156"/>
       </p:ext>
     </p:extLst>
   </p:cSld>
@@ -7290,6 +9949,414 @@
     <p:extLst>
       <p:ext uri="{BB962C8B-B14F-4D97-AF65-F5344CB8AC3E}">
         <p14:creationId xmlns:p14="http://schemas.microsoft.com/office/powerpoint/2010/main" val="948195551"/>
+      </p:ext>
+    </p:extLst>
+  </p:cSld>
+  <p:clrMapOvr>
+    <a:masterClrMapping/>
+  </p:clrMapOvr>
+</p:sld>
+</file>
+
+<file path=ppt/slides/slide20.xml><?xml version="1.0" encoding="utf-8"?>
+<p:sld xmlns:a="http://schemas.openxmlformats.org/drawingml/2006/main" xmlns:r="http://schemas.openxmlformats.org/officeDocument/2006/relationships" xmlns:p="http://schemas.openxmlformats.org/presentationml/2006/main">
+  <p:cSld>
+    <p:spTree>
+      <p:nvGrpSpPr>
+        <p:cNvPr id="1" name=""/>
+        <p:cNvGrpSpPr/>
+        <p:nvPr/>
+      </p:nvGrpSpPr>
+      <p:grpSpPr>
+        <a:xfrm>
+          <a:off x="0" y="0"/>
+          <a:ext cx="0" cy="0"/>
+          <a:chOff x="0" y="0"/>
+          <a:chExt cx="0" cy="0"/>
+        </a:xfrm>
+      </p:grpSpPr>
+      <p:sp>
+        <p:nvSpPr>
+          <p:cNvPr id="6" name="Title 5"/>
+          <p:cNvSpPr>
+            <a:spLocks noGrp="1"/>
+          </p:cNvSpPr>
+          <p:nvPr>
+            <p:ph type="title"/>
+          </p:nvPr>
+        </p:nvSpPr>
+        <p:spPr>
+          <a:xfrm>
+            <a:off x="838200" y="193964"/>
+            <a:ext cx="10515600" cy="1153574"/>
+          </a:xfrm>
+        </p:spPr>
+        <p:txBody>
+          <a:bodyPr>
+            <a:normAutofit/>
+          </a:bodyPr>
+          <a:lstStyle/>
+          <a:p>
+            <a:pPr>
+              <a:lnSpc>
+                <a:spcPct val="150000"/>
+              </a:lnSpc>
+            </a:pPr>
+            <a:r>
+              <a:rPr lang="zh-CN" altLang="en-US" sz="2400" b="1" dirty="0">
+                <a:latin typeface="Microsoft YaHei" panose="020B0503020204020204" pitchFamily="34" charset="-122"/>
+                <a:ea typeface="Microsoft YaHei" panose="020B0503020204020204" pitchFamily="34" charset="-122"/>
+              </a:rPr>
+              <a:t>案例分析：预处理</a:t>
+            </a:r>
+            <a:br>
+              <a:rPr lang="en-US" altLang="zh-CN" sz="1800" dirty="0">
+                <a:solidFill>
+                  <a:schemeClr val="bg1">
+                    <a:lumMod val="50000"/>
+                  </a:schemeClr>
+                </a:solidFill>
+              </a:rPr>
+            </a:br>
+            <a:r>
+              <a:rPr lang="en-US" altLang="zh-CN" sz="1800" dirty="0">
+                <a:solidFill>
+                  <a:srgbClr val="0070C0"/>
+                </a:solidFill>
+                <a:latin typeface="Pristina" panose="020F0502020204030204" pitchFamily="34" charset="0"/>
+              </a:rPr>
+              <a:t>Case:</a:t>
+            </a:r>
+            <a:r>
+              <a:rPr lang="zh-CN" altLang="en-US" sz="1800" dirty="0">
+                <a:solidFill>
+                  <a:srgbClr val="0070C0"/>
+                </a:solidFill>
+                <a:latin typeface="Pristina" panose="020F0502020204030204" pitchFamily="34" charset="0"/>
+              </a:rPr>
+              <a:t>  二分类案例分析</a:t>
+            </a:r>
+            <a:endParaRPr lang="en-US" sz="1800" dirty="0">
+              <a:solidFill>
+                <a:srgbClr val="0070C0"/>
+              </a:solidFill>
+              <a:latin typeface="Pristina" panose="020F0502020204030204" pitchFamily="34" charset="0"/>
+              <a:cs typeface="Pristina" panose="020F0502020204030204" pitchFamily="34" charset="0"/>
+            </a:endParaRPr>
+          </a:p>
+        </p:txBody>
+      </p:sp>
+      <p:sp>
+        <p:nvSpPr>
+          <p:cNvPr id="7" name="Content Placeholder 6"/>
+          <p:cNvSpPr>
+            <a:spLocks noGrp="1"/>
+          </p:cNvSpPr>
+          <p:nvPr>
+            <p:ph idx="1"/>
+          </p:nvPr>
+        </p:nvSpPr>
+        <p:spPr>
+          <a:xfrm>
+            <a:off x="838200" y="1472665"/>
+            <a:ext cx="10515600" cy="4704298"/>
+          </a:xfrm>
+        </p:spPr>
+        <p:txBody>
+          <a:bodyPr>
+            <a:normAutofit/>
+          </a:bodyPr>
+          <a:lstStyle/>
+          <a:p>
+            <a:pPr marL="0" indent="0">
+              <a:lnSpc>
+                <a:spcPct val="150000"/>
+              </a:lnSpc>
+              <a:buNone/>
+            </a:pPr>
+            <a:r>
+              <a:rPr lang="zh-CN" altLang="en-US" sz="2000" dirty="0">
+                <a:solidFill>
+                  <a:schemeClr val="bg2">
+                    <a:lumMod val="25000"/>
+                  </a:schemeClr>
+                </a:solidFill>
+              </a:rPr>
+              <a:t>文本特征</a:t>
+            </a:r>
+            <a:endParaRPr lang="en-US" altLang="zh-CN" sz="2000" dirty="0">
+              <a:solidFill>
+                <a:schemeClr val="bg2">
+                  <a:lumMod val="25000"/>
+                </a:schemeClr>
+              </a:solidFill>
+            </a:endParaRPr>
+          </a:p>
+          <a:p>
+            <a:pPr>
+              <a:lnSpc>
+                <a:spcPct val="150000"/>
+              </a:lnSpc>
+            </a:pPr>
+            <a:r>
+              <a:rPr lang="zh-CN" altLang="en-US" sz="1800" dirty="0">
+                <a:solidFill>
+                  <a:schemeClr val="bg2">
+                    <a:lumMod val="25000"/>
+                  </a:schemeClr>
+                </a:solidFill>
+              </a:rPr>
+              <a:t>只有文本特别列，如前边的 </a:t>
+            </a:r>
+            <a:r>
+              <a:rPr lang="en-US" altLang="zh-CN" sz="1800" dirty="0">
+                <a:solidFill>
+                  <a:schemeClr val="bg2">
+                    <a:lumMod val="25000"/>
+                  </a:schemeClr>
+                </a:solidFill>
+              </a:rPr>
+              <a:t>title,</a:t>
+            </a:r>
+            <a:r>
+              <a:rPr lang="zh-CN" altLang="en-US" sz="1800" dirty="0">
+                <a:solidFill>
+                  <a:schemeClr val="bg2">
+                    <a:lumMod val="25000"/>
+                  </a:schemeClr>
+                </a:solidFill>
+              </a:rPr>
+              <a:t> </a:t>
+            </a:r>
+            <a:r>
+              <a:rPr lang="en-US" altLang="zh-CN" sz="1800" dirty="0">
+                <a:solidFill>
+                  <a:schemeClr val="bg2">
+                    <a:lumMod val="25000"/>
+                  </a:schemeClr>
+                </a:solidFill>
+              </a:rPr>
+              <a:t>text</a:t>
+            </a:r>
+            <a:r>
+              <a:rPr lang="zh-CN" altLang="en-US" sz="1800" dirty="0">
+                <a:solidFill>
+                  <a:schemeClr val="bg2">
+                    <a:lumMod val="25000"/>
+                  </a:schemeClr>
+                </a:solidFill>
+              </a:rPr>
+              <a:t> 两个字段会进入 </a:t>
+            </a:r>
+            <a:r>
+              <a:rPr lang="en-US" altLang="zh-CN" sz="1800" dirty="0">
+                <a:solidFill>
+                  <a:schemeClr val="bg2">
+                    <a:lumMod val="25000"/>
+                  </a:schemeClr>
+                </a:solidFill>
+              </a:rPr>
+              <a:t>Word2Vec</a:t>
+            </a:r>
+            <a:r>
+              <a:rPr lang="zh-CN" altLang="en-US" sz="1800" dirty="0">
+                <a:solidFill>
+                  <a:schemeClr val="bg2">
+                    <a:lumMod val="25000"/>
+                  </a:schemeClr>
+                </a:solidFill>
+              </a:rPr>
+              <a:t> 的处理流程，并且存储下对应的向量矩阵，其他内容是不需要做文本分析的，所以在需求分析过程中一定要清楚 </a:t>
+            </a:r>
+            <a:r>
+              <a:rPr lang="en-US" altLang="zh-CN" sz="1800" dirty="0">
+                <a:solidFill>
+                  <a:schemeClr val="bg2">
+                    <a:lumMod val="25000"/>
+                  </a:schemeClr>
+                </a:solidFill>
+              </a:rPr>
+              <a:t>Word2Vec</a:t>
+            </a:r>
+            <a:r>
+              <a:rPr lang="zh-CN" altLang="en-US" sz="1800" dirty="0">
+                <a:solidFill>
+                  <a:schemeClr val="bg2">
+                    <a:lumMod val="25000"/>
+                  </a:schemeClr>
+                </a:solidFill>
+              </a:rPr>
+              <a:t> 处理了哪些特征，如果通篇处理一定会出问题的。</a:t>
+            </a:r>
+            <a:endParaRPr lang="en-US" altLang="zh-CN" sz="1800" dirty="0">
+              <a:solidFill>
+                <a:schemeClr val="bg2">
+                  <a:lumMod val="25000"/>
+                </a:schemeClr>
+              </a:solidFill>
+            </a:endParaRPr>
+          </a:p>
+          <a:p>
+            <a:pPr>
+              <a:lnSpc>
+                <a:spcPct val="150000"/>
+              </a:lnSpc>
+            </a:pPr>
+            <a:r>
+              <a:rPr lang="zh-CN" altLang="en-US" sz="1800" dirty="0">
+                <a:solidFill>
+                  <a:schemeClr val="bg2">
+                    <a:lumMod val="25000"/>
+                  </a:schemeClr>
+                </a:solidFill>
+              </a:rPr>
+              <a:t>一旦生成了特征矩阵之后，就可以连同之前的分类型、数值型特征，丢给模型去处理并建模，所以才会有之前的特征分流处理的 </a:t>
+            </a:r>
+            <a:r>
+              <a:rPr lang="en-US" altLang="zh-CN" sz="1800" dirty="0">
+                <a:solidFill>
+                  <a:schemeClr val="bg2">
+                    <a:lumMod val="25000"/>
+                  </a:schemeClr>
+                </a:solidFill>
+              </a:rPr>
+              <a:t>Pipeline</a:t>
+            </a:r>
+            <a:r>
+              <a:rPr lang="zh-CN" altLang="en-US" sz="1800" dirty="0">
+                <a:solidFill>
+                  <a:schemeClr val="bg2">
+                    <a:lumMod val="25000"/>
+                  </a:schemeClr>
+                </a:solidFill>
+              </a:rPr>
+              <a:t> 的</a:t>
+            </a:r>
+            <a:r>
+              <a:rPr lang="zh-CN" altLang="en-US" sz="1800">
+                <a:solidFill>
+                  <a:schemeClr val="bg2">
+                    <a:lumMod val="25000"/>
+                  </a:schemeClr>
+                </a:solidFill>
+              </a:rPr>
+              <a:t>流程结构图。</a:t>
+            </a:r>
+            <a:endParaRPr lang="en-US" altLang="zh-CN" sz="1800" dirty="0">
+              <a:solidFill>
+                <a:schemeClr val="bg2">
+                  <a:lumMod val="25000"/>
+                </a:schemeClr>
+              </a:solidFill>
+            </a:endParaRPr>
+          </a:p>
+        </p:txBody>
+      </p:sp>
+    </p:spTree>
+    <p:extLst>
+      <p:ext uri="{BB962C8B-B14F-4D97-AF65-F5344CB8AC3E}">
+        <p14:creationId xmlns:p14="http://schemas.microsoft.com/office/powerpoint/2010/main" val="3579051827"/>
+      </p:ext>
+    </p:extLst>
+  </p:cSld>
+  <p:clrMapOvr>
+    <a:masterClrMapping/>
+  </p:clrMapOvr>
+</p:sld>
+</file>
+
+<file path=ppt/slides/slide21.xml><?xml version="1.0" encoding="utf-8"?>
+<p:sld xmlns:a="http://schemas.openxmlformats.org/drawingml/2006/main" xmlns:r="http://schemas.openxmlformats.org/officeDocument/2006/relationships" xmlns:p="http://schemas.openxmlformats.org/presentationml/2006/main">
+  <p:cSld>
+    <p:spTree>
+      <p:nvGrpSpPr>
+        <p:cNvPr id="1" name=""/>
+        <p:cNvGrpSpPr/>
+        <p:nvPr/>
+      </p:nvGrpSpPr>
+      <p:grpSpPr>
+        <a:xfrm>
+          <a:off x="0" y="0"/>
+          <a:ext cx="0" cy="0"/>
+          <a:chOff x="0" y="0"/>
+          <a:chExt cx="0" cy="0"/>
+        </a:xfrm>
+      </p:grpSpPr>
+      <p:sp>
+        <p:nvSpPr>
+          <p:cNvPr id="6" name="Title 5"/>
+          <p:cNvSpPr>
+            <a:spLocks noGrp="1"/>
+          </p:cNvSpPr>
+          <p:nvPr>
+            <p:ph type="title"/>
+          </p:nvPr>
+        </p:nvSpPr>
+        <p:spPr>
+          <a:xfrm>
+            <a:off x="838200" y="2489760"/>
+            <a:ext cx="10515600" cy="1325563"/>
+          </a:xfrm>
+        </p:spPr>
+        <p:txBody>
+          <a:bodyPr>
+            <a:normAutofit/>
+          </a:bodyPr>
+          <a:lstStyle/>
+          <a:p>
+            <a:pPr algn="ctr"/>
+            <a:r>
+              <a:rPr lang="en-US" altLang="zh-CN" sz="8000" dirty="0">
+                <a:latin typeface="Chalkboard" charset="0"/>
+                <a:ea typeface="Chalkboard" charset="0"/>
+                <a:cs typeface="Chalkboard" charset="0"/>
+              </a:rPr>
+              <a:t>Q</a:t>
+            </a:r>
+            <a:r>
+              <a:rPr lang="zh-CN" altLang="en-US" sz="8000" dirty="0">
+                <a:latin typeface="Chalkboard" charset="0"/>
+                <a:ea typeface="Chalkboard" charset="0"/>
+                <a:cs typeface="Chalkboard" charset="0"/>
+              </a:rPr>
+              <a:t> </a:t>
+            </a:r>
+            <a:r>
+              <a:rPr lang="en-US" altLang="zh-CN" sz="8000" dirty="0">
+                <a:latin typeface="Chalkboard" charset="0"/>
+                <a:ea typeface="Chalkboard" charset="0"/>
+                <a:cs typeface="Chalkboard" charset="0"/>
+              </a:rPr>
+              <a:t>&amp;</a:t>
+            </a:r>
+            <a:r>
+              <a:rPr lang="zh-CN" altLang="en-US" sz="8000" dirty="0">
+                <a:latin typeface="Chalkboard" charset="0"/>
+                <a:ea typeface="Chalkboard" charset="0"/>
+                <a:cs typeface="Chalkboard" charset="0"/>
+              </a:rPr>
+              <a:t> </a:t>
+            </a:r>
+            <a:r>
+              <a:rPr lang="en-US" altLang="zh-CN" sz="8000" dirty="0">
+                <a:latin typeface="Chalkboard" charset="0"/>
+                <a:ea typeface="Chalkboard" charset="0"/>
+                <a:cs typeface="Chalkboard" charset="0"/>
+              </a:rPr>
+              <a:t>A</a:t>
+            </a:r>
+            <a:endParaRPr lang="en-US" sz="8000" dirty="0">
+              <a:latin typeface="Chalkboard" charset="0"/>
+              <a:ea typeface="Chalkboard" charset="0"/>
+              <a:cs typeface="Chalkboard" charset="0"/>
+            </a:endParaRPr>
+          </a:p>
+        </p:txBody>
+      </p:sp>
+    </p:spTree>
+    <p:extLst>
+      <p:ext uri="{BB962C8B-B14F-4D97-AF65-F5344CB8AC3E}">
+        <p14:creationId xmlns:p14="http://schemas.microsoft.com/office/powerpoint/2010/main" val="662552141"/>
       </p:ext>
     </p:extLst>
   </p:cSld>

--- a/ppt/04.二分类-文本输入.pptx
+++ b/ppt/04.二分类-文本输入.pptx
@@ -217,7 +217,7 @@
           <a:p>
             <a:fld id="{DACACA31-A8D1-C749-B637-11AA2950D448}" type="datetimeFigureOut">
               <a:rPr lang="en-US" smtClean="0"/>
-              <a:t>3/26/24</a:t>
+              <a:t>3/29/24</a:t>
             </a:fld>
             <a:endParaRPr lang="en-US"/>
           </a:p>
@@ -873,7 +873,7 @@
           <a:p>
             <a:fld id="{96C716C6-330E-FB4E-98B0-A511746D665E}" type="datetimeFigureOut">
               <a:rPr lang="en-US" smtClean="0"/>
-              <a:t>3/26/24</a:t>
+              <a:t>3/29/24</a:t>
             </a:fld>
             <a:endParaRPr lang="en-US"/>
           </a:p>
@@ -1149,7 +1149,7 @@
           <a:p>
             <a:fld id="{96C716C6-330E-FB4E-98B0-A511746D665E}" type="datetimeFigureOut">
               <a:rPr lang="en-US" smtClean="0"/>
-              <a:t>3/26/24</a:t>
+              <a:t>3/29/24</a:t>
             </a:fld>
             <a:endParaRPr lang="en-US"/>
           </a:p>
@@ -1341,7 +1341,7 @@
           <a:p>
             <a:fld id="{96C716C6-330E-FB4E-98B0-A511746D665E}" type="datetimeFigureOut">
               <a:rPr lang="en-US" smtClean="0"/>
-              <a:t>3/26/24</a:t>
+              <a:t>3/29/24</a:t>
             </a:fld>
             <a:endParaRPr lang="en-US"/>
           </a:p>
@@ -1543,7 +1543,7 @@
           <a:p>
             <a:fld id="{96C716C6-330E-FB4E-98B0-A511746D665E}" type="datetimeFigureOut">
               <a:rPr lang="en-US" smtClean="0"/>
-              <a:t>3/26/24</a:t>
+              <a:t>3/29/24</a:t>
             </a:fld>
             <a:endParaRPr lang="en-US"/>
           </a:p>
@@ -1735,7 +1735,7 @@
           <a:p>
             <a:fld id="{96C716C6-330E-FB4E-98B0-A511746D665E}" type="datetimeFigureOut">
               <a:rPr lang="en-US" smtClean="0"/>
-              <a:t>3/26/24</a:t>
+              <a:t>3/29/24</a:t>
             </a:fld>
             <a:endParaRPr lang="en-US"/>
           </a:p>
@@ -1983,7 +1983,7 @@
           <a:p>
             <a:fld id="{96C716C6-330E-FB4E-98B0-A511746D665E}" type="datetimeFigureOut">
               <a:rPr lang="en-US" smtClean="0"/>
-              <a:t>3/26/24</a:t>
+              <a:t>3/29/24</a:t>
             </a:fld>
             <a:endParaRPr lang="en-US"/>
           </a:p>
@@ -2247,7 +2247,7 @@
           <a:p>
             <a:fld id="{96C716C6-330E-FB4E-98B0-A511746D665E}" type="datetimeFigureOut">
               <a:rPr lang="en-US" smtClean="0"/>
-              <a:t>3/26/24</a:t>
+              <a:t>3/29/24</a:t>
             </a:fld>
             <a:endParaRPr lang="en-US"/>
           </a:p>
@@ -2500,7 +2500,7 @@
           <a:p>
             <a:fld id="{96C716C6-330E-FB4E-98B0-A511746D665E}" type="datetimeFigureOut">
               <a:rPr lang="en-US" smtClean="0"/>
-              <a:t>3/26/24</a:t>
+              <a:t>3/29/24</a:t>
             </a:fld>
             <a:endParaRPr lang="en-US"/>
           </a:p>
@@ -2888,7 +2888,7 @@
           <a:p>
             <a:fld id="{96C716C6-330E-FB4E-98B0-A511746D665E}" type="datetimeFigureOut">
               <a:rPr lang="en-US" smtClean="0"/>
-              <a:t>3/26/24</a:t>
+              <a:t>3/29/24</a:t>
             </a:fld>
             <a:endParaRPr lang="en-US"/>
           </a:p>
@@ -3029,7 +3029,7 @@
           <a:p>
             <a:fld id="{96C716C6-330E-FB4E-98B0-A511746D665E}" type="datetimeFigureOut">
               <a:rPr lang="en-US" smtClean="0"/>
-              <a:t>3/26/24</a:t>
+              <a:t>3/29/24</a:t>
             </a:fld>
             <a:endParaRPr lang="en-US"/>
           </a:p>
@@ -3148,7 +3148,7 @@
           <a:p>
             <a:fld id="{96C716C6-330E-FB4E-98B0-A511746D665E}" type="datetimeFigureOut">
               <a:rPr lang="en-US" smtClean="0"/>
-              <a:t>3/26/24</a:t>
+              <a:t>3/29/24</a:t>
             </a:fld>
             <a:endParaRPr lang="en-US"/>
           </a:p>
@@ -3447,7 +3447,7 @@
           <a:p>
             <a:fld id="{96C716C6-330E-FB4E-98B0-A511746D665E}" type="datetimeFigureOut">
               <a:rPr lang="en-US" smtClean="0"/>
-              <a:t>3/26/24</a:t>
+              <a:t>3/29/24</a:t>
             </a:fld>
             <a:endParaRPr lang="en-US"/>
           </a:p>
@@ -9341,7 +9341,14 @@
                 <a:latin typeface="Microsoft YaHei" panose="020B0503020204020204" pitchFamily="34" charset="-122"/>
                 <a:ea typeface="Microsoft YaHei" panose="020B0503020204020204" pitchFamily="34" charset="-122"/>
               </a:rPr>
-              <a:t>案例分析：预处理</a:t>
+              <a:t>案例分析</a:t>
+            </a:r>
+            <a:r>
+              <a:rPr lang="zh-CN" altLang="en-US" sz="2400" b="1">
+                <a:latin typeface="Microsoft YaHei" panose="020B0503020204020204" pitchFamily="34" charset="-122"/>
+                <a:ea typeface="Microsoft YaHei" panose="020B0503020204020204" pitchFamily="34" charset="-122"/>
+              </a:rPr>
+              <a:t>：文件规划</a:t>
             </a:r>
             <a:br>
               <a:rPr lang="en-US" altLang="zh-CN" sz="1800" dirty="0">
@@ -10106,7 +10113,25 @@
                   </a:schemeClr>
                 </a:solidFill>
               </a:rPr>
-              <a:t>只有文本特别列，如前边的 </a:t>
+              <a:t>只有</a:t>
+            </a:r>
+            <a:r>
+              <a:rPr lang="zh-CN" altLang="en-US" sz="1800" dirty="0">
+                <a:solidFill>
+                  <a:schemeClr val="accent2"/>
+                </a:solidFill>
+              </a:rPr>
+              <a:t>文本特征列</a:t>
+            </a:r>
+            <a:r>
+              <a:rPr lang="zh-CN" altLang="en-US" sz="1800" dirty="0">
+                <a:solidFill>
+                  <a:schemeClr val="bg2">
+                    <a:lumMod val="25000"/>
+                  </a:schemeClr>
+                </a:solidFill>
+              </a:rPr>
+              <a:t>，如前边的 </a:t>
             </a:r>
             <a:r>
               <a:rPr lang="en-US" altLang="zh-CN" sz="1800" dirty="0">
@@ -10186,7 +10211,7 @@
                   </a:schemeClr>
                 </a:solidFill>
               </a:rPr>
-              <a:t> 处理了哪些特征，如果通篇处理一定会出问题的。</a:t>
+              <a:t> 处理了哪些特征，如果通篇处理可能会出问题。</a:t>
             </a:r>
             <a:endParaRPr lang="en-US" altLang="zh-CN" sz="1800" dirty="0">
               <a:solidFill>
@@ -10210,7 +10235,25 @@
                   </a:schemeClr>
                 </a:solidFill>
               </a:rPr>
-              <a:t>一旦生成了特征矩阵之后，就可以连同之前的分类型、数值型特征，丢给模型去处理并建模，所以才会有之前的特征分流处理的 </a:t>
+              <a:t>一旦生成了特征矩阵之后，就可以连同之前的</a:t>
+            </a:r>
+            <a:r>
+              <a:rPr lang="zh-CN" altLang="en-US" sz="1800" dirty="0">
+                <a:solidFill>
+                  <a:schemeClr val="accent2"/>
+                </a:solidFill>
+              </a:rPr>
+              <a:t>分类型、数值型</a:t>
+            </a:r>
+            <a:r>
+              <a:rPr lang="zh-CN" altLang="en-US" sz="1800" dirty="0">
+                <a:solidFill>
+                  <a:schemeClr val="bg2">
+                    <a:lumMod val="25000"/>
+                  </a:schemeClr>
+                </a:solidFill>
+              </a:rPr>
+              <a:t>特征，丢给模型去处理并建模，所以才会有之前的特征分流处理的 </a:t>
             </a:r>
             <a:r>
               <a:rPr lang="en-US" altLang="zh-CN" sz="1800" dirty="0">
@@ -10230,17 +10273,7 @@
                   </a:schemeClr>
                 </a:solidFill>
               </a:rPr>
-              <a:t> 的</a:t>
-            </a:r>
-            <a:r>
-              <a:rPr lang="zh-CN" altLang="en-US" sz="1800">
-                <a:solidFill>
-                  <a:schemeClr val="bg2">
-                    <a:lumMod val="25000"/>
-                  </a:schemeClr>
-                </a:solidFill>
-              </a:rPr>
-              <a:t>流程结构图。</a:t>
+              <a:t> 的流程结构图。</a:t>
             </a:r>
             <a:endParaRPr lang="en-US" altLang="zh-CN" sz="1800" dirty="0">
               <a:solidFill>
